--- a/Docs/ShoeShopEcom.pptx
+++ b/Docs/ShoeShopEcom.pptx
@@ -1,42 +1,56 @@
 
 <file path=ppt/presentation.xml><?xml version="1.0" encoding="utf-8"?>
-<p:presentation xmlns:a="http://schemas.openxmlformats.org/drawingml/2006/main" xmlns:r="http://schemas.openxmlformats.org/officeDocument/2006/relationships" xmlns:mc="http://schemas.openxmlformats.org/markup-compatibility/2006" xmlns:mv="urn:schemas-microsoft-com:mac:vml" xmlns:p="http://schemas.openxmlformats.org/presentationml/2006/main" xmlns:c="http://schemas.openxmlformats.org/drawingml/2006/chart" xmlns:dgm="http://schemas.openxmlformats.org/drawingml/2006/diagram" xmlns:o="urn:schemas-microsoft-com:office:office" xmlns:v="urn:schemas-microsoft-com:vml" xmlns:pvml="urn:schemas-microsoft-com:office:powerpoint" xmlns:com="http://schemas.openxmlformats.org/drawingml/2006/compatibility" xmlns:p14="http://schemas.microsoft.com/office/powerpoint/2010/main" xmlns:p15="http://schemas.microsoft.com/office/powerpoint/2012/main" xmlns:ahyp="http://schemas.microsoft.com/office/drawing/2018/hyperlinkcolor" autoCompressPictures="0" embedTrueTypeFonts="1" strictFirstAndLastChars="0" saveSubsetFonts="1">
+<p:presentation xmlns:a="http://schemas.openxmlformats.org/drawingml/2006/main" xmlns:r="http://schemas.openxmlformats.org/officeDocument/2006/relationships" xmlns:p="http://schemas.openxmlformats.org/presentationml/2006/main" strictFirstAndLastChars="0" embedTrueTypeFonts="1" saveSubsetFonts="1" autoCompressPictures="0">
   <p:sldMasterIdLst>
-    <p:sldMasterId id="2147483648" r:id="rId4"/>
+    <p:sldMasterId id="2147483648" r:id="rId1"/>
   </p:sldMasterIdLst>
   <p:notesMasterIdLst>
-    <p:notesMasterId r:id="rId5"/>
+    <p:notesMasterId r:id="rId10"/>
   </p:notesMasterIdLst>
   <p:sldIdLst>
-    <p:sldId id="256" r:id="rId6"/>
-    <p:sldId id="257" r:id="rId7"/>
-    <p:sldId id="258" r:id="rId8"/>
-    <p:sldId id="259" r:id="rId9"/>
-    <p:sldId id="260" r:id="rId10"/>
-    <p:sldId id="261" r:id="rId11"/>
-    <p:sldId id="262" r:id="rId12"/>
-    <p:sldId id="263" r:id="rId13"/>
+    <p:sldId id="256" r:id="rId2"/>
+    <p:sldId id="257" r:id="rId3"/>
+    <p:sldId id="258" r:id="rId4"/>
+    <p:sldId id="259" r:id="rId5"/>
+    <p:sldId id="260" r:id="rId6"/>
+    <p:sldId id="261" r:id="rId7"/>
+    <p:sldId id="262" r:id="rId8"/>
+    <p:sldId id="263" r:id="rId9"/>
   </p:sldIdLst>
-  <p:sldSz cy="6858000" cx="12192000"/>
+  <p:sldSz cx="12192000" cy="6858000"/>
   <p:notesSz cx="6858000" cy="9144000"/>
   <p:embeddedFontLst>
     <p:embeddedFont>
-      <p:font typeface="Montserrat"/>
-      <p:regular r:id="rId14"/>
-      <p:bold r:id="rId15"/>
-      <p:italic r:id="rId16"/>
-      <p:boldItalic r:id="rId17"/>
+      <p:font typeface="Calibri" panose="020F0502020204030204" pitchFamily="34" charset="0"/>
+      <p:regular r:id="rId11"/>
+      <p:bold r:id="rId12"/>
+      <p:italic r:id="rId13"/>
+      <p:boldItalic r:id="rId14"/>
     </p:embeddedFont>
     <p:embeddedFont>
-      <p:font typeface="Lato"/>
-      <p:regular r:id="rId18"/>
-      <p:bold r:id="rId19"/>
-      <p:italic r:id="rId20"/>
-      <p:boldItalic r:id="rId21"/>
+      <p:font typeface="Montserrat" panose="020B0604020202020204" charset="0"/>
+      <p:regular r:id="rId15"/>
+      <p:bold r:id="rId16"/>
+      <p:italic r:id="rId17"/>
+      <p:boldItalic r:id="rId18"/>
+    </p:embeddedFont>
+    <p:embeddedFont>
+      <p:font typeface="Lato" panose="020B0604020202020204" charset="0"/>
+      <p:regular r:id="rId19"/>
+      <p:bold r:id="rId20"/>
+      <p:italic r:id="rId21"/>
+      <p:boldItalic r:id="rId22"/>
+    </p:embeddedFont>
+    <p:embeddedFont>
+      <p:font typeface="Trebuchet MS" panose="020B0603020202020204" pitchFamily="34" charset="0"/>
+      <p:regular r:id="rId23"/>
+      <p:bold r:id="rId24"/>
+      <p:italic r:id="rId25"/>
+      <p:boldItalic r:id="rId26"/>
     </p:embeddedFont>
   </p:embeddedFontLst>
   <p:defaultTextStyle>
-    <a:defPPr lvl="0" marR="0" rtl="0" algn="l">
+    <a:defPPr marR="0" lvl="0" algn="l" rtl="0">
       <a:lnSpc>
         <a:spcPct val="100000"/>
       </a:lnSpc>
@@ -47,7 +61,7 @@
         <a:spcPts val="0"/>
       </a:spcAft>
     </a:defPPr>
-    <a:lvl1pPr lvl="0" marR="0" rtl="0" algn="l">
+    <a:lvl1pPr marR="0" lvl="0" algn="l" rtl="0">
       <a:lnSpc>
         <a:spcPct val="100000"/>
       </a:lnSpc>
@@ -61,7 +75,7 @@
         <a:srgbClr val="000000"/>
       </a:buClr>
       <a:buFont typeface="Arial"/>
-      <a:defRPr b="0" i="0" sz="1400" u="none" cap="none" strike="noStrike">
+      <a:defRPr sz="1400" b="0" i="0" u="none" strike="noStrike" cap="none">
         <a:solidFill>
           <a:srgbClr val="000000"/>
         </a:solidFill>
@@ -71,7 +85,7 @@
         <a:sym typeface="Arial"/>
       </a:defRPr>
     </a:lvl1pPr>
-    <a:lvl2pPr lvl="1" marR="0" rtl="0" algn="l">
+    <a:lvl2pPr marR="0" lvl="1" algn="l" rtl="0">
       <a:lnSpc>
         <a:spcPct val="100000"/>
       </a:lnSpc>
@@ -85,7 +99,7 @@
         <a:srgbClr val="000000"/>
       </a:buClr>
       <a:buFont typeface="Arial"/>
-      <a:defRPr b="0" i="0" sz="1400" u="none" cap="none" strike="noStrike">
+      <a:defRPr sz="1400" b="0" i="0" u="none" strike="noStrike" cap="none">
         <a:solidFill>
           <a:srgbClr val="000000"/>
         </a:solidFill>
@@ -95,7 +109,7 @@
         <a:sym typeface="Arial"/>
       </a:defRPr>
     </a:lvl2pPr>
-    <a:lvl3pPr lvl="2" marR="0" rtl="0" algn="l">
+    <a:lvl3pPr marR="0" lvl="2" algn="l" rtl="0">
       <a:lnSpc>
         <a:spcPct val="100000"/>
       </a:lnSpc>
@@ -109,7 +123,7 @@
         <a:srgbClr val="000000"/>
       </a:buClr>
       <a:buFont typeface="Arial"/>
-      <a:defRPr b="0" i="0" sz="1400" u="none" cap="none" strike="noStrike">
+      <a:defRPr sz="1400" b="0" i="0" u="none" strike="noStrike" cap="none">
         <a:solidFill>
           <a:srgbClr val="000000"/>
         </a:solidFill>
@@ -119,7 +133,7 @@
         <a:sym typeface="Arial"/>
       </a:defRPr>
     </a:lvl3pPr>
-    <a:lvl4pPr lvl="3" marR="0" rtl="0" algn="l">
+    <a:lvl4pPr marR="0" lvl="3" algn="l" rtl="0">
       <a:lnSpc>
         <a:spcPct val="100000"/>
       </a:lnSpc>
@@ -133,7 +147,7 @@
         <a:srgbClr val="000000"/>
       </a:buClr>
       <a:buFont typeface="Arial"/>
-      <a:defRPr b="0" i="0" sz="1400" u="none" cap="none" strike="noStrike">
+      <a:defRPr sz="1400" b="0" i="0" u="none" strike="noStrike" cap="none">
         <a:solidFill>
           <a:srgbClr val="000000"/>
         </a:solidFill>
@@ -143,7 +157,7 @@
         <a:sym typeface="Arial"/>
       </a:defRPr>
     </a:lvl4pPr>
-    <a:lvl5pPr lvl="4" marR="0" rtl="0" algn="l">
+    <a:lvl5pPr marR="0" lvl="4" algn="l" rtl="0">
       <a:lnSpc>
         <a:spcPct val="100000"/>
       </a:lnSpc>
@@ -157,7 +171,7 @@
         <a:srgbClr val="000000"/>
       </a:buClr>
       <a:buFont typeface="Arial"/>
-      <a:defRPr b="0" i="0" sz="1400" u="none" cap="none" strike="noStrike">
+      <a:defRPr sz="1400" b="0" i="0" u="none" strike="noStrike" cap="none">
         <a:solidFill>
           <a:srgbClr val="000000"/>
         </a:solidFill>
@@ -167,7 +181,7 @@
         <a:sym typeface="Arial"/>
       </a:defRPr>
     </a:lvl5pPr>
-    <a:lvl6pPr lvl="5" marR="0" rtl="0" algn="l">
+    <a:lvl6pPr marR="0" lvl="5" algn="l" rtl="0">
       <a:lnSpc>
         <a:spcPct val="100000"/>
       </a:lnSpc>
@@ -181,7 +195,7 @@
         <a:srgbClr val="000000"/>
       </a:buClr>
       <a:buFont typeface="Arial"/>
-      <a:defRPr b="0" i="0" sz="1400" u="none" cap="none" strike="noStrike">
+      <a:defRPr sz="1400" b="0" i="0" u="none" strike="noStrike" cap="none">
         <a:solidFill>
           <a:srgbClr val="000000"/>
         </a:solidFill>
@@ -191,7 +205,7 @@
         <a:sym typeface="Arial"/>
       </a:defRPr>
     </a:lvl6pPr>
-    <a:lvl7pPr lvl="6" marR="0" rtl="0" algn="l">
+    <a:lvl7pPr marR="0" lvl="6" algn="l" rtl="0">
       <a:lnSpc>
         <a:spcPct val="100000"/>
       </a:lnSpc>
@@ -205,7 +219,7 @@
         <a:srgbClr val="000000"/>
       </a:buClr>
       <a:buFont typeface="Arial"/>
-      <a:defRPr b="0" i="0" sz="1400" u="none" cap="none" strike="noStrike">
+      <a:defRPr sz="1400" b="0" i="0" u="none" strike="noStrike" cap="none">
         <a:solidFill>
           <a:srgbClr val="000000"/>
         </a:solidFill>
@@ -215,7 +229,7 @@
         <a:sym typeface="Arial"/>
       </a:defRPr>
     </a:lvl7pPr>
-    <a:lvl8pPr lvl="7" marR="0" rtl="0" algn="l">
+    <a:lvl8pPr marR="0" lvl="7" algn="l" rtl="0">
       <a:lnSpc>
         <a:spcPct val="100000"/>
       </a:lnSpc>
@@ -229,7 +243,7 @@
         <a:srgbClr val="000000"/>
       </a:buClr>
       <a:buFont typeface="Arial"/>
-      <a:defRPr b="0" i="0" sz="1400" u="none" cap="none" strike="noStrike">
+      <a:defRPr sz="1400" b="0" i="0" u="none" strike="noStrike" cap="none">
         <a:solidFill>
           <a:srgbClr val="000000"/>
         </a:solidFill>
@@ -239,7 +253,7 @@
         <a:sym typeface="Arial"/>
       </a:defRPr>
     </a:lvl8pPr>
-    <a:lvl9pPr lvl="8" marR="0" rtl="0" algn="l">
+    <a:lvl9pPr marR="0" lvl="8" algn="l" rtl="0">
       <a:lnSpc>
         <a:spcPct val="100000"/>
       </a:lnSpc>
@@ -253,7 +267,7 @@
         <a:srgbClr val="000000"/>
       </a:buClr>
       <a:buFont typeface="Arial"/>
-      <a:defRPr b="0" i="0" sz="1400" u="none" cap="none" strike="noStrike">
+      <a:defRPr sz="1400" b="0" i="0" u="none" strike="noStrike" cap="none">
         <a:solidFill>
           <a:srgbClr val="000000"/>
         </a:solidFill>
@@ -266,7 +280,7 @@
   </p:defaultTextStyle>
   <p:extLst>
     <p:ext uri="{EFAFB233-063F-42B5-8137-9DF3F51BA10A}">
-      <p15:sldGuideLst>
+      <p15:sldGuideLst xmlns:p15="http://schemas.microsoft.com/office/powerpoint/2012/main">
         <p15:guide id="1" orient="horz" pos="2160">
           <p15:clr>
             <a:srgbClr val="A4A3A4"/>
@@ -280,18 +294,23 @@
       </p15:sldGuideLst>
     </p:ext>
     <p:ext uri="http://customooxmlschemas.google.com/">
-      <go:slidesCustomData xmlns:go="http://customooxmlschemas.google.com/" r:id="rId22" roundtripDataSignature="AMtx7mhutU26Y+fNDefLRMWEbq1xmKjItA=="/>
+      <go:slidesCustomData xmlns:go="http://customooxmlschemas.google.com/" xmlns:ahyp="http://schemas.microsoft.com/office/drawing/2018/hyperlinkcolor" xmlns:p15="http://schemas.microsoft.com/office/powerpoint/2012/main" xmlns:p14="http://schemas.microsoft.com/office/powerpoint/2010/main" xmlns:com="http://schemas.openxmlformats.org/drawingml/2006/compatibility" xmlns:pvml="urn:schemas-microsoft-com:office:powerpoint" xmlns:v="urn:schemas-microsoft-com:vml" xmlns:o="urn:schemas-microsoft-com:office:office" xmlns:dgm="http://schemas.openxmlformats.org/drawingml/2006/diagram" xmlns:c="http://schemas.openxmlformats.org/drawingml/2006/chart" xmlns:mv="urn:schemas-microsoft-com:mac:vml" xmlns:mc="http://schemas.openxmlformats.org/markup-compatibility/2006" xmlns="" r:id="rId27" roundtripDataSignature="AMtx7mhutU26Y+fNDefLRMWEbq1xmKjItA=="/>
     </p:ext>
   </p:extLst>
 </p:presentation>
 </file>
 
 <file path=ppt/notesMasters/notesMaster1.xml><?xml version="1.0" encoding="utf-8"?>
-<p:notesMaster xmlns:a="http://schemas.openxmlformats.org/drawingml/2006/main" xmlns:r="http://schemas.openxmlformats.org/officeDocument/2006/relationships" xmlns:mc="http://schemas.openxmlformats.org/markup-compatibility/2006" xmlns:mv="urn:schemas-microsoft-com:mac:vml" xmlns:p="http://schemas.openxmlformats.org/presentationml/2006/main" xmlns:c="http://schemas.openxmlformats.org/drawingml/2006/chart" xmlns:dgm="http://schemas.openxmlformats.org/drawingml/2006/diagram" xmlns:o="urn:schemas-microsoft-com:office:office" xmlns:v="urn:schemas-microsoft-com:vml" xmlns:pvml="urn:schemas-microsoft-com:office:powerpoint" xmlns:com="http://schemas.openxmlformats.org/drawingml/2006/compatibility" xmlns:p14="http://schemas.microsoft.com/office/powerpoint/2010/main" xmlns:p15="http://schemas.microsoft.com/office/powerpoint/2012/main" xmlns:ahyp="http://schemas.microsoft.com/office/drawing/2018/hyperlinkcolor">
+<p:notesMaster xmlns:a="http://schemas.openxmlformats.org/drawingml/2006/main" xmlns:r="http://schemas.openxmlformats.org/officeDocument/2006/relationships" xmlns:p="http://schemas.openxmlformats.org/presentationml/2006/main">
   <p:cSld>
+    <p:bg>
+      <p:bgRef idx="1001">
+        <a:schemeClr val="bg1"/>
+      </p:bgRef>
+    </p:bg>
     <p:spTree>
       <p:nvGrpSpPr>
-        <p:cNvPr id="2" name="Shape 2"/>
+        <p:cNvPr id="1" name="Shape 2"/>
         <p:cNvGrpSpPr/>
         <p:nvPr/>
       </p:nvGrpSpPr>
@@ -306,9 +325,11 @@
       <p:sp>
         <p:nvSpPr>
           <p:cNvPr id="3" name="Google Shape;3;n"/>
-          <p:cNvSpPr/>
+          <p:cNvSpPr>
+            <a:spLocks noGrp="1" noRot="1" noChangeAspect="1"/>
+          </p:cNvSpPr>
           <p:nvPr>
-            <p:ph idx="2" type="sldImg"/>
+            <p:ph type="sldImg" idx="2"/>
           </p:nvPr>
         </p:nvSpPr>
         <p:spPr>
@@ -317,9 +338,13 @@
             <a:ext cx="4572225" cy="3429000"/>
           </a:xfrm>
           <a:custGeom>
-            <a:rect b="b" l="l" r="r" t="t"/>
+            <a:avLst/>
+            <a:gdLst/>
+            <a:ahLst/>
+            <a:cxnLst/>
+            <a:rect l="l" t="t" r="r" b="b"/>
             <a:pathLst>
-              <a:path extrusionOk="0" h="120000" w="120000">
+              <a:path w="120000" h="120000" extrusionOk="0">
                 <a:moveTo>
                   <a:pt x="0" y="0"/>
                 </a:moveTo>
@@ -337,23 +362,25 @@
             </a:pathLst>
           </a:custGeom>
           <a:noFill/>
-          <a:ln cap="flat" cmpd="sng" w="9525">
+          <a:ln w="9525" cap="flat" cmpd="sng">
             <a:solidFill>
               <a:srgbClr val="000000"/>
             </a:solidFill>
             <a:prstDash val="solid"/>
             <a:round/>
-            <a:headEnd len="sm" w="sm" type="none"/>
-            <a:tailEnd len="sm" w="sm" type="none"/>
+            <a:headEnd type="none" w="sm" len="sm"/>
+            <a:tailEnd type="none" w="sm" len="sm"/>
           </a:ln>
         </p:spPr>
       </p:sp>
       <p:sp>
         <p:nvSpPr>
           <p:cNvPr id="4" name="Google Shape;4;n"/>
-          <p:cNvSpPr txBox="1"/>
+          <p:cNvSpPr txBox="1">
+            <a:spLocks noGrp="1"/>
+          </p:cNvSpPr>
           <p:nvPr>
-            <p:ph idx="1" type="body"/>
+            <p:ph type="body" idx="1"/>
           </p:nvPr>
         </p:nvSpPr>
         <p:spPr>
@@ -370,11 +397,11 @@
           </a:ln>
         </p:spPr>
         <p:txBody>
-          <a:bodyPr anchorCtr="0" anchor="t" bIns="91425" lIns="91425" spcFirstLastPara="1" rIns="91425" wrap="square" tIns="91425">
+          <a:bodyPr spcFirstLastPara="1" wrap="square" lIns="91425" tIns="91425" rIns="91425" bIns="91425" anchor="t" anchorCtr="0">
             <a:noAutofit/>
           </a:bodyPr>
           <a:lstStyle>
-            <a:lvl1pPr indent="-298450" lvl="0" marL="457200">
+            <a:lvl1pPr marL="457200" lvl="0" indent="-298450">
               <a:spcBef>
                 <a:spcPts val="0"/>
               </a:spcBef>
@@ -385,7 +412,7 @@
               <a:buChar char="●"/>
               <a:defRPr sz="1100"/>
             </a:lvl1pPr>
-            <a:lvl2pPr indent="-298450" lvl="1" marL="914400">
+            <a:lvl2pPr marL="914400" lvl="1" indent="-298450">
               <a:spcBef>
                 <a:spcPts val="0"/>
               </a:spcBef>
@@ -396,7 +423,7 @@
               <a:buChar char="○"/>
               <a:defRPr sz="1100"/>
             </a:lvl2pPr>
-            <a:lvl3pPr indent="-298450" lvl="2" marL="1371600">
+            <a:lvl3pPr marL="1371600" lvl="2" indent="-298450">
               <a:spcBef>
                 <a:spcPts val="0"/>
               </a:spcBef>
@@ -407,7 +434,7 @@
               <a:buChar char="■"/>
               <a:defRPr sz="1100"/>
             </a:lvl3pPr>
-            <a:lvl4pPr indent="-298450" lvl="3" marL="1828800">
+            <a:lvl4pPr marL="1828800" lvl="3" indent="-298450">
               <a:spcBef>
                 <a:spcPts val="0"/>
               </a:spcBef>
@@ -418,7 +445,7 @@
               <a:buChar char="●"/>
               <a:defRPr sz="1100"/>
             </a:lvl4pPr>
-            <a:lvl5pPr indent="-298450" lvl="4" marL="2286000">
+            <a:lvl5pPr marL="2286000" lvl="4" indent="-298450">
               <a:spcBef>
                 <a:spcPts val="0"/>
               </a:spcBef>
@@ -429,7 +456,7 @@
               <a:buChar char="○"/>
               <a:defRPr sz="1100"/>
             </a:lvl5pPr>
-            <a:lvl6pPr indent="-298450" lvl="5" marL="2743200">
+            <a:lvl6pPr marL="2743200" lvl="5" indent="-298450">
               <a:spcBef>
                 <a:spcPts val="0"/>
               </a:spcBef>
@@ -440,7 +467,7 @@
               <a:buChar char="■"/>
               <a:defRPr sz="1100"/>
             </a:lvl6pPr>
-            <a:lvl7pPr indent="-298450" lvl="6" marL="3200400">
+            <a:lvl7pPr marL="3200400" lvl="6" indent="-298450">
               <a:spcBef>
                 <a:spcPts val="0"/>
               </a:spcBef>
@@ -451,7 +478,7 @@
               <a:buChar char="●"/>
               <a:defRPr sz="1100"/>
             </a:lvl7pPr>
-            <a:lvl8pPr indent="-298450" lvl="7" marL="3657600">
+            <a:lvl8pPr marL="3657600" lvl="7" indent="-298450">
               <a:spcBef>
                 <a:spcPts val="0"/>
               </a:spcBef>
@@ -462,7 +489,7 @@
               <a:buChar char="○"/>
               <a:defRPr sz="1100"/>
             </a:lvl8pPr>
-            <a:lvl9pPr indent="-298450" lvl="8" marL="4114800">
+            <a:lvl9pPr marL="4114800" lvl="8" indent="-298450">
               <a:spcBef>
                 <a:spcPts val="0"/>
               </a:spcBef>
@@ -474,14 +501,21 @@
               <a:defRPr sz="1100"/>
             </a:lvl9pPr>
           </a:lstStyle>
-          <a:p/>
+          <a:p>
+            <a:endParaRPr/>
+          </a:p>
         </p:txBody>
       </p:sp>
     </p:spTree>
+    <p:extLst>
+      <p:ext uri="{BB962C8B-B14F-4D97-AF65-F5344CB8AC3E}">
+        <p14:creationId xmlns:p14="http://schemas.microsoft.com/office/powerpoint/2010/main" val="3977961031"/>
+      </p:ext>
+    </p:extLst>
   </p:cSld>
-  <p:clrMap accent1="accent1" accent2="accent2" accent3="accent3" accent4="accent4" accent5="accent5" accent6="accent6" bg1="lt1" bg2="dk2" tx1="dk1" tx2="lt2" folHlink="folHlink" hlink="hlink"/>
+  <p:clrMap bg1="lt1" tx1="dk1" bg2="dk2" tx2="lt2" accent1="accent1" accent2="accent2" accent3="accent3" accent4="accent4" accent5="accent5" accent6="accent6" hlink="hlink" folHlink="folHlink"/>
   <p:notesStyle>
-    <a:defPPr lvl="0" marR="0" rtl="0" algn="l">
+    <a:defPPr marR="0" lvl="0" algn="l" rtl="0">
       <a:lnSpc>
         <a:spcPct val="100000"/>
       </a:lnSpc>
@@ -492,7 +526,7 @@
         <a:spcPts val="0"/>
       </a:spcAft>
     </a:defPPr>
-    <a:lvl1pPr lvl="0" marR="0" rtl="0" algn="l">
+    <a:lvl1pPr marR="0" lvl="0" algn="l" rtl="0">
       <a:lnSpc>
         <a:spcPct val="100000"/>
       </a:lnSpc>
@@ -506,7 +540,7 @@
         <a:srgbClr val="000000"/>
       </a:buClr>
       <a:buFont typeface="Arial"/>
-      <a:defRPr b="0" i="0" sz="1400" u="none" cap="none" strike="noStrike">
+      <a:defRPr sz="1400" b="0" i="0" u="none" strike="noStrike" cap="none">
         <a:solidFill>
           <a:srgbClr val="000000"/>
         </a:solidFill>
@@ -516,7 +550,7 @@
         <a:sym typeface="Arial"/>
       </a:defRPr>
     </a:lvl1pPr>
-    <a:lvl2pPr lvl="1" marR="0" rtl="0" algn="l">
+    <a:lvl2pPr marR="0" lvl="1" algn="l" rtl="0">
       <a:lnSpc>
         <a:spcPct val="100000"/>
       </a:lnSpc>
@@ -530,7 +564,7 @@
         <a:srgbClr val="000000"/>
       </a:buClr>
       <a:buFont typeface="Arial"/>
-      <a:defRPr b="0" i="0" sz="1400" u="none" cap="none" strike="noStrike">
+      <a:defRPr sz="1400" b="0" i="0" u="none" strike="noStrike" cap="none">
         <a:solidFill>
           <a:srgbClr val="000000"/>
         </a:solidFill>
@@ -540,7 +574,7 @@
         <a:sym typeface="Arial"/>
       </a:defRPr>
     </a:lvl2pPr>
-    <a:lvl3pPr lvl="2" marR="0" rtl="0" algn="l">
+    <a:lvl3pPr marR="0" lvl="2" algn="l" rtl="0">
       <a:lnSpc>
         <a:spcPct val="100000"/>
       </a:lnSpc>
@@ -554,7 +588,7 @@
         <a:srgbClr val="000000"/>
       </a:buClr>
       <a:buFont typeface="Arial"/>
-      <a:defRPr b="0" i="0" sz="1400" u="none" cap="none" strike="noStrike">
+      <a:defRPr sz="1400" b="0" i="0" u="none" strike="noStrike" cap="none">
         <a:solidFill>
           <a:srgbClr val="000000"/>
         </a:solidFill>
@@ -564,7 +598,7 @@
         <a:sym typeface="Arial"/>
       </a:defRPr>
     </a:lvl3pPr>
-    <a:lvl4pPr lvl="3" marR="0" rtl="0" algn="l">
+    <a:lvl4pPr marR="0" lvl="3" algn="l" rtl="0">
       <a:lnSpc>
         <a:spcPct val="100000"/>
       </a:lnSpc>
@@ -578,7 +612,7 @@
         <a:srgbClr val="000000"/>
       </a:buClr>
       <a:buFont typeface="Arial"/>
-      <a:defRPr b="0" i="0" sz="1400" u="none" cap="none" strike="noStrike">
+      <a:defRPr sz="1400" b="0" i="0" u="none" strike="noStrike" cap="none">
         <a:solidFill>
           <a:srgbClr val="000000"/>
         </a:solidFill>
@@ -588,7 +622,7 @@
         <a:sym typeface="Arial"/>
       </a:defRPr>
     </a:lvl4pPr>
-    <a:lvl5pPr lvl="4" marR="0" rtl="0" algn="l">
+    <a:lvl5pPr marR="0" lvl="4" algn="l" rtl="0">
       <a:lnSpc>
         <a:spcPct val="100000"/>
       </a:lnSpc>
@@ -602,7 +636,7 @@
         <a:srgbClr val="000000"/>
       </a:buClr>
       <a:buFont typeface="Arial"/>
-      <a:defRPr b="0" i="0" sz="1400" u="none" cap="none" strike="noStrike">
+      <a:defRPr sz="1400" b="0" i="0" u="none" strike="noStrike" cap="none">
         <a:solidFill>
           <a:srgbClr val="000000"/>
         </a:solidFill>
@@ -612,7 +646,7 @@
         <a:sym typeface="Arial"/>
       </a:defRPr>
     </a:lvl5pPr>
-    <a:lvl6pPr lvl="5" marR="0" rtl="0" algn="l">
+    <a:lvl6pPr marR="0" lvl="5" algn="l" rtl="0">
       <a:lnSpc>
         <a:spcPct val="100000"/>
       </a:lnSpc>
@@ -626,7 +660,7 @@
         <a:srgbClr val="000000"/>
       </a:buClr>
       <a:buFont typeface="Arial"/>
-      <a:defRPr b="0" i="0" sz="1400" u="none" cap="none" strike="noStrike">
+      <a:defRPr sz="1400" b="0" i="0" u="none" strike="noStrike" cap="none">
         <a:solidFill>
           <a:srgbClr val="000000"/>
         </a:solidFill>
@@ -636,7 +670,7 @@
         <a:sym typeface="Arial"/>
       </a:defRPr>
     </a:lvl6pPr>
-    <a:lvl7pPr lvl="6" marR="0" rtl="0" algn="l">
+    <a:lvl7pPr marR="0" lvl="6" algn="l" rtl="0">
       <a:lnSpc>
         <a:spcPct val="100000"/>
       </a:lnSpc>
@@ -650,7 +684,7 @@
         <a:srgbClr val="000000"/>
       </a:buClr>
       <a:buFont typeface="Arial"/>
-      <a:defRPr b="0" i="0" sz="1400" u="none" cap="none" strike="noStrike">
+      <a:defRPr sz="1400" b="0" i="0" u="none" strike="noStrike" cap="none">
         <a:solidFill>
           <a:srgbClr val="000000"/>
         </a:solidFill>
@@ -660,7 +694,7 @@
         <a:sym typeface="Arial"/>
       </a:defRPr>
     </a:lvl7pPr>
-    <a:lvl8pPr lvl="7" marR="0" rtl="0" algn="l">
+    <a:lvl8pPr marR="0" lvl="7" algn="l" rtl="0">
       <a:lnSpc>
         <a:spcPct val="100000"/>
       </a:lnSpc>
@@ -674,7 +708,7 @@
         <a:srgbClr val="000000"/>
       </a:buClr>
       <a:buFont typeface="Arial"/>
-      <a:defRPr b="0" i="0" sz="1400" u="none" cap="none" strike="noStrike">
+      <a:defRPr sz="1400" b="0" i="0" u="none" strike="noStrike" cap="none">
         <a:solidFill>
           <a:srgbClr val="000000"/>
         </a:solidFill>
@@ -684,7 +718,7 @@
         <a:sym typeface="Arial"/>
       </a:defRPr>
     </a:lvl8pPr>
-    <a:lvl9pPr lvl="8" marR="0" rtl="0" algn="l">
+    <a:lvl9pPr marR="0" lvl="8" algn="l" rtl="0">
       <a:lnSpc>
         <a:spcPct val="100000"/>
       </a:lnSpc>
@@ -698,7 +732,7 @@
         <a:srgbClr val="000000"/>
       </a:buClr>
       <a:buFont typeface="Arial"/>
-      <a:defRPr b="0" i="0" sz="1400" u="none" cap="none" strike="noStrike">
+      <a:defRPr sz="1400" b="0" i="0" u="none" strike="noStrike" cap="none">
         <a:solidFill>
           <a:srgbClr val="000000"/>
         </a:solidFill>
@@ -713,11 +747,11 @@
 </file>
 
 <file path=ppt/notesSlides/notesSlide1.xml><?xml version="1.0" encoding="utf-8"?>
-<p:notes xmlns:a="http://schemas.openxmlformats.org/drawingml/2006/main" xmlns:r="http://schemas.openxmlformats.org/officeDocument/2006/relationships" xmlns:mc="http://schemas.openxmlformats.org/markup-compatibility/2006" xmlns:mv="urn:schemas-microsoft-com:mac:vml" xmlns:p="http://schemas.openxmlformats.org/presentationml/2006/main" xmlns:c="http://schemas.openxmlformats.org/drawingml/2006/chart" xmlns:dgm="http://schemas.openxmlformats.org/drawingml/2006/diagram" xmlns:o="urn:schemas-microsoft-com:office:office" xmlns:v="urn:schemas-microsoft-com:vml" xmlns:pvml="urn:schemas-microsoft-com:office:powerpoint" xmlns:com="http://schemas.openxmlformats.org/drawingml/2006/compatibility" xmlns:p14="http://schemas.microsoft.com/office/powerpoint/2010/main" xmlns:p15="http://schemas.microsoft.com/office/powerpoint/2012/main" xmlns:ahyp="http://schemas.microsoft.com/office/drawing/2018/hyperlinkcolor" showMasterPhAnim="0" showMasterSp="0">
+<p:notes xmlns:a="http://schemas.openxmlformats.org/drawingml/2006/main" xmlns:r="http://schemas.openxmlformats.org/officeDocument/2006/relationships" xmlns:p="http://schemas.openxmlformats.org/presentationml/2006/main" showMasterSp="0" showMasterPhAnim="0">
   <p:cSld>
     <p:spTree>
       <p:nvGrpSpPr>
-        <p:cNvPr id="136" name="Shape 136"/>
+        <p:cNvPr id="1" name="Shape 136"/>
         <p:cNvGrpSpPr/>
         <p:nvPr/>
       </p:nvGrpSpPr>
@@ -732,9 +766,11 @@
       <p:sp>
         <p:nvSpPr>
           <p:cNvPr id="137" name="Google Shape;137;p1:notes"/>
-          <p:cNvSpPr txBox="1"/>
+          <p:cNvSpPr txBox="1">
+            <a:spLocks noGrp="1"/>
+          </p:cNvSpPr>
           <p:nvPr>
-            <p:ph idx="1" type="body"/>
+            <p:ph type="body" idx="1"/>
           </p:nvPr>
         </p:nvSpPr>
         <p:spPr>
@@ -747,12 +783,12 @@
           </a:prstGeom>
         </p:spPr>
         <p:txBody>
-          <a:bodyPr anchorCtr="0" anchor="t" bIns="91425" lIns="91425" spcFirstLastPara="1" rIns="91425" wrap="square" tIns="91425">
+          <a:bodyPr spcFirstLastPara="1" wrap="square" lIns="91425" tIns="91425" rIns="91425" bIns="91425" anchor="t" anchorCtr="0">
             <a:noAutofit/>
           </a:bodyPr>
           <a:lstStyle/>
           <a:p>
-            <a:pPr indent="0" lvl="0" marL="0" rtl="0" algn="l">
+            <a:pPr marL="0" lvl="0" indent="0" algn="l" rtl="0">
               <a:spcBef>
                 <a:spcPts val="0"/>
               </a:spcBef>
@@ -761,9 +797,6 @@
               </a:spcAft>
               <a:buNone/>
             </a:pPr>
-            <a:r>
-              <a:t/>
-            </a:r>
             <a:endParaRPr/>
           </a:p>
         </p:txBody>
@@ -771,20 +804,26 @@
       <p:sp>
         <p:nvSpPr>
           <p:cNvPr id="138" name="Google Shape;138;p1:notes"/>
-          <p:cNvSpPr/>
+          <p:cNvSpPr>
+            <a:spLocks noGrp="1" noRot="1" noChangeAspect="1"/>
+          </p:cNvSpPr>
           <p:nvPr>
-            <p:ph idx="2" type="sldImg"/>
+            <p:ph type="sldImg" idx="2"/>
           </p:nvPr>
         </p:nvSpPr>
         <p:spPr>
           <a:xfrm>
-            <a:off x="1143225" y="685800"/>
-            <a:ext cx="4572225" cy="3429000"/>
+            <a:off x="381000" y="685800"/>
+            <a:ext cx="6096000" cy="3429000"/>
           </a:xfrm>
           <a:custGeom>
-            <a:rect b="b" l="l" r="r" t="t"/>
+            <a:avLst/>
+            <a:gdLst/>
+            <a:ahLst/>
+            <a:cxnLst/>
+            <a:rect l="l" t="t" r="r" b="b"/>
             <a:pathLst>
-              <a:path extrusionOk="0" h="120000" w="120000">
+              <a:path w="120000" h="120000" extrusionOk="0">
                 <a:moveTo>
                   <a:pt x="0" y="0"/>
                 </a:moveTo>
@@ -804,6 +843,11 @@
         </p:spPr>
       </p:sp>
     </p:spTree>
+    <p:extLst>
+      <p:ext uri="{BB962C8B-B14F-4D97-AF65-F5344CB8AC3E}">
+        <p14:creationId xmlns:p14="http://schemas.microsoft.com/office/powerpoint/2010/main" val="763103577"/>
+      </p:ext>
+    </p:extLst>
   </p:cSld>
   <p:clrMapOvr>
     <a:masterClrMapping/>
@@ -812,11 +856,11 @@
 </file>
 
 <file path=ppt/notesSlides/notesSlide2.xml><?xml version="1.0" encoding="utf-8"?>
-<p:notes xmlns:a="http://schemas.openxmlformats.org/drawingml/2006/main" xmlns:r="http://schemas.openxmlformats.org/officeDocument/2006/relationships" xmlns:mc="http://schemas.openxmlformats.org/markup-compatibility/2006" xmlns:mv="urn:schemas-microsoft-com:mac:vml" xmlns:p="http://schemas.openxmlformats.org/presentationml/2006/main" xmlns:c="http://schemas.openxmlformats.org/drawingml/2006/chart" xmlns:dgm="http://schemas.openxmlformats.org/drawingml/2006/diagram" xmlns:o="urn:schemas-microsoft-com:office:office" xmlns:v="urn:schemas-microsoft-com:vml" xmlns:pvml="urn:schemas-microsoft-com:office:powerpoint" xmlns:com="http://schemas.openxmlformats.org/drawingml/2006/compatibility" xmlns:p14="http://schemas.microsoft.com/office/powerpoint/2010/main" xmlns:p15="http://schemas.microsoft.com/office/powerpoint/2012/main" xmlns:ahyp="http://schemas.microsoft.com/office/drawing/2018/hyperlinkcolor" showMasterPhAnim="0" showMasterSp="0">
+<p:notes xmlns:a="http://schemas.openxmlformats.org/drawingml/2006/main" xmlns:r="http://schemas.openxmlformats.org/officeDocument/2006/relationships" xmlns:p="http://schemas.openxmlformats.org/presentationml/2006/main" showMasterSp="0" showMasterPhAnim="0">
   <p:cSld>
     <p:spTree>
       <p:nvGrpSpPr>
-        <p:cNvPr id="141" name="Shape 141"/>
+        <p:cNvPr id="1" name="Shape 141"/>
         <p:cNvGrpSpPr/>
         <p:nvPr/>
       </p:nvGrpSpPr>
@@ -831,9 +875,11 @@
       <p:sp>
         <p:nvSpPr>
           <p:cNvPr id="142" name="Google Shape;142;p2:notes"/>
-          <p:cNvSpPr txBox="1"/>
+          <p:cNvSpPr txBox="1">
+            <a:spLocks noGrp="1"/>
+          </p:cNvSpPr>
           <p:nvPr>
-            <p:ph idx="1" type="body"/>
+            <p:ph type="body" idx="1"/>
           </p:nvPr>
         </p:nvSpPr>
         <p:spPr>
@@ -846,12 +892,12 @@
           </a:prstGeom>
         </p:spPr>
         <p:txBody>
-          <a:bodyPr anchorCtr="0" anchor="t" bIns="91425" lIns="91425" spcFirstLastPara="1" rIns="91425" wrap="square" tIns="91425">
+          <a:bodyPr spcFirstLastPara="1" wrap="square" lIns="91425" tIns="91425" rIns="91425" bIns="91425" anchor="t" anchorCtr="0">
             <a:noAutofit/>
           </a:bodyPr>
           <a:lstStyle/>
           <a:p>
-            <a:pPr indent="0" lvl="0" marL="0" rtl="0" algn="l">
+            <a:pPr marL="0" lvl="0" indent="0" algn="l" rtl="0">
               <a:spcBef>
                 <a:spcPts val="0"/>
               </a:spcBef>
@@ -860,9 +906,6 @@
               </a:spcAft>
               <a:buNone/>
             </a:pPr>
-            <a:r>
-              <a:t/>
-            </a:r>
             <a:endParaRPr/>
           </a:p>
         </p:txBody>
@@ -870,20 +913,26 @@
       <p:sp>
         <p:nvSpPr>
           <p:cNvPr id="143" name="Google Shape;143;p2:notes"/>
-          <p:cNvSpPr/>
+          <p:cNvSpPr>
+            <a:spLocks noGrp="1" noRot="1" noChangeAspect="1"/>
+          </p:cNvSpPr>
           <p:nvPr>
-            <p:ph idx="2" type="sldImg"/>
+            <p:ph type="sldImg" idx="2"/>
           </p:nvPr>
         </p:nvSpPr>
         <p:spPr>
           <a:xfrm>
-            <a:off x="1143225" y="685800"/>
-            <a:ext cx="4572225" cy="3429000"/>
+            <a:off x="381000" y="685800"/>
+            <a:ext cx="6096000" cy="3429000"/>
           </a:xfrm>
           <a:custGeom>
-            <a:rect b="b" l="l" r="r" t="t"/>
+            <a:avLst/>
+            <a:gdLst/>
+            <a:ahLst/>
+            <a:cxnLst/>
+            <a:rect l="l" t="t" r="r" b="b"/>
             <a:pathLst>
-              <a:path extrusionOk="0" h="120000" w="120000">
+              <a:path w="120000" h="120000" extrusionOk="0">
                 <a:moveTo>
                   <a:pt x="0" y="0"/>
                 </a:moveTo>
@@ -903,6 +952,11 @@
         </p:spPr>
       </p:sp>
     </p:spTree>
+    <p:extLst>
+      <p:ext uri="{BB962C8B-B14F-4D97-AF65-F5344CB8AC3E}">
+        <p14:creationId xmlns:p14="http://schemas.microsoft.com/office/powerpoint/2010/main" val="3614000823"/>
+      </p:ext>
+    </p:extLst>
   </p:cSld>
   <p:clrMapOvr>
     <a:masterClrMapping/>
@@ -911,11 +965,11 @@
 </file>
 
 <file path=ppt/notesSlides/notesSlide3.xml><?xml version="1.0" encoding="utf-8"?>
-<p:notes xmlns:a="http://schemas.openxmlformats.org/drawingml/2006/main" xmlns:r="http://schemas.openxmlformats.org/officeDocument/2006/relationships" xmlns:mc="http://schemas.openxmlformats.org/markup-compatibility/2006" xmlns:mv="urn:schemas-microsoft-com:mac:vml" xmlns:p="http://schemas.openxmlformats.org/presentationml/2006/main" xmlns:c="http://schemas.openxmlformats.org/drawingml/2006/chart" xmlns:dgm="http://schemas.openxmlformats.org/drawingml/2006/diagram" xmlns:o="urn:schemas-microsoft-com:office:office" xmlns:v="urn:schemas-microsoft-com:vml" xmlns:pvml="urn:schemas-microsoft-com:office:powerpoint" xmlns:com="http://schemas.openxmlformats.org/drawingml/2006/compatibility" xmlns:p14="http://schemas.microsoft.com/office/powerpoint/2010/main" xmlns:p15="http://schemas.microsoft.com/office/powerpoint/2012/main" xmlns:ahyp="http://schemas.microsoft.com/office/drawing/2018/hyperlinkcolor" showMasterPhAnim="0" showMasterSp="0">
+<p:notes xmlns:a="http://schemas.openxmlformats.org/drawingml/2006/main" xmlns:r="http://schemas.openxmlformats.org/officeDocument/2006/relationships" xmlns:p="http://schemas.openxmlformats.org/presentationml/2006/main" showMasterSp="0" showMasterPhAnim="0">
   <p:cSld>
     <p:spTree>
       <p:nvGrpSpPr>
-        <p:cNvPr id="147" name="Shape 147"/>
+        <p:cNvPr id="1" name="Shape 147"/>
         <p:cNvGrpSpPr/>
         <p:nvPr/>
       </p:nvGrpSpPr>
@@ -930,9 +984,11 @@
       <p:sp>
         <p:nvSpPr>
           <p:cNvPr id="148" name="Google Shape;148;p3:notes"/>
-          <p:cNvSpPr txBox="1"/>
+          <p:cNvSpPr txBox="1">
+            <a:spLocks noGrp="1"/>
+          </p:cNvSpPr>
           <p:nvPr>
-            <p:ph idx="1" type="body"/>
+            <p:ph type="body" idx="1"/>
           </p:nvPr>
         </p:nvSpPr>
         <p:spPr>
@@ -945,12 +1001,12 @@
           </a:prstGeom>
         </p:spPr>
         <p:txBody>
-          <a:bodyPr anchorCtr="0" anchor="t" bIns="91425" lIns="91425" spcFirstLastPara="1" rIns="91425" wrap="square" tIns="91425">
+          <a:bodyPr spcFirstLastPara="1" wrap="square" lIns="91425" tIns="91425" rIns="91425" bIns="91425" anchor="t" anchorCtr="0">
             <a:noAutofit/>
           </a:bodyPr>
           <a:lstStyle/>
           <a:p>
-            <a:pPr indent="0" lvl="0" marL="0" rtl="0" algn="l">
+            <a:pPr marL="0" lvl="0" indent="0" algn="l" rtl="0">
               <a:spcBef>
                 <a:spcPts val="0"/>
               </a:spcBef>
@@ -959,9 +1015,6 @@
               </a:spcAft>
               <a:buNone/>
             </a:pPr>
-            <a:r>
-              <a:t/>
-            </a:r>
             <a:endParaRPr/>
           </a:p>
         </p:txBody>
@@ -969,20 +1022,26 @@
       <p:sp>
         <p:nvSpPr>
           <p:cNvPr id="149" name="Google Shape;149;p3:notes"/>
-          <p:cNvSpPr/>
+          <p:cNvSpPr>
+            <a:spLocks noGrp="1" noRot="1" noChangeAspect="1"/>
+          </p:cNvSpPr>
           <p:nvPr>
-            <p:ph idx="2" type="sldImg"/>
+            <p:ph type="sldImg" idx="2"/>
           </p:nvPr>
         </p:nvSpPr>
         <p:spPr>
           <a:xfrm>
-            <a:off x="1143225" y="685800"/>
-            <a:ext cx="4572225" cy="3429000"/>
+            <a:off x="381000" y="685800"/>
+            <a:ext cx="6096000" cy="3429000"/>
           </a:xfrm>
           <a:custGeom>
-            <a:rect b="b" l="l" r="r" t="t"/>
+            <a:avLst/>
+            <a:gdLst/>
+            <a:ahLst/>
+            <a:cxnLst/>
+            <a:rect l="l" t="t" r="r" b="b"/>
             <a:pathLst>
-              <a:path extrusionOk="0" h="120000" w="120000">
+              <a:path w="120000" h="120000" extrusionOk="0">
                 <a:moveTo>
                   <a:pt x="0" y="0"/>
                 </a:moveTo>
@@ -1002,6 +1061,11 @@
         </p:spPr>
       </p:sp>
     </p:spTree>
+    <p:extLst>
+      <p:ext uri="{BB962C8B-B14F-4D97-AF65-F5344CB8AC3E}">
+        <p14:creationId xmlns:p14="http://schemas.microsoft.com/office/powerpoint/2010/main" val="2449908915"/>
+      </p:ext>
+    </p:extLst>
   </p:cSld>
   <p:clrMapOvr>
     <a:masterClrMapping/>
@@ -1010,11 +1074,11 @@
 </file>
 
 <file path=ppt/notesSlides/notesSlide4.xml><?xml version="1.0" encoding="utf-8"?>
-<p:notes xmlns:a="http://schemas.openxmlformats.org/drawingml/2006/main" xmlns:r="http://schemas.openxmlformats.org/officeDocument/2006/relationships" xmlns:mc="http://schemas.openxmlformats.org/markup-compatibility/2006" xmlns:mv="urn:schemas-microsoft-com:mac:vml" xmlns:p="http://schemas.openxmlformats.org/presentationml/2006/main" xmlns:c="http://schemas.openxmlformats.org/drawingml/2006/chart" xmlns:dgm="http://schemas.openxmlformats.org/drawingml/2006/diagram" xmlns:o="urn:schemas-microsoft-com:office:office" xmlns:v="urn:schemas-microsoft-com:vml" xmlns:pvml="urn:schemas-microsoft-com:office:powerpoint" xmlns:com="http://schemas.openxmlformats.org/drawingml/2006/compatibility" xmlns:p14="http://schemas.microsoft.com/office/powerpoint/2010/main" xmlns:p15="http://schemas.microsoft.com/office/powerpoint/2012/main" xmlns:ahyp="http://schemas.microsoft.com/office/drawing/2018/hyperlinkcolor" showMasterPhAnim="0" showMasterSp="0">
+<p:notes xmlns:a="http://schemas.openxmlformats.org/drawingml/2006/main" xmlns:r="http://schemas.openxmlformats.org/officeDocument/2006/relationships" xmlns:p="http://schemas.openxmlformats.org/presentationml/2006/main" showMasterSp="0" showMasterPhAnim="0">
   <p:cSld>
     <p:spTree>
       <p:nvGrpSpPr>
-        <p:cNvPr id="153" name="Shape 153"/>
+        <p:cNvPr id="1" name="Shape 153"/>
         <p:cNvGrpSpPr/>
         <p:nvPr/>
       </p:nvGrpSpPr>
@@ -1029,9 +1093,11 @@
       <p:sp>
         <p:nvSpPr>
           <p:cNvPr id="154" name="Google Shape;154;p5:notes"/>
-          <p:cNvSpPr txBox="1"/>
+          <p:cNvSpPr txBox="1">
+            <a:spLocks noGrp="1"/>
+          </p:cNvSpPr>
           <p:nvPr>
-            <p:ph idx="1" type="body"/>
+            <p:ph type="body" idx="1"/>
           </p:nvPr>
         </p:nvSpPr>
         <p:spPr>
@@ -1044,12 +1110,12 @@
           </a:prstGeom>
         </p:spPr>
         <p:txBody>
-          <a:bodyPr anchorCtr="0" anchor="t" bIns="91425" lIns="91425" spcFirstLastPara="1" rIns="91425" wrap="square" tIns="91425">
+          <a:bodyPr spcFirstLastPara="1" wrap="square" lIns="91425" tIns="91425" rIns="91425" bIns="91425" anchor="t" anchorCtr="0">
             <a:noAutofit/>
           </a:bodyPr>
           <a:lstStyle/>
           <a:p>
-            <a:pPr indent="0" lvl="0" marL="0" rtl="0" algn="l">
+            <a:pPr marL="0" lvl="0" indent="0" algn="l" rtl="0">
               <a:spcBef>
                 <a:spcPts val="0"/>
               </a:spcBef>
@@ -1058,9 +1124,6 @@
               </a:spcAft>
               <a:buNone/>
             </a:pPr>
-            <a:r>
-              <a:t/>
-            </a:r>
             <a:endParaRPr/>
           </a:p>
         </p:txBody>
@@ -1068,20 +1131,26 @@
       <p:sp>
         <p:nvSpPr>
           <p:cNvPr id="155" name="Google Shape;155;p5:notes"/>
-          <p:cNvSpPr/>
+          <p:cNvSpPr>
+            <a:spLocks noGrp="1" noRot="1" noChangeAspect="1"/>
+          </p:cNvSpPr>
           <p:nvPr>
-            <p:ph idx="2" type="sldImg"/>
+            <p:ph type="sldImg" idx="2"/>
           </p:nvPr>
         </p:nvSpPr>
         <p:spPr>
           <a:xfrm>
-            <a:off x="1143225" y="685800"/>
-            <a:ext cx="4572225" cy="3429000"/>
+            <a:off x="381000" y="685800"/>
+            <a:ext cx="6096000" cy="3429000"/>
           </a:xfrm>
           <a:custGeom>
-            <a:rect b="b" l="l" r="r" t="t"/>
+            <a:avLst/>
+            <a:gdLst/>
+            <a:ahLst/>
+            <a:cxnLst/>
+            <a:rect l="l" t="t" r="r" b="b"/>
             <a:pathLst>
-              <a:path extrusionOk="0" h="120000" w="120000">
+              <a:path w="120000" h="120000" extrusionOk="0">
                 <a:moveTo>
                   <a:pt x="0" y="0"/>
                 </a:moveTo>
@@ -1101,6 +1170,11 @@
         </p:spPr>
       </p:sp>
     </p:spTree>
+    <p:extLst>
+      <p:ext uri="{BB962C8B-B14F-4D97-AF65-F5344CB8AC3E}">
+        <p14:creationId xmlns:p14="http://schemas.microsoft.com/office/powerpoint/2010/main" val="2774246678"/>
+      </p:ext>
+    </p:extLst>
   </p:cSld>
   <p:clrMapOvr>
     <a:masterClrMapping/>
@@ -1109,11 +1183,11 @@
 </file>
 
 <file path=ppt/notesSlides/notesSlide5.xml><?xml version="1.0" encoding="utf-8"?>
-<p:notes xmlns:a="http://schemas.openxmlformats.org/drawingml/2006/main" xmlns:r="http://schemas.openxmlformats.org/officeDocument/2006/relationships" xmlns:mc="http://schemas.openxmlformats.org/markup-compatibility/2006" xmlns:mv="urn:schemas-microsoft-com:mac:vml" xmlns:p="http://schemas.openxmlformats.org/presentationml/2006/main" xmlns:c="http://schemas.openxmlformats.org/drawingml/2006/chart" xmlns:dgm="http://schemas.openxmlformats.org/drawingml/2006/diagram" xmlns:o="urn:schemas-microsoft-com:office:office" xmlns:v="urn:schemas-microsoft-com:vml" xmlns:pvml="urn:schemas-microsoft-com:office:powerpoint" xmlns:com="http://schemas.openxmlformats.org/drawingml/2006/compatibility" xmlns:p14="http://schemas.microsoft.com/office/powerpoint/2010/main" xmlns:p15="http://schemas.microsoft.com/office/powerpoint/2012/main" xmlns:ahyp="http://schemas.microsoft.com/office/drawing/2018/hyperlinkcolor" showMasterPhAnim="0" showMasterSp="0">
+<p:notes xmlns:a="http://schemas.openxmlformats.org/drawingml/2006/main" xmlns:r="http://schemas.openxmlformats.org/officeDocument/2006/relationships" xmlns:p="http://schemas.openxmlformats.org/presentationml/2006/main" showMasterSp="0" showMasterPhAnim="0">
   <p:cSld>
     <p:spTree>
       <p:nvGrpSpPr>
-        <p:cNvPr id="159" name="Shape 159"/>
+        <p:cNvPr id="1" name="Shape 159"/>
         <p:cNvGrpSpPr/>
         <p:nvPr/>
       </p:nvGrpSpPr>
@@ -1128,9 +1202,11 @@
       <p:sp>
         <p:nvSpPr>
           <p:cNvPr id="160" name="Google Shape;160;p6:notes"/>
-          <p:cNvSpPr txBox="1"/>
+          <p:cNvSpPr txBox="1">
+            <a:spLocks noGrp="1"/>
+          </p:cNvSpPr>
           <p:nvPr>
-            <p:ph idx="1" type="body"/>
+            <p:ph type="body" idx="1"/>
           </p:nvPr>
         </p:nvSpPr>
         <p:spPr>
@@ -1143,12 +1219,12 @@
           </a:prstGeom>
         </p:spPr>
         <p:txBody>
-          <a:bodyPr anchorCtr="0" anchor="t" bIns="91425" lIns="91425" spcFirstLastPara="1" rIns="91425" wrap="square" tIns="91425">
+          <a:bodyPr spcFirstLastPara="1" wrap="square" lIns="91425" tIns="91425" rIns="91425" bIns="91425" anchor="t" anchorCtr="0">
             <a:noAutofit/>
           </a:bodyPr>
           <a:lstStyle/>
           <a:p>
-            <a:pPr indent="0" lvl="0" marL="0" rtl="0" algn="l">
+            <a:pPr marL="0" lvl="0" indent="0" algn="l" rtl="0">
               <a:spcBef>
                 <a:spcPts val="0"/>
               </a:spcBef>
@@ -1157,9 +1233,6 @@
               </a:spcAft>
               <a:buNone/>
             </a:pPr>
-            <a:r>
-              <a:t/>
-            </a:r>
             <a:endParaRPr/>
           </a:p>
         </p:txBody>
@@ -1167,20 +1240,26 @@
       <p:sp>
         <p:nvSpPr>
           <p:cNvPr id="161" name="Google Shape;161;p6:notes"/>
-          <p:cNvSpPr/>
+          <p:cNvSpPr>
+            <a:spLocks noGrp="1" noRot="1" noChangeAspect="1"/>
+          </p:cNvSpPr>
           <p:nvPr>
-            <p:ph idx="2" type="sldImg"/>
+            <p:ph type="sldImg" idx="2"/>
           </p:nvPr>
         </p:nvSpPr>
         <p:spPr>
           <a:xfrm>
-            <a:off x="1143225" y="685800"/>
-            <a:ext cx="4572225" cy="3429000"/>
+            <a:off x="381000" y="685800"/>
+            <a:ext cx="6096000" cy="3429000"/>
           </a:xfrm>
           <a:custGeom>
-            <a:rect b="b" l="l" r="r" t="t"/>
+            <a:avLst/>
+            <a:gdLst/>
+            <a:ahLst/>
+            <a:cxnLst/>
+            <a:rect l="l" t="t" r="r" b="b"/>
             <a:pathLst>
-              <a:path extrusionOk="0" h="120000" w="120000">
+              <a:path w="120000" h="120000" extrusionOk="0">
                 <a:moveTo>
                   <a:pt x="0" y="0"/>
                 </a:moveTo>
@@ -1200,6 +1279,11 @@
         </p:spPr>
       </p:sp>
     </p:spTree>
+    <p:extLst>
+      <p:ext uri="{BB962C8B-B14F-4D97-AF65-F5344CB8AC3E}">
+        <p14:creationId xmlns:p14="http://schemas.microsoft.com/office/powerpoint/2010/main" val="1512196421"/>
+      </p:ext>
+    </p:extLst>
   </p:cSld>
   <p:clrMapOvr>
     <a:masterClrMapping/>
@@ -1208,11 +1292,11 @@
 </file>
 
 <file path=ppt/notesSlides/notesSlide6.xml><?xml version="1.0" encoding="utf-8"?>
-<p:notes xmlns:a="http://schemas.openxmlformats.org/drawingml/2006/main" xmlns:r="http://schemas.openxmlformats.org/officeDocument/2006/relationships" xmlns:mc="http://schemas.openxmlformats.org/markup-compatibility/2006" xmlns:mv="urn:schemas-microsoft-com:mac:vml" xmlns:p="http://schemas.openxmlformats.org/presentationml/2006/main" xmlns:c="http://schemas.openxmlformats.org/drawingml/2006/chart" xmlns:dgm="http://schemas.openxmlformats.org/drawingml/2006/diagram" xmlns:o="urn:schemas-microsoft-com:office:office" xmlns:v="urn:schemas-microsoft-com:vml" xmlns:pvml="urn:schemas-microsoft-com:office:powerpoint" xmlns:com="http://schemas.openxmlformats.org/drawingml/2006/compatibility" xmlns:p14="http://schemas.microsoft.com/office/powerpoint/2010/main" xmlns:p15="http://schemas.microsoft.com/office/powerpoint/2012/main" xmlns:ahyp="http://schemas.microsoft.com/office/drawing/2018/hyperlinkcolor" showMasterPhAnim="0" showMasterSp="0">
+<p:notes xmlns:a="http://schemas.openxmlformats.org/drawingml/2006/main" xmlns:r="http://schemas.openxmlformats.org/officeDocument/2006/relationships" xmlns:p="http://schemas.openxmlformats.org/presentationml/2006/main" showMasterSp="0" showMasterPhAnim="0">
   <p:cSld>
     <p:spTree>
       <p:nvGrpSpPr>
-        <p:cNvPr id="166" name="Shape 166"/>
+        <p:cNvPr id="1" name="Shape 166"/>
         <p:cNvGrpSpPr/>
         <p:nvPr/>
       </p:nvGrpSpPr>
@@ -1227,9 +1311,11 @@
       <p:sp>
         <p:nvSpPr>
           <p:cNvPr id="167" name="Google Shape;167;p7:notes"/>
-          <p:cNvSpPr txBox="1"/>
+          <p:cNvSpPr txBox="1">
+            <a:spLocks noGrp="1"/>
+          </p:cNvSpPr>
           <p:nvPr>
-            <p:ph idx="1" type="body"/>
+            <p:ph type="body" idx="1"/>
           </p:nvPr>
         </p:nvSpPr>
         <p:spPr>
@@ -1242,12 +1328,12 @@
           </a:prstGeom>
         </p:spPr>
         <p:txBody>
-          <a:bodyPr anchorCtr="0" anchor="t" bIns="91425" lIns="91425" spcFirstLastPara="1" rIns="91425" wrap="square" tIns="91425">
+          <a:bodyPr spcFirstLastPara="1" wrap="square" lIns="91425" tIns="91425" rIns="91425" bIns="91425" anchor="t" anchorCtr="0">
             <a:noAutofit/>
           </a:bodyPr>
           <a:lstStyle/>
           <a:p>
-            <a:pPr indent="0" lvl="0" marL="0" rtl="0" algn="l">
+            <a:pPr marL="0" lvl="0" indent="0" algn="l" rtl="0">
               <a:spcBef>
                 <a:spcPts val="0"/>
               </a:spcBef>
@@ -1256,9 +1342,6 @@
               </a:spcAft>
               <a:buNone/>
             </a:pPr>
-            <a:r>
-              <a:t/>
-            </a:r>
             <a:endParaRPr/>
           </a:p>
         </p:txBody>
@@ -1266,20 +1349,26 @@
       <p:sp>
         <p:nvSpPr>
           <p:cNvPr id="168" name="Google Shape;168;p7:notes"/>
-          <p:cNvSpPr/>
+          <p:cNvSpPr>
+            <a:spLocks noGrp="1" noRot="1" noChangeAspect="1"/>
+          </p:cNvSpPr>
           <p:nvPr>
-            <p:ph idx="2" type="sldImg"/>
+            <p:ph type="sldImg" idx="2"/>
           </p:nvPr>
         </p:nvSpPr>
         <p:spPr>
           <a:xfrm>
-            <a:off x="1143225" y="685800"/>
-            <a:ext cx="4572225" cy="3429000"/>
+            <a:off x="381000" y="685800"/>
+            <a:ext cx="6096000" cy="3429000"/>
           </a:xfrm>
           <a:custGeom>
-            <a:rect b="b" l="l" r="r" t="t"/>
+            <a:avLst/>
+            <a:gdLst/>
+            <a:ahLst/>
+            <a:cxnLst/>
+            <a:rect l="l" t="t" r="r" b="b"/>
             <a:pathLst>
-              <a:path extrusionOk="0" h="120000" w="120000">
+              <a:path w="120000" h="120000" extrusionOk="0">
                 <a:moveTo>
                   <a:pt x="0" y="0"/>
                 </a:moveTo>
@@ -1299,6 +1388,11 @@
         </p:spPr>
       </p:sp>
     </p:spTree>
+    <p:extLst>
+      <p:ext uri="{BB962C8B-B14F-4D97-AF65-F5344CB8AC3E}">
+        <p14:creationId xmlns:p14="http://schemas.microsoft.com/office/powerpoint/2010/main" val="3076683770"/>
+      </p:ext>
+    </p:extLst>
   </p:cSld>
   <p:clrMapOvr>
     <a:masterClrMapping/>
@@ -1307,11 +1401,11 @@
 </file>
 
 <file path=ppt/notesSlides/notesSlide7.xml><?xml version="1.0" encoding="utf-8"?>
-<p:notes xmlns:a="http://schemas.openxmlformats.org/drawingml/2006/main" xmlns:r="http://schemas.openxmlformats.org/officeDocument/2006/relationships" xmlns:mc="http://schemas.openxmlformats.org/markup-compatibility/2006" xmlns:mv="urn:schemas-microsoft-com:mac:vml" xmlns:p="http://schemas.openxmlformats.org/presentationml/2006/main" xmlns:c="http://schemas.openxmlformats.org/drawingml/2006/chart" xmlns:dgm="http://schemas.openxmlformats.org/drawingml/2006/diagram" xmlns:o="urn:schemas-microsoft-com:office:office" xmlns:v="urn:schemas-microsoft-com:vml" xmlns:pvml="urn:schemas-microsoft-com:office:powerpoint" xmlns:com="http://schemas.openxmlformats.org/drawingml/2006/compatibility" xmlns:p14="http://schemas.microsoft.com/office/powerpoint/2010/main" xmlns:p15="http://schemas.microsoft.com/office/powerpoint/2012/main" xmlns:ahyp="http://schemas.microsoft.com/office/drawing/2018/hyperlinkcolor" showMasterPhAnim="0" showMasterSp="0">
+<p:notes xmlns:a="http://schemas.openxmlformats.org/drawingml/2006/main" xmlns:r="http://schemas.openxmlformats.org/officeDocument/2006/relationships" xmlns:p="http://schemas.openxmlformats.org/presentationml/2006/main" showMasterSp="0" showMasterPhAnim="0">
   <p:cSld>
     <p:spTree>
       <p:nvGrpSpPr>
-        <p:cNvPr id="176" name="Shape 176"/>
+        <p:cNvPr id="1" name="Shape 176"/>
         <p:cNvGrpSpPr/>
         <p:nvPr/>
       </p:nvGrpSpPr>
@@ -1326,9 +1420,11 @@
       <p:sp>
         <p:nvSpPr>
           <p:cNvPr id="177" name="Google Shape;177;p8:notes"/>
-          <p:cNvSpPr txBox="1"/>
+          <p:cNvSpPr txBox="1">
+            <a:spLocks noGrp="1"/>
+          </p:cNvSpPr>
           <p:nvPr>
-            <p:ph idx="1" type="body"/>
+            <p:ph type="body" idx="1"/>
           </p:nvPr>
         </p:nvSpPr>
         <p:spPr>
@@ -1341,12 +1437,12 @@
           </a:prstGeom>
         </p:spPr>
         <p:txBody>
-          <a:bodyPr anchorCtr="0" anchor="t" bIns="91425" lIns="91425" spcFirstLastPara="1" rIns="91425" wrap="square" tIns="91425">
+          <a:bodyPr spcFirstLastPara="1" wrap="square" lIns="91425" tIns="91425" rIns="91425" bIns="91425" anchor="t" anchorCtr="0">
             <a:noAutofit/>
           </a:bodyPr>
           <a:lstStyle/>
           <a:p>
-            <a:pPr indent="0" lvl="0" marL="0" rtl="0" algn="l">
+            <a:pPr marL="0" lvl="0" indent="0" algn="l" rtl="0">
               <a:spcBef>
                 <a:spcPts val="0"/>
               </a:spcBef>
@@ -1355,9 +1451,6 @@
               </a:spcAft>
               <a:buNone/>
             </a:pPr>
-            <a:r>
-              <a:t/>
-            </a:r>
             <a:endParaRPr/>
           </a:p>
         </p:txBody>
@@ -1365,20 +1458,26 @@
       <p:sp>
         <p:nvSpPr>
           <p:cNvPr id="178" name="Google Shape;178;p8:notes"/>
-          <p:cNvSpPr/>
+          <p:cNvSpPr>
+            <a:spLocks noGrp="1" noRot="1" noChangeAspect="1"/>
+          </p:cNvSpPr>
           <p:nvPr>
-            <p:ph idx="2" type="sldImg"/>
+            <p:ph type="sldImg" idx="2"/>
           </p:nvPr>
         </p:nvSpPr>
         <p:spPr>
           <a:xfrm>
-            <a:off x="1143225" y="685800"/>
-            <a:ext cx="4572225" cy="3429000"/>
+            <a:off x="381000" y="685800"/>
+            <a:ext cx="6096000" cy="3429000"/>
           </a:xfrm>
           <a:custGeom>
-            <a:rect b="b" l="l" r="r" t="t"/>
+            <a:avLst/>
+            <a:gdLst/>
+            <a:ahLst/>
+            <a:cxnLst/>
+            <a:rect l="l" t="t" r="r" b="b"/>
             <a:pathLst>
-              <a:path extrusionOk="0" h="120000" w="120000">
+              <a:path w="120000" h="120000" extrusionOk="0">
                 <a:moveTo>
                   <a:pt x="0" y="0"/>
                 </a:moveTo>
@@ -1398,6 +1497,11 @@
         </p:spPr>
       </p:sp>
     </p:spTree>
+    <p:extLst>
+      <p:ext uri="{BB962C8B-B14F-4D97-AF65-F5344CB8AC3E}">
+        <p14:creationId xmlns:p14="http://schemas.microsoft.com/office/powerpoint/2010/main" val="3578981243"/>
+      </p:ext>
+    </p:extLst>
   </p:cSld>
   <p:clrMapOvr>
     <a:masterClrMapping/>
@@ -1406,11 +1510,11 @@
 </file>
 
 <file path=ppt/notesSlides/notesSlide8.xml><?xml version="1.0" encoding="utf-8"?>
-<p:notes xmlns:a="http://schemas.openxmlformats.org/drawingml/2006/main" xmlns:r="http://schemas.openxmlformats.org/officeDocument/2006/relationships" xmlns:mc="http://schemas.openxmlformats.org/markup-compatibility/2006" xmlns:mv="urn:schemas-microsoft-com:mac:vml" xmlns:p="http://schemas.openxmlformats.org/presentationml/2006/main" xmlns:c="http://schemas.openxmlformats.org/drawingml/2006/chart" xmlns:dgm="http://schemas.openxmlformats.org/drawingml/2006/diagram" xmlns:o="urn:schemas-microsoft-com:office:office" xmlns:v="urn:schemas-microsoft-com:vml" xmlns:pvml="urn:schemas-microsoft-com:office:powerpoint" xmlns:com="http://schemas.openxmlformats.org/drawingml/2006/compatibility" xmlns:p14="http://schemas.microsoft.com/office/powerpoint/2010/main" xmlns:p15="http://schemas.microsoft.com/office/powerpoint/2012/main" xmlns:ahyp="http://schemas.microsoft.com/office/drawing/2018/hyperlinkcolor" showMasterPhAnim="0" showMasterSp="0">
+<p:notes xmlns:a="http://schemas.openxmlformats.org/drawingml/2006/main" xmlns:r="http://schemas.openxmlformats.org/officeDocument/2006/relationships" xmlns:p="http://schemas.openxmlformats.org/presentationml/2006/main" showMasterSp="0" showMasterPhAnim="0">
   <p:cSld>
     <p:spTree>
       <p:nvGrpSpPr>
-        <p:cNvPr id="182" name="Shape 182"/>
+        <p:cNvPr id="1" name="Shape 182"/>
         <p:cNvGrpSpPr/>
         <p:nvPr/>
       </p:nvGrpSpPr>
@@ -1425,9 +1529,11 @@
       <p:sp>
         <p:nvSpPr>
           <p:cNvPr id="183" name="Google Shape;183;p9:notes"/>
-          <p:cNvSpPr txBox="1"/>
+          <p:cNvSpPr txBox="1">
+            <a:spLocks noGrp="1"/>
+          </p:cNvSpPr>
           <p:nvPr>
-            <p:ph idx="1" type="body"/>
+            <p:ph type="body" idx="1"/>
           </p:nvPr>
         </p:nvSpPr>
         <p:spPr>
@@ -1440,12 +1546,12 @@
           </a:prstGeom>
         </p:spPr>
         <p:txBody>
-          <a:bodyPr anchorCtr="0" anchor="t" bIns="91425" lIns="91425" spcFirstLastPara="1" rIns="91425" wrap="square" tIns="91425">
+          <a:bodyPr spcFirstLastPara="1" wrap="square" lIns="91425" tIns="91425" rIns="91425" bIns="91425" anchor="t" anchorCtr="0">
             <a:noAutofit/>
           </a:bodyPr>
           <a:lstStyle/>
           <a:p>
-            <a:pPr indent="0" lvl="0" marL="0" rtl="0" algn="l">
+            <a:pPr marL="0" lvl="0" indent="0" algn="l" rtl="0">
               <a:spcBef>
                 <a:spcPts val="0"/>
               </a:spcBef>
@@ -1454,9 +1560,6 @@
               </a:spcAft>
               <a:buNone/>
             </a:pPr>
-            <a:r>
-              <a:t/>
-            </a:r>
             <a:endParaRPr/>
           </a:p>
         </p:txBody>
@@ -1464,20 +1567,26 @@
       <p:sp>
         <p:nvSpPr>
           <p:cNvPr id="184" name="Google Shape;184;p9:notes"/>
-          <p:cNvSpPr/>
+          <p:cNvSpPr>
+            <a:spLocks noGrp="1" noRot="1" noChangeAspect="1"/>
+          </p:cNvSpPr>
           <p:nvPr>
-            <p:ph idx="2" type="sldImg"/>
+            <p:ph type="sldImg" idx="2"/>
           </p:nvPr>
         </p:nvSpPr>
         <p:spPr>
           <a:xfrm>
-            <a:off x="1143225" y="685800"/>
-            <a:ext cx="4572225" cy="3429000"/>
+            <a:off x="381000" y="685800"/>
+            <a:ext cx="6096000" cy="3429000"/>
           </a:xfrm>
           <a:custGeom>
-            <a:rect b="b" l="l" r="r" t="t"/>
+            <a:avLst/>
+            <a:gdLst/>
+            <a:ahLst/>
+            <a:cxnLst/>
+            <a:rect l="l" t="t" r="r" b="b"/>
             <a:pathLst>
-              <a:path extrusionOk="0" h="120000" w="120000">
+              <a:path w="120000" h="120000" extrusionOk="0">
                 <a:moveTo>
                   <a:pt x="0" y="0"/>
                 </a:moveTo>
@@ -1497,6 +1606,11 @@
         </p:spPr>
       </p:sp>
     </p:spTree>
+    <p:extLst>
+      <p:ext uri="{BB962C8B-B14F-4D97-AF65-F5344CB8AC3E}">
+        <p14:creationId xmlns:p14="http://schemas.microsoft.com/office/powerpoint/2010/main" val="1796101360"/>
+      </p:ext>
+    </p:extLst>
   </p:cSld>
   <p:clrMapOvr>
     <a:masterClrMapping/>
@@ -1505,11 +1619,11 @@
 </file>
 
 <file path=ppt/slideLayouts/slideLayout1.xml><?xml version="1.0" encoding="utf-8"?>
-<p:sldLayout xmlns:a="http://schemas.openxmlformats.org/drawingml/2006/main" xmlns:r="http://schemas.openxmlformats.org/officeDocument/2006/relationships" xmlns:mc="http://schemas.openxmlformats.org/markup-compatibility/2006" xmlns:mv="urn:schemas-microsoft-com:mac:vml" xmlns:p="http://schemas.openxmlformats.org/presentationml/2006/main" xmlns:c="http://schemas.openxmlformats.org/drawingml/2006/chart" xmlns:dgm="http://schemas.openxmlformats.org/drawingml/2006/diagram" xmlns:o="urn:schemas-microsoft-com:office:office" xmlns:v="urn:schemas-microsoft-com:vml" xmlns:pvml="urn:schemas-microsoft-com:office:powerpoint" xmlns:com="http://schemas.openxmlformats.org/drawingml/2006/compatibility" xmlns:p14="http://schemas.microsoft.com/office/powerpoint/2010/main" xmlns:p15="http://schemas.microsoft.com/office/powerpoint/2012/main" xmlns:ahyp="http://schemas.microsoft.com/office/drawing/2018/hyperlinkcolor" matchingName="Title slide" type="title">
+<p:sldLayout xmlns:a="http://schemas.openxmlformats.org/drawingml/2006/main" xmlns:r="http://schemas.openxmlformats.org/officeDocument/2006/relationships" xmlns:p="http://schemas.openxmlformats.org/presentationml/2006/main" matchingName="Title slide" type="title">
   <p:cSld name="TITLE">
     <p:spTree>
       <p:nvGrpSpPr>
-        <p:cNvPr id="9" name="Shape 9"/>
+        <p:cNvPr id="1" name="Shape 9"/>
         <p:cNvGrpSpPr/>
         <p:nvPr/>
       </p:nvGrpSpPr>
@@ -1534,7 +1648,7 @@
           </a:xfrm>
           <a:prstGeom prst="diagStripe">
             <a:avLst>
-              <a:gd fmla="val 0" name="adj"/>
+              <a:gd name="adj" fmla="val 0"/>
             </a:avLst>
           </a:prstGeom>
           <a:solidFill>
@@ -1547,12 +1661,12 @@
           </a:ln>
         </p:spPr>
         <p:txBody>
-          <a:bodyPr anchorCtr="0" anchor="ctr" bIns="121900" lIns="121900" spcFirstLastPara="1" rIns="121900" wrap="square" tIns="121900">
+          <a:bodyPr spcFirstLastPara="1" wrap="square" lIns="121900" tIns="121900" rIns="121900" bIns="121900" anchor="ctr" anchorCtr="0">
             <a:noAutofit/>
           </a:bodyPr>
           <a:lstStyle/>
           <a:p>
-            <a:pPr indent="0" lvl="0" marL="0" rtl="0" algn="l">
+            <a:pPr marL="0" lvl="0" indent="0" algn="l" rtl="0">
               <a:spcBef>
                 <a:spcPts val="0"/>
               </a:spcBef>
@@ -1561,9 +1675,6 @@
               </a:spcAft>
               <a:buNone/>
             </a:pPr>
-            <a:r>
-              <a:t/>
-            </a:r>
             <a:endParaRPr/>
           </a:p>
         </p:txBody>
@@ -1595,7 +1706,7 @@
             </a:xfrm>
             <a:prstGeom prst="diagStripe">
               <a:avLst>
-                <a:gd fmla="val 50000" name="adj"/>
+                <a:gd name="adj" fmla="val 50000"/>
               </a:avLst>
             </a:prstGeom>
             <a:solidFill>
@@ -1608,12 +1719,12 @@
             </a:ln>
           </p:spPr>
           <p:txBody>
-            <a:bodyPr anchorCtr="0" anchor="ctr" bIns="121900" lIns="121900" spcFirstLastPara="1" rIns="121900" wrap="square" tIns="121900">
+            <a:bodyPr spcFirstLastPara="1" wrap="square" lIns="121900" tIns="121900" rIns="121900" bIns="121900" anchor="ctr" anchorCtr="0">
               <a:noAutofit/>
             </a:bodyPr>
             <a:lstStyle/>
             <a:p>
-              <a:pPr indent="0" lvl="0" marL="0" rtl="0" algn="l">
+              <a:pPr marL="0" lvl="0" indent="0" algn="l" rtl="0">
                 <a:spcBef>
                   <a:spcPts val="0"/>
                 </a:spcBef>
@@ -1622,9 +1733,6 @@
                 </a:spcAft>
                 <a:buNone/>
               </a:pPr>
-              <a:r>
-                <a:t/>
-              </a:r>
               <a:endParaRPr/>
             </a:p>
           </p:txBody>
@@ -1642,7 +1750,7 @@
             </a:xfrm>
             <a:prstGeom prst="diagStripe">
               <a:avLst>
-                <a:gd fmla="val 58774" name="adj"/>
+                <a:gd name="adj" fmla="val 58774"/>
               </a:avLst>
             </a:prstGeom>
             <a:solidFill>
@@ -1655,12 +1763,12 @@
             </a:ln>
           </p:spPr>
           <p:txBody>
-            <a:bodyPr anchorCtr="0" anchor="ctr" bIns="121900" lIns="121900" spcFirstLastPara="1" rIns="121900" wrap="square" tIns="121900">
+            <a:bodyPr spcFirstLastPara="1" wrap="square" lIns="121900" tIns="121900" rIns="121900" bIns="121900" anchor="ctr" anchorCtr="0">
               <a:noAutofit/>
             </a:bodyPr>
             <a:lstStyle/>
             <a:p>
-              <a:pPr indent="0" lvl="0" marL="0" rtl="0" algn="l">
+              <a:pPr marL="0" lvl="0" indent="0" algn="l" rtl="0">
                 <a:spcBef>
                   <a:spcPts val="0"/>
                 </a:spcBef>
@@ -1669,9 +1777,6 @@
                 </a:spcAft>
                 <a:buNone/>
               </a:pPr>
-              <a:r>
-                <a:t/>
-              </a:r>
               <a:endParaRPr/>
             </a:p>
           </p:txBody>
@@ -1689,7 +1794,7 @@
             </a:xfrm>
             <a:prstGeom prst="diagStripe">
               <a:avLst>
-                <a:gd fmla="val 50000" name="adj"/>
+                <a:gd name="adj" fmla="val 50000"/>
               </a:avLst>
             </a:prstGeom>
             <a:solidFill>
@@ -1700,12 +1805,12 @@
             </a:ln>
           </p:spPr>
           <p:txBody>
-            <a:bodyPr anchorCtr="0" anchor="ctr" bIns="121900" lIns="121900" spcFirstLastPara="1" rIns="121900" wrap="square" tIns="121900">
+            <a:bodyPr spcFirstLastPara="1" wrap="square" lIns="121900" tIns="121900" rIns="121900" bIns="121900" anchor="ctr" anchorCtr="0">
               <a:noAutofit/>
             </a:bodyPr>
             <a:lstStyle/>
             <a:p>
-              <a:pPr indent="0" lvl="0" marL="0" rtl="0" algn="l">
+              <a:pPr marL="0" lvl="0" indent="0" algn="l" rtl="0">
                 <a:spcBef>
                   <a:spcPts val="0"/>
                 </a:spcBef>
@@ -1714,9 +1819,6 @@
                 </a:spcAft>
                 <a:buNone/>
               </a:pPr>
-              <a:r>
-                <a:t/>
-              </a:r>
               <a:endParaRPr/>
             </a:p>
           </p:txBody>
@@ -1734,7 +1836,7 @@
             </a:xfrm>
             <a:prstGeom prst="diagStripe">
               <a:avLst>
-                <a:gd fmla="val 50000" name="adj"/>
+                <a:gd name="adj" fmla="val 50000"/>
               </a:avLst>
             </a:prstGeom>
             <a:solidFill>
@@ -1745,12 +1847,12 @@
             </a:ln>
           </p:spPr>
           <p:txBody>
-            <a:bodyPr anchorCtr="0" anchor="ctr" bIns="121900" lIns="121900" spcFirstLastPara="1" rIns="121900" wrap="square" tIns="121900">
+            <a:bodyPr spcFirstLastPara="1" wrap="square" lIns="121900" tIns="121900" rIns="121900" bIns="121900" anchor="ctr" anchorCtr="0">
               <a:noAutofit/>
             </a:bodyPr>
             <a:lstStyle/>
             <a:p>
-              <a:pPr indent="0" lvl="0" marL="0" rtl="0" algn="l">
+              <a:pPr marL="0" lvl="0" indent="0" algn="l" rtl="0">
                 <a:spcBef>
                   <a:spcPts val="0"/>
                 </a:spcBef>
@@ -1759,9 +1861,6 @@
                 </a:spcAft>
                 <a:buNone/>
               </a:pPr>
-              <a:r>
-                <a:t/>
-              </a:r>
               <a:endParaRPr/>
             </a:p>
           </p:txBody>
@@ -1770,7 +1869,9 @@
       <p:sp>
         <p:nvSpPr>
           <p:cNvPr id="16" name="Google Shape;16;g133df9925ed_0_2346"/>
-          <p:cNvSpPr txBox="1"/>
+          <p:cNvSpPr txBox="1">
+            <a:spLocks noGrp="1"/>
+          </p:cNvSpPr>
           <p:nvPr>
             <p:ph type="ctrTitle"/>
           </p:nvPr>
@@ -1785,7 +1886,7 @@
           </a:prstGeom>
         </p:spPr>
         <p:txBody>
-          <a:bodyPr anchorCtr="0" anchor="t" bIns="121900" lIns="121900" spcFirstLastPara="1" rIns="121900" wrap="square" tIns="121900">
+          <a:bodyPr spcFirstLastPara="1" wrap="square" lIns="121900" tIns="121900" rIns="121900" bIns="121900" anchor="t" anchorCtr="0">
             <a:normAutofit/>
           </a:bodyPr>
           <a:lstStyle>
@@ -1889,15 +1990,19 @@
               <a:defRPr sz="5300"/>
             </a:lvl9pPr>
           </a:lstStyle>
-          <a:p/>
+          <a:p>
+            <a:endParaRPr/>
+          </a:p>
         </p:txBody>
       </p:sp>
       <p:sp>
         <p:nvSpPr>
           <p:cNvPr id="17" name="Google Shape;17;g133df9925ed_0_2346"/>
-          <p:cNvSpPr txBox="1"/>
+          <p:cNvSpPr txBox="1">
+            <a:spLocks noGrp="1"/>
+          </p:cNvSpPr>
           <p:nvPr>
-            <p:ph idx="1" type="subTitle"/>
+            <p:ph type="subTitle" idx="1"/>
           </p:nvPr>
         </p:nvSpPr>
         <p:spPr>
@@ -1910,7 +2015,7 @@
           </a:prstGeom>
         </p:spPr>
         <p:txBody>
-          <a:bodyPr anchorCtr="0" anchor="t" bIns="121900" lIns="121900" spcFirstLastPara="1" rIns="121900" wrap="square" tIns="121900">
+          <a:bodyPr spcFirstLastPara="1" wrap="square" lIns="121900" tIns="121900" rIns="121900" bIns="121900" anchor="t" anchorCtr="0">
             <a:normAutofit/>
           </a:bodyPr>
           <a:lstStyle>
@@ -2041,15 +2146,19 @@
               <a:defRPr sz="1700"/>
             </a:lvl9pPr>
           </a:lstStyle>
-          <a:p/>
+          <a:p>
+            <a:endParaRPr/>
+          </a:p>
         </p:txBody>
       </p:sp>
       <p:sp>
         <p:nvSpPr>
           <p:cNvPr id="18" name="Google Shape;18;g133df9925ed_0_2346"/>
-          <p:cNvSpPr txBox="1"/>
+          <p:cNvSpPr txBox="1">
+            <a:spLocks noGrp="1"/>
+          </p:cNvSpPr>
           <p:nvPr>
-            <p:ph idx="12" type="sldNum"/>
+            <p:ph type="sldNum" idx="12"/>
           </p:nvPr>
         </p:nvSpPr>
         <p:spPr>
@@ -2062,7 +2171,7 @@
           </a:prstGeom>
         </p:spPr>
         <p:txBody>
-          <a:bodyPr anchorCtr="0" anchor="ctr" bIns="121900" lIns="121900" spcFirstLastPara="1" rIns="121900" wrap="square" tIns="121900">
+          <a:bodyPr spcFirstLastPara="1" wrap="square" lIns="121900" tIns="121900" rIns="121900" bIns="121900" anchor="ctr" anchorCtr="0">
             <a:normAutofit/>
           </a:bodyPr>
           <a:lstStyle>
@@ -2104,7 +2213,7 @@
             </a:lvl9pPr>
           </a:lstStyle>
           <a:p>
-            <a:pPr indent="0" lvl="0" marL="0" rtl="0" algn="r">
+            <a:pPr marL="0" lvl="0" indent="0" algn="r" rtl="0">
               <a:spcBef>
                 <a:spcPts val="0"/>
               </a:spcBef>
@@ -2130,11 +2239,11 @@
 </file>
 
 <file path=ppt/slideLayouts/slideLayout10.xml><?xml version="1.0" encoding="utf-8"?>
-<p:sldLayout xmlns:a="http://schemas.openxmlformats.org/drawingml/2006/main" xmlns:r="http://schemas.openxmlformats.org/officeDocument/2006/relationships" xmlns:mc="http://schemas.openxmlformats.org/markup-compatibility/2006" xmlns:mv="urn:schemas-microsoft-com:mac:vml" xmlns:p="http://schemas.openxmlformats.org/presentationml/2006/main" xmlns:c="http://schemas.openxmlformats.org/drawingml/2006/chart" xmlns:dgm="http://schemas.openxmlformats.org/drawingml/2006/diagram" xmlns:o="urn:schemas-microsoft-com:office:office" xmlns:v="urn:schemas-microsoft-com:vml" xmlns:pvml="urn:schemas-microsoft-com:office:powerpoint" xmlns:com="http://schemas.openxmlformats.org/drawingml/2006/compatibility" xmlns:p14="http://schemas.microsoft.com/office/powerpoint/2010/main" xmlns:p15="http://schemas.microsoft.com/office/powerpoint/2012/main" xmlns:ahyp="http://schemas.microsoft.com/office/drawing/2018/hyperlinkcolor" matchingName="Big number">
+<p:sldLayout xmlns:a="http://schemas.openxmlformats.org/drawingml/2006/main" xmlns:r="http://schemas.openxmlformats.org/officeDocument/2006/relationships" xmlns:p="http://schemas.openxmlformats.org/presentationml/2006/main" matchingName="Big number">
   <p:cSld name="BIG_NUMBER">
     <p:spTree>
       <p:nvGrpSpPr>
-        <p:cNvPr id="105" name="Shape 105"/>
+        <p:cNvPr id="1" name="Shape 105"/>
         <p:cNvGrpSpPr/>
         <p:nvPr/>
       </p:nvGrpSpPr>
@@ -2173,7 +2282,7 @@
             </a:xfrm>
             <a:prstGeom prst="diagStripe">
               <a:avLst>
-                <a:gd fmla="val 49469" name="adj"/>
+                <a:gd name="adj" fmla="val 49469"/>
               </a:avLst>
             </a:prstGeom>
             <a:solidFill>
@@ -2186,12 +2295,12 @@
             </a:ln>
           </p:spPr>
           <p:txBody>
-            <a:bodyPr anchorCtr="0" anchor="ctr" bIns="121900" lIns="121900" spcFirstLastPara="1" rIns="121900" wrap="square" tIns="121900">
+            <a:bodyPr spcFirstLastPara="1" wrap="square" lIns="121900" tIns="121900" rIns="121900" bIns="121900" anchor="ctr" anchorCtr="0">
               <a:noAutofit/>
             </a:bodyPr>
             <a:lstStyle/>
             <a:p>
-              <a:pPr indent="0" lvl="0" marL="0" rtl="0" algn="l">
+              <a:pPr marL="0" lvl="0" indent="0" algn="l" rtl="0">
                 <a:spcBef>
                   <a:spcPts val="0"/>
                 </a:spcBef>
@@ -2200,9 +2309,6 @@
                 </a:spcAft>
                 <a:buNone/>
               </a:pPr>
-              <a:r>
-                <a:t/>
-              </a:r>
               <a:endParaRPr/>
             </a:p>
           </p:txBody>
@@ -2220,7 +2326,7 @@
             </a:xfrm>
             <a:prstGeom prst="diagStripe">
               <a:avLst>
-                <a:gd fmla="val 0" name="adj"/>
+                <a:gd name="adj" fmla="val 0"/>
               </a:avLst>
             </a:prstGeom>
             <a:solidFill>
@@ -2233,12 +2339,12 @@
             </a:ln>
           </p:spPr>
           <p:txBody>
-            <a:bodyPr anchorCtr="0" anchor="ctr" bIns="121900" lIns="121900" spcFirstLastPara="1" rIns="121900" wrap="square" tIns="121900">
+            <a:bodyPr spcFirstLastPara="1" wrap="square" lIns="121900" tIns="121900" rIns="121900" bIns="121900" anchor="ctr" anchorCtr="0">
               <a:noAutofit/>
             </a:bodyPr>
             <a:lstStyle/>
             <a:p>
-              <a:pPr indent="0" lvl="0" marL="0" rtl="0" algn="l">
+              <a:pPr marL="0" lvl="0" indent="0" algn="l" rtl="0">
                 <a:spcBef>
                   <a:spcPts val="0"/>
                 </a:spcBef>
@@ -2247,9 +2353,6 @@
                 </a:spcAft>
                 <a:buNone/>
               </a:pPr>
-              <a:r>
-                <a:t/>
-              </a:r>
               <a:endParaRPr/>
             </a:p>
           </p:txBody>
@@ -2267,7 +2370,7 @@
             </a:xfrm>
             <a:prstGeom prst="diagStripe">
               <a:avLst>
-                <a:gd fmla="val 50000" name="adj"/>
+                <a:gd name="adj" fmla="val 50000"/>
               </a:avLst>
             </a:prstGeom>
             <a:solidFill>
@@ -2280,12 +2383,12 @@
             </a:ln>
           </p:spPr>
           <p:txBody>
-            <a:bodyPr anchorCtr="0" anchor="ctr" bIns="121900" lIns="121900" spcFirstLastPara="1" rIns="121900" wrap="square" tIns="121900">
+            <a:bodyPr spcFirstLastPara="1" wrap="square" lIns="121900" tIns="121900" rIns="121900" bIns="121900" anchor="ctr" anchorCtr="0">
               <a:noAutofit/>
             </a:bodyPr>
             <a:lstStyle/>
             <a:p>
-              <a:pPr indent="0" lvl="0" marL="0" rtl="0" algn="l">
+              <a:pPr marL="0" lvl="0" indent="0" algn="l" rtl="0">
                 <a:spcBef>
                   <a:spcPts val="0"/>
                 </a:spcBef>
@@ -2294,9 +2397,6 @@
                 </a:spcAft>
                 <a:buNone/>
               </a:pPr>
-              <a:r>
-                <a:t/>
-              </a:r>
               <a:endParaRPr/>
             </a:p>
           </p:txBody>
@@ -2314,7 +2414,7 @@
             </a:xfrm>
             <a:prstGeom prst="diagStripe">
               <a:avLst>
-                <a:gd fmla="val 50000" name="adj"/>
+                <a:gd name="adj" fmla="val 50000"/>
               </a:avLst>
             </a:prstGeom>
             <a:solidFill>
@@ -2327,12 +2427,12 @@
             </a:ln>
           </p:spPr>
           <p:txBody>
-            <a:bodyPr anchorCtr="0" anchor="ctr" bIns="121900" lIns="121900" spcFirstLastPara="1" rIns="121900" wrap="square" tIns="121900">
+            <a:bodyPr spcFirstLastPara="1" wrap="square" lIns="121900" tIns="121900" rIns="121900" bIns="121900" anchor="ctr" anchorCtr="0">
               <a:noAutofit/>
             </a:bodyPr>
             <a:lstStyle/>
             <a:p>
-              <a:pPr indent="0" lvl="0" marL="0" rtl="0" algn="l">
+              <a:pPr marL="0" lvl="0" indent="0" algn="l" rtl="0">
                 <a:spcBef>
                   <a:spcPts val="0"/>
                 </a:spcBef>
@@ -2341,9 +2441,6 @@
                 </a:spcAft>
                 <a:buNone/>
               </a:pPr>
-              <a:r>
-                <a:t/>
-              </a:r>
               <a:endParaRPr/>
             </a:p>
           </p:txBody>
@@ -2361,7 +2458,7 @@
             </a:xfrm>
             <a:prstGeom prst="diagStripe">
               <a:avLst>
-                <a:gd fmla="val 50000" name="adj"/>
+                <a:gd name="adj" fmla="val 50000"/>
               </a:avLst>
             </a:prstGeom>
             <a:solidFill>
@@ -2374,12 +2471,12 @@
             </a:ln>
           </p:spPr>
           <p:txBody>
-            <a:bodyPr anchorCtr="0" anchor="ctr" bIns="121900" lIns="121900" spcFirstLastPara="1" rIns="121900" wrap="square" tIns="121900">
+            <a:bodyPr spcFirstLastPara="1" wrap="square" lIns="121900" tIns="121900" rIns="121900" bIns="121900" anchor="ctr" anchorCtr="0">
               <a:noAutofit/>
             </a:bodyPr>
             <a:lstStyle/>
             <a:p>
-              <a:pPr indent="0" lvl="0" marL="0" rtl="0" algn="l">
+              <a:pPr marL="0" lvl="0" indent="0" algn="l" rtl="0">
                 <a:spcBef>
                   <a:spcPts val="0"/>
                 </a:spcBef>
@@ -2388,9 +2485,6 @@
                 </a:spcAft>
                 <a:buNone/>
               </a:pPr>
-              <a:r>
-                <a:t/>
-              </a:r>
               <a:endParaRPr/>
             </a:p>
           </p:txBody>
@@ -2408,7 +2502,7 @@
             </a:xfrm>
             <a:prstGeom prst="diagStripe">
               <a:avLst>
-                <a:gd fmla="val 50000" name="adj"/>
+                <a:gd name="adj" fmla="val 50000"/>
               </a:avLst>
             </a:prstGeom>
             <a:solidFill>
@@ -2421,12 +2515,12 @@
             </a:ln>
           </p:spPr>
           <p:txBody>
-            <a:bodyPr anchorCtr="0" anchor="ctr" bIns="121900" lIns="121900" spcFirstLastPara="1" rIns="121900" wrap="square" tIns="121900">
+            <a:bodyPr spcFirstLastPara="1" wrap="square" lIns="121900" tIns="121900" rIns="121900" bIns="121900" anchor="ctr" anchorCtr="0">
               <a:noAutofit/>
             </a:bodyPr>
             <a:lstStyle/>
             <a:p>
-              <a:pPr indent="0" lvl="0" marL="0" rtl="0" algn="l">
+              <a:pPr marL="0" lvl="0" indent="0" algn="l" rtl="0">
                 <a:spcBef>
                   <a:spcPts val="0"/>
                 </a:spcBef>
@@ -2435,9 +2529,6 @@
                 </a:spcAft>
                 <a:buNone/>
               </a:pPr>
-              <a:r>
-                <a:t/>
-              </a:r>
               <a:endParaRPr/>
             </a:p>
           </p:txBody>
@@ -2455,7 +2546,7 @@
             </a:xfrm>
             <a:prstGeom prst="diagStripe">
               <a:avLst>
-                <a:gd fmla="val 50000" name="adj"/>
+                <a:gd name="adj" fmla="val 50000"/>
               </a:avLst>
             </a:prstGeom>
             <a:solidFill>
@@ -2468,12 +2559,12 @@
             </a:ln>
           </p:spPr>
           <p:txBody>
-            <a:bodyPr anchorCtr="0" anchor="ctr" bIns="121900" lIns="121900" spcFirstLastPara="1" rIns="121900" wrap="square" tIns="121900">
+            <a:bodyPr spcFirstLastPara="1" wrap="square" lIns="121900" tIns="121900" rIns="121900" bIns="121900" anchor="ctr" anchorCtr="0">
               <a:noAutofit/>
             </a:bodyPr>
             <a:lstStyle/>
             <a:p>
-              <a:pPr indent="0" lvl="0" marL="0" rtl="0" algn="l">
+              <a:pPr marL="0" lvl="0" indent="0" algn="l" rtl="0">
                 <a:spcBef>
                   <a:spcPts val="0"/>
                 </a:spcBef>
@@ -2482,9 +2573,6 @@
                 </a:spcAft>
                 <a:buNone/>
               </a:pPr>
-              <a:r>
-                <a:t/>
-              </a:r>
               <a:endParaRPr/>
             </a:p>
           </p:txBody>
@@ -2502,7 +2590,7 @@
             </a:xfrm>
             <a:prstGeom prst="diagStripe">
               <a:avLst>
-                <a:gd fmla="val 50000" name="adj"/>
+                <a:gd name="adj" fmla="val 50000"/>
               </a:avLst>
             </a:prstGeom>
             <a:solidFill>
@@ -2513,12 +2601,12 @@
             </a:ln>
           </p:spPr>
           <p:txBody>
-            <a:bodyPr anchorCtr="0" anchor="ctr" bIns="121900" lIns="121900" spcFirstLastPara="1" rIns="121900" wrap="square" tIns="121900">
+            <a:bodyPr spcFirstLastPara="1" wrap="square" lIns="121900" tIns="121900" rIns="121900" bIns="121900" anchor="ctr" anchorCtr="0">
               <a:noAutofit/>
             </a:bodyPr>
             <a:lstStyle/>
             <a:p>
-              <a:pPr indent="0" lvl="0" marL="0" rtl="0" algn="l">
+              <a:pPr marL="0" lvl="0" indent="0" algn="l" rtl="0">
                 <a:spcBef>
                   <a:spcPts val="0"/>
                 </a:spcBef>
@@ -2527,9 +2615,6 @@
                 </a:spcAft>
                 <a:buNone/>
               </a:pPr>
-              <a:r>
-                <a:t/>
-              </a:r>
               <a:endParaRPr/>
             </a:p>
           </p:txBody>
@@ -2547,7 +2632,7 @@
             </a:xfrm>
             <a:prstGeom prst="diagStripe">
               <a:avLst>
-                <a:gd fmla="val 50000" name="adj"/>
+                <a:gd name="adj" fmla="val 50000"/>
               </a:avLst>
             </a:prstGeom>
             <a:solidFill>
@@ -2560,12 +2645,12 @@
             </a:ln>
           </p:spPr>
           <p:txBody>
-            <a:bodyPr anchorCtr="0" anchor="ctr" bIns="121900" lIns="121900" spcFirstLastPara="1" rIns="121900" wrap="square" tIns="121900">
+            <a:bodyPr spcFirstLastPara="1" wrap="square" lIns="121900" tIns="121900" rIns="121900" bIns="121900" anchor="ctr" anchorCtr="0">
               <a:noAutofit/>
             </a:bodyPr>
             <a:lstStyle/>
             <a:p>
-              <a:pPr indent="0" lvl="0" marL="0" rtl="0" algn="l">
+              <a:pPr marL="0" lvl="0" indent="0" algn="l" rtl="0">
                 <a:spcBef>
                   <a:spcPts val="0"/>
                 </a:spcBef>
@@ -2574,9 +2659,6 @@
                 </a:spcAft>
                 <a:buNone/>
               </a:pPr>
-              <a:r>
-                <a:t/>
-              </a:r>
               <a:endParaRPr/>
             </a:p>
           </p:txBody>
@@ -2594,7 +2676,7 @@
             </a:xfrm>
             <a:prstGeom prst="diagStripe">
               <a:avLst>
-                <a:gd fmla="val 50000" name="adj"/>
+                <a:gd name="adj" fmla="val 50000"/>
               </a:avLst>
             </a:prstGeom>
             <a:solidFill>
@@ -2607,12 +2689,12 @@
             </a:ln>
           </p:spPr>
           <p:txBody>
-            <a:bodyPr anchorCtr="0" anchor="ctr" bIns="121900" lIns="121900" spcFirstLastPara="1" rIns="121900" wrap="square" tIns="121900">
+            <a:bodyPr spcFirstLastPara="1" wrap="square" lIns="121900" tIns="121900" rIns="121900" bIns="121900" anchor="ctr" anchorCtr="0">
               <a:noAutofit/>
             </a:bodyPr>
             <a:lstStyle/>
             <a:p>
-              <a:pPr indent="0" lvl="0" marL="0" rtl="0" algn="l">
+              <a:pPr marL="0" lvl="0" indent="0" algn="l" rtl="0">
                 <a:spcBef>
                   <a:spcPts val="0"/>
                 </a:spcBef>
@@ -2621,9 +2703,6 @@
                 </a:spcAft>
                 <a:buNone/>
               </a:pPr>
-              <a:r>
-                <a:t/>
-              </a:r>
               <a:endParaRPr/>
             </a:p>
           </p:txBody>
@@ -2641,7 +2720,7 @@
             </a:xfrm>
             <a:prstGeom prst="diagStripe">
               <a:avLst>
-                <a:gd fmla="val 50000" name="adj"/>
+                <a:gd name="adj" fmla="val 50000"/>
               </a:avLst>
             </a:prstGeom>
             <a:solidFill>
@@ -2654,12 +2733,12 @@
             </a:ln>
           </p:spPr>
           <p:txBody>
-            <a:bodyPr anchorCtr="0" anchor="ctr" bIns="121900" lIns="121900" spcFirstLastPara="1" rIns="121900" wrap="square" tIns="121900">
+            <a:bodyPr spcFirstLastPara="1" wrap="square" lIns="121900" tIns="121900" rIns="121900" bIns="121900" anchor="ctr" anchorCtr="0">
               <a:noAutofit/>
             </a:bodyPr>
             <a:lstStyle/>
             <a:p>
-              <a:pPr indent="0" lvl="0" marL="0" rtl="0" algn="l">
+              <a:pPr marL="0" lvl="0" indent="0" algn="l" rtl="0">
                 <a:spcBef>
                   <a:spcPts val="0"/>
                 </a:spcBef>
@@ -2668,9 +2747,6 @@
                 </a:spcAft>
                 <a:buNone/>
               </a:pPr>
-              <a:r>
-                <a:t/>
-              </a:r>
               <a:endParaRPr/>
             </a:p>
           </p:txBody>
@@ -2688,7 +2764,7 @@
             </a:xfrm>
             <a:prstGeom prst="diagStripe">
               <a:avLst>
-                <a:gd fmla="val 50000" name="adj"/>
+                <a:gd name="adj" fmla="val 50000"/>
               </a:avLst>
             </a:prstGeom>
             <a:solidFill>
@@ -2701,12 +2777,12 @@
             </a:ln>
           </p:spPr>
           <p:txBody>
-            <a:bodyPr anchorCtr="0" anchor="ctr" bIns="121900" lIns="121900" spcFirstLastPara="1" rIns="121900" wrap="square" tIns="121900">
+            <a:bodyPr spcFirstLastPara="1" wrap="square" lIns="121900" tIns="121900" rIns="121900" bIns="121900" anchor="ctr" anchorCtr="0">
               <a:noAutofit/>
             </a:bodyPr>
             <a:lstStyle/>
             <a:p>
-              <a:pPr indent="0" lvl="0" marL="0" rtl="0" algn="l">
+              <a:pPr marL="0" lvl="0" indent="0" algn="l" rtl="0">
                 <a:spcBef>
                   <a:spcPts val="0"/>
                 </a:spcBef>
@@ -2715,9 +2791,6 @@
                 </a:spcAft>
                 <a:buNone/>
               </a:pPr>
-              <a:r>
-                <a:t/>
-              </a:r>
               <a:endParaRPr/>
             </a:p>
           </p:txBody>
@@ -2735,7 +2808,7 @@
             </a:xfrm>
             <a:prstGeom prst="diagStripe">
               <a:avLst>
-                <a:gd fmla="val 50000" name="adj"/>
+                <a:gd name="adj" fmla="val 50000"/>
               </a:avLst>
             </a:prstGeom>
             <a:solidFill>
@@ -2748,12 +2821,12 @@
             </a:ln>
           </p:spPr>
           <p:txBody>
-            <a:bodyPr anchorCtr="0" anchor="ctr" bIns="121900" lIns="121900" spcFirstLastPara="1" rIns="121900" wrap="square" tIns="121900">
+            <a:bodyPr spcFirstLastPara="1" wrap="square" lIns="121900" tIns="121900" rIns="121900" bIns="121900" anchor="ctr" anchorCtr="0">
               <a:noAutofit/>
             </a:bodyPr>
             <a:lstStyle/>
             <a:p>
-              <a:pPr indent="0" lvl="0" marL="0" rtl="0" algn="l">
+              <a:pPr marL="0" lvl="0" indent="0" algn="l" rtl="0">
                 <a:spcBef>
                   <a:spcPts val="0"/>
                 </a:spcBef>
@@ -2762,9 +2835,6 @@
                 </a:spcAft>
                 <a:buNone/>
               </a:pPr>
-              <a:r>
-                <a:t/>
-              </a:r>
               <a:endParaRPr/>
             </a:p>
           </p:txBody>
@@ -2782,7 +2852,7 @@
             </a:xfrm>
             <a:prstGeom prst="diagStripe">
               <a:avLst>
-                <a:gd fmla="val 50000" name="adj"/>
+                <a:gd name="adj" fmla="val 50000"/>
               </a:avLst>
             </a:prstGeom>
             <a:solidFill>
@@ -2793,12 +2863,12 @@
             </a:ln>
           </p:spPr>
           <p:txBody>
-            <a:bodyPr anchorCtr="0" anchor="ctr" bIns="121900" lIns="121900" spcFirstLastPara="1" rIns="121900" wrap="square" tIns="121900">
+            <a:bodyPr spcFirstLastPara="1" wrap="square" lIns="121900" tIns="121900" rIns="121900" bIns="121900" anchor="ctr" anchorCtr="0">
               <a:noAutofit/>
             </a:bodyPr>
             <a:lstStyle/>
             <a:p>
-              <a:pPr indent="0" lvl="0" marL="0" rtl="0" algn="l">
+              <a:pPr marL="0" lvl="0" indent="0" algn="l" rtl="0">
                 <a:spcBef>
                   <a:spcPts val="0"/>
                 </a:spcBef>
@@ -2807,9 +2877,6 @@
                 </a:spcAft>
                 <a:buNone/>
               </a:pPr>
-              <a:r>
-                <a:t/>
-              </a:r>
               <a:endParaRPr/>
             </a:p>
           </p:txBody>
@@ -2827,7 +2894,7 @@
             </a:xfrm>
             <a:prstGeom prst="diagStripe">
               <a:avLst>
-                <a:gd fmla="val 50000" name="adj"/>
+                <a:gd name="adj" fmla="val 50000"/>
               </a:avLst>
             </a:prstGeom>
             <a:solidFill>
@@ -2840,12 +2907,12 @@
             </a:ln>
           </p:spPr>
           <p:txBody>
-            <a:bodyPr anchorCtr="0" anchor="ctr" bIns="121900" lIns="121900" spcFirstLastPara="1" rIns="121900" wrap="square" tIns="121900">
+            <a:bodyPr spcFirstLastPara="1" wrap="square" lIns="121900" tIns="121900" rIns="121900" bIns="121900" anchor="ctr" anchorCtr="0">
               <a:noAutofit/>
             </a:bodyPr>
             <a:lstStyle/>
             <a:p>
-              <a:pPr indent="0" lvl="0" marL="0" rtl="0" algn="l">
+              <a:pPr marL="0" lvl="0" indent="0" algn="l" rtl="0">
                 <a:spcBef>
                   <a:spcPts val="0"/>
                 </a:spcBef>
@@ -2854,9 +2921,6 @@
                 </a:spcAft>
                 <a:buNone/>
               </a:pPr>
-              <a:r>
-                <a:t/>
-              </a:r>
               <a:endParaRPr/>
             </a:p>
           </p:txBody>
@@ -2874,7 +2938,7 @@
             </a:xfrm>
             <a:prstGeom prst="diagStripe">
               <a:avLst>
-                <a:gd fmla="val 50000" name="adj"/>
+                <a:gd name="adj" fmla="val 50000"/>
               </a:avLst>
             </a:prstGeom>
             <a:solidFill>
@@ -2887,12 +2951,12 @@
             </a:ln>
           </p:spPr>
           <p:txBody>
-            <a:bodyPr anchorCtr="0" anchor="ctr" bIns="121900" lIns="121900" spcFirstLastPara="1" rIns="121900" wrap="square" tIns="121900">
+            <a:bodyPr spcFirstLastPara="1" wrap="square" lIns="121900" tIns="121900" rIns="121900" bIns="121900" anchor="ctr" anchorCtr="0">
               <a:noAutofit/>
             </a:bodyPr>
             <a:lstStyle/>
             <a:p>
-              <a:pPr indent="0" lvl="0" marL="0" rtl="0" algn="l">
+              <a:pPr marL="0" lvl="0" indent="0" algn="l" rtl="0">
                 <a:spcBef>
                   <a:spcPts val="0"/>
                 </a:spcBef>
@@ -2901,9 +2965,6 @@
                 </a:spcAft>
                 <a:buNone/>
               </a:pPr>
-              <a:r>
-                <a:t/>
-              </a:r>
               <a:endParaRPr/>
             </a:p>
           </p:txBody>
@@ -2921,7 +2982,7 @@
             </a:xfrm>
             <a:prstGeom prst="diagStripe">
               <a:avLst>
-                <a:gd fmla="val 50000" name="adj"/>
+                <a:gd name="adj" fmla="val 50000"/>
               </a:avLst>
             </a:prstGeom>
             <a:solidFill>
@@ -2934,12 +2995,12 @@
             </a:ln>
           </p:spPr>
           <p:txBody>
-            <a:bodyPr anchorCtr="0" anchor="ctr" bIns="121900" lIns="121900" spcFirstLastPara="1" rIns="121900" wrap="square" tIns="121900">
+            <a:bodyPr spcFirstLastPara="1" wrap="square" lIns="121900" tIns="121900" rIns="121900" bIns="121900" anchor="ctr" anchorCtr="0">
               <a:noAutofit/>
             </a:bodyPr>
             <a:lstStyle/>
             <a:p>
-              <a:pPr indent="0" lvl="0" marL="0" rtl="0" algn="l">
+              <a:pPr marL="0" lvl="0" indent="0" algn="l" rtl="0">
                 <a:spcBef>
                   <a:spcPts val="0"/>
                 </a:spcBef>
@@ -2948,9 +3009,6 @@
                 </a:spcAft>
                 <a:buNone/>
               </a:pPr>
-              <a:r>
-                <a:t/>
-              </a:r>
               <a:endParaRPr/>
             </a:p>
           </p:txBody>
@@ -2968,7 +3026,7 @@
             </a:xfrm>
             <a:prstGeom prst="diagStripe">
               <a:avLst>
-                <a:gd fmla="val 50000" name="adj"/>
+                <a:gd name="adj" fmla="val 50000"/>
               </a:avLst>
             </a:prstGeom>
             <a:solidFill>
@@ -2981,12 +3039,12 @@
             </a:ln>
           </p:spPr>
           <p:txBody>
-            <a:bodyPr anchorCtr="0" anchor="ctr" bIns="121900" lIns="121900" spcFirstLastPara="1" rIns="121900" wrap="square" tIns="121900">
+            <a:bodyPr spcFirstLastPara="1" wrap="square" lIns="121900" tIns="121900" rIns="121900" bIns="121900" anchor="ctr" anchorCtr="0">
               <a:noAutofit/>
             </a:bodyPr>
             <a:lstStyle/>
             <a:p>
-              <a:pPr indent="0" lvl="0" marL="0" rtl="0" algn="l">
+              <a:pPr marL="0" lvl="0" indent="0" algn="l" rtl="0">
                 <a:spcBef>
                   <a:spcPts val="0"/>
                 </a:spcBef>
@@ -2995,9 +3053,6 @@
                 </a:spcAft>
                 <a:buNone/>
               </a:pPr>
-              <a:r>
-                <a:t/>
-              </a:r>
               <a:endParaRPr/>
             </a:p>
           </p:txBody>
@@ -3006,9 +3061,11 @@
       <p:sp>
         <p:nvSpPr>
           <p:cNvPr id="125" name="Google Shape;125;g133df9925ed_0_2442"/>
-          <p:cNvSpPr txBox="1"/>
+          <p:cNvSpPr txBox="1">
+            <a:spLocks noGrp="1"/>
+          </p:cNvSpPr>
           <p:nvPr>
-            <p:ph hasCustomPrompt="1" type="title"/>
+            <p:ph type="title" hasCustomPrompt="1"/>
           </p:nvPr>
         </p:nvSpPr>
         <p:spPr>
@@ -3021,7 +3078,7 @@
           </a:prstGeom>
         </p:spPr>
         <p:txBody>
-          <a:bodyPr anchorCtr="0" anchor="t" bIns="121900" lIns="121900" spcFirstLastPara="1" rIns="121900" wrap="square" tIns="121900">
+          <a:bodyPr spcFirstLastPara="1" wrap="square" lIns="121900" tIns="121900" rIns="121900" bIns="121900" anchor="t" anchorCtr="0">
             <a:normAutofit/>
           </a:bodyPr>
           <a:lstStyle>
@@ -3135,9 +3192,11 @@
       <p:sp>
         <p:nvSpPr>
           <p:cNvPr id="126" name="Google Shape;126;g133df9925ed_0_2442"/>
-          <p:cNvSpPr txBox="1"/>
+          <p:cNvSpPr txBox="1">
+            <a:spLocks noGrp="1"/>
+          </p:cNvSpPr>
           <p:nvPr>
-            <p:ph idx="1" type="body"/>
+            <p:ph type="body" idx="1"/>
           </p:nvPr>
         </p:nvSpPr>
         <p:spPr>
@@ -3150,11 +3209,11 @@
           </a:prstGeom>
         </p:spPr>
         <p:txBody>
-          <a:bodyPr anchorCtr="0" anchor="t" bIns="121900" lIns="121900" spcFirstLastPara="1" rIns="121900" wrap="square" tIns="121900">
+          <a:bodyPr spcFirstLastPara="1" wrap="square" lIns="121900" tIns="121900" rIns="121900" bIns="121900" anchor="t" anchorCtr="0">
             <a:normAutofit/>
           </a:bodyPr>
           <a:lstStyle>
-            <a:lvl1pPr indent="-336550" lvl="0" marL="457200">
+            <a:lvl1pPr marL="457200" lvl="0" indent="-336550">
               <a:spcBef>
                 <a:spcPts val="0"/>
               </a:spcBef>
@@ -3165,7 +3224,7 @@
               <a:buChar char="●"/>
               <a:defRPr/>
             </a:lvl1pPr>
-            <a:lvl2pPr indent="-323850" lvl="1" marL="914400">
+            <a:lvl2pPr marL="914400" lvl="1" indent="-323850">
               <a:spcBef>
                 <a:spcPts val="0"/>
               </a:spcBef>
@@ -3176,7 +3235,7 @@
               <a:buChar char="○"/>
               <a:defRPr/>
             </a:lvl2pPr>
-            <a:lvl3pPr indent="-323850" lvl="2" marL="1371600">
+            <a:lvl3pPr marL="1371600" lvl="2" indent="-323850">
               <a:spcBef>
                 <a:spcPts val="0"/>
               </a:spcBef>
@@ -3187,7 +3246,7 @@
               <a:buChar char="■"/>
               <a:defRPr/>
             </a:lvl3pPr>
-            <a:lvl4pPr indent="-323850" lvl="3" marL="1828800">
+            <a:lvl4pPr marL="1828800" lvl="3" indent="-323850">
               <a:spcBef>
                 <a:spcPts val="0"/>
               </a:spcBef>
@@ -3198,7 +3257,7 @@
               <a:buChar char="●"/>
               <a:defRPr/>
             </a:lvl4pPr>
-            <a:lvl5pPr indent="-323850" lvl="4" marL="2286000">
+            <a:lvl5pPr marL="2286000" lvl="4" indent="-323850">
               <a:spcBef>
                 <a:spcPts val="0"/>
               </a:spcBef>
@@ -3209,7 +3268,7 @@
               <a:buChar char="○"/>
               <a:defRPr/>
             </a:lvl5pPr>
-            <a:lvl6pPr indent="-323850" lvl="5" marL="2743200">
+            <a:lvl6pPr marL="2743200" lvl="5" indent="-323850">
               <a:spcBef>
                 <a:spcPts val="0"/>
               </a:spcBef>
@@ -3220,7 +3279,7 @@
               <a:buChar char="■"/>
               <a:defRPr/>
             </a:lvl6pPr>
-            <a:lvl7pPr indent="-323850" lvl="6" marL="3200400">
+            <a:lvl7pPr marL="3200400" lvl="6" indent="-323850">
               <a:spcBef>
                 <a:spcPts val="0"/>
               </a:spcBef>
@@ -3231,7 +3290,7 @@
               <a:buChar char="●"/>
               <a:defRPr/>
             </a:lvl7pPr>
-            <a:lvl8pPr indent="-323850" lvl="7" marL="3657600">
+            <a:lvl8pPr marL="3657600" lvl="7" indent="-323850">
               <a:spcBef>
                 <a:spcPts val="0"/>
               </a:spcBef>
@@ -3242,7 +3301,7 @@
               <a:buChar char="○"/>
               <a:defRPr/>
             </a:lvl8pPr>
-            <a:lvl9pPr indent="-323850" lvl="8" marL="4114800">
+            <a:lvl9pPr marL="4114800" lvl="8" indent="-323850">
               <a:spcBef>
                 <a:spcPts val="0"/>
               </a:spcBef>
@@ -3254,15 +3313,19 @@
               <a:defRPr/>
             </a:lvl9pPr>
           </a:lstStyle>
-          <a:p/>
+          <a:p>
+            <a:endParaRPr/>
+          </a:p>
         </p:txBody>
       </p:sp>
       <p:sp>
         <p:nvSpPr>
           <p:cNvPr id="127" name="Google Shape;127;g133df9925ed_0_2442"/>
-          <p:cNvSpPr txBox="1"/>
+          <p:cNvSpPr txBox="1">
+            <a:spLocks noGrp="1"/>
+          </p:cNvSpPr>
           <p:nvPr>
-            <p:ph idx="12" type="sldNum"/>
+            <p:ph type="sldNum" idx="12"/>
           </p:nvPr>
         </p:nvSpPr>
         <p:spPr>
@@ -3275,7 +3338,7 @@
           </a:prstGeom>
         </p:spPr>
         <p:txBody>
-          <a:bodyPr anchorCtr="0" anchor="ctr" bIns="121900" lIns="121900" spcFirstLastPara="1" rIns="121900" wrap="square" tIns="121900">
+          <a:bodyPr spcFirstLastPara="1" wrap="square" lIns="121900" tIns="121900" rIns="121900" bIns="121900" anchor="ctr" anchorCtr="0">
             <a:normAutofit/>
           </a:bodyPr>
           <a:lstStyle>
@@ -3317,7 +3380,7 @@
             </a:lvl9pPr>
           </a:lstStyle>
           <a:p>
-            <a:pPr indent="0" lvl="0" marL="0" rtl="0" algn="r">
+            <a:pPr marL="0" lvl="0" indent="0" algn="r" rtl="0">
               <a:spcBef>
                 <a:spcPts val="0"/>
               </a:spcBef>
@@ -3343,11 +3406,11 @@
 </file>
 
 <file path=ppt/slideLayouts/slideLayout11.xml><?xml version="1.0" encoding="utf-8"?>
-<p:sldLayout xmlns:a="http://schemas.openxmlformats.org/drawingml/2006/main" xmlns:r="http://schemas.openxmlformats.org/officeDocument/2006/relationships" xmlns:mc="http://schemas.openxmlformats.org/markup-compatibility/2006" xmlns:mv="urn:schemas-microsoft-com:mac:vml" xmlns:p="http://schemas.openxmlformats.org/presentationml/2006/main" xmlns:c="http://schemas.openxmlformats.org/drawingml/2006/chart" xmlns:dgm="http://schemas.openxmlformats.org/drawingml/2006/diagram" xmlns:o="urn:schemas-microsoft-com:office:office" xmlns:v="urn:schemas-microsoft-com:vml" xmlns:pvml="urn:schemas-microsoft-com:office:powerpoint" xmlns:com="http://schemas.openxmlformats.org/drawingml/2006/compatibility" xmlns:p14="http://schemas.microsoft.com/office/powerpoint/2010/main" xmlns:p15="http://schemas.microsoft.com/office/powerpoint/2012/main" xmlns:ahyp="http://schemas.microsoft.com/office/drawing/2018/hyperlinkcolor" matchingName="Blank" type="blank">
+<p:sldLayout xmlns:a="http://schemas.openxmlformats.org/drawingml/2006/main" xmlns:r="http://schemas.openxmlformats.org/officeDocument/2006/relationships" xmlns:p="http://schemas.openxmlformats.org/presentationml/2006/main" matchingName="Blank" type="blank">
   <p:cSld name="BLANK">
     <p:spTree>
       <p:nvGrpSpPr>
-        <p:cNvPr id="128" name="Shape 128"/>
+        <p:cNvPr id="1" name="Shape 128"/>
         <p:cNvGrpSpPr/>
         <p:nvPr/>
       </p:nvGrpSpPr>
@@ -3362,9 +3425,11 @@
       <p:sp>
         <p:nvSpPr>
           <p:cNvPr id="129" name="Google Shape;129;g133df9925ed_0_2465"/>
-          <p:cNvSpPr txBox="1"/>
+          <p:cNvSpPr txBox="1">
+            <a:spLocks noGrp="1"/>
+          </p:cNvSpPr>
           <p:nvPr>
-            <p:ph idx="12" type="sldNum"/>
+            <p:ph type="sldNum" idx="12"/>
           </p:nvPr>
         </p:nvSpPr>
         <p:spPr>
@@ -3377,7 +3442,7 @@
           </a:prstGeom>
         </p:spPr>
         <p:txBody>
-          <a:bodyPr anchorCtr="0" anchor="ctr" bIns="121900" lIns="121900" spcFirstLastPara="1" rIns="121900" wrap="square" tIns="121900">
+          <a:bodyPr spcFirstLastPara="1" wrap="square" lIns="121900" tIns="121900" rIns="121900" bIns="121900" anchor="ctr" anchorCtr="0">
             <a:normAutofit/>
           </a:bodyPr>
           <a:lstStyle>
@@ -3419,7 +3484,7 @@
             </a:lvl9pPr>
           </a:lstStyle>
           <a:p>
-            <a:pPr indent="0" lvl="0" marL="0" rtl="0" algn="r">
+            <a:pPr marL="0" lvl="0" indent="0" algn="r" rtl="0">
               <a:spcBef>
                 <a:spcPts val="0"/>
               </a:spcBef>
@@ -3445,11 +3510,11 @@
 </file>
 
 <file path=ppt/slideLayouts/slideLayout12.xml><?xml version="1.0" encoding="utf-8"?>
-<p:sldLayout xmlns:a="http://schemas.openxmlformats.org/drawingml/2006/main" xmlns:r="http://schemas.openxmlformats.org/officeDocument/2006/relationships" xmlns:mc="http://schemas.openxmlformats.org/markup-compatibility/2006" xmlns:mv="urn:schemas-microsoft-com:mac:vml" xmlns:p="http://schemas.openxmlformats.org/presentationml/2006/main" xmlns:c="http://schemas.openxmlformats.org/drawingml/2006/chart" xmlns:dgm="http://schemas.openxmlformats.org/drawingml/2006/diagram" xmlns:o="urn:schemas-microsoft-com:office:office" xmlns:v="urn:schemas-microsoft-com:vml" xmlns:pvml="urn:schemas-microsoft-com:office:powerpoint" xmlns:com="http://schemas.openxmlformats.org/drawingml/2006/compatibility" xmlns:p14="http://schemas.microsoft.com/office/powerpoint/2010/main" xmlns:p15="http://schemas.microsoft.com/office/powerpoint/2012/main" xmlns:ahyp="http://schemas.microsoft.com/office/drawing/2018/hyperlinkcolor" matchingName="Title and Content" type="obj">
+<p:sldLayout xmlns:a="http://schemas.openxmlformats.org/drawingml/2006/main" xmlns:r="http://schemas.openxmlformats.org/officeDocument/2006/relationships" xmlns:p="http://schemas.openxmlformats.org/presentationml/2006/main" matchingName="Title and Content" type="obj">
   <p:cSld name="OBJECT">
     <p:spTree>
       <p:nvGrpSpPr>
-        <p:cNvPr id="130" name="Shape 130"/>
+        <p:cNvPr id="1" name="Shape 130"/>
         <p:cNvGrpSpPr/>
         <p:nvPr/>
       </p:nvGrpSpPr>
@@ -3464,7 +3529,9 @@
       <p:sp>
         <p:nvSpPr>
           <p:cNvPr id="131" name="Google Shape;131;g133df9925ed_0_2467"/>
-          <p:cNvSpPr txBox="1"/>
+          <p:cNvSpPr txBox="1">
+            <a:spLocks noGrp="1"/>
+          </p:cNvSpPr>
           <p:nvPr>
             <p:ph type="title"/>
           </p:nvPr>
@@ -3483,11 +3550,11 @@
           </a:ln>
         </p:spPr>
         <p:txBody>
-          <a:bodyPr anchorCtr="0" anchor="t" bIns="45700" lIns="91425" spcFirstLastPara="1" rIns="91425" wrap="square" tIns="45700">
+          <a:bodyPr spcFirstLastPara="1" wrap="square" lIns="91425" tIns="45700" rIns="91425" bIns="45700" anchor="t" anchorCtr="0">
             <a:normAutofit/>
           </a:bodyPr>
           <a:lstStyle>
-            <a:lvl1pPr lvl="0" rtl="0" algn="l">
+            <a:lvl1pPr lvl="0" algn="l" rtl="0">
               <a:spcBef>
                 <a:spcPts val="0"/>
               </a:spcBef>
@@ -3501,7 +3568,7 @@
               <a:buNone/>
               <a:defRPr/>
             </a:lvl1pPr>
-            <a:lvl2pPr lvl="1" rtl="0" algn="l">
+            <a:lvl2pPr lvl="1" algn="l" rtl="0">
               <a:spcBef>
                 <a:spcPts val="0"/>
               </a:spcBef>
@@ -3512,7 +3579,7 @@
               <a:buNone/>
               <a:defRPr/>
             </a:lvl2pPr>
-            <a:lvl3pPr lvl="2" rtl="0" algn="l">
+            <a:lvl3pPr lvl="2" algn="l" rtl="0">
               <a:spcBef>
                 <a:spcPts val="0"/>
               </a:spcBef>
@@ -3523,7 +3590,7 @@
               <a:buNone/>
               <a:defRPr/>
             </a:lvl3pPr>
-            <a:lvl4pPr lvl="3" rtl="0" algn="l">
+            <a:lvl4pPr lvl="3" algn="l" rtl="0">
               <a:spcBef>
                 <a:spcPts val="0"/>
               </a:spcBef>
@@ -3534,7 +3601,7 @@
               <a:buNone/>
               <a:defRPr/>
             </a:lvl4pPr>
-            <a:lvl5pPr lvl="4" rtl="0" algn="l">
+            <a:lvl5pPr lvl="4" algn="l" rtl="0">
               <a:spcBef>
                 <a:spcPts val="0"/>
               </a:spcBef>
@@ -3545,7 +3612,7 @@
               <a:buNone/>
               <a:defRPr/>
             </a:lvl5pPr>
-            <a:lvl6pPr lvl="5" rtl="0" algn="l">
+            <a:lvl6pPr lvl="5" algn="l" rtl="0">
               <a:spcBef>
                 <a:spcPts val="0"/>
               </a:spcBef>
@@ -3556,7 +3623,7 @@
               <a:buNone/>
               <a:defRPr/>
             </a:lvl6pPr>
-            <a:lvl7pPr lvl="6" rtl="0" algn="l">
+            <a:lvl7pPr lvl="6" algn="l" rtl="0">
               <a:spcBef>
                 <a:spcPts val="0"/>
               </a:spcBef>
@@ -3567,7 +3634,7 @@
               <a:buNone/>
               <a:defRPr/>
             </a:lvl7pPr>
-            <a:lvl8pPr lvl="7" rtl="0" algn="l">
+            <a:lvl8pPr lvl="7" algn="l" rtl="0">
               <a:spcBef>
                 <a:spcPts val="0"/>
               </a:spcBef>
@@ -3578,7 +3645,7 @@
               <a:buNone/>
               <a:defRPr/>
             </a:lvl8pPr>
-            <a:lvl9pPr lvl="8" rtl="0" algn="l">
+            <a:lvl9pPr lvl="8" algn="l" rtl="0">
               <a:spcBef>
                 <a:spcPts val="0"/>
               </a:spcBef>
@@ -3590,15 +3657,19 @@
               <a:defRPr/>
             </a:lvl9pPr>
           </a:lstStyle>
-          <a:p/>
+          <a:p>
+            <a:endParaRPr/>
+          </a:p>
         </p:txBody>
       </p:sp>
       <p:sp>
         <p:nvSpPr>
           <p:cNvPr id="132" name="Google Shape;132;g133df9925ed_0_2467"/>
-          <p:cNvSpPr txBox="1"/>
+          <p:cNvSpPr txBox="1">
+            <a:spLocks noGrp="1"/>
+          </p:cNvSpPr>
           <p:nvPr>
-            <p:ph idx="1" type="body"/>
+            <p:ph type="body" idx="1"/>
           </p:nvPr>
         </p:nvSpPr>
         <p:spPr>
@@ -3615,11 +3686,11 @@
           </a:ln>
         </p:spPr>
         <p:txBody>
-          <a:bodyPr anchorCtr="0" anchor="t" bIns="45700" lIns="91425" spcFirstLastPara="1" rIns="91425" wrap="square" tIns="45700">
+          <a:bodyPr spcFirstLastPara="1" wrap="square" lIns="91425" tIns="45700" rIns="91425" bIns="45700" anchor="t" anchorCtr="0">
             <a:normAutofit/>
           </a:bodyPr>
           <a:lstStyle>
-            <a:lvl1pPr indent="-320040" lvl="0" marL="457200" rtl="0" algn="l">
+            <a:lvl1pPr marL="457200" lvl="0" indent="-320040" algn="l" rtl="0">
               <a:spcBef>
                 <a:spcPts val="1000"/>
               </a:spcBef>
@@ -3630,7 +3701,7 @@
               <a:buChar char="●"/>
               <a:defRPr/>
             </a:lvl1pPr>
-            <a:lvl2pPr indent="-320040" lvl="1" marL="914400" rtl="0" algn="l">
+            <a:lvl2pPr marL="914400" lvl="1" indent="-320040" algn="l" rtl="0">
               <a:spcBef>
                 <a:spcPts val="1000"/>
               </a:spcBef>
@@ -3641,7 +3712,7 @@
               <a:buChar char="○"/>
               <a:defRPr/>
             </a:lvl2pPr>
-            <a:lvl3pPr indent="-320039" lvl="2" marL="1371600" rtl="0" algn="l">
+            <a:lvl3pPr marL="1371600" lvl="2" indent="-320039" algn="l" rtl="0">
               <a:spcBef>
                 <a:spcPts val="1000"/>
               </a:spcBef>
@@ -3652,7 +3723,7 @@
               <a:buChar char="■"/>
               <a:defRPr/>
             </a:lvl3pPr>
-            <a:lvl4pPr indent="-320039" lvl="3" marL="1828800" rtl="0" algn="l">
+            <a:lvl4pPr marL="1828800" lvl="3" indent="-320039" algn="l" rtl="0">
               <a:spcBef>
                 <a:spcPts val="1000"/>
               </a:spcBef>
@@ -3663,7 +3734,7 @@
               <a:buChar char="●"/>
               <a:defRPr/>
             </a:lvl4pPr>
-            <a:lvl5pPr indent="-320039" lvl="4" marL="2286000" rtl="0" algn="l">
+            <a:lvl5pPr marL="2286000" lvl="4" indent="-320039" algn="l" rtl="0">
               <a:spcBef>
                 <a:spcPts val="1000"/>
               </a:spcBef>
@@ -3674,7 +3745,7 @@
               <a:buChar char="○"/>
               <a:defRPr/>
             </a:lvl5pPr>
-            <a:lvl6pPr indent="-320039" lvl="5" marL="2743200" rtl="0" algn="l">
+            <a:lvl6pPr marL="2743200" lvl="5" indent="-320039" algn="l" rtl="0">
               <a:spcBef>
                 <a:spcPts val="1000"/>
               </a:spcBef>
@@ -3685,7 +3756,7 @@
               <a:buChar char="■"/>
               <a:defRPr/>
             </a:lvl6pPr>
-            <a:lvl7pPr indent="-320039" lvl="6" marL="3200400" rtl="0" algn="l">
+            <a:lvl7pPr marL="3200400" lvl="6" indent="-320039" algn="l" rtl="0">
               <a:spcBef>
                 <a:spcPts val="1000"/>
               </a:spcBef>
@@ -3696,7 +3767,7 @@
               <a:buChar char="●"/>
               <a:defRPr/>
             </a:lvl7pPr>
-            <a:lvl8pPr indent="-320040" lvl="7" marL="3657600" rtl="0" algn="l">
+            <a:lvl8pPr marL="3657600" lvl="7" indent="-320040" algn="l" rtl="0">
               <a:spcBef>
                 <a:spcPts val="1000"/>
               </a:spcBef>
@@ -3707,7 +3778,7 @@
               <a:buChar char="○"/>
               <a:defRPr/>
             </a:lvl8pPr>
-            <a:lvl9pPr indent="-320040" lvl="8" marL="4114800" rtl="0" algn="l">
+            <a:lvl9pPr marL="4114800" lvl="8" indent="-320040" algn="l" rtl="0">
               <a:spcBef>
                 <a:spcPts val="1000"/>
               </a:spcBef>
@@ -3719,15 +3790,19 @@
               <a:defRPr/>
             </a:lvl9pPr>
           </a:lstStyle>
-          <a:p/>
+          <a:p>
+            <a:endParaRPr/>
+          </a:p>
         </p:txBody>
       </p:sp>
       <p:sp>
         <p:nvSpPr>
           <p:cNvPr id="133" name="Google Shape;133;g133df9925ed_0_2467"/>
-          <p:cNvSpPr txBox="1"/>
+          <p:cNvSpPr txBox="1">
+            <a:spLocks noGrp="1"/>
+          </p:cNvSpPr>
           <p:nvPr>
-            <p:ph idx="10" type="dt"/>
+            <p:ph type="dt" idx="10"/>
           </p:nvPr>
         </p:nvSpPr>
         <p:spPr>
@@ -3744,11 +3819,11 @@
           </a:ln>
         </p:spPr>
         <p:txBody>
-          <a:bodyPr anchorCtr="0" anchor="ctr" bIns="45700" lIns="91425" spcFirstLastPara="1" rIns="91425" wrap="square" tIns="45700">
+          <a:bodyPr spcFirstLastPara="1" wrap="square" lIns="91425" tIns="45700" rIns="91425" bIns="45700" anchor="ctr" anchorCtr="0">
             <a:noAutofit/>
           </a:bodyPr>
           <a:lstStyle>
-            <a:lvl1pPr lvl="0" rtl="0" algn="r">
+            <a:lvl1pPr lvl="0" algn="r" rtl="0">
               <a:spcBef>
                 <a:spcPts val="0"/>
               </a:spcBef>
@@ -3759,7 +3834,7 @@
               <a:buNone/>
               <a:defRPr/>
             </a:lvl1pPr>
-            <a:lvl2pPr lvl="1" rtl="0" algn="l">
+            <a:lvl2pPr lvl="1" algn="l" rtl="0">
               <a:spcBef>
                 <a:spcPts val="0"/>
               </a:spcBef>
@@ -3770,7 +3845,7 @@
               <a:buNone/>
               <a:defRPr/>
             </a:lvl2pPr>
-            <a:lvl3pPr lvl="2" rtl="0" algn="l">
+            <a:lvl3pPr lvl="2" algn="l" rtl="0">
               <a:spcBef>
                 <a:spcPts val="0"/>
               </a:spcBef>
@@ -3781,7 +3856,7 @@
               <a:buNone/>
               <a:defRPr/>
             </a:lvl3pPr>
-            <a:lvl4pPr lvl="3" rtl="0" algn="l">
+            <a:lvl4pPr lvl="3" algn="l" rtl="0">
               <a:spcBef>
                 <a:spcPts val="0"/>
               </a:spcBef>
@@ -3792,7 +3867,7 @@
               <a:buNone/>
               <a:defRPr/>
             </a:lvl4pPr>
-            <a:lvl5pPr lvl="4" rtl="0" algn="l">
+            <a:lvl5pPr lvl="4" algn="l" rtl="0">
               <a:spcBef>
                 <a:spcPts val="0"/>
               </a:spcBef>
@@ -3803,7 +3878,7 @@
               <a:buNone/>
               <a:defRPr/>
             </a:lvl5pPr>
-            <a:lvl6pPr lvl="5" rtl="0" algn="l">
+            <a:lvl6pPr lvl="5" algn="l" rtl="0">
               <a:spcBef>
                 <a:spcPts val="0"/>
               </a:spcBef>
@@ -3814,7 +3889,7 @@
               <a:buNone/>
               <a:defRPr/>
             </a:lvl6pPr>
-            <a:lvl7pPr lvl="6" rtl="0" algn="l">
+            <a:lvl7pPr lvl="6" algn="l" rtl="0">
               <a:spcBef>
                 <a:spcPts val="0"/>
               </a:spcBef>
@@ -3825,7 +3900,7 @@
               <a:buNone/>
               <a:defRPr/>
             </a:lvl7pPr>
-            <a:lvl8pPr lvl="7" rtl="0" algn="l">
+            <a:lvl8pPr lvl="7" algn="l" rtl="0">
               <a:spcBef>
                 <a:spcPts val="0"/>
               </a:spcBef>
@@ -3836,7 +3911,7 @@
               <a:buNone/>
               <a:defRPr/>
             </a:lvl8pPr>
-            <a:lvl9pPr lvl="8" rtl="0" algn="l">
+            <a:lvl9pPr lvl="8" algn="l" rtl="0">
               <a:spcBef>
                 <a:spcPts val="0"/>
               </a:spcBef>
@@ -3848,15 +3923,19 @@
               <a:defRPr/>
             </a:lvl9pPr>
           </a:lstStyle>
-          <a:p/>
+          <a:p>
+            <a:endParaRPr/>
+          </a:p>
         </p:txBody>
       </p:sp>
       <p:sp>
         <p:nvSpPr>
           <p:cNvPr id="134" name="Google Shape;134;g133df9925ed_0_2467"/>
-          <p:cNvSpPr txBox="1"/>
+          <p:cNvSpPr txBox="1">
+            <a:spLocks noGrp="1"/>
+          </p:cNvSpPr>
           <p:nvPr>
-            <p:ph idx="11" type="ftr"/>
+            <p:ph type="ftr" idx="11"/>
           </p:nvPr>
         </p:nvSpPr>
         <p:spPr>
@@ -3873,11 +3952,11 @@
           </a:ln>
         </p:spPr>
         <p:txBody>
-          <a:bodyPr anchorCtr="0" anchor="ctr" bIns="45700" lIns="91425" spcFirstLastPara="1" rIns="91425" wrap="square" tIns="45700">
+          <a:bodyPr spcFirstLastPara="1" wrap="square" lIns="91425" tIns="45700" rIns="91425" bIns="45700" anchor="ctr" anchorCtr="0">
             <a:noAutofit/>
           </a:bodyPr>
           <a:lstStyle>
-            <a:lvl1pPr lvl="0" rtl="0" algn="l">
+            <a:lvl1pPr lvl="0" algn="l" rtl="0">
               <a:spcBef>
                 <a:spcPts val="0"/>
               </a:spcBef>
@@ -3888,7 +3967,7 @@
               <a:buNone/>
               <a:defRPr/>
             </a:lvl1pPr>
-            <a:lvl2pPr lvl="1" rtl="0" algn="l">
+            <a:lvl2pPr lvl="1" algn="l" rtl="0">
               <a:spcBef>
                 <a:spcPts val="0"/>
               </a:spcBef>
@@ -3899,7 +3978,7 @@
               <a:buNone/>
               <a:defRPr/>
             </a:lvl2pPr>
-            <a:lvl3pPr lvl="2" rtl="0" algn="l">
+            <a:lvl3pPr lvl="2" algn="l" rtl="0">
               <a:spcBef>
                 <a:spcPts val="0"/>
               </a:spcBef>
@@ -3910,7 +3989,7 @@
               <a:buNone/>
               <a:defRPr/>
             </a:lvl3pPr>
-            <a:lvl4pPr lvl="3" rtl="0" algn="l">
+            <a:lvl4pPr lvl="3" algn="l" rtl="0">
               <a:spcBef>
                 <a:spcPts val="0"/>
               </a:spcBef>
@@ -3921,7 +4000,7 @@
               <a:buNone/>
               <a:defRPr/>
             </a:lvl4pPr>
-            <a:lvl5pPr lvl="4" rtl="0" algn="l">
+            <a:lvl5pPr lvl="4" algn="l" rtl="0">
               <a:spcBef>
                 <a:spcPts val="0"/>
               </a:spcBef>
@@ -3932,7 +4011,7 @@
               <a:buNone/>
               <a:defRPr/>
             </a:lvl5pPr>
-            <a:lvl6pPr lvl="5" rtl="0" algn="l">
+            <a:lvl6pPr lvl="5" algn="l" rtl="0">
               <a:spcBef>
                 <a:spcPts val="0"/>
               </a:spcBef>
@@ -3943,7 +4022,7 @@
               <a:buNone/>
               <a:defRPr/>
             </a:lvl6pPr>
-            <a:lvl7pPr lvl="6" rtl="0" algn="l">
+            <a:lvl7pPr lvl="6" algn="l" rtl="0">
               <a:spcBef>
                 <a:spcPts val="0"/>
               </a:spcBef>
@@ -3954,7 +4033,7 @@
               <a:buNone/>
               <a:defRPr/>
             </a:lvl7pPr>
-            <a:lvl8pPr lvl="7" rtl="0" algn="l">
+            <a:lvl8pPr lvl="7" algn="l" rtl="0">
               <a:spcBef>
                 <a:spcPts val="0"/>
               </a:spcBef>
@@ -3965,7 +4044,7 @@
               <a:buNone/>
               <a:defRPr/>
             </a:lvl8pPr>
-            <a:lvl9pPr lvl="8" rtl="0" algn="l">
+            <a:lvl9pPr lvl="8" algn="l" rtl="0">
               <a:spcBef>
                 <a:spcPts val="0"/>
               </a:spcBef>
@@ -3977,15 +4056,19 @@
               <a:defRPr/>
             </a:lvl9pPr>
           </a:lstStyle>
-          <a:p/>
+          <a:p>
+            <a:endParaRPr/>
+          </a:p>
         </p:txBody>
       </p:sp>
       <p:sp>
         <p:nvSpPr>
           <p:cNvPr id="135" name="Google Shape;135;g133df9925ed_0_2467"/>
-          <p:cNvSpPr txBox="1"/>
+          <p:cNvSpPr txBox="1">
+            <a:spLocks noGrp="1"/>
+          </p:cNvSpPr>
           <p:nvPr>
-            <p:ph idx="12" type="sldNum"/>
+            <p:ph type="sldNum" idx="12"/>
           </p:nvPr>
         </p:nvSpPr>
         <p:spPr>
@@ -4002,67 +4085,67 @@
           </a:ln>
         </p:spPr>
         <p:txBody>
-          <a:bodyPr anchorCtr="0" anchor="ctr" bIns="45700" lIns="91425" spcFirstLastPara="1" rIns="91425" wrap="square" tIns="45700">
+          <a:bodyPr spcFirstLastPara="1" wrap="square" lIns="91425" tIns="45700" rIns="91425" bIns="45700" anchor="ctr" anchorCtr="0">
             <a:normAutofit/>
           </a:bodyPr>
           <a:lstStyle>
-            <a:lvl1pPr indent="0" lvl="0" marL="0" rtl="0" algn="r">
+            <a:lvl1pPr marL="0" lvl="0" indent="0" algn="r" rtl="0">
               <a:spcBef>
                 <a:spcPts val="0"/>
               </a:spcBef>
               <a:buNone/>
               <a:defRPr/>
             </a:lvl1pPr>
-            <a:lvl2pPr indent="0" lvl="1" marL="0" rtl="0" algn="r">
+            <a:lvl2pPr marL="0" lvl="1" indent="0" algn="r" rtl="0">
               <a:spcBef>
                 <a:spcPts val="0"/>
               </a:spcBef>
               <a:buNone/>
               <a:defRPr/>
             </a:lvl2pPr>
-            <a:lvl3pPr indent="0" lvl="2" marL="0" rtl="0" algn="r">
+            <a:lvl3pPr marL="0" lvl="2" indent="0" algn="r" rtl="0">
               <a:spcBef>
                 <a:spcPts val="0"/>
               </a:spcBef>
               <a:buNone/>
               <a:defRPr/>
             </a:lvl3pPr>
-            <a:lvl4pPr indent="0" lvl="3" marL="0" rtl="0" algn="r">
+            <a:lvl4pPr marL="0" lvl="3" indent="0" algn="r" rtl="0">
               <a:spcBef>
                 <a:spcPts val="0"/>
               </a:spcBef>
               <a:buNone/>
               <a:defRPr/>
             </a:lvl4pPr>
-            <a:lvl5pPr indent="0" lvl="4" marL="0" rtl="0" algn="r">
+            <a:lvl5pPr marL="0" lvl="4" indent="0" algn="r" rtl="0">
               <a:spcBef>
                 <a:spcPts val="0"/>
               </a:spcBef>
               <a:buNone/>
               <a:defRPr/>
             </a:lvl5pPr>
-            <a:lvl6pPr indent="0" lvl="5" marL="0" rtl="0" algn="r">
+            <a:lvl6pPr marL="0" lvl="5" indent="0" algn="r" rtl="0">
               <a:spcBef>
                 <a:spcPts val="0"/>
               </a:spcBef>
               <a:buNone/>
               <a:defRPr/>
             </a:lvl6pPr>
-            <a:lvl7pPr indent="0" lvl="6" marL="0" rtl="0" algn="r">
+            <a:lvl7pPr marL="0" lvl="6" indent="0" algn="r" rtl="0">
               <a:spcBef>
                 <a:spcPts val="0"/>
               </a:spcBef>
               <a:buNone/>
               <a:defRPr/>
             </a:lvl7pPr>
-            <a:lvl8pPr indent="0" lvl="7" marL="0" rtl="0" algn="r">
+            <a:lvl8pPr marL="0" lvl="7" indent="0" algn="r" rtl="0">
               <a:spcBef>
                 <a:spcPts val="0"/>
               </a:spcBef>
               <a:buNone/>
               <a:defRPr/>
             </a:lvl8pPr>
-            <a:lvl9pPr indent="0" lvl="8" marL="0" rtl="0" algn="r">
+            <a:lvl9pPr marL="0" lvl="8" indent="0" algn="r" rtl="0">
               <a:spcBef>
                 <a:spcPts val="0"/>
               </a:spcBef>
@@ -4071,7 +4154,7 @@
             </a:lvl9pPr>
           </a:lstStyle>
           <a:p>
-            <a:pPr indent="0" lvl="0" marL="0" rtl="0" algn="r">
+            <a:pPr marL="0" lvl="0" indent="0" algn="r" rtl="0">
               <a:spcBef>
                 <a:spcPts val="0"/>
               </a:spcBef>
@@ -4097,11 +4180,11 @@
 </file>
 
 <file path=ppt/slideLayouts/slideLayout2.xml><?xml version="1.0" encoding="utf-8"?>
-<p:sldLayout xmlns:a="http://schemas.openxmlformats.org/drawingml/2006/main" xmlns:r="http://schemas.openxmlformats.org/officeDocument/2006/relationships" xmlns:mc="http://schemas.openxmlformats.org/markup-compatibility/2006" xmlns:mv="urn:schemas-microsoft-com:mac:vml" xmlns:p="http://schemas.openxmlformats.org/presentationml/2006/main" xmlns:c="http://schemas.openxmlformats.org/drawingml/2006/chart" xmlns:dgm="http://schemas.openxmlformats.org/drawingml/2006/diagram" xmlns:o="urn:schemas-microsoft-com:office:office" xmlns:v="urn:schemas-microsoft-com:vml" xmlns:pvml="urn:schemas-microsoft-com:office:powerpoint" xmlns:com="http://schemas.openxmlformats.org/drawingml/2006/compatibility" xmlns:p14="http://schemas.microsoft.com/office/powerpoint/2010/main" xmlns:p15="http://schemas.microsoft.com/office/powerpoint/2012/main" xmlns:ahyp="http://schemas.microsoft.com/office/drawing/2018/hyperlinkcolor" matchingName="Section header" type="secHead">
+<p:sldLayout xmlns:a="http://schemas.openxmlformats.org/drawingml/2006/main" xmlns:r="http://schemas.openxmlformats.org/officeDocument/2006/relationships" xmlns:p="http://schemas.openxmlformats.org/presentationml/2006/main" matchingName="Section header" type="secHead">
   <p:cSld name="SECTION_HEADER">
     <p:spTree>
       <p:nvGrpSpPr>
-        <p:cNvPr id="19" name="Shape 19"/>
+        <p:cNvPr id="1" name="Shape 19"/>
         <p:cNvGrpSpPr/>
         <p:nvPr/>
       </p:nvGrpSpPr>
@@ -4140,7 +4223,7 @@
             </a:xfrm>
             <a:prstGeom prst="diagStripe">
               <a:avLst>
-                <a:gd fmla="val 49469" name="adj"/>
+                <a:gd name="adj" fmla="val 49469"/>
               </a:avLst>
             </a:prstGeom>
             <a:solidFill>
@@ -4153,12 +4236,12 @@
             </a:ln>
           </p:spPr>
           <p:txBody>
-            <a:bodyPr anchorCtr="0" anchor="ctr" bIns="121900" lIns="121900" spcFirstLastPara="1" rIns="121900" wrap="square" tIns="121900">
+            <a:bodyPr spcFirstLastPara="1" wrap="square" lIns="121900" tIns="121900" rIns="121900" bIns="121900" anchor="ctr" anchorCtr="0">
               <a:noAutofit/>
             </a:bodyPr>
             <a:lstStyle/>
             <a:p>
-              <a:pPr indent="0" lvl="0" marL="0" rtl="0" algn="l">
+              <a:pPr marL="0" lvl="0" indent="0" algn="l" rtl="0">
                 <a:spcBef>
                   <a:spcPts val="0"/>
                 </a:spcBef>
@@ -4167,9 +4250,6 @@
                 </a:spcAft>
                 <a:buNone/>
               </a:pPr>
-              <a:r>
-                <a:t/>
-              </a:r>
               <a:endParaRPr/>
             </a:p>
           </p:txBody>
@@ -4187,7 +4267,7 @@
             </a:xfrm>
             <a:prstGeom prst="diagStripe">
               <a:avLst>
-                <a:gd fmla="val 0" name="adj"/>
+                <a:gd name="adj" fmla="val 0"/>
               </a:avLst>
             </a:prstGeom>
             <a:solidFill>
@@ -4200,12 +4280,12 @@
             </a:ln>
           </p:spPr>
           <p:txBody>
-            <a:bodyPr anchorCtr="0" anchor="ctr" bIns="121900" lIns="121900" spcFirstLastPara="1" rIns="121900" wrap="square" tIns="121900">
+            <a:bodyPr spcFirstLastPara="1" wrap="square" lIns="121900" tIns="121900" rIns="121900" bIns="121900" anchor="ctr" anchorCtr="0">
               <a:noAutofit/>
             </a:bodyPr>
             <a:lstStyle/>
             <a:p>
-              <a:pPr indent="0" lvl="0" marL="0" rtl="0" algn="l">
+              <a:pPr marL="0" lvl="0" indent="0" algn="l" rtl="0">
                 <a:spcBef>
                   <a:spcPts val="0"/>
                 </a:spcBef>
@@ -4214,9 +4294,6 @@
                 </a:spcAft>
                 <a:buNone/>
               </a:pPr>
-              <a:r>
-                <a:t/>
-              </a:r>
               <a:endParaRPr/>
             </a:p>
           </p:txBody>
@@ -4234,7 +4311,7 @@
             </a:xfrm>
             <a:prstGeom prst="diagStripe">
               <a:avLst>
-                <a:gd fmla="val 50000" name="adj"/>
+                <a:gd name="adj" fmla="val 50000"/>
               </a:avLst>
             </a:prstGeom>
             <a:solidFill>
@@ -4247,12 +4324,12 @@
             </a:ln>
           </p:spPr>
           <p:txBody>
-            <a:bodyPr anchorCtr="0" anchor="ctr" bIns="121900" lIns="121900" spcFirstLastPara="1" rIns="121900" wrap="square" tIns="121900">
+            <a:bodyPr spcFirstLastPara="1" wrap="square" lIns="121900" tIns="121900" rIns="121900" bIns="121900" anchor="ctr" anchorCtr="0">
               <a:noAutofit/>
             </a:bodyPr>
             <a:lstStyle/>
             <a:p>
-              <a:pPr indent="0" lvl="0" marL="0" rtl="0" algn="l">
+              <a:pPr marL="0" lvl="0" indent="0" algn="l" rtl="0">
                 <a:spcBef>
                   <a:spcPts val="0"/>
                 </a:spcBef>
@@ -4261,9 +4338,6 @@
                 </a:spcAft>
                 <a:buNone/>
               </a:pPr>
-              <a:r>
-                <a:t/>
-              </a:r>
               <a:endParaRPr/>
             </a:p>
           </p:txBody>
@@ -4281,7 +4355,7 @@
             </a:xfrm>
             <a:prstGeom prst="diagStripe">
               <a:avLst>
-                <a:gd fmla="val 50000" name="adj"/>
+                <a:gd name="adj" fmla="val 50000"/>
               </a:avLst>
             </a:prstGeom>
             <a:solidFill>
@@ -4294,12 +4368,12 @@
             </a:ln>
           </p:spPr>
           <p:txBody>
-            <a:bodyPr anchorCtr="0" anchor="ctr" bIns="121900" lIns="121900" spcFirstLastPara="1" rIns="121900" wrap="square" tIns="121900">
+            <a:bodyPr spcFirstLastPara="1" wrap="square" lIns="121900" tIns="121900" rIns="121900" bIns="121900" anchor="ctr" anchorCtr="0">
               <a:noAutofit/>
             </a:bodyPr>
             <a:lstStyle/>
             <a:p>
-              <a:pPr indent="0" lvl="0" marL="0" rtl="0" algn="l">
+              <a:pPr marL="0" lvl="0" indent="0" algn="l" rtl="0">
                 <a:spcBef>
                   <a:spcPts val="0"/>
                 </a:spcBef>
@@ -4308,9 +4382,6 @@
                 </a:spcAft>
                 <a:buNone/>
               </a:pPr>
-              <a:r>
-                <a:t/>
-              </a:r>
               <a:endParaRPr/>
             </a:p>
           </p:txBody>
@@ -4328,7 +4399,7 @@
             </a:xfrm>
             <a:prstGeom prst="diagStripe">
               <a:avLst>
-                <a:gd fmla="val 50000" name="adj"/>
+                <a:gd name="adj" fmla="val 50000"/>
               </a:avLst>
             </a:prstGeom>
             <a:solidFill>
@@ -4341,12 +4412,12 @@
             </a:ln>
           </p:spPr>
           <p:txBody>
-            <a:bodyPr anchorCtr="0" anchor="ctr" bIns="121900" lIns="121900" spcFirstLastPara="1" rIns="121900" wrap="square" tIns="121900">
+            <a:bodyPr spcFirstLastPara="1" wrap="square" lIns="121900" tIns="121900" rIns="121900" bIns="121900" anchor="ctr" anchorCtr="0">
               <a:noAutofit/>
             </a:bodyPr>
             <a:lstStyle/>
             <a:p>
-              <a:pPr indent="0" lvl="0" marL="0" rtl="0" algn="l">
+              <a:pPr marL="0" lvl="0" indent="0" algn="l" rtl="0">
                 <a:spcBef>
                   <a:spcPts val="0"/>
                 </a:spcBef>
@@ -4355,9 +4426,6 @@
                 </a:spcAft>
                 <a:buNone/>
               </a:pPr>
-              <a:r>
-                <a:t/>
-              </a:r>
               <a:endParaRPr/>
             </a:p>
           </p:txBody>
@@ -4375,7 +4443,7 @@
             </a:xfrm>
             <a:prstGeom prst="diagStripe">
               <a:avLst>
-                <a:gd fmla="val 50000" name="adj"/>
+                <a:gd name="adj" fmla="val 50000"/>
               </a:avLst>
             </a:prstGeom>
             <a:solidFill>
@@ -4388,12 +4456,12 @@
             </a:ln>
           </p:spPr>
           <p:txBody>
-            <a:bodyPr anchorCtr="0" anchor="ctr" bIns="121900" lIns="121900" spcFirstLastPara="1" rIns="121900" wrap="square" tIns="121900">
+            <a:bodyPr spcFirstLastPara="1" wrap="square" lIns="121900" tIns="121900" rIns="121900" bIns="121900" anchor="ctr" anchorCtr="0">
               <a:noAutofit/>
             </a:bodyPr>
             <a:lstStyle/>
             <a:p>
-              <a:pPr indent="0" lvl="0" marL="0" rtl="0" algn="l">
+              <a:pPr marL="0" lvl="0" indent="0" algn="l" rtl="0">
                 <a:spcBef>
                   <a:spcPts val="0"/>
                 </a:spcBef>
@@ -4402,9 +4470,6 @@
                 </a:spcAft>
                 <a:buNone/>
               </a:pPr>
-              <a:r>
-                <a:t/>
-              </a:r>
               <a:endParaRPr/>
             </a:p>
           </p:txBody>
@@ -4422,7 +4487,7 @@
             </a:xfrm>
             <a:prstGeom prst="diagStripe">
               <a:avLst>
-                <a:gd fmla="val 50000" name="adj"/>
+                <a:gd name="adj" fmla="val 50000"/>
               </a:avLst>
             </a:prstGeom>
             <a:solidFill>
@@ -4435,12 +4500,12 @@
             </a:ln>
           </p:spPr>
           <p:txBody>
-            <a:bodyPr anchorCtr="0" anchor="ctr" bIns="121900" lIns="121900" spcFirstLastPara="1" rIns="121900" wrap="square" tIns="121900">
+            <a:bodyPr spcFirstLastPara="1" wrap="square" lIns="121900" tIns="121900" rIns="121900" bIns="121900" anchor="ctr" anchorCtr="0">
               <a:noAutofit/>
             </a:bodyPr>
             <a:lstStyle/>
             <a:p>
-              <a:pPr indent="0" lvl="0" marL="0" rtl="0" algn="l">
+              <a:pPr marL="0" lvl="0" indent="0" algn="l" rtl="0">
                 <a:spcBef>
                   <a:spcPts val="0"/>
                 </a:spcBef>
@@ -4449,9 +4514,6 @@
                 </a:spcAft>
                 <a:buNone/>
               </a:pPr>
-              <a:r>
-                <a:t/>
-              </a:r>
               <a:endParaRPr/>
             </a:p>
           </p:txBody>
@@ -4469,7 +4531,7 @@
             </a:xfrm>
             <a:prstGeom prst="diagStripe">
               <a:avLst>
-                <a:gd fmla="val 50000" name="adj"/>
+                <a:gd name="adj" fmla="val 50000"/>
               </a:avLst>
             </a:prstGeom>
             <a:solidFill>
@@ -4480,12 +4542,12 @@
             </a:ln>
           </p:spPr>
           <p:txBody>
-            <a:bodyPr anchorCtr="0" anchor="ctr" bIns="121900" lIns="121900" spcFirstLastPara="1" rIns="121900" wrap="square" tIns="121900">
+            <a:bodyPr spcFirstLastPara="1" wrap="square" lIns="121900" tIns="121900" rIns="121900" bIns="121900" anchor="ctr" anchorCtr="0">
               <a:noAutofit/>
             </a:bodyPr>
             <a:lstStyle/>
             <a:p>
-              <a:pPr indent="0" lvl="0" marL="0" rtl="0" algn="l">
+              <a:pPr marL="0" lvl="0" indent="0" algn="l" rtl="0">
                 <a:spcBef>
                   <a:spcPts val="0"/>
                 </a:spcBef>
@@ -4494,9 +4556,6 @@
                 </a:spcAft>
                 <a:buNone/>
               </a:pPr>
-              <a:r>
-                <a:t/>
-              </a:r>
               <a:endParaRPr/>
             </a:p>
           </p:txBody>
@@ -4514,7 +4573,7 @@
             </a:xfrm>
             <a:prstGeom prst="diagStripe">
               <a:avLst>
-                <a:gd fmla="val 50000" name="adj"/>
+                <a:gd name="adj" fmla="val 50000"/>
               </a:avLst>
             </a:prstGeom>
             <a:solidFill>
@@ -4527,12 +4586,12 @@
             </a:ln>
           </p:spPr>
           <p:txBody>
-            <a:bodyPr anchorCtr="0" anchor="ctr" bIns="121900" lIns="121900" spcFirstLastPara="1" rIns="121900" wrap="square" tIns="121900">
+            <a:bodyPr spcFirstLastPara="1" wrap="square" lIns="121900" tIns="121900" rIns="121900" bIns="121900" anchor="ctr" anchorCtr="0">
               <a:noAutofit/>
             </a:bodyPr>
             <a:lstStyle/>
             <a:p>
-              <a:pPr indent="0" lvl="0" marL="0" rtl="0" algn="l">
+              <a:pPr marL="0" lvl="0" indent="0" algn="l" rtl="0">
                 <a:spcBef>
                   <a:spcPts val="0"/>
                 </a:spcBef>
@@ -4541,9 +4600,6 @@
                 </a:spcAft>
                 <a:buNone/>
               </a:pPr>
-              <a:r>
-                <a:t/>
-              </a:r>
               <a:endParaRPr/>
             </a:p>
           </p:txBody>
@@ -4561,7 +4617,7 @@
             </a:xfrm>
             <a:prstGeom prst="diagStripe">
               <a:avLst>
-                <a:gd fmla="val 50000" name="adj"/>
+                <a:gd name="adj" fmla="val 50000"/>
               </a:avLst>
             </a:prstGeom>
             <a:solidFill>
@@ -4574,12 +4630,12 @@
             </a:ln>
           </p:spPr>
           <p:txBody>
-            <a:bodyPr anchorCtr="0" anchor="ctr" bIns="121900" lIns="121900" spcFirstLastPara="1" rIns="121900" wrap="square" tIns="121900">
+            <a:bodyPr spcFirstLastPara="1" wrap="square" lIns="121900" tIns="121900" rIns="121900" bIns="121900" anchor="ctr" anchorCtr="0">
               <a:noAutofit/>
             </a:bodyPr>
             <a:lstStyle/>
             <a:p>
-              <a:pPr indent="0" lvl="0" marL="0" rtl="0" algn="l">
+              <a:pPr marL="0" lvl="0" indent="0" algn="l" rtl="0">
                 <a:spcBef>
                   <a:spcPts val="0"/>
                 </a:spcBef>
@@ -4588,9 +4644,6 @@
                 </a:spcAft>
                 <a:buNone/>
               </a:pPr>
-              <a:r>
-                <a:t/>
-              </a:r>
               <a:endParaRPr/>
             </a:p>
           </p:txBody>
@@ -4608,7 +4661,7 @@
             </a:xfrm>
             <a:prstGeom prst="diagStripe">
               <a:avLst>
-                <a:gd fmla="val 50000" name="adj"/>
+                <a:gd name="adj" fmla="val 50000"/>
               </a:avLst>
             </a:prstGeom>
             <a:solidFill>
@@ -4621,12 +4674,12 @@
             </a:ln>
           </p:spPr>
           <p:txBody>
-            <a:bodyPr anchorCtr="0" anchor="ctr" bIns="121900" lIns="121900" spcFirstLastPara="1" rIns="121900" wrap="square" tIns="121900">
+            <a:bodyPr spcFirstLastPara="1" wrap="square" lIns="121900" tIns="121900" rIns="121900" bIns="121900" anchor="ctr" anchorCtr="0">
               <a:noAutofit/>
             </a:bodyPr>
             <a:lstStyle/>
             <a:p>
-              <a:pPr indent="0" lvl="0" marL="0" rtl="0" algn="l">
+              <a:pPr marL="0" lvl="0" indent="0" algn="l" rtl="0">
                 <a:spcBef>
                   <a:spcPts val="0"/>
                 </a:spcBef>
@@ -4635,9 +4688,6 @@
                 </a:spcAft>
                 <a:buNone/>
               </a:pPr>
-              <a:r>
-                <a:t/>
-              </a:r>
               <a:endParaRPr/>
             </a:p>
           </p:txBody>
@@ -4655,7 +4705,7 @@
             </a:xfrm>
             <a:prstGeom prst="diagStripe">
               <a:avLst>
-                <a:gd fmla="val 50000" name="adj"/>
+                <a:gd name="adj" fmla="val 50000"/>
               </a:avLst>
             </a:prstGeom>
             <a:solidFill>
@@ -4668,12 +4718,12 @@
             </a:ln>
           </p:spPr>
           <p:txBody>
-            <a:bodyPr anchorCtr="0" anchor="ctr" bIns="121900" lIns="121900" spcFirstLastPara="1" rIns="121900" wrap="square" tIns="121900">
+            <a:bodyPr spcFirstLastPara="1" wrap="square" lIns="121900" tIns="121900" rIns="121900" bIns="121900" anchor="ctr" anchorCtr="0">
               <a:noAutofit/>
             </a:bodyPr>
             <a:lstStyle/>
             <a:p>
-              <a:pPr indent="0" lvl="0" marL="0" rtl="0" algn="l">
+              <a:pPr marL="0" lvl="0" indent="0" algn="l" rtl="0">
                 <a:spcBef>
                   <a:spcPts val="0"/>
                 </a:spcBef>
@@ -4682,9 +4732,6 @@
                 </a:spcAft>
                 <a:buNone/>
               </a:pPr>
-              <a:r>
-                <a:t/>
-              </a:r>
               <a:endParaRPr/>
             </a:p>
           </p:txBody>
@@ -4702,7 +4749,7 @@
             </a:xfrm>
             <a:prstGeom prst="diagStripe">
               <a:avLst>
-                <a:gd fmla="val 50000" name="adj"/>
+                <a:gd name="adj" fmla="val 50000"/>
               </a:avLst>
             </a:prstGeom>
             <a:solidFill>
@@ -4715,12 +4762,12 @@
             </a:ln>
           </p:spPr>
           <p:txBody>
-            <a:bodyPr anchorCtr="0" anchor="ctr" bIns="121900" lIns="121900" spcFirstLastPara="1" rIns="121900" wrap="square" tIns="121900">
+            <a:bodyPr spcFirstLastPara="1" wrap="square" lIns="121900" tIns="121900" rIns="121900" bIns="121900" anchor="ctr" anchorCtr="0">
               <a:noAutofit/>
             </a:bodyPr>
             <a:lstStyle/>
             <a:p>
-              <a:pPr indent="0" lvl="0" marL="0" rtl="0" algn="l">
+              <a:pPr marL="0" lvl="0" indent="0" algn="l" rtl="0">
                 <a:spcBef>
                   <a:spcPts val="0"/>
                 </a:spcBef>
@@ -4729,9 +4776,6 @@
                 </a:spcAft>
                 <a:buNone/>
               </a:pPr>
-              <a:r>
-                <a:t/>
-              </a:r>
               <a:endParaRPr/>
             </a:p>
           </p:txBody>
@@ -4749,7 +4793,7 @@
             </a:xfrm>
             <a:prstGeom prst="diagStripe">
               <a:avLst>
-                <a:gd fmla="val 50000" name="adj"/>
+                <a:gd name="adj" fmla="val 50000"/>
               </a:avLst>
             </a:prstGeom>
             <a:solidFill>
@@ -4760,12 +4804,12 @@
             </a:ln>
           </p:spPr>
           <p:txBody>
-            <a:bodyPr anchorCtr="0" anchor="ctr" bIns="121900" lIns="121900" spcFirstLastPara="1" rIns="121900" wrap="square" tIns="121900">
+            <a:bodyPr spcFirstLastPara="1" wrap="square" lIns="121900" tIns="121900" rIns="121900" bIns="121900" anchor="ctr" anchorCtr="0">
               <a:noAutofit/>
             </a:bodyPr>
             <a:lstStyle/>
             <a:p>
-              <a:pPr indent="0" lvl="0" marL="0" rtl="0" algn="l">
+              <a:pPr marL="0" lvl="0" indent="0" algn="l" rtl="0">
                 <a:spcBef>
                   <a:spcPts val="0"/>
                 </a:spcBef>
@@ -4774,9 +4818,6 @@
                 </a:spcAft>
                 <a:buNone/>
               </a:pPr>
-              <a:r>
-                <a:t/>
-              </a:r>
               <a:endParaRPr/>
             </a:p>
           </p:txBody>
@@ -4794,7 +4835,7 @@
             </a:xfrm>
             <a:prstGeom prst="diagStripe">
               <a:avLst>
-                <a:gd fmla="val 50000" name="adj"/>
+                <a:gd name="adj" fmla="val 50000"/>
               </a:avLst>
             </a:prstGeom>
             <a:solidFill>
@@ -4807,12 +4848,12 @@
             </a:ln>
           </p:spPr>
           <p:txBody>
-            <a:bodyPr anchorCtr="0" anchor="ctr" bIns="121900" lIns="121900" spcFirstLastPara="1" rIns="121900" wrap="square" tIns="121900">
+            <a:bodyPr spcFirstLastPara="1" wrap="square" lIns="121900" tIns="121900" rIns="121900" bIns="121900" anchor="ctr" anchorCtr="0">
               <a:noAutofit/>
             </a:bodyPr>
             <a:lstStyle/>
             <a:p>
-              <a:pPr indent="0" lvl="0" marL="0" rtl="0" algn="l">
+              <a:pPr marL="0" lvl="0" indent="0" algn="l" rtl="0">
                 <a:spcBef>
                   <a:spcPts val="0"/>
                 </a:spcBef>
@@ -4821,9 +4862,6 @@
                 </a:spcAft>
                 <a:buNone/>
               </a:pPr>
-              <a:r>
-                <a:t/>
-              </a:r>
               <a:endParaRPr/>
             </a:p>
           </p:txBody>
@@ -4841,7 +4879,7 @@
             </a:xfrm>
             <a:prstGeom prst="diagStripe">
               <a:avLst>
-                <a:gd fmla="val 50000" name="adj"/>
+                <a:gd name="adj" fmla="val 50000"/>
               </a:avLst>
             </a:prstGeom>
             <a:solidFill>
@@ -4854,12 +4892,12 @@
             </a:ln>
           </p:spPr>
           <p:txBody>
-            <a:bodyPr anchorCtr="0" anchor="ctr" bIns="121900" lIns="121900" spcFirstLastPara="1" rIns="121900" wrap="square" tIns="121900">
+            <a:bodyPr spcFirstLastPara="1" wrap="square" lIns="121900" tIns="121900" rIns="121900" bIns="121900" anchor="ctr" anchorCtr="0">
               <a:noAutofit/>
             </a:bodyPr>
             <a:lstStyle/>
             <a:p>
-              <a:pPr indent="0" lvl="0" marL="0" rtl="0" algn="l">
+              <a:pPr marL="0" lvl="0" indent="0" algn="l" rtl="0">
                 <a:spcBef>
                   <a:spcPts val="0"/>
                 </a:spcBef>
@@ -4868,9 +4906,6 @@
                 </a:spcAft>
                 <a:buNone/>
               </a:pPr>
-              <a:r>
-                <a:t/>
-              </a:r>
               <a:endParaRPr/>
             </a:p>
           </p:txBody>
@@ -4888,7 +4923,7 @@
             </a:xfrm>
             <a:prstGeom prst="diagStripe">
               <a:avLst>
-                <a:gd fmla="val 50000" name="adj"/>
+                <a:gd name="adj" fmla="val 50000"/>
               </a:avLst>
             </a:prstGeom>
             <a:solidFill>
@@ -4901,12 +4936,12 @@
             </a:ln>
           </p:spPr>
           <p:txBody>
-            <a:bodyPr anchorCtr="0" anchor="ctr" bIns="121900" lIns="121900" spcFirstLastPara="1" rIns="121900" wrap="square" tIns="121900">
+            <a:bodyPr spcFirstLastPara="1" wrap="square" lIns="121900" tIns="121900" rIns="121900" bIns="121900" anchor="ctr" anchorCtr="0">
               <a:noAutofit/>
             </a:bodyPr>
             <a:lstStyle/>
             <a:p>
-              <a:pPr indent="0" lvl="0" marL="0" rtl="0" algn="l">
+              <a:pPr marL="0" lvl="0" indent="0" algn="l" rtl="0">
                 <a:spcBef>
                   <a:spcPts val="0"/>
                 </a:spcBef>
@@ -4915,9 +4950,6 @@
                 </a:spcAft>
                 <a:buNone/>
               </a:pPr>
-              <a:r>
-                <a:t/>
-              </a:r>
               <a:endParaRPr/>
             </a:p>
           </p:txBody>
@@ -4935,7 +4967,7 @@
             </a:xfrm>
             <a:prstGeom prst="diagStripe">
               <a:avLst>
-                <a:gd fmla="val 50000" name="adj"/>
+                <a:gd name="adj" fmla="val 50000"/>
               </a:avLst>
             </a:prstGeom>
             <a:solidFill>
@@ -4948,12 +4980,12 @@
             </a:ln>
           </p:spPr>
           <p:txBody>
-            <a:bodyPr anchorCtr="0" anchor="ctr" bIns="121900" lIns="121900" spcFirstLastPara="1" rIns="121900" wrap="square" tIns="121900">
+            <a:bodyPr spcFirstLastPara="1" wrap="square" lIns="121900" tIns="121900" rIns="121900" bIns="121900" anchor="ctr" anchorCtr="0">
               <a:noAutofit/>
             </a:bodyPr>
             <a:lstStyle/>
             <a:p>
-              <a:pPr indent="0" lvl="0" marL="0" rtl="0" algn="l">
+              <a:pPr marL="0" lvl="0" indent="0" algn="l" rtl="0">
                 <a:spcBef>
                   <a:spcPts val="0"/>
                 </a:spcBef>
@@ -4962,9 +4994,6 @@
                 </a:spcAft>
                 <a:buNone/>
               </a:pPr>
-              <a:r>
-                <a:t/>
-              </a:r>
               <a:endParaRPr/>
             </a:p>
           </p:txBody>
@@ -4973,7 +5002,9 @@
       <p:sp>
         <p:nvSpPr>
           <p:cNvPr id="39" name="Google Shape;39;g133df9925ed_0_2356"/>
-          <p:cNvSpPr txBox="1"/>
+          <p:cNvSpPr txBox="1">
+            <a:spLocks noGrp="1"/>
+          </p:cNvSpPr>
           <p:nvPr>
             <p:ph type="title"/>
           </p:nvPr>
@@ -4988,7 +5019,7 @@
           </a:prstGeom>
         </p:spPr>
         <p:txBody>
-          <a:bodyPr anchorCtr="0" anchor="ctr" bIns="121900" lIns="121900" spcFirstLastPara="1" rIns="121900" wrap="square" tIns="121900">
+          <a:bodyPr spcFirstLastPara="1" wrap="square" lIns="121900" tIns="121900" rIns="121900" bIns="121900" anchor="ctr" anchorCtr="0">
             <a:normAutofit/>
           </a:bodyPr>
           <a:lstStyle>
@@ -5092,15 +5123,19 @@
               <a:defRPr/>
             </a:lvl9pPr>
           </a:lstStyle>
-          <a:p/>
+          <a:p>
+            <a:endParaRPr/>
+          </a:p>
         </p:txBody>
       </p:sp>
       <p:sp>
         <p:nvSpPr>
           <p:cNvPr id="40" name="Google Shape;40;g133df9925ed_0_2356"/>
-          <p:cNvSpPr txBox="1"/>
+          <p:cNvSpPr txBox="1">
+            <a:spLocks noGrp="1"/>
+          </p:cNvSpPr>
           <p:nvPr>
-            <p:ph idx="12" type="sldNum"/>
+            <p:ph type="sldNum" idx="12"/>
           </p:nvPr>
         </p:nvSpPr>
         <p:spPr>
@@ -5113,7 +5148,7 @@
           </a:prstGeom>
         </p:spPr>
         <p:txBody>
-          <a:bodyPr anchorCtr="0" anchor="ctr" bIns="121900" lIns="121900" spcFirstLastPara="1" rIns="121900" wrap="square" tIns="121900">
+          <a:bodyPr spcFirstLastPara="1" wrap="square" lIns="121900" tIns="121900" rIns="121900" bIns="121900" anchor="ctr" anchorCtr="0">
             <a:normAutofit/>
           </a:bodyPr>
           <a:lstStyle>
@@ -5155,7 +5190,7 @@
             </a:lvl9pPr>
           </a:lstStyle>
           <a:p>
-            <a:pPr indent="0" lvl="0" marL="0" rtl="0" algn="r">
+            <a:pPr marL="0" lvl="0" indent="0" algn="r" rtl="0">
               <a:spcBef>
                 <a:spcPts val="0"/>
               </a:spcBef>
@@ -5181,11 +5216,11 @@
 </file>
 
 <file path=ppt/slideLayouts/slideLayout3.xml><?xml version="1.0" encoding="utf-8"?>
-<p:sldLayout xmlns:a="http://schemas.openxmlformats.org/drawingml/2006/main" xmlns:r="http://schemas.openxmlformats.org/officeDocument/2006/relationships" xmlns:mc="http://schemas.openxmlformats.org/markup-compatibility/2006" xmlns:mv="urn:schemas-microsoft-com:mac:vml" xmlns:p="http://schemas.openxmlformats.org/presentationml/2006/main" xmlns:c="http://schemas.openxmlformats.org/drawingml/2006/chart" xmlns:dgm="http://schemas.openxmlformats.org/drawingml/2006/diagram" xmlns:o="urn:schemas-microsoft-com:office:office" xmlns:v="urn:schemas-microsoft-com:vml" xmlns:pvml="urn:schemas-microsoft-com:office:powerpoint" xmlns:com="http://schemas.openxmlformats.org/drawingml/2006/compatibility" xmlns:p14="http://schemas.microsoft.com/office/powerpoint/2010/main" xmlns:p15="http://schemas.microsoft.com/office/powerpoint/2012/main" xmlns:ahyp="http://schemas.microsoft.com/office/drawing/2018/hyperlinkcolor" matchingName="Title and body" type="tx">
+<p:sldLayout xmlns:a="http://schemas.openxmlformats.org/drawingml/2006/main" xmlns:r="http://schemas.openxmlformats.org/officeDocument/2006/relationships" xmlns:p="http://schemas.openxmlformats.org/presentationml/2006/main" matchingName="Title and body" type="tx">
   <p:cSld name="TITLE_AND_BODY">
     <p:spTree>
       <p:nvGrpSpPr>
-        <p:cNvPr id="41" name="Shape 41"/>
+        <p:cNvPr id="1" name="Shape 41"/>
         <p:cNvGrpSpPr/>
         <p:nvPr/>
       </p:nvGrpSpPr>
@@ -5224,7 +5259,7 @@
             </a:xfrm>
             <a:prstGeom prst="diagStripe">
               <a:avLst>
-                <a:gd fmla="val 50000" name="adj"/>
+                <a:gd name="adj" fmla="val 50000"/>
               </a:avLst>
             </a:prstGeom>
             <a:solidFill>
@@ -5235,12 +5270,12 @@
             </a:ln>
           </p:spPr>
           <p:txBody>
-            <a:bodyPr anchorCtr="0" anchor="ctr" bIns="121900" lIns="121900" spcFirstLastPara="1" rIns="121900" wrap="square" tIns="121900">
+            <a:bodyPr spcFirstLastPara="1" wrap="square" lIns="121900" tIns="121900" rIns="121900" bIns="121900" anchor="ctr" anchorCtr="0">
               <a:noAutofit/>
             </a:bodyPr>
             <a:lstStyle/>
             <a:p>
-              <a:pPr indent="0" lvl="0" marL="0" rtl="0" algn="l">
+              <a:pPr marL="0" lvl="0" indent="0" algn="l" rtl="0">
                 <a:spcBef>
                   <a:spcPts val="0"/>
                 </a:spcBef>
@@ -5249,9 +5284,6 @@
                 </a:spcAft>
                 <a:buNone/>
               </a:pPr>
-              <a:r>
-                <a:t/>
-              </a:r>
               <a:endParaRPr/>
             </a:p>
           </p:txBody>
@@ -5269,7 +5301,7 @@
             </a:xfrm>
             <a:prstGeom prst="diagStripe">
               <a:avLst>
-                <a:gd fmla="val 50000" name="adj"/>
+                <a:gd name="adj" fmla="val 50000"/>
               </a:avLst>
             </a:prstGeom>
             <a:solidFill>
@@ -5280,12 +5312,12 @@
             </a:ln>
           </p:spPr>
           <p:txBody>
-            <a:bodyPr anchorCtr="0" anchor="ctr" bIns="121900" lIns="121900" spcFirstLastPara="1" rIns="121900" wrap="square" tIns="121900">
+            <a:bodyPr spcFirstLastPara="1" wrap="square" lIns="121900" tIns="121900" rIns="121900" bIns="121900" anchor="ctr" anchorCtr="0">
               <a:noAutofit/>
             </a:bodyPr>
             <a:lstStyle/>
             <a:p>
-              <a:pPr indent="0" lvl="0" marL="0" rtl="0" algn="l">
+              <a:pPr marL="0" lvl="0" indent="0" algn="l" rtl="0">
                 <a:spcBef>
                   <a:spcPts val="0"/>
                 </a:spcBef>
@@ -5294,9 +5326,6 @@
                 </a:spcAft>
                 <a:buNone/>
               </a:pPr>
-              <a:r>
-                <a:t/>
-              </a:r>
               <a:endParaRPr/>
             </a:p>
           </p:txBody>
@@ -5305,7 +5334,9 @@
       <p:sp>
         <p:nvSpPr>
           <p:cNvPr id="45" name="Google Shape;45;g133df9925ed_0_2378"/>
-          <p:cNvSpPr txBox="1"/>
+          <p:cNvSpPr txBox="1">
+            <a:spLocks noGrp="1"/>
+          </p:cNvSpPr>
           <p:nvPr>
             <p:ph type="title"/>
           </p:nvPr>
@@ -5320,7 +5351,7 @@
           </a:prstGeom>
         </p:spPr>
         <p:txBody>
-          <a:bodyPr anchorCtr="0" anchor="t" bIns="121900" lIns="121900" spcFirstLastPara="1" rIns="121900" wrap="square" tIns="121900">
+          <a:bodyPr spcFirstLastPara="1" wrap="square" lIns="121900" tIns="121900" rIns="121900" bIns="121900" anchor="t" anchorCtr="0">
             <a:normAutofit/>
           </a:bodyPr>
           <a:lstStyle>
@@ -5424,15 +5455,19 @@
               <a:defRPr sz="3200"/>
             </a:lvl9pPr>
           </a:lstStyle>
-          <a:p/>
+          <a:p>
+            <a:endParaRPr/>
+          </a:p>
         </p:txBody>
       </p:sp>
       <p:sp>
         <p:nvSpPr>
           <p:cNvPr id="46" name="Google Shape;46;g133df9925ed_0_2378"/>
-          <p:cNvSpPr txBox="1"/>
+          <p:cNvSpPr txBox="1">
+            <a:spLocks noGrp="1"/>
+          </p:cNvSpPr>
           <p:nvPr>
-            <p:ph idx="1" type="body"/>
+            <p:ph type="body" idx="1"/>
           </p:nvPr>
         </p:nvSpPr>
         <p:spPr>
@@ -5445,11 +5480,11 @@
           </a:prstGeom>
         </p:spPr>
         <p:txBody>
-          <a:bodyPr anchorCtr="0" anchor="t" bIns="121900" lIns="121900" spcFirstLastPara="1" rIns="121900" wrap="square" tIns="121900">
+          <a:bodyPr spcFirstLastPara="1" wrap="square" lIns="121900" tIns="121900" rIns="121900" bIns="121900" anchor="t" anchorCtr="0">
             <a:normAutofit/>
           </a:bodyPr>
           <a:lstStyle>
-            <a:lvl1pPr indent="-336550" lvl="0" marL="457200">
+            <a:lvl1pPr marL="457200" lvl="0" indent="-336550">
               <a:spcBef>
                 <a:spcPts val="0"/>
               </a:spcBef>
@@ -5460,7 +5495,7 @@
               <a:buChar char="●"/>
               <a:defRPr/>
             </a:lvl1pPr>
-            <a:lvl2pPr indent="-323850" lvl="1" marL="914400">
+            <a:lvl2pPr marL="914400" lvl="1" indent="-323850">
               <a:spcBef>
                 <a:spcPts val="0"/>
               </a:spcBef>
@@ -5471,7 +5506,7 @@
               <a:buChar char="○"/>
               <a:defRPr/>
             </a:lvl2pPr>
-            <a:lvl3pPr indent="-323850" lvl="2" marL="1371600">
+            <a:lvl3pPr marL="1371600" lvl="2" indent="-323850">
               <a:spcBef>
                 <a:spcPts val="0"/>
               </a:spcBef>
@@ -5482,7 +5517,7 @@
               <a:buChar char="■"/>
               <a:defRPr/>
             </a:lvl3pPr>
-            <a:lvl4pPr indent="-323850" lvl="3" marL="1828800">
+            <a:lvl4pPr marL="1828800" lvl="3" indent="-323850">
               <a:spcBef>
                 <a:spcPts val="0"/>
               </a:spcBef>
@@ -5493,7 +5528,7 @@
               <a:buChar char="●"/>
               <a:defRPr/>
             </a:lvl4pPr>
-            <a:lvl5pPr indent="-323850" lvl="4" marL="2286000">
+            <a:lvl5pPr marL="2286000" lvl="4" indent="-323850">
               <a:spcBef>
                 <a:spcPts val="0"/>
               </a:spcBef>
@@ -5504,7 +5539,7 @@
               <a:buChar char="○"/>
               <a:defRPr/>
             </a:lvl5pPr>
-            <a:lvl6pPr indent="-323850" lvl="5" marL="2743200">
+            <a:lvl6pPr marL="2743200" lvl="5" indent="-323850">
               <a:spcBef>
                 <a:spcPts val="0"/>
               </a:spcBef>
@@ -5515,7 +5550,7 @@
               <a:buChar char="■"/>
               <a:defRPr/>
             </a:lvl6pPr>
-            <a:lvl7pPr indent="-323850" lvl="6" marL="3200400">
+            <a:lvl7pPr marL="3200400" lvl="6" indent="-323850">
               <a:spcBef>
                 <a:spcPts val="0"/>
               </a:spcBef>
@@ -5526,7 +5561,7 @@
               <a:buChar char="●"/>
               <a:defRPr/>
             </a:lvl7pPr>
-            <a:lvl8pPr indent="-323850" lvl="7" marL="3657600">
+            <a:lvl8pPr marL="3657600" lvl="7" indent="-323850">
               <a:spcBef>
                 <a:spcPts val="0"/>
               </a:spcBef>
@@ -5537,7 +5572,7 @@
               <a:buChar char="○"/>
               <a:defRPr/>
             </a:lvl8pPr>
-            <a:lvl9pPr indent="-323850" lvl="8" marL="4114800">
+            <a:lvl9pPr marL="4114800" lvl="8" indent="-323850">
               <a:spcBef>
                 <a:spcPts val="0"/>
               </a:spcBef>
@@ -5549,15 +5584,19 @@
               <a:defRPr/>
             </a:lvl9pPr>
           </a:lstStyle>
-          <a:p/>
+          <a:p>
+            <a:endParaRPr/>
+          </a:p>
         </p:txBody>
       </p:sp>
       <p:sp>
         <p:nvSpPr>
           <p:cNvPr id="47" name="Google Shape;47;g133df9925ed_0_2378"/>
-          <p:cNvSpPr txBox="1"/>
+          <p:cNvSpPr txBox="1">
+            <a:spLocks noGrp="1"/>
+          </p:cNvSpPr>
           <p:nvPr>
-            <p:ph idx="12" type="sldNum"/>
+            <p:ph type="sldNum" idx="12"/>
           </p:nvPr>
         </p:nvSpPr>
         <p:spPr>
@@ -5570,7 +5609,7 @@
           </a:prstGeom>
         </p:spPr>
         <p:txBody>
-          <a:bodyPr anchorCtr="0" anchor="ctr" bIns="121900" lIns="121900" spcFirstLastPara="1" rIns="121900" wrap="square" tIns="121900">
+          <a:bodyPr spcFirstLastPara="1" wrap="square" lIns="121900" tIns="121900" rIns="121900" bIns="121900" anchor="ctr" anchorCtr="0">
             <a:normAutofit/>
           </a:bodyPr>
           <a:lstStyle>
@@ -5612,7 +5651,7 @@
             </a:lvl9pPr>
           </a:lstStyle>
           <a:p>
-            <a:pPr indent="0" lvl="0" marL="0" rtl="0" algn="r">
+            <a:pPr marL="0" lvl="0" indent="0" algn="r" rtl="0">
               <a:spcBef>
                 <a:spcPts val="0"/>
               </a:spcBef>
@@ -5638,11 +5677,11 @@
 </file>
 
 <file path=ppt/slideLayouts/slideLayout4.xml><?xml version="1.0" encoding="utf-8"?>
-<p:sldLayout xmlns:a="http://schemas.openxmlformats.org/drawingml/2006/main" xmlns:r="http://schemas.openxmlformats.org/officeDocument/2006/relationships" xmlns:mc="http://schemas.openxmlformats.org/markup-compatibility/2006" xmlns:mv="urn:schemas-microsoft-com:mac:vml" xmlns:p="http://schemas.openxmlformats.org/presentationml/2006/main" xmlns:c="http://schemas.openxmlformats.org/drawingml/2006/chart" xmlns:dgm="http://schemas.openxmlformats.org/drawingml/2006/diagram" xmlns:o="urn:schemas-microsoft-com:office:office" xmlns:v="urn:schemas-microsoft-com:vml" xmlns:pvml="urn:schemas-microsoft-com:office:powerpoint" xmlns:com="http://schemas.openxmlformats.org/drawingml/2006/compatibility" xmlns:p14="http://schemas.microsoft.com/office/powerpoint/2010/main" xmlns:p15="http://schemas.microsoft.com/office/powerpoint/2012/main" xmlns:ahyp="http://schemas.microsoft.com/office/drawing/2018/hyperlinkcolor" matchingName="Title and two columns" type="twoColTx">
+<p:sldLayout xmlns:a="http://schemas.openxmlformats.org/drawingml/2006/main" xmlns:r="http://schemas.openxmlformats.org/officeDocument/2006/relationships" xmlns:p="http://schemas.openxmlformats.org/presentationml/2006/main" matchingName="Title and two columns" type="twoColTx">
   <p:cSld name="TITLE_AND_TWO_COLUMNS">
     <p:spTree>
       <p:nvGrpSpPr>
-        <p:cNvPr id="48" name="Shape 48"/>
+        <p:cNvPr id="1" name="Shape 48"/>
         <p:cNvGrpSpPr/>
         <p:nvPr/>
       </p:nvGrpSpPr>
@@ -5681,7 +5720,7 @@
             </a:xfrm>
             <a:prstGeom prst="diagStripe">
               <a:avLst>
-                <a:gd fmla="val 50000" name="adj"/>
+                <a:gd name="adj" fmla="val 50000"/>
               </a:avLst>
             </a:prstGeom>
             <a:solidFill>
@@ -5692,12 +5731,12 @@
             </a:ln>
           </p:spPr>
           <p:txBody>
-            <a:bodyPr anchorCtr="0" anchor="ctr" bIns="121900" lIns="121900" spcFirstLastPara="1" rIns="121900" wrap="square" tIns="121900">
+            <a:bodyPr spcFirstLastPara="1" wrap="square" lIns="121900" tIns="121900" rIns="121900" bIns="121900" anchor="ctr" anchorCtr="0">
               <a:noAutofit/>
             </a:bodyPr>
             <a:lstStyle/>
             <a:p>
-              <a:pPr indent="0" lvl="0" marL="0" rtl="0" algn="l">
+              <a:pPr marL="0" lvl="0" indent="0" algn="l" rtl="0">
                 <a:spcBef>
                   <a:spcPts val="0"/>
                 </a:spcBef>
@@ -5706,9 +5745,6 @@
                 </a:spcAft>
                 <a:buNone/>
               </a:pPr>
-              <a:r>
-                <a:t/>
-              </a:r>
               <a:endParaRPr/>
             </a:p>
           </p:txBody>
@@ -5726,7 +5762,7 @@
             </a:xfrm>
             <a:prstGeom prst="diagStripe">
               <a:avLst>
-                <a:gd fmla="val 50000" name="adj"/>
+                <a:gd name="adj" fmla="val 50000"/>
               </a:avLst>
             </a:prstGeom>
             <a:solidFill>
@@ -5737,12 +5773,12 @@
             </a:ln>
           </p:spPr>
           <p:txBody>
-            <a:bodyPr anchorCtr="0" anchor="ctr" bIns="121900" lIns="121900" spcFirstLastPara="1" rIns="121900" wrap="square" tIns="121900">
+            <a:bodyPr spcFirstLastPara="1" wrap="square" lIns="121900" tIns="121900" rIns="121900" bIns="121900" anchor="ctr" anchorCtr="0">
               <a:noAutofit/>
             </a:bodyPr>
             <a:lstStyle/>
             <a:p>
-              <a:pPr indent="0" lvl="0" marL="0" rtl="0" algn="l">
+              <a:pPr marL="0" lvl="0" indent="0" algn="l" rtl="0">
                 <a:spcBef>
                   <a:spcPts val="0"/>
                 </a:spcBef>
@@ -5751,9 +5787,6 @@
                 </a:spcAft>
                 <a:buNone/>
               </a:pPr>
-              <a:r>
-                <a:t/>
-              </a:r>
               <a:endParaRPr/>
             </a:p>
           </p:txBody>
@@ -5762,7 +5795,9 @@
       <p:sp>
         <p:nvSpPr>
           <p:cNvPr id="52" name="Google Shape;52;g133df9925ed_0_2385"/>
-          <p:cNvSpPr txBox="1"/>
+          <p:cNvSpPr txBox="1">
+            <a:spLocks noGrp="1"/>
+          </p:cNvSpPr>
           <p:nvPr>
             <p:ph type="title"/>
           </p:nvPr>
@@ -5777,7 +5812,7 @@
           </a:prstGeom>
         </p:spPr>
         <p:txBody>
-          <a:bodyPr anchorCtr="0" anchor="t" bIns="121900" lIns="121900" spcFirstLastPara="1" rIns="121900" wrap="square" tIns="121900">
+          <a:bodyPr spcFirstLastPara="1" wrap="square" lIns="121900" tIns="121900" rIns="121900" bIns="121900" anchor="t" anchorCtr="0">
             <a:normAutofit/>
           </a:bodyPr>
           <a:lstStyle>
@@ -5881,15 +5916,19 @@
               <a:defRPr sz="3200"/>
             </a:lvl9pPr>
           </a:lstStyle>
-          <a:p/>
+          <a:p>
+            <a:endParaRPr/>
+          </a:p>
         </p:txBody>
       </p:sp>
       <p:sp>
         <p:nvSpPr>
           <p:cNvPr id="53" name="Google Shape;53;g133df9925ed_0_2385"/>
-          <p:cNvSpPr txBox="1"/>
+          <p:cNvSpPr txBox="1">
+            <a:spLocks noGrp="1"/>
+          </p:cNvSpPr>
           <p:nvPr>
-            <p:ph idx="1" type="body"/>
+            <p:ph type="body" idx="1"/>
           </p:nvPr>
         </p:nvSpPr>
         <p:spPr>
@@ -5902,11 +5941,11 @@
           </a:prstGeom>
         </p:spPr>
         <p:txBody>
-          <a:bodyPr anchorCtr="0" anchor="t" bIns="121900" lIns="121900" spcFirstLastPara="1" rIns="121900" wrap="square" tIns="121900">
+          <a:bodyPr spcFirstLastPara="1" wrap="square" lIns="121900" tIns="121900" rIns="121900" bIns="121900" anchor="t" anchorCtr="0">
             <a:normAutofit/>
           </a:bodyPr>
           <a:lstStyle>
-            <a:lvl1pPr indent="-336550" lvl="0" marL="457200">
+            <a:lvl1pPr marL="457200" lvl="0" indent="-336550">
               <a:spcBef>
                 <a:spcPts val="0"/>
               </a:spcBef>
@@ -5917,7 +5956,7 @@
               <a:buChar char="●"/>
               <a:defRPr/>
             </a:lvl1pPr>
-            <a:lvl2pPr indent="-323850" lvl="1" marL="914400">
+            <a:lvl2pPr marL="914400" lvl="1" indent="-323850">
               <a:spcBef>
                 <a:spcPts val="0"/>
               </a:spcBef>
@@ -5928,7 +5967,7 @@
               <a:buChar char="○"/>
               <a:defRPr/>
             </a:lvl2pPr>
-            <a:lvl3pPr indent="-323850" lvl="2" marL="1371600">
+            <a:lvl3pPr marL="1371600" lvl="2" indent="-323850">
               <a:spcBef>
                 <a:spcPts val="0"/>
               </a:spcBef>
@@ -5939,7 +5978,7 @@
               <a:buChar char="■"/>
               <a:defRPr/>
             </a:lvl3pPr>
-            <a:lvl4pPr indent="-323850" lvl="3" marL="1828800">
+            <a:lvl4pPr marL="1828800" lvl="3" indent="-323850">
               <a:spcBef>
                 <a:spcPts val="0"/>
               </a:spcBef>
@@ -5950,7 +5989,7 @@
               <a:buChar char="●"/>
               <a:defRPr/>
             </a:lvl4pPr>
-            <a:lvl5pPr indent="-323850" lvl="4" marL="2286000">
+            <a:lvl5pPr marL="2286000" lvl="4" indent="-323850">
               <a:spcBef>
                 <a:spcPts val="0"/>
               </a:spcBef>
@@ -5961,7 +6000,7 @@
               <a:buChar char="○"/>
               <a:defRPr/>
             </a:lvl5pPr>
-            <a:lvl6pPr indent="-323850" lvl="5" marL="2743200">
+            <a:lvl6pPr marL="2743200" lvl="5" indent="-323850">
               <a:spcBef>
                 <a:spcPts val="0"/>
               </a:spcBef>
@@ -5972,7 +6011,7 @@
               <a:buChar char="■"/>
               <a:defRPr/>
             </a:lvl6pPr>
-            <a:lvl7pPr indent="-323850" lvl="6" marL="3200400">
+            <a:lvl7pPr marL="3200400" lvl="6" indent="-323850">
               <a:spcBef>
                 <a:spcPts val="0"/>
               </a:spcBef>
@@ -5983,7 +6022,7 @@
               <a:buChar char="●"/>
               <a:defRPr/>
             </a:lvl7pPr>
-            <a:lvl8pPr indent="-323850" lvl="7" marL="3657600">
+            <a:lvl8pPr marL="3657600" lvl="7" indent="-323850">
               <a:spcBef>
                 <a:spcPts val="0"/>
               </a:spcBef>
@@ -5994,7 +6033,7 @@
               <a:buChar char="○"/>
               <a:defRPr/>
             </a:lvl8pPr>
-            <a:lvl9pPr indent="-323850" lvl="8" marL="4114800">
+            <a:lvl9pPr marL="4114800" lvl="8" indent="-323850">
               <a:spcBef>
                 <a:spcPts val="0"/>
               </a:spcBef>
@@ -6006,15 +6045,19 @@
               <a:defRPr/>
             </a:lvl9pPr>
           </a:lstStyle>
-          <a:p/>
+          <a:p>
+            <a:endParaRPr/>
+          </a:p>
         </p:txBody>
       </p:sp>
       <p:sp>
         <p:nvSpPr>
           <p:cNvPr id="54" name="Google Shape;54;g133df9925ed_0_2385"/>
-          <p:cNvSpPr txBox="1"/>
+          <p:cNvSpPr txBox="1">
+            <a:spLocks noGrp="1"/>
+          </p:cNvSpPr>
           <p:nvPr>
-            <p:ph idx="2" type="body"/>
+            <p:ph type="body" idx="2"/>
           </p:nvPr>
         </p:nvSpPr>
         <p:spPr>
@@ -6027,11 +6070,11 @@
           </a:prstGeom>
         </p:spPr>
         <p:txBody>
-          <a:bodyPr anchorCtr="0" anchor="t" bIns="121900" lIns="121900" spcFirstLastPara="1" rIns="121900" wrap="square" tIns="121900">
+          <a:bodyPr spcFirstLastPara="1" wrap="square" lIns="121900" tIns="121900" rIns="121900" bIns="121900" anchor="t" anchorCtr="0">
             <a:normAutofit/>
           </a:bodyPr>
           <a:lstStyle>
-            <a:lvl1pPr indent="-336550" lvl="0" marL="457200">
+            <a:lvl1pPr marL="457200" lvl="0" indent="-336550">
               <a:spcBef>
                 <a:spcPts val="0"/>
               </a:spcBef>
@@ -6042,7 +6085,7 @@
               <a:buChar char="●"/>
               <a:defRPr/>
             </a:lvl1pPr>
-            <a:lvl2pPr indent="-323850" lvl="1" marL="914400">
+            <a:lvl2pPr marL="914400" lvl="1" indent="-323850">
               <a:spcBef>
                 <a:spcPts val="0"/>
               </a:spcBef>
@@ -6053,7 +6096,7 @@
               <a:buChar char="○"/>
               <a:defRPr/>
             </a:lvl2pPr>
-            <a:lvl3pPr indent="-323850" lvl="2" marL="1371600">
+            <a:lvl3pPr marL="1371600" lvl="2" indent="-323850">
               <a:spcBef>
                 <a:spcPts val="0"/>
               </a:spcBef>
@@ -6064,7 +6107,7 @@
               <a:buChar char="■"/>
               <a:defRPr/>
             </a:lvl3pPr>
-            <a:lvl4pPr indent="-323850" lvl="3" marL="1828800">
+            <a:lvl4pPr marL="1828800" lvl="3" indent="-323850">
               <a:spcBef>
                 <a:spcPts val="0"/>
               </a:spcBef>
@@ -6075,7 +6118,7 @@
               <a:buChar char="●"/>
               <a:defRPr/>
             </a:lvl4pPr>
-            <a:lvl5pPr indent="-323850" lvl="4" marL="2286000">
+            <a:lvl5pPr marL="2286000" lvl="4" indent="-323850">
               <a:spcBef>
                 <a:spcPts val="0"/>
               </a:spcBef>
@@ -6086,7 +6129,7 @@
               <a:buChar char="○"/>
               <a:defRPr/>
             </a:lvl5pPr>
-            <a:lvl6pPr indent="-323850" lvl="5" marL="2743200">
+            <a:lvl6pPr marL="2743200" lvl="5" indent="-323850">
               <a:spcBef>
                 <a:spcPts val="0"/>
               </a:spcBef>
@@ -6097,7 +6140,7 @@
               <a:buChar char="■"/>
               <a:defRPr/>
             </a:lvl6pPr>
-            <a:lvl7pPr indent="-323850" lvl="6" marL="3200400">
+            <a:lvl7pPr marL="3200400" lvl="6" indent="-323850">
               <a:spcBef>
                 <a:spcPts val="0"/>
               </a:spcBef>
@@ -6108,7 +6151,7 @@
               <a:buChar char="●"/>
               <a:defRPr/>
             </a:lvl7pPr>
-            <a:lvl8pPr indent="-323850" lvl="7" marL="3657600">
+            <a:lvl8pPr marL="3657600" lvl="7" indent="-323850">
               <a:spcBef>
                 <a:spcPts val="0"/>
               </a:spcBef>
@@ -6119,7 +6162,7 @@
               <a:buChar char="○"/>
               <a:defRPr/>
             </a:lvl8pPr>
-            <a:lvl9pPr indent="-323850" lvl="8" marL="4114800">
+            <a:lvl9pPr marL="4114800" lvl="8" indent="-323850">
               <a:spcBef>
                 <a:spcPts val="0"/>
               </a:spcBef>
@@ -6131,15 +6174,19 @@
               <a:defRPr/>
             </a:lvl9pPr>
           </a:lstStyle>
-          <a:p/>
+          <a:p>
+            <a:endParaRPr/>
+          </a:p>
         </p:txBody>
       </p:sp>
       <p:sp>
         <p:nvSpPr>
           <p:cNvPr id="55" name="Google Shape;55;g133df9925ed_0_2385"/>
-          <p:cNvSpPr txBox="1"/>
+          <p:cNvSpPr txBox="1">
+            <a:spLocks noGrp="1"/>
+          </p:cNvSpPr>
           <p:nvPr>
-            <p:ph idx="12" type="sldNum"/>
+            <p:ph type="sldNum" idx="12"/>
           </p:nvPr>
         </p:nvSpPr>
         <p:spPr>
@@ -6152,7 +6199,7 @@
           </a:prstGeom>
         </p:spPr>
         <p:txBody>
-          <a:bodyPr anchorCtr="0" anchor="ctr" bIns="121900" lIns="121900" spcFirstLastPara="1" rIns="121900" wrap="square" tIns="121900">
+          <a:bodyPr spcFirstLastPara="1" wrap="square" lIns="121900" tIns="121900" rIns="121900" bIns="121900" anchor="ctr" anchorCtr="0">
             <a:normAutofit/>
           </a:bodyPr>
           <a:lstStyle>
@@ -6194,7 +6241,7 @@
             </a:lvl9pPr>
           </a:lstStyle>
           <a:p>
-            <a:pPr indent="0" lvl="0" marL="0" rtl="0" algn="r">
+            <a:pPr marL="0" lvl="0" indent="0" algn="r" rtl="0">
               <a:spcBef>
                 <a:spcPts val="0"/>
               </a:spcBef>
@@ -6220,11 +6267,11 @@
 </file>
 
 <file path=ppt/slideLayouts/slideLayout5.xml><?xml version="1.0" encoding="utf-8"?>
-<p:sldLayout xmlns:a="http://schemas.openxmlformats.org/drawingml/2006/main" xmlns:r="http://schemas.openxmlformats.org/officeDocument/2006/relationships" xmlns:mc="http://schemas.openxmlformats.org/markup-compatibility/2006" xmlns:mv="urn:schemas-microsoft-com:mac:vml" xmlns:p="http://schemas.openxmlformats.org/presentationml/2006/main" xmlns:c="http://schemas.openxmlformats.org/drawingml/2006/chart" xmlns:dgm="http://schemas.openxmlformats.org/drawingml/2006/diagram" xmlns:o="urn:schemas-microsoft-com:office:office" xmlns:v="urn:schemas-microsoft-com:vml" xmlns:pvml="urn:schemas-microsoft-com:office:powerpoint" xmlns:com="http://schemas.openxmlformats.org/drawingml/2006/compatibility" xmlns:p14="http://schemas.microsoft.com/office/powerpoint/2010/main" xmlns:p15="http://schemas.microsoft.com/office/powerpoint/2012/main" xmlns:ahyp="http://schemas.microsoft.com/office/drawing/2018/hyperlinkcolor" matchingName="Title only" type="titleOnly">
+<p:sldLayout xmlns:a="http://schemas.openxmlformats.org/drawingml/2006/main" xmlns:r="http://schemas.openxmlformats.org/officeDocument/2006/relationships" xmlns:p="http://schemas.openxmlformats.org/presentationml/2006/main" matchingName="Title only" type="titleOnly">
   <p:cSld name="TITLE_ONLY">
     <p:spTree>
       <p:nvGrpSpPr>
-        <p:cNvPr id="56" name="Shape 56"/>
+        <p:cNvPr id="1" name="Shape 56"/>
         <p:cNvGrpSpPr/>
         <p:nvPr/>
       </p:nvGrpSpPr>
@@ -6263,7 +6310,7 @@
             </a:xfrm>
             <a:prstGeom prst="diagStripe">
               <a:avLst>
-                <a:gd fmla="val 50000" name="adj"/>
+                <a:gd name="adj" fmla="val 50000"/>
               </a:avLst>
             </a:prstGeom>
             <a:solidFill>
@@ -6274,12 +6321,12 @@
             </a:ln>
           </p:spPr>
           <p:txBody>
-            <a:bodyPr anchorCtr="0" anchor="ctr" bIns="121900" lIns="121900" spcFirstLastPara="1" rIns="121900" wrap="square" tIns="121900">
+            <a:bodyPr spcFirstLastPara="1" wrap="square" lIns="121900" tIns="121900" rIns="121900" bIns="121900" anchor="ctr" anchorCtr="0">
               <a:noAutofit/>
             </a:bodyPr>
             <a:lstStyle/>
             <a:p>
-              <a:pPr indent="0" lvl="0" marL="0" rtl="0" algn="l">
+              <a:pPr marL="0" lvl="0" indent="0" algn="l" rtl="0">
                 <a:spcBef>
                   <a:spcPts val="0"/>
                 </a:spcBef>
@@ -6288,9 +6335,6 @@
                 </a:spcAft>
                 <a:buNone/>
               </a:pPr>
-              <a:r>
-                <a:t/>
-              </a:r>
               <a:endParaRPr/>
             </a:p>
           </p:txBody>
@@ -6308,7 +6352,7 @@
             </a:xfrm>
             <a:prstGeom prst="diagStripe">
               <a:avLst>
-                <a:gd fmla="val 50000" name="adj"/>
+                <a:gd name="adj" fmla="val 50000"/>
               </a:avLst>
             </a:prstGeom>
             <a:solidFill>
@@ -6319,12 +6363,12 @@
             </a:ln>
           </p:spPr>
           <p:txBody>
-            <a:bodyPr anchorCtr="0" anchor="ctr" bIns="121900" lIns="121900" spcFirstLastPara="1" rIns="121900" wrap="square" tIns="121900">
+            <a:bodyPr spcFirstLastPara="1" wrap="square" lIns="121900" tIns="121900" rIns="121900" bIns="121900" anchor="ctr" anchorCtr="0">
               <a:noAutofit/>
             </a:bodyPr>
             <a:lstStyle/>
             <a:p>
-              <a:pPr indent="0" lvl="0" marL="0" rtl="0" algn="l">
+              <a:pPr marL="0" lvl="0" indent="0" algn="l" rtl="0">
                 <a:spcBef>
                   <a:spcPts val="0"/>
                 </a:spcBef>
@@ -6333,9 +6377,6 @@
                 </a:spcAft>
                 <a:buNone/>
               </a:pPr>
-              <a:r>
-                <a:t/>
-              </a:r>
               <a:endParaRPr/>
             </a:p>
           </p:txBody>
@@ -6344,7 +6385,9 @@
       <p:sp>
         <p:nvSpPr>
           <p:cNvPr id="60" name="Google Shape;60;g133df9925ed_0_2393"/>
-          <p:cNvSpPr txBox="1"/>
+          <p:cNvSpPr txBox="1">
+            <a:spLocks noGrp="1"/>
+          </p:cNvSpPr>
           <p:nvPr>
             <p:ph type="title"/>
           </p:nvPr>
@@ -6359,7 +6402,7 @@
           </a:prstGeom>
         </p:spPr>
         <p:txBody>
-          <a:bodyPr anchorCtr="0" anchor="t" bIns="121900" lIns="121900" spcFirstLastPara="1" rIns="121900" wrap="square" tIns="121900">
+          <a:bodyPr spcFirstLastPara="1" wrap="square" lIns="121900" tIns="121900" rIns="121900" bIns="121900" anchor="t" anchorCtr="0">
             <a:normAutofit/>
           </a:bodyPr>
           <a:lstStyle>
@@ -6463,15 +6506,19 @@
               <a:defRPr sz="3200"/>
             </a:lvl9pPr>
           </a:lstStyle>
-          <a:p/>
+          <a:p>
+            <a:endParaRPr/>
+          </a:p>
         </p:txBody>
       </p:sp>
       <p:sp>
         <p:nvSpPr>
           <p:cNvPr id="61" name="Google Shape;61;g133df9925ed_0_2393"/>
-          <p:cNvSpPr txBox="1"/>
+          <p:cNvSpPr txBox="1">
+            <a:spLocks noGrp="1"/>
+          </p:cNvSpPr>
           <p:nvPr>
-            <p:ph idx="12" type="sldNum"/>
+            <p:ph type="sldNum" idx="12"/>
           </p:nvPr>
         </p:nvSpPr>
         <p:spPr>
@@ -6484,7 +6531,7 @@
           </a:prstGeom>
         </p:spPr>
         <p:txBody>
-          <a:bodyPr anchorCtr="0" anchor="ctr" bIns="121900" lIns="121900" spcFirstLastPara="1" rIns="121900" wrap="square" tIns="121900">
+          <a:bodyPr spcFirstLastPara="1" wrap="square" lIns="121900" tIns="121900" rIns="121900" bIns="121900" anchor="ctr" anchorCtr="0">
             <a:normAutofit/>
           </a:bodyPr>
           <a:lstStyle>
@@ -6526,7 +6573,7 @@
             </a:lvl9pPr>
           </a:lstStyle>
           <a:p>
-            <a:pPr indent="0" lvl="0" marL="0" rtl="0" algn="r">
+            <a:pPr marL="0" lvl="0" indent="0" algn="r" rtl="0">
               <a:spcBef>
                 <a:spcPts val="0"/>
               </a:spcBef>
@@ -6552,11 +6599,11 @@
 </file>
 
 <file path=ppt/slideLayouts/slideLayout6.xml><?xml version="1.0" encoding="utf-8"?>
-<p:sldLayout xmlns:a="http://schemas.openxmlformats.org/drawingml/2006/main" xmlns:r="http://schemas.openxmlformats.org/officeDocument/2006/relationships" xmlns:mc="http://schemas.openxmlformats.org/markup-compatibility/2006" xmlns:mv="urn:schemas-microsoft-com:mac:vml" xmlns:p="http://schemas.openxmlformats.org/presentationml/2006/main" xmlns:c="http://schemas.openxmlformats.org/drawingml/2006/chart" xmlns:dgm="http://schemas.openxmlformats.org/drawingml/2006/diagram" xmlns:o="urn:schemas-microsoft-com:office:office" xmlns:v="urn:schemas-microsoft-com:vml" xmlns:pvml="urn:schemas-microsoft-com:office:powerpoint" xmlns:com="http://schemas.openxmlformats.org/drawingml/2006/compatibility" xmlns:p14="http://schemas.microsoft.com/office/powerpoint/2010/main" xmlns:p15="http://schemas.microsoft.com/office/powerpoint/2012/main" xmlns:ahyp="http://schemas.microsoft.com/office/drawing/2018/hyperlinkcolor" matchingName="One column text">
+<p:sldLayout xmlns:a="http://schemas.openxmlformats.org/drawingml/2006/main" xmlns:r="http://schemas.openxmlformats.org/officeDocument/2006/relationships" xmlns:p="http://schemas.openxmlformats.org/presentationml/2006/main" matchingName="One column text">
   <p:cSld name="ONE_COLUMN_TEXT">
     <p:spTree>
       <p:nvGrpSpPr>
-        <p:cNvPr id="62" name="Shape 62"/>
+        <p:cNvPr id="1" name="Shape 62"/>
         <p:cNvGrpSpPr/>
         <p:nvPr/>
       </p:nvGrpSpPr>
@@ -6595,7 +6642,7 @@
             </a:xfrm>
             <a:prstGeom prst="diagStripe">
               <a:avLst>
-                <a:gd fmla="val 50000" name="adj"/>
+                <a:gd name="adj" fmla="val 50000"/>
               </a:avLst>
             </a:prstGeom>
             <a:solidFill>
@@ -6606,12 +6653,12 @@
             </a:ln>
           </p:spPr>
           <p:txBody>
-            <a:bodyPr anchorCtr="0" anchor="ctr" bIns="121900" lIns="121900" spcFirstLastPara="1" rIns="121900" wrap="square" tIns="121900">
+            <a:bodyPr spcFirstLastPara="1" wrap="square" lIns="121900" tIns="121900" rIns="121900" bIns="121900" anchor="ctr" anchorCtr="0">
               <a:noAutofit/>
             </a:bodyPr>
             <a:lstStyle/>
             <a:p>
-              <a:pPr indent="0" lvl="0" marL="0" rtl="0" algn="l">
+              <a:pPr marL="0" lvl="0" indent="0" algn="l" rtl="0">
                 <a:spcBef>
                   <a:spcPts val="0"/>
                 </a:spcBef>
@@ -6620,9 +6667,6 @@
                 </a:spcAft>
                 <a:buNone/>
               </a:pPr>
-              <a:r>
-                <a:t/>
-              </a:r>
               <a:endParaRPr/>
             </a:p>
           </p:txBody>
@@ -6640,7 +6684,7 @@
             </a:xfrm>
             <a:prstGeom prst="diagStripe">
               <a:avLst>
-                <a:gd fmla="val 50000" name="adj"/>
+                <a:gd name="adj" fmla="val 50000"/>
               </a:avLst>
             </a:prstGeom>
             <a:solidFill>
@@ -6651,12 +6695,12 @@
             </a:ln>
           </p:spPr>
           <p:txBody>
-            <a:bodyPr anchorCtr="0" anchor="ctr" bIns="121900" lIns="121900" spcFirstLastPara="1" rIns="121900" wrap="square" tIns="121900">
+            <a:bodyPr spcFirstLastPara="1" wrap="square" lIns="121900" tIns="121900" rIns="121900" bIns="121900" anchor="ctr" anchorCtr="0">
               <a:noAutofit/>
             </a:bodyPr>
             <a:lstStyle/>
             <a:p>
-              <a:pPr indent="0" lvl="0" marL="0" rtl="0" algn="l">
+              <a:pPr marL="0" lvl="0" indent="0" algn="l" rtl="0">
                 <a:spcBef>
                   <a:spcPts val="0"/>
                 </a:spcBef>
@@ -6665,9 +6709,6 @@
                 </a:spcAft>
                 <a:buNone/>
               </a:pPr>
-              <a:r>
-                <a:t/>
-              </a:r>
               <a:endParaRPr/>
             </a:p>
           </p:txBody>
@@ -6676,7 +6717,9 @@
       <p:sp>
         <p:nvSpPr>
           <p:cNvPr id="66" name="Google Shape;66;g133df9925ed_0_2399"/>
-          <p:cNvSpPr txBox="1"/>
+          <p:cNvSpPr txBox="1">
+            <a:spLocks noGrp="1"/>
+          </p:cNvSpPr>
           <p:nvPr>
             <p:ph type="title"/>
           </p:nvPr>
@@ -6691,7 +6734,7 @@
           </a:prstGeom>
         </p:spPr>
         <p:txBody>
-          <a:bodyPr anchorCtr="0" anchor="t" bIns="121900" lIns="121900" spcFirstLastPara="1" rIns="121900" wrap="square" tIns="121900">
+          <a:bodyPr spcFirstLastPara="1" wrap="square" lIns="121900" tIns="121900" rIns="121900" bIns="121900" anchor="t" anchorCtr="0">
             <a:normAutofit/>
           </a:bodyPr>
           <a:lstStyle>
@@ -6795,15 +6838,19 @@
               <a:defRPr sz="3200"/>
             </a:lvl9pPr>
           </a:lstStyle>
-          <a:p/>
+          <a:p>
+            <a:endParaRPr/>
+          </a:p>
         </p:txBody>
       </p:sp>
       <p:sp>
         <p:nvSpPr>
           <p:cNvPr id="67" name="Google Shape;67;g133df9925ed_0_2399"/>
-          <p:cNvSpPr txBox="1"/>
+          <p:cNvSpPr txBox="1">
+            <a:spLocks noGrp="1"/>
+          </p:cNvSpPr>
           <p:nvPr>
-            <p:ph idx="1" type="body"/>
+            <p:ph type="body" idx="1"/>
           </p:nvPr>
         </p:nvSpPr>
         <p:spPr>
@@ -6816,11 +6863,11 @@
           </a:prstGeom>
         </p:spPr>
         <p:txBody>
-          <a:bodyPr anchorCtr="0" anchor="t" bIns="121900" lIns="121900" spcFirstLastPara="1" rIns="121900" wrap="square" tIns="121900">
+          <a:bodyPr spcFirstLastPara="1" wrap="square" lIns="121900" tIns="121900" rIns="121900" bIns="121900" anchor="t" anchorCtr="0">
             <a:normAutofit/>
           </a:bodyPr>
           <a:lstStyle>
-            <a:lvl1pPr indent="-336550" lvl="0" marL="457200">
+            <a:lvl1pPr marL="457200" lvl="0" indent="-336550">
               <a:spcBef>
                 <a:spcPts val="0"/>
               </a:spcBef>
@@ -6831,7 +6878,7 @@
               <a:buChar char="●"/>
               <a:defRPr/>
             </a:lvl1pPr>
-            <a:lvl2pPr indent="-323850" lvl="1" marL="914400">
+            <a:lvl2pPr marL="914400" lvl="1" indent="-323850">
               <a:spcBef>
                 <a:spcPts val="0"/>
               </a:spcBef>
@@ -6842,7 +6889,7 @@
               <a:buChar char="○"/>
               <a:defRPr/>
             </a:lvl2pPr>
-            <a:lvl3pPr indent="-323850" lvl="2" marL="1371600">
+            <a:lvl3pPr marL="1371600" lvl="2" indent="-323850">
               <a:spcBef>
                 <a:spcPts val="0"/>
               </a:spcBef>
@@ -6853,7 +6900,7 @@
               <a:buChar char="■"/>
               <a:defRPr/>
             </a:lvl3pPr>
-            <a:lvl4pPr indent="-323850" lvl="3" marL="1828800">
+            <a:lvl4pPr marL="1828800" lvl="3" indent="-323850">
               <a:spcBef>
                 <a:spcPts val="0"/>
               </a:spcBef>
@@ -6864,7 +6911,7 @@
               <a:buChar char="●"/>
               <a:defRPr/>
             </a:lvl4pPr>
-            <a:lvl5pPr indent="-323850" lvl="4" marL="2286000">
+            <a:lvl5pPr marL="2286000" lvl="4" indent="-323850">
               <a:spcBef>
                 <a:spcPts val="0"/>
               </a:spcBef>
@@ -6875,7 +6922,7 @@
               <a:buChar char="○"/>
               <a:defRPr/>
             </a:lvl5pPr>
-            <a:lvl6pPr indent="-323850" lvl="5" marL="2743200">
+            <a:lvl6pPr marL="2743200" lvl="5" indent="-323850">
               <a:spcBef>
                 <a:spcPts val="0"/>
               </a:spcBef>
@@ -6886,7 +6933,7 @@
               <a:buChar char="■"/>
               <a:defRPr/>
             </a:lvl6pPr>
-            <a:lvl7pPr indent="-323850" lvl="6" marL="3200400">
+            <a:lvl7pPr marL="3200400" lvl="6" indent="-323850">
               <a:spcBef>
                 <a:spcPts val="0"/>
               </a:spcBef>
@@ -6897,7 +6944,7 @@
               <a:buChar char="●"/>
               <a:defRPr/>
             </a:lvl7pPr>
-            <a:lvl8pPr indent="-323850" lvl="7" marL="3657600">
+            <a:lvl8pPr marL="3657600" lvl="7" indent="-323850">
               <a:spcBef>
                 <a:spcPts val="0"/>
               </a:spcBef>
@@ -6908,7 +6955,7 @@
               <a:buChar char="○"/>
               <a:defRPr/>
             </a:lvl8pPr>
-            <a:lvl9pPr indent="-323850" lvl="8" marL="4114800">
+            <a:lvl9pPr marL="4114800" lvl="8" indent="-323850">
               <a:spcBef>
                 <a:spcPts val="0"/>
               </a:spcBef>
@@ -6920,15 +6967,19 @@
               <a:defRPr/>
             </a:lvl9pPr>
           </a:lstStyle>
-          <a:p/>
+          <a:p>
+            <a:endParaRPr/>
+          </a:p>
         </p:txBody>
       </p:sp>
       <p:sp>
         <p:nvSpPr>
           <p:cNvPr id="68" name="Google Shape;68;g133df9925ed_0_2399"/>
-          <p:cNvSpPr txBox="1"/>
+          <p:cNvSpPr txBox="1">
+            <a:spLocks noGrp="1"/>
+          </p:cNvSpPr>
           <p:nvPr>
-            <p:ph idx="12" type="sldNum"/>
+            <p:ph type="sldNum" idx="12"/>
           </p:nvPr>
         </p:nvSpPr>
         <p:spPr>
@@ -6941,7 +6992,7 @@
           </a:prstGeom>
         </p:spPr>
         <p:txBody>
-          <a:bodyPr anchorCtr="0" anchor="ctr" bIns="121900" lIns="121900" spcFirstLastPara="1" rIns="121900" wrap="square" tIns="121900">
+          <a:bodyPr spcFirstLastPara="1" wrap="square" lIns="121900" tIns="121900" rIns="121900" bIns="121900" anchor="ctr" anchorCtr="0">
             <a:normAutofit/>
           </a:bodyPr>
           <a:lstStyle>
@@ -6983,7 +7034,7 @@
             </a:lvl9pPr>
           </a:lstStyle>
           <a:p>
-            <a:pPr indent="0" lvl="0" marL="0" rtl="0" algn="r">
+            <a:pPr marL="0" lvl="0" indent="0" algn="r" rtl="0">
               <a:spcBef>
                 <a:spcPts val="0"/>
               </a:spcBef>
@@ -7009,11 +7060,11 @@
 </file>
 
 <file path=ppt/slideLayouts/slideLayout7.xml><?xml version="1.0" encoding="utf-8"?>
-<p:sldLayout xmlns:a="http://schemas.openxmlformats.org/drawingml/2006/main" xmlns:r="http://schemas.openxmlformats.org/officeDocument/2006/relationships" xmlns:mc="http://schemas.openxmlformats.org/markup-compatibility/2006" xmlns:mv="urn:schemas-microsoft-com:mac:vml" xmlns:p="http://schemas.openxmlformats.org/presentationml/2006/main" xmlns:c="http://schemas.openxmlformats.org/drawingml/2006/chart" xmlns:dgm="http://schemas.openxmlformats.org/drawingml/2006/diagram" xmlns:o="urn:schemas-microsoft-com:office:office" xmlns:v="urn:schemas-microsoft-com:vml" xmlns:pvml="urn:schemas-microsoft-com:office:powerpoint" xmlns:com="http://schemas.openxmlformats.org/drawingml/2006/compatibility" xmlns:p14="http://schemas.microsoft.com/office/powerpoint/2010/main" xmlns:p15="http://schemas.microsoft.com/office/powerpoint/2012/main" xmlns:ahyp="http://schemas.microsoft.com/office/drawing/2018/hyperlinkcolor" matchingName="Main point">
+<p:sldLayout xmlns:a="http://schemas.openxmlformats.org/drawingml/2006/main" xmlns:r="http://schemas.openxmlformats.org/officeDocument/2006/relationships" xmlns:p="http://schemas.openxmlformats.org/presentationml/2006/main" matchingName="Main point">
   <p:cSld name="MAIN_POINT">
     <p:spTree>
       <p:nvGrpSpPr>
-        <p:cNvPr id="69" name="Shape 69"/>
+        <p:cNvPr id="1" name="Shape 69"/>
         <p:cNvGrpSpPr/>
         <p:nvPr/>
       </p:nvGrpSpPr>
@@ -7052,7 +7103,7 @@
             </a:xfrm>
             <a:prstGeom prst="diagStripe">
               <a:avLst>
-                <a:gd fmla="val 49469" name="adj"/>
+                <a:gd name="adj" fmla="val 49469"/>
               </a:avLst>
             </a:prstGeom>
             <a:solidFill>
@@ -7065,12 +7116,12 @@
             </a:ln>
           </p:spPr>
           <p:txBody>
-            <a:bodyPr anchorCtr="0" anchor="ctr" bIns="121900" lIns="121900" spcFirstLastPara="1" rIns="121900" wrap="square" tIns="121900">
+            <a:bodyPr spcFirstLastPara="1" wrap="square" lIns="121900" tIns="121900" rIns="121900" bIns="121900" anchor="ctr" anchorCtr="0">
               <a:noAutofit/>
             </a:bodyPr>
             <a:lstStyle/>
             <a:p>
-              <a:pPr indent="0" lvl="0" marL="0" rtl="0" algn="l">
+              <a:pPr marL="0" lvl="0" indent="0" algn="l" rtl="0">
                 <a:spcBef>
                   <a:spcPts val="0"/>
                 </a:spcBef>
@@ -7079,9 +7130,6 @@
                 </a:spcAft>
                 <a:buNone/>
               </a:pPr>
-              <a:r>
-                <a:t/>
-              </a:r>
               <a:endParaRPr/>
             </a:p>
           </p:txBody>
@@ -7099,7 +7147,7 @@
             </a:xfrm>
             <a:prstGeom prst="diagStripe">
               <a:avLst>
-                <a:gd fmla="val 0" name="adj"/>
+                <a:gd name="adj" fmla="val 0"/>
               </a:avLst>
             </a:prstGeom>
             <a:solidFill>
@@ -7112,12 +7160,12 @@
             </a:ln>
           </p:spPr>
           <p:txBody>
-            <a:bodyPr anchorCtr="0" anchor="ctr" bIns="121900" lIns="121900" spcFirstLastPara="1" rIns="121900" wrap="square" tIns="121900">
+            <a:bodyPr spcFirstLastPara="1" wrap="square" lIns="121900" tIns="121900" rIns="121900" bIns="121900" anchor="ctr" anchorCtr="0">
               <a:noAutofit/>
             </a:bodyPr>
             <a:lstStyle/>
             <a:p>
-              <a:pPr indent="0" lvl="0" marL="0" rtl="0" algn="l">
+              <a:pPr marL="0" lvl="0" indent="0" algn="l" rtl="0">
                 <a:spcBef>
                   <a:spcPts val="0"/>
                 </a:spcBef>
@@ -7126,9 +7174,6 @@
                 </a:spcAft>
                 <a:buNone/>
               </a:pPr>
-              <a:r>
-                <a:t/>
-              </a:r>
               <a:endParaRPr/>
             </a:p>
           </p:txBody>
@@ -7146,7 +7191,7 @@
             </a:xfrm>
             <a:prstGeom prst="diagStripe">
               <a:avLst>
-                <a:gd fmla="val 50000" name="adj"/>
+                <a:gd name="adj" fmla="val 50000"/>
               </a:avLst>
             </a:prstGeom>
             <a:solidFill>
@@ -7159,12 +7204,12 @@
             </a:ln>
           </p:spPr>
           <p:txBody>
-            <a:bodyPr anchorCtr="0" anchor="ctr" bIns="121900" lIns="121900" spcFirstLastPara="1" rIns="121900" wrap="square" tIns="121900">
+            <a:bodyPr spcFirstLastPara="1" wrap="square" lIns="121900" tIns="121900" rIns="121900" bIns="121900" anchor="ctr" anchorCtr="0">
               <a:noAutofit/>
             </a:bodyPr>
             <a:lstStyle/>
             <a:p>
-              <a:pPr indent="0" lvl="0" marL="0" rtl="0" algn="l">
+              <a:pPr marL="0" lvl="0" indent="0" algn="l" rtl="0">
                 <a:spcBef>
                   <a:spcPts val="0"/>
                 </a:spcBef>
@@ -7173,9 +7218,6 @@
                 </a:spcAft>
                 <a:buNone/>
               </a:pPr>
-              <a:r>
-                <a:t/>
-              </a:r>
               <a:endParaRPr/>
             </a:p>
           </p:txBody>
@@ -7193,7 +7235,7 @@
             </a:xfrm>
             <a:prstGeom prst="diagStripe">
               <a:avLst>
-                <a:gd fmla="val 50000" name="adj"/>
+                <a:gd name="adj" fmla="val 50000"/>
               </a:avLst>
             </a:prstGeom>
             <a:solidFill>
@@ -7206,12 +7248,12 @@
             </a:ln>
           </p:spPr>
           <p:txBody>
-            <a:bodyPr anchorCtr="0" anchor="ctr" bIns="121900" lIns="121900" spcFirstLastPara="1" rIns="121900" wrap="square" tIns="121900">
+            <a:bodyPr spcFirstLastPara="1" wrap="square" lIns="121900" tIns="121900" rIns="121900" bIns="121900" anchor="ctr" anchorCtr="0">
               <a:noAutofit/>
             </a:bodyPr>
             <a:lstStyle/>
             <a:p>
-              <a:pPr indent="0" lvl="0" marL="0" rtl="0" algn="l">
+              <a:pPr marL="0" lvl="0" indent="0" algn="l" rtl="0">
                 <a:spcBef>
                   <a:spcPts val="0"/>
                 </a:spcBef>
@@ -7220,9 +7262,6 @@
                 </a:spcAft>
                 <a:buNone/>
               </a:pPr>
-              <a:r>
-                <a:t/>
-              </a:r>
               <a:endParaRPr/>
             </a:p>
           </p:txBody>
@@ -7240,7 +7279,7 @@
             </a:xfrm>
             <a:prstGeom prst="diagStripe">
               <a:avLst>
-                <a:gd fmla="val 50000" name="adj"/>
+                <a:gd name="adj" fmla="val 50000"/>
               </a:avLst>
             </a:prstGeom>
             <a:solidFill>
@@ -7253,12 +7292,12 @@
             </a:ln>
           </p:spPr>
           <p:txBody>
-            <a:bodyPr anchorCtr="0" anchor="ctr" bIns="121900" lIns="121900" spcFirstLastPara="1" rIns="121900" wrap="square" tIns="121900">
+            <a:bodyPr spcFirstLastPara="1" wrap="square" lIns="121900" tIns="121900" rIns="121900" bIns="121900" anchor="ctr" anchorCtr="0">
               <a:noAutofit/>
             </a:bodyPr>
             <a:lstStyle/>
             <a:p>
-              <a:pPr indent="0" lvl="0" marL="0" rtl="0" algn="l">
+              <a:pPr marL="0" lvl="0" indent="0" algn="l" rtl="0">
                 <a:spcBef>
                   <a:spcPts val="0"/>
                 </a:spcBef>
@@ -7267,9 +7306,6 @@
                 </a:spcAft>
                 <a:buNone/>
               </a:pPr>
-              <a:r>
-                <a:t/>
-              </a:r>
               <a:endParaRPr/>
             </a:p>
           </p:txBody>
@@ -7287,7 +7323,7 @@
             </a:xfrm>
             <a:prstGeom prst="diagStripe">
               <a:avLst>
-                <a:gd fmla="val 50000" name="adj"/>
+                <a:gd name="adj" fmla="val 50000"/>
               </a:avLst>
             </a:prstGeom>
             <a:solidFill>
@@ -7300,12 +7336,12 @@
             </a:ln>
           </p:spPr>
           <p:txBody>
-            <a:bodyPr anchorCtr="0" anchor="ctr" bIns="121900" lIns="121900" spcFirstLastPara="1" rIns="121900" wrap="square" tIns="121900">
+            <a:bodyPr spcFirstLastPara="1" wrap="square" lIns="121900" tIns="121900" rIns="121900" bIns="121900" anchor="ctr" anchorCtr="0">
               <a:noAutofit/>
             </a:bodyPr>
             <a:lstStyle/>
             <a:p>
-              <a:pPr indent="0" lvl="0" marL="0" rtl="0" algn="l">
+              <a:pPr marL="0" lvl="0" indent="0" algn="l" rtl="0">
                 <a:spcBef>
                   <a:spcPts val="0"/>
                 </a:spcBef>
@@ -7314,9 +7350,6 @@
                 </a:spcAft>
                 <a:buNone/>
               </a:pPr>
-              <a:r>
-                <a:t/>
-              </a:r>
               <a:endParaRPr/>
             </a:p>
           </p:txBody>
@@ -7334,7 +7367,7 @@
             </a:xfrm>
             <a:prstGeom prst="diagStripe">
               <a:avLst>
-                <a:gd fmla="val 50000" name="adj"/>
+                <a:gd name="adj" fmla="val 50000"/>
               </a:avLst>
             </a:prstGeom>
             <a:solidFill>
@@ -7347,12 +7380,12 @@
             </a:ln>
           </p:spPr>
           <p:txBody>
-            <a:bodyPr anchorCtr="0" anchor="ctr" bIns="121900" lIns="121900" spcFirstLastPara="1" rIns="121900" wrap="square" tIns="121900">
+            <a:bodyPr spcFirstLastPara="1" wrap="square" lIns="121900" tIns="121900" rIns="121900" bIns="121900" anchor="ctr" anchorCtr="0">
               <a:noAutofit/>
             </a:bodyPr>
             <a:lstStyle/>
             <a:p>
-              <a:pPr indent="0" lvl="0" marL="0" rtl="0" algn="l">
+              <a:pPr marL="0" lvl="0" indent="0" algn="l" rtl="0">
                 <a:spcBef>
                   <a:spcPts val="0"/>
                 </a:spcBef>
@@ -7361,9 +7394,6 @@
                 </a:spcAft>
                 <a:buNone/>
               </a:pPr>
-              <a:r>
-                <a:t/>
-              </a:r>
               <a:endParaRPr/>
             </a:p>
           </p:txBody>
@@ -7381,7 +7411,7 @@
             </a:xfrm>
             <a:prstGeom prst="diagStripe">
               <a:avLst>
-                <a:gd fmla="val 50000" name="adj"/>
+                <a:gd name="adj" fmla="val 50000"/>
               </a:avLst>
             </a:prstGeom>
             <a:solidFill>
@@ -7392,12 +7422,12 @@
             </a:ln>
           </p:spPr>
           <p:txBody>
-            <a:bodyPr anchorCtr="0" anchor="ctr" bIns="121900" lIns="121900" spcFirstLastPara="1" rIns="121900" wrap="square" tIns="121900">
+            <a:bodyPr spcFirstLastPara="1" wrap="square" lIns="121900" tIns="121900" rIns="121900" bIns="121900" anchor="ctr" anchorCtr="0">
               <a:noAutofit/>
             </a:bodyPr>
             <a:lstStyle/>
             <a:p>
-              <a:pPr indent="0" lvl="0" marL="0" rtl="0" algn="l">
+              <a:pPr marL="0" lvl="0" indent="0" algn="l" rtl="0">
                 <a:spcBef>
                   <a:spcPts val="0"/>
                 </a:spcBef>
@@ -7406,9 +7436,6 @@
                 </a:spcAft>
                 <a:buNone/>
               </a:pPr>
-              <a:r>
-                <a:t/>
-              </a:r>
               <a:endParaRPr/>
             </a:p>
           </p:txBody>
@@ -7426,7 +7453,7 @@
             </a:xfrm>
             <a:prstGeom prst="diagStripe">
               <a:avLst>
-                <a:gd fmla="val 50000" name="adj"/>
+                <a:gd name="adj" fmla="val 50000"/>
               </a:avLst>
             </a:prstGeom>
             <a:solidFill>
@@ -7439,12 +7466,12 @@
             </a:ln>
           </p:spPr>
           <p:txBody>
-            <a:bodyPr anchorCtr="0" anchor="ctr" bIns="121900" lIns="121900" spcFirstLastPara="1" rIns="121900" wrap="square" tIns="121900">
+            <a:bodyPr spcFirstLastPara="1" wrap="square" lIns="121900" tIns="121900" rIns="121900" bIns="121900" anchor="ctr" anchorCtr="0">
               <a:noAutofit/>
             </a:bodyPr>
             <a:lstStyle/>
             <a:p>
-              <a:pPr indent="0" lvl="0" marL="0" rtl="0" algn="l">
+              <a:pPr marL="0" lvl="0" indent="0" algn="l" rtl="0">
                 <a:spcBef>
                   <a:spcPts val="0"/>
                 </a:spcBef>
@@ -7453,9 +7480,6 @@
                 </a:spcAft>
                 <a:buNone/>
               </a:pPr>
-              <a:r>
-                <a:t/>
-              </a:r>
               <a:endParaRPr/>
             </a:p>
           </p:txBody>
@@ -7473,7 +7497,7 @@
             </a:xfrm>
             <a:prstGeom prst="diagStripe">
               <a:avLst>
-                <a:gd fmla="val 50000" name="adj"/>
+                <a:gd name="adj" fmla="val 50000"/>
               </a:avLst>
             </a:prstGeom>
             <a:solidFill>
@@ -7486,12 +7510,12 @@
             </a:ln>
           </p:spPr>
           <p:txBody>
-            <a:bodyPr anchorCtr="0" anchor="ctr" bIns="121900" lIns="121900" spcFirstLastPara="1" rIns="121900" wrap="square" tIns="121900">
+            <a:bodyPr spcFirstLastPara="1" wrap="square" lIns="121900" tIns="121900" rIns="121900" bIns="121900" anchor="ctr" anchorCtr="0">
               <a:noAutofit/>
             </a:bodyPr>
             <a:lstStyle/>
             <a:p>
-              <a:pPr indent="0" lvl="0" marL="0" rtl="0" algn="l">
+              <a:pPr marL="0" lvl="0" indent="0" algn="l" rtl="0">
                 <a:spcBef>
                   <a:spcPts val="0"/>
                 </a:spcBef>
@@ -7500,9 +7524,6 @@
                 </a:spcAft>
                 <a:buNone/>
               </a:pPr>
-              <a:r>
-                <a:t/>
-              </a:r>
               <a:endParaRPr/>
             </a:p>
           </p:txBody>
@@ -7520,7 +7541,7 @@
             </a:xfrm>
             <a:prstGeom prst="diagStripe">
               <a:avLst>
-                <a:gd fmla="val 50000" name="adj"/>
+                <a:gd name="adj" fmla="val 50000"/>
               </a:avLst>
             </a:prstGeom>
             <a:solidFill>
@@ -7533,12 +7554,12 @@
             </a:ln>
           </p:spPr>
           <p:txBody>
-            <a:bodyPr anchorCtr="0" anchor="ctr" bIns="121900" lIns="121900" spcFirstLastPara="1" rIns="121900" wrap="square" tIns="121900">
+            <a:bodyPr spcFirstLastPara="1" wrap="square" lIns="121900" tIns="121900" rIns="121900" bIns="121900" anchor="ctr" anchorCtr="0">
               <a:noAutofit/>
             </a:bodyPr>
             <a:lstStyle/>
             <a:p>
-              <a:pPr indent="0" lvl="0" marL="0" rtl="0" algn="l">
+              <a:pPr marL="0" lvl="0" indent="0" algn="l" rtl="0">
                 <a:spcBef>
                   <a:spcPts val="0"/>
                 </a:spcBef>
@@ -7547,9 +7568,6 @@
                 </a:spcAft>
                 <a:buNone/>
               </a:pPr>
-              <a:r>
-                <a:t/>
-              </a:r>
               <a:endParaRPr/>
             </a:p>
           </p:txBody>
@@ -7567,7 +7585,7 @@
             </a:xfrm>
             <a:prstGeom prst="diagStripe">
               <a:avLst>
-                <a:gd fmla="val 50000" name="adj"/>
+                <a:gd name="adj" fmla="val 50000"/>
               </a:avLst>
             </a:prstGeom>
             <a:solidFill>
@@ -7580,12 +7598,12 @@
             </a:ln>
           </p:spPr>
           <p:txBody>
-            <a:bodyPr anchorCtr="0" anchor="ctr" bIns="121900" lIns="121900" spcFirstLastPara="1" rIns="121900" wrap="square" tIns="121900">
+            <a:bodyPr spcFirstLastPara="1" wrap="square" lIns="121900" tIns="121900" rIns="121900" bIns="121900" anchor="ctr" anchorCtr="0">
               <a:noAutofit/>
             </a:bodyPr>
             <a:lstStyle/>
             <a:p>
-              <a:pPr indent="0" lvl="0" marL="0" rtl="0" algn="l">
+              <a:pPr marL="0" lvl="0" indent="0" algn="l" rtl="0">
                 <a:spcBef>
                   <a:spcPts val="0"/>
                 </a:spcBef>
@@ -7594,9 +7612,6 @@
                 </a:spcAft>
                 <a:buNone/>
               </a:pPr>
-              <a:r>
-                <a:t/>
-              </a:r>
               <a:endParaRPr/>
             </a:p>
           </p:txBody>
@@ -7614,7 +7629,7 @@
             </a:xfrm>
             <a:prstGeom prst="diagStripe">
               <a:avLst>
-                <a:gd fmla="val 50000" name="adj"/>
+                <a:gd name="adj" fmla="val 50000"/>
               </a:avLst>
             </a:prstGeom>
             <a:solidFill>
@@ -7627,12 +7642,12 @@
             </a:ln>
           </p:spPr>
           <p:txBody>
-            <a:bodyPr anchorCtr="0" anchor="ctr" bIns="121900" lIns="121900" spcFirstLastPara="1" rIns="121900" wrap="square" tIns="121900">
+            <a:bodyPr spcFirstLastPara="1" wrap="square" lIns="121900" tIns="121900" rIns="121900" bIns="121900" anchor="ctr" anchorCtr="0">
               <a:noAutofit/>
             </a:bodyPr>
             <a:lstStyle/>
             <a:p>
-              <a:pPr indent="0" lvl="0" marL="0" rtl="0" algn="l">
+              <a:pPr marL="0" lvl="0" indent="0" algn="l" rtl="0">
                 <a:spcBef>
                   <a:spcPts val="0"/>
                 </a:spcBef>
@@ -7641,9 +7656,6 @@
                 </a:spcAft>
                 <a:buNone/>
               </a:pPr>
-              <a:r>
-                <a:t/>
-              </a:r>
               <a:endParaRPr/>
             </a:p>
           </p:txBody>
@@ -7661,7 +7673,7 @@
             </a:xfrm>
             <a:prstGeom prst="diagStripe">
               <a:avLst>
-                <a:gd fmla="val 50000" name="adj"/>
+                <a:gd name="adj" fmla="val 50000"/>
               </a:avLst>
             </a:prstGeom>
             <a:solidFill>
@@ -7672,12 +7684,12 @@
             </a:ln>
           </p:spPr>
           <p:txBody>
-            <a:bodyPr anchorCtr="0" anchor="ctr" bIns="121900" lIns="121900" spcFirstLastPara="1" rIns="121900" wrap="square" tIns="121900">
+            <a:bodyPr spcFirstLastPara="1" wrap="square" lIns="121900" tIns="121900" rIns="121900" bIns="121900" anchor="ctr" anchorCtr="0">
               <a:noAutofit/>
             </a:bodyPr>
             <a:lstStyle/>
             <a:p>
-              <a:pPr indent="0" lvl="0" marL="0" rtl="0" algn="l">
+              <a:pPr marL="0" lvl="0" indent="0" algn="l" rtl="0">
                 <a:spcBef>
                   <a:spcPts val="0"/>
                 </a:spcBef>
@@ -7686,9 +7698,6 @@
                 </a:spcAft>
                 <a:buNone/>
               </a:pPr>
-              <a:r>
-                <a:t/>
-              </a:r>
               <a:endParaRPr/>
             </a:p>
           </p:txBody>
@@ -7706,7 +7715,7 @@
             </a:xfrm>
             <a:prstGeom prst="diagStripe">
               <a:avLst>
-                <a:gd fmla="val 50000" name="adj"/>
+                <a:gd name="adj" fmla="val 50000"/>
               </a:avLst>
             </a:prstGeom>
             <a:solidFill>
@@ -7719,12 +7728,12 @@
             </a:ln>
           </p:spPr>
           <p:txBody>
-            <a:bodyPr anchorCtr="0" anchor="ctr" bIns="121900" lIns="121900" spcFirstLastPara="1" rIns="121900" wrap="square" tIns="121900">
+            <a:bodyPr spcFirstLastPara="1" wrap="square" lIns="121900" tIns="121900" rIns="121900" bIns="121900" anchor="ctr" anchorCtr="0">
               <a:noAutofit/>
             </a:bodyPr>
             <a:lstStyle/>
             <a:p>
-              <a:pPr indent="0" lvl="0" marL="0" rtl="0" algn="l">
+              <a:pPr marL="0" lvl="0" indent="0" algn="l" rtl="0">
                 <a:spcBef>
                   <a:spcPts val="0"/>
                 </a:spcBef>
@@ -7733,9 +7742,6 @@
                 </a:spcAft>
                 <a:buNone/>
               </a:pPr>
-              <a:r>
-                <a:t/>
-              </a:r>
               <a:endParaRPr/>
             </a:p>
           </p:txBody>
@@ -7753,7 +7759,7 @@
             </a:xfrm>
             <a:prstGeom prst="diagStripe">
               <a:avLst>
-                <a:gd fmla="val 50000" name="adj"/>
+                <a:gd name="adj" fmla="val 50000"/>
               </a:avLst>
             </a:prstGeom>
             <a:solidFill>
@@ -7766,12 +7772,12 @@
             </a:ln>
           </p:spPr>
           <p:txBody>
-            <a:bodyPr anchorCtr="0" anchor="ctr" bIns="121900" lIns="121900" spcFirstLastPara="1" rIns="121900" wrap="square" tIns="121900">
+            <a:bodyPr spcFirstLastPara="1" wrap="square" lIns="121900" tIns="121900" rIns="121900" bIns="121900" anchor="ctr" anchorCtr="0">
               <a:noAutofit/>
             </a:bodyPr>
             <a:lstStyle/>
             <a:p>
-              <a:pPr indent="0" lvl="0" marL="0" rtl="0" algn="l">
+              <a:pPr marL="0" lvl="0" indent="0" algn="l" rtl="0">
                 <a:spcBef>
                   <a:spcPts val="0"/>
                 </a:spcBef>
@@ -7780,9 +7786,6 @@
                 </a:spcAft>
                 <a:buNone/>
               </a:pPr>
-              <a:r>
-                <a:t/>
-              </a:r>
               <a:endParaRPr/>
             </a:p>
           </p:txBody>
@@ -7800,7 +7803,7 @@
             </a:xfrm>
             <a:prstGeom prst="diagStripe">
               <a:avLst>
-                <a:gd fmla="val 50000" name="adj"/>
+                <a:gd name="adj" fmla="val 50000"/>
               </a:avLst>
             </a:prstGeom>
             <a:solidFill>
@@ -7813,12 +7816,12 @@
             </a:ln>
           </p:spPr>
           <p:txBody>
-            <a:bodyPr anchorCtr="0" anchor="ctr" bIns="121900" lIns="121900" spcFirstLastPara="1" rIns="121900" wrap="square" tIns="121900">
+            <a:bodyPr spcFirstLastPara="1" wrap="square" lIns="121900" tIns="121900" rIns="121900" bIns="121900" anchor="ctr" anchorCtr="0">
               <a:noAutofit/>
             </a:bodyPr>
             <a:lstStyle/>
             <a:p>
-              <a:pPr indent="0" lvl="0" marL="0" rtl="0" algn="l">
+              <a:pPr marL="0" lvl="0" indent="0" algn="l" rtl="0">
                 <a:spcBef>
                   <a:spcPts val="0"/>
                 </a:spcBef>
@@ -7827,9 +7830,6 @@
                 </a:spcAft>
                 <a:buNone/>
               </a:pPr>
-              <a:r>
-                <a:t/>
-              </a:r>
               <a:endParaRPr/>
             </a:p>
           </p:txBody>
@@ -7847,7 +7847,7 @@
             </a:xfrm>
             <a:prstGeom prst="diagStripe">
               <a:avLst>
-                <a:gd fmla="val 50000" name="adj"/>
+                <a:gd name="adj" fmla="val 50000"/>
               </a:avLst>
             </a:prstGeom>
             <a:solidFill>
@@ -7860,12 +7860,12 @@
             </a:ln>
           </p:spPr>
           <p:txBody>
-            <a:bodyPr anchorCtr="0" anchor="ctr" bIns="121900" lIns="121900" spcFirstLastPara="1" rIns="121900" wrap="square" tIns="121900">
+            <a:bodyPr spcFirstLastPara="1" wrap="square" lIns="121900" tIns="121900" rIns="121900" bIns="121900" anchor="ctr" anchorCtr="0">
               <a:noAutofit/>
             </a:bodyPr>
             <a:lstStyle/>
             <a:p>
-              <a:pPr indent="0" lvl="0" marL="0" rtl="0" algn="l">
+              <a:pPr marL="0" lvl="0" indent="0" algn="l" rtl="0">
                 <a:spcBef>
                   <a:spcPts val="0"/>
                 </a:spcBef>
@@ -7874,9 +7874,6 @@
                 </a:spcAft>
                 <a:buNone/>
               </a:pPr>
-              <a:r>
-                <a:t/>
-              </a:r>
               <a:endParaRPr/>
             </a:p>
           </p:txBody>
@@ -7885,7 +7882,9 @@
       <p:sp>
         <p:nvSpPr>
           <p:cNvPr id="89" name="Google Shape;89;g133df9925ed_0_2406"/>
-          <p:cNvSpPr txBox="1"/>
+          <p:cNvSpPr txBox="1">
+            <a:spLocks noGrp="1"/>
+          </p:cNvSpPr>
           <p:nvPr>
             <p:ph type="title"/>
           </p:nvPr>
@@ -7900,7 +7899,7 @@
           </a:prstGeom>
         </p:spPr>
         <p:txBody>
-          <a:bodyPr anchorCtr="0" anchor="ctr" bIns="121900" lIns="121900" spcFirstLastPara="1" rIns="121900" wrap="square" tIns="121900">
+          <a:bodyPr spcFirstLastPara="1" wrap="square" lIns="121900" tIns="121900" rIns="121900" bIns="121900" anchor="ctr" anchorCtr="0">
             <a:normAutofit/>
           </a:bodyPr>
           <a:lstStyle>
@@ -8004,15 +8003,19 @@
               <a:defRPr/>
             </a:lvl9pPr>
           </a:lstStyle>
-          <a:p/>
+          <a:p>
+            <a:endParaRPr/>
+          </a:p>
         </p:txBody>
       </p:sp>
       <p:sp>
         <p:nvSpPr>
           <p:cNvPr id="90" name="Google Shape;90;g133df9925ed_0_2406"/>
-          <p:cNvSpPr txBox="1"/>
+          <p:cNvSpPr txBox="1">
+            <a:spLocks noGrp="1"/>
+          </p:cNvSpPr>
           <p:nvPr>
-            <p:ph idx="12" type="sldNum"/>
+            <p:ph type="sldNum" idx="12"/>
           </p:nvPr>
         </p:nvSpPr>
         <p:spPr>
@@ -8025,7 +8028,7 @@
           </a:prstGeom>
         </p:spPr>
         <p:txBody>
-          <a:bodyPr anchorCtr="0" anchor="ctr" bIns="121900" lIns="121900" spcFirstLastPara="1" rIns="121900" wrap="square" tIns="121900">
+          <a:bodyPr spcFirstLastPara="1" wrap="square" lIns="121900" tIns="121900" rIns="121900" bIns="121900" anchor="ctr" anchorCtr="0">
             <a:normAutofit/>
           </a:bodyPr>
           <a:lstStyle>
@@ -8067,7 +8070,7 @@
             </a:lvl9pPr>
           </a:lstStyle>
           <a:p>
-            <a:pPr indent="0" lvl="0" marL="0" rtl="0" algn="r">
+            <a:pPr marL="0" lvl="0" indent="0" algn="r" rtl="0">
               <a:spcBef>
                 <a:spcPts val="0"/>
               </a:spcBef>
@@ -8093,11 +8096,11 @@
 </file>
 
 <file path=ppt/slideLayouts/slideLayout8.xml><?xml version="1.0" encoding="utf-8"?>
-<p:sldLayout xmlns:a="http://schemas.openxmlformats.org/drawingml/2006/main" xmlns:r="http://schemas.openxmlformats.org/officeDocument/2006/relationships" xmlns:mc="http://schemas.openxmlformats.org/markup-compatibility/2006" xmlns:mv="urn:schemas-microsoft-com:mac:vml" xmlns:p="http://schemas.openxmlformats.org/presentationml/2006/main" xmlns:c="http://schemas.openxmlformats.org/drawingml/2006/chart" xmlns:dgm="http://schemas.openxmlformats.org/drawingml/2006/diagram" xmlns:o="urn:schemas-microsoft-com:office:office" xmlns:v="urn:schemas-microsoft-com:vml" xmlns:pvml="urn:schemas-microsoft-com:office:powerpoint" xmlns:com="http://schemas.openxmlformats.org/drawingml/2006/compatibility" xmlns:p14="http://schemas.microsoft.com/office/powerpoint/2010/main" xmlns:p15="http://schemas.microsoft.com/office/powerpoint/2012/main" xmlns:ahyp="http://schemas.microsoft.com/office/drawing/2018/hyperlinkcolor" matchingName="Section title and description">
+<p:sldLayout xmlns:a="http://schemas.openxmlformats.org/drawingml/2006/main" xmlns:r="http://schemas.openxmlformats.org/officeDocument/2006/relationships" xmlns:p="http://schemas.openxmlformats.org/presentationml/2006/main" matchingName="Section title and description">
   <p:cSld name="SECTION_TITLE_AND_DESCRIPTION">
     <p:spTree>
       <p:nvGrpSpPr>
-        <p:cNvPr id="91" name="Shape 91"/>
+        <p:cNvPr id="1" name="Shape 91"/>
         <p:cNvGrpSpPr/>
         <p:nvPr/>
       </p:nvGrpSpPr>
@@ -8136,7 +8139,7 @@
             </a:xfrm>
             <a:prstGeom prst="diagStripe">
               <a:avLst>
-                <a:gd fmla="val 50000" name="adj"/>
+                <a:gd name="adj" fmla="val 50000"/>
               </a:avLst>
             </a:prstGeom>
             <a:solidFill>
@@ -8147,12 +8150,12 @@
             </a:ln>
           </p:spPr>
           <p:txBody>
-            <a:bodyPr anchorCtr="0" anchor="ctr" bIns="121900" lIns="121900" spcFirstLastPara="1" rIns="121900" wrap="square" tIns="121900">
+            <a:bodyPr spcFirstLastPara="1" wrap="square" lIns="121900" tIns="121900" rIns="121900" bIns="121900" anchor="ctr" anchorCtr="0">
               <a:noAutofit/>
             </a:bodyPr>
             <a:lstStyle/>
             <a:p>
-              <a:pPr indent="0" lvl="0" marL="0" rtl="0" algn="l">
+              <a:pPr marL="0" lvl="0" indent="0" algn="l" rtl="0">
                 <a:spcBef>
                   <a:spcPts val="0"/>
                 </a:spcBef>
@@ -8161,9 +8164,6 @@
                 </a:spcAft>
                 <a:buNone/>
               </a:pPr>
-              <a:r>
-                <a:t/>
-              </a:r>
               <a:endParaRPr/>
             </a:p>
           </p:txBody>
@@ -8181,7 +8181,7 @@
             </a:xfrm>
             <a:prstGeom prst="diagStripe">
               <a:avLst>
-                <a:gd fmla="val 50000" name="adj"/>
+                <a:gd name="adj" fmla="val 50000"/>
               </a:avLst>
             </a:prstGeom>
             <a:solidFill>
@@ -8192,12 +8192,12 @@
             </a:ln>
           </p:spPr>
           <p:txBody>
-            <a:bodyPr anchorCtr="0" anchor="ctr" bIns="121900" lIns="121900" spcFirstLastPara="1" rIns="121900" wrap="square" tIns="121900">
+            <a:bodyPr spcFirstLastPara="1" wrap="square" lIns="121900" tIns="121900" rIns="121900" bIns="121900" anchor="ctr" anchorCtr="0">
               <a:noAutofit/>
             </a:bodyPr>
             <a:lstStyle/>
             <a:p>
-              <a:pPr indent="0" lvl="0" marL="0" rtl="0" algn="l">
+              <a:pPr marL="0" lvl="0" indent="0" algn="l" rtl="0">
                 <a:spcBef>
                   <a:spcPts val="0"/>
                 </a:spcBef>
@@ -8206,9 +8206,6 @@
                 </a:spcAft>
                 <a:buNone/>
               </a:pPr>
-              <a:r>
-                <a:t/>
-              </a:r>
               <a:endParaRPr/>
             </a:p>
           </p:txBody>
@@ -8217,7 +8214,9 @@
       <p:sp>
         <p:nvSpPr>
           <p:cNvPr id="95" name="Google Shape;95;g133df9925ed_0_2428"/>
-          <p:cNvSpPr txBox="1"/>
+          <p:cNvSpPr txBox="1">
+            <a:spLocks noGrp="1"/>
+          </p:cNvSpPr>
           <p:nvPr>
             <p:ph type="title"/>
           </p:nvPr>
@@ -8232,7 +8231,7 @@
           </a:prstGeom>
         </p:spPr>
         <p:txBody>
-          <a:bodyPr anchorCtr="0" anchor="t" bIns="121900" lIns="121900" spcFirstLastPara="1" rIns="121900" wrap="square" tIns="121900">
+          <a:bodyPr spcFirstLastPara="1" wrap="square" lIns="121900" tIns="121900" rIns="121900" bIns="121900" anchor="t" anchorCtr="0">
             <a:normAutofit/>
           </a:bodyPr>
           <a:lstStyle>
@@ -8336,15 +8335,19 @@
               <a:defRPr sz="3200"/>
             </a:lvl9pPr>
           </a:lstStyle>
-          <a:p/>
+          <a:p>
+            <a:endParaRPr/>
+          </a:p>
         </p:txBody>
       </p:sp>
       <p:sp>
         <p:nvSpPr>
           <p:cNvPr id="96" name="Google Shape;96;g133df9925ed_0_2428"/>
-          <p:cNvSpPr txBox="1"/>
+          <p:cNvSpPr txBox="1">
+            <a:spLocks noGrp="1"/>
+          </p:cNvSpPr>
           <p:nvPr>
-            <p:ph idx="1" type="subTitle"/>
+            <p:ph type="subTitle" idx="1"/>
           </p:nvPr>
         </p:nvSpPr>
         <p:spPr>
@@ -8357,7 +8360,7 @@
           </a:prstGeom>
         </p:spPr>
         <p:txBody>
-          <a:bodyPr anchorCtr="0" anchor="t" bIns="121900" lIns="121900" spcFirstLastPara="1" rIns="121900" wrap="square" tIns="121900">
+          <a:bodyPr spcFirstLastPara="1" wrap="square" lIns="121900" tIns="121900" rIns="121900" bIns="121900" anchor="t" anchorCtr="0">
             <a:normAutofit/>
           </a:bodyPr>
           <a:lstStyle>
@@ -8488,15 +8491,19 @@
               <a:defRPr sz="1700"/>
             </a:lvl9pPr>
           </a:lstStyle>
-          <a:p/>
+          <a:p>
+            <a:endParaRPr/>
+          </a:p>
         </p:txBody>
       </p:sp>
       <p:sp>
         <p:nvSpPr>
           <p:cNvPr id="97" name="Google Shape;97;g133df9925ed_0_2428"/>
-          <p:cNvSpPr txBox="1"/>
+          <p:cNvSpPr txBox="1">
+            <a:spLocks noGrp="1"/>
+          </p:cNvSpPr>
           <p:nvPr>
-            <p:ph idx="2" type="body"/>
+            <p:ph type="body" idx="2"/>
           </p:nvPr>
         </p:nvSpPr>
         <p:spPr>
@@ -8509,11 +8516,11 @@
           </a:prstGeom>
         </p:spPr>
         <p:txBody>
-          <a:bodyPr anchorCtr="0" anchor="t" bIns="121900" lIns="121900" spcFirstLastPara="1" rIns="121900" wrap="square" tIns="121900">
+          <a:bodyPr spcFirstLastPara="1" wrap="square" lIns="121900" tIns="121900" rIns="121900" bIns="121900" anchor="t" anchorCtr="0">
             <a:normAutofit/>
           </a:bodyPr>
           <a:lstStyle>
-            <a:lvl1pPr indent="-336550" lvl="0" marL="457200">
+            <a:lvl1pPr marL="457200" lvl="0" indent="-336550">
               <a:spcBef>
                 <a:spcPts val="0"/>
               </a:spcBef>
@@ -8524,7 +8531,7 @@
               <a:buChar char="●"/>
               <a:defRPr/>
             </a:lvl1pPr>
-            <a:lvl2pPr indent="-323850" lvl="1" marL="914400">
+            <a:lvl2pPr marL="914400" lvl="1" indent="-323850">
               <a:spcBef>
                 <a:spcPts val="0"/>
               </a:spcBef>
@@ -8535,7 +8542,7 @@
               <a:buChar char="○"/>
               <a:defRPr/>
             </a:lvl2pPr>
-            <a:lvl3pPr indent="-323850" lvl="2" marL="1371600">
+            <a:lvl3pPr marL="1371600" lvl="2" indent="-323850">
               <a:spcBef>
                 <a:spcPts val="0"/>
               </a:spcBef>
@@ -8546,7 +8553,7 @@
               <a:buChar char="■"/>
               <a:defRPr/>
             </a:lvl3pPr>
-            <a:lvl4pPr indent="-323850" lvl="3" marL="1828800">
+            <a:lvl4pPr marL="1828800" lvl="3" indent="-323850">
               <a:spcBef>
                 <a:spcPts val="0"/>
               </a:spcBef>
@@ -8557,7 +8564,7 @@
               <a:buChar char="●"/>
               <a:defRPr/>
             </a:lvl4pPr>
-            <a:lvl5pPr indent="-323850" lvl="4" marL="2286000">
+            <a:lvl5pPr marL="2286000" lvl="4" indent="-323850">
               <a:spcBef>
                 <a:spcPts val="0"/>
               </a:spcBef>
@@ -8568,7 +8575,7 @@
               <a:buChar char="○"/>
               <a:defRPr/>
             </a:lvl5pPr>
-            <a:lvl6pPr indent="-323850" lvl="5" marL="2743200">
+            <a:lvl6pPr marL="2743200" lvl="5" indent="-323850">
               <a:spcBef>
                 <a:spcPts val="0"/>
               </a:spcBef>
@@ -8579,7 +8586,7 @@
               <a:buChar char="■"/>
               <a:defRPr/>
             </a:lvl6pPr>
-            <a:lvl7pPr indent="-323850" lvl="6" marL="3200400">
+            <a:lvl7pPr marL="3200400" lvl="6" indent="-323850">
               <a:spcBef>
                 <a:spcPts val="0"/>
               </a:spcBef>
@@ -8590,7 +8597,7 @@
               <a:buChar char="●"/>
               <a:defRPr/>
             </a:lvl7pPr>
-            <a:lvl8pPr indent="-323850" lvl="7" marL="3657600">
+            <a:lvl8pPr marL="3657600" lvl="7" indent="-323850">
               <a:spcBef>
                 <a:spcPts val="0"/>
               </a:spcBef>
@@ -8601,7 +8608,7 @@
               <a:buChar char="○"/>
               <a:defRPr/>
             </a:lvl8pPr>
-            <a:lvl9pPr indent="-323850" lvl="8" marL="4114800">
+            <a:lvl9pPr marL="4114800" lvl="8" indent="-323850">
               <a:spcBef>
                 <a:spcPts val="0"/>
               </a:spcBef>
@@ -8613,15 +8620,19 @@
               <a:defRPr/>
             </a:lvl9pPr>
           </a:lstStyle>
-          <a:p/>
+          <a:p>
+            <a:endParaRPr/>
+          </a:p>
         </p:txBody>
       </p:sp>
       <p:sp>
         <p:nvSpPr>
           <p:cNvPr id="98" name="Google Shape;98;g133df9925ed_0_2428"/>
-          <p:cNvSpPr txBox="1"/>
+          <p:cNvSpPr txBox="1">
+            <a:spLocks noGrp="1"/>
+          </p:cNvSpPr>
           <p:nvPr>
-            <p:ph idx="12" type="sldNum"/>
+            <p:ph type="sldNum" idx="12"/>
           </p:nvPr>
         </p:nvSpPr>
         <p:spPr>
@@ -8634,7 +8645,7 @@
           </a:prstGeom>
         </p:spPr>
         <p:txBody>
-          <a:bodyPr anchorCtr="0" anchor="ctr" bIns="121900" lIns="121900" spcFirstLastPara="1" rIns="121900" wrap="square" tIns="121900">
+          <a:bodyPr spcFirstLastPara="1" wrap="square" lIns="121900" tIns="121900" rIns="121900" bIns="121900" anchor="ctr" anchorCtr="0">
             <a:normAutofit/>
           </a:bodyPr>
           <a:lstStyle>
@@ -8676,7 +8687,7 @@
             </a:lvl9pPr>
           </a:lstStyle>
           <a:p>
-            <a:pPr indent="0" lvl="0" marL="0" rtl="0" algn="r">
+            <a:pPr marL="0" lvl="0" indent="0" algn="r" rtl="0">
               <a:spcBef>
                 <a:spcPts val="0"/>
               </a:spcBef>
@@ -8702,11 +8713,11 @@
 </file>
 
 <file path=ppt/slideLayouts/slideLayout9.xml><?xml version="1.0" encoding="utf-8"?>
-<p:sldLayout xmlns:a="http://schemas.openxmlformats.org/drawingml/2006/main" xmlns:r="http://schemas.openxmlformats.org/officeDocument/2006/relationships" xmlns:mc="http://schemas.openxmlformats.org/markup-compatibility/2006" xmlns:mv="urn:schemas-microsoft-com:mac:vml" xmlns:p="http://schemas.openxmlformats.org/presentationml/2006/main" xmlns:c="http://schemas.openxmlformats.org/drawingml/2006/chart" xmlns:dgm="http://schemas.openxmlformats.org/drawingml/2006/diagram" xmlns:o="urn:schemas-microsoft-com:office:office" xmlns:v="urn:schemas-microsoft-com:vml" xmlns:pvml="urn:schemas-microsoft-com:office:powerpoint" xmlns:com="http://schemas.openxmlformats.org/drawingml/2006/compatibility" xmlns:p14="http://schemas.microsoft.com/office/powerpoint/2010/main" xmlns:p15="http://schemas.microsoft.com/office/powerpoint/2012/main" xmlns:ahyp="http://schemas.microsoft.com/office/drawing/2018/hyperlinkcolor" matchingName="Caption">
+<p:sldLayout xmlns:a="http://schemas.openxmlformats.org/drawingml/2006/main" xmlns:r="http://schemas.openxmlformats.org/officeDocument/2006/relationships" xmlns:p="http://schemas.openxmlformats.org/presentationml/2006/main" matchingName="Caption">
   <p:cSld name="CAPTION_ONLY">
     <p:spTree>
       <p:nvGrpSpPr>
-        <p:cNvPr id="99" name="Shape 99"/>
+        <p:cNvPr id="1" name="Shape 99"/>
         <p:cNvGrpSpPr/>
         <p:nvPr/>
       </p:nvGrpSpPr>
@@ -8745,7 +8756,7 @@
             </a:xfrm>
             <a:prstGeom prst="diagStripe">
               <a:avLst>
-                <a:gd fmla="val 50000" name="adj"/>
+                <a:gd name="adj" fmla="val 50000"/>
               </a:avLst>
             </a:prstGeom>
             <a:solidFill>
@@ -8758,12 +8769,12 @@
             </a:ln>
           </p:spPr>
           <p:txBody>
-            <a:bodyPr anchorCtr="0" anchor="ctr" bIns="121900" lIns="121900" spcFirstLastPara="1" rIns="121900" wrap="square" tIns="121900">
+            <a:bodyPr spcFirstLastPara="1" wrap="square" lIns="121900" tIns="121900" rIns="121900" bIns="121900" anchor="ctr" anchorCtr="0">
               <a:noAutofit/>
             </a:bodyPr>
             <a:lstStyle/>
             <a:p>
-              <a:pPr indent="0" lvl="0" marL="0" rtl="0" algn="l">
+              <a:pPr marL="0" lvl="0" indent="0" algn="l" rtl="0">
                 <a:spcBef>
                   <a:spcPts val="0"/>
                 </a:spcBef>
@@ -8772,9 +8783,6 @@
                 </a:spcAft>
                 <a:buNone/>
               </a:pPr>
-              <a:r>
-                <a:t/>
-              </a:r>
               <a:endParaRPr/>
             </a:p>
           </p:txBody>
@@ -8792,7 +8800,7 @@
             </a:xfrm>
             <a:prstGeom prst="diagStripe">
               <a:avLst>
-                <a:gd fmla="val 50000" name="adj"/>
+                <a:gd name="adj" fmla="val 50000"/>
               </a:avLst>
             </a:prstGeom>
             <a:solidFill>
@@ -8805,12 +8813,12 @@
             </a:ln>
           </p:spPr>
           <p:txBody>
-            <a:bodyPr anchorCtr="0" anchor="ctr" bIns="121900" lIns="121900" spcFirstLastPara="1" rIns="121900" wrap="square" tIns="121900">
+            <a:bodyPr spcFirstLastPara="1" wrap="square" lIns="121900" tIns="121900" rIns="121900" bIns="121900" anchor="ctr" anchorCtr="0">
               <a:noAutofit/>
             </a:bodyPr>
             <a:lstStyle/>
             <a:p>
-              <a:pPr indent="0" lvl="0" marL="0" rtl="0" algn="l">
+              <a:pPr marL="0" lvl="0" indent="0" algn="l" rtl="0">
                 <a:spcBef>
                   <a:spcPts val="0"/>
                 </a:spcBef>
@@ -8819,9 +8827,6 @@
                 </a:spcAft>
                 <a:buNone/>
               </a:pPr>
-              <a:r>
-                <a:t/>
-              </a:r>
               <a:endParaRPr/>
             </a:p>
           </p:txBody>
@@ -8830,9 +8835,11 @@
       <p:sp>
         <p:nvSpPr>
           <p:cNvPr id="103" name="Google Shape;103;g133df9925ed_0_2436"/>
-          <p:cNvSpPr txBox="1"/>
+          <p:cNvSpPr txBox="1">
+            <a:spLocks noGrp="1"/>
+          </p:cNvSpPr>
           <p:nvPr>
-            <p:ph idx="1" type="body"/>
+            <p:ph type="body" idx="1"/>
           </p:nvPr>
         </p:nvSpPr>
         <p:spPr>
@@ -8845,11 +8852,11 @@
           </a:prstGeom>
         </p:spPr>
         <p:txBody>
-          <a:bodyPr anchorCtr="0" anchor="ctr" bIns="121900" lIns="121900" spcFirstLastPara="1" rIns="121900" wrap="square" tIns="121900">
+          <a:bodyPr spcFirstLastPara="1" wrap="square" lIns="121900" tIns="121900" rIns="121900" bIns="121900" anchor="ctr" anchorCtr="0">
             <a:normAutofit/>
           </a:bodyPr>
           <a:lstStyle>
-            <a:lvl1pPr indent="-228600" lvl="0" marL="457200">
+            <a:lvl1pPr marL="457200" lvl="0" indent="-228600">
               <a:lnSpc>
                 <a:spcPct val="100000"/>
               </a:lnSpc>
@@ -8864,15 +8871,19 @@
               <a:defRPr/>
             </a:lvl1pPr>
           </a:lstStyle>
-          <a:p/>
+          <a:p>
+            <a:endParaRPr/>
+          </a:p>
         </p:txBody>
       </p:sp>
       <p:sp>
         <p:nvSpPr>
           <p:cNvPr id="104" name="Google Shape;104;g133df9925ed_0_2436"/>
-          <p:cNvSpPr txBox="1"/>
+          <p:cNvSpPr txBox="1">
+            <a:spLocks noGrp="1"/>
+          </p:cNvSpPr>
           <p:nvPr>
-            <p:ph idx="12" type="sldNum"/>
+            <p:ph type="sldNum" idx="12"/>
           </p:nvPr>
         </p:nvSpPr>
         <p:spPr>
@@ -8885,7 +8896,7 @@
           </a:prstGeom>
         </p:spPr>
         <p:txBody>
-          <a:bodyPr anchorCtr="0" anchor="ctr" bIns="121900" lIns="121900" spcFirstLastPara="1" rIns="121900" wrap="square" tIns="121900">
+          <a:bodyPr spcFirstLastPara="1" wrap="square" lIns="121900" tIns="121900" rIns="121900" bIns="121900" anchor="ctr" anchorCtr="0">
             <a:normAutofit/>
           </a:bodyPr>
           <a:lstStyle>
@@ -8927,7 +8938,7 @@
             </a:lvl9pPr>
           </a:lstStyle>
           <a:p>
-            <a:pPr indent="0" lvl="0" marL="0" rtl="0" algn="r">
+            <a:pPr marL="0" lvl="0" indent="0" algn="r" rtl="0">
               <a:spcBef>
                 <a:spcPts val="0"/>
               </a:spcBef>
@@ -8953,18 +8964,19 @@
 </file>
 
 <file path=ppt/slideMasters/slideMaster1.xml><?xml version="1.0" encoding="utf-8"?>
-<p:sldMaster xmlns:a="http://schemas.openxmlformats.org/drawingml/2006/main" xmlns:r="http://schemas.openxmlformats.org/officeDocument/2006/relationships" xmlns:mc="http://schemas.openxmlformats.org/markup-compatibility/2006" xmlns:mv="urn:schemas-microsoft-com:mac:vml" xmlns:p="http://schemas.openxmlformats.org/presentationml/2006/main" xmlns:c="http://schemas.openxmlformats.org/drawingml/2006/chart" xmlns:dgm="http://schemas.openxmlformats.org/drawingml/2006/diagram" xmlns:o="urn:schemas-microsoft-com:office:office" xmlns:v="urn:schemas-microsoft-com:vml" xmlns:pvml="urn:schemas-microsoft-com:office:powerpoint" xmlns:com="http://schemas.openxmlformats.org/drawingml/2006/compatibility" xmlns:p14="http://schemas.microsoft.com/office/powerpoint/2010/main" xmlns:p15="http://schemas.microsoft.com/office/powerpoint/2012/main" xmlns:ahyp="http://schemas.microsoft.com/office/drawing/2018/hyperlinkcolor">
+<p:sldMaster xmlns:a="http://schemas.openxmlformats.org/drawingml/2006/main" xmlns:r="http://schemas.openxmlformats.org/officeDocument/2006/relationships" xmlns:p="http://schemas.openxmlformats.org/presentationml/2006/main">
   <p:cSld name="focus">
     <p:bg>
       <p:bgPr>
         <a:solidFill>
           <a:schemeClr val="dk1"/>
         </a:solidFill>
+        <a:effectLst/>
       </p:bgPr>
     </p:bg>
     <p:spTree>
       <p:nvGrpSpPr>
-        <p:cNvPr id="5" name="Shape 5"/>
+        <p:cNvPr id="1" name="Shape 5"/>
         <p:cNvGrpSpPr/>
         <p:nvPr/>
       </p:nvGrpSpPr>
@@ -8979,7 +8991,9 @@
       <p:sp>
         <p:nvSpPr>
           <p:cNvPr id="6" name="Google Shape;6;g133df9925ed_0_2342"/>
-          <p:cNvSpPr txBox="1"/>
+          <p:cNvSpPr txBox="1">
+            <a:spLocks noGrp="1"/>
+          </p:cNvSpPr>
           <p:nvPr>
             <p:ph type="title"/>
           </p:nvPr>
@@ -8998,7 +9012,7 @@
           </a:ln>
         </p:spPr>
         <p:txBody>
-          <a:bodyPr anchorCtr="0" anchor="t" bIns="121900" lIns="121900" spcFirstLastPara="1" rIns="121900" wrap="square" tIns="121900">
+          <a:bodyPr spcFirstLastPara="1" wrap="square" lIns="121900" tIns="121900" rIns="121900" bIns="121900" anchor="t" anchorCtr="0">
             <a:normAutofit/>
           </a:bodyPr>
           <a:lstStyle>
@@ -9210,15 +9224,19 @@
               </a:defRPr>
             </a:lvl9pPr>
           </a:lstStyle>
-          <a:p/>
+          <a:p>
+            <a:endParaRPr/>
+          </a:p>
         </p:txBody>
       </p:sp>
       <p:sp>
         <p:nvSpPr>
           <p:cNvPr id="7" name="Google Shape;7;g133df9925ed_0_2342"/>
-          <p:cNvSpPr txBox="1"/>
+          <p:cNvSpPr txBox="1">
+            <a:spLocks noGrp="1"/>
+          </p:cNvSpPr>
           <p:nvPr>
-            <p:ph idx="1" type="body"/>
+            <p:ph type="body" idx="1"/>
           </p:nvPr>
         </p:nvSpPr>
         <p:spPr>
@@ -9235,11 +9253,11 @@
           </a:ln>
         </p:spPr>
         <p:txBody>
-          <a:bodyPr anchorCtr="0" anchor="t" bIns="121900" lIns="121900" spcFirstLastPara="1" rIns="121900" wrap="square" tIns="121900">
+          <a:bodyPr spcFirstLastPara="1" wrap="square" lIns="121900" tIns="121900" rIns="121900" bIns="121900" anchor="t" anchorCtr="0">
             <a:normAutofit/>
           </a:bodyPr>
           <a:lstStyle>
-            <a:lvl1pPr indent="-336550" lvl="0" marL="457200">
+            <a:lvl1pPr marL="457200" lvl="0" indent="-336550">
               <a:lnSpc>
                 <a:spcPct val="115000"/>
               </a:lnSpc>
@@ -9265,7 +9283,7 @@
                 <a:sym typeface="Lato"/>
               </a:defRPr>
             </a:lvl1pPr>
-            <a:lvl2pPr indent="-323850" lvl="1" marL="914400">
+            <a:lvl2pPr marL="914400" lvl="1" indent="-323850">
               <a:lnSpc>
                 <a:spcPct val="115000"/>
               </a:lnSpc>
@@ -9291,7 +9309,7 @@
                 <a:sym typeface="Lato"/>
               </a:defRPr>
             </a:lvl2pPr>
-            <a:lvl3pPr indent="-323850" lvl="2" marL="1371600">
+            <a:lvl3pPr marL="1371600" lvl="2" indent="-323850">
               <a:lnSpc>
                 <a:spcPct val="115000"/>
               </a:lnSpc>
@@ -9317,7 +9335,7 @@
                 <a:sym typeface="Lato"/>
               </a:defRPr>
             </a:lvl3pPr>
-            <a:lvl4pPr indent="-323850" lvl="3" marL="1828800">
+            <a:lvl4pPr marL="1828800" lvl="3" indent="-323850">
               <a:lnSpc>
                 <a:spcPct val="115000"/>
               </a:lnSpc>
@@ -9343,7 +9361,7 @@
                 <a:sym typeface="Lato"/>
               </a:defRPr>
             </a:lvl4pPr>
-            <a:lvl5pPr indent="-323850" lvl="4" marL="2286000">
+            <a:lvl5pPr marL="2286000" lvl="4" indent="-323850">
               <a:lnSpc>
                 <a:spcPct val="115000"/>
               </a:lnSpc>
@@ -9369,7 +9387,7 @@
                 <a:sym typeface="Lato"/>
               </a:defRPr>
             </a:lvl5pPr>
-            <a:lvl6pPr indent="-323850" lvl="5" marL="2743200">
+            <a:lvl6pPr marL="2743200" lvl="5" indent="-323850">
               <a:lnSpc>
                 <a:spcPct val="115000"/>
               </a:lnSpc>
@@ -9395,7 +9413,7 @@
                 <a:sym typeface="Lato"/>
               </a:defRPr>
             </a:lvl6pPr>
-            <a:lvl7pPr indent="-323850" lvl="6" marL="3200400">
+            <a:lvl7pPr marL="3200400" lvl="6" indent="-323850">
               <a:lnSpc>
                 <a:spcPct val="115000"/>
               </a:lnSpc>
@@ -9421,7 +9439,7 @@
                 <a:sym typeface="Lato"/>
               </a:defRPr>
             </a:lvl7pPr>
-            <a:lvl8pPr indent="-323850" lvl="7" marL="3657600">
+            <a:lvl8pPr marL="3657600" lvl="7" indent="-323850">
               <a:lnSpc>
                 <a:spcPct val="115000"/>
               </a:lnSpc>
@@ -9447,7 +9465,7 @@
                 <a:sym typeface="Lato"/>
               </a:defRPr>
             </a:lvl8pPr>
-            <a:lvl9pPr indent="-323850" lvl="8" marL="4114800">
+            <a:lvl9pPr marL="4114800" lvl="8" indent="-323850">
               <a:lnSpc>
                 <a:spcPct val="115000"/>
               </a:lnSpc>
@@ -9474,15 +9492,19 @@
               </a:defRPr>
             </a:lvl9pPr>
           </a:lstStyle>
-          <a:p/>
+          <a:p>
+            <a:endParaRPr/>
+          </a:p>
         </p:txBody>
       </p:sp>
       <p:sp>
         <p:nvSpPr>
           <p:cNvPr id="8" name="Google Shape;8;g133df9925ed_0_2342"/>
-          <p:cNvSpPr txBox="1"/>
+          <p:cNvSpPr txBox="1">
+            <a:spLocks noGrp="1"/>
+          </p:cNvSpPr>
           <p:nvPr>
-            <p:ph idx="12" type="sldNum"/>
+            <p:ph type="sldNum" idx="12"/>
           </p:nvPr>
         </p:nvSpPr>
         <p:spPr>
@@ -9499,7 +9521,7 @@
           </a:ln>
         </p:spPr>
         <p:txBody>
-          <a:bodyPr anchorCtr="0" anchor="ctr" bIns="121900" lIns="121900" spcFirstLastPara="1" rIns="121900" wrap="square" tIns="121900">
+          <a:bodyPr spcFirstLastPara="1" wrap="square" lIns="121900" tIns="121900" rIns="121900" bIns="121900" anchor="ctr" anchorCtr="0">
             <a:normAutofit/>
           </a:bodyPr>
           <a:lstStyle>
@@ -9613,7 +9635,7 @@
             </a:lvl9pPr>
           </a:lstStyle>
           <a:p>
-            <a:pPr indent="0" lvl="0" marL="0" rtl="0" algn="r">
+            <a:pPr marL="0" lvl="0" indent="0" algn="r" rtl="0">
               <a:spcBef>
                 <a:spcPts val="0"/>
               </a:spcBef>
@@ -9632,7 +9654,7 @@
       </p:sp>
     </p:spTree>
   </p:cSld>
-  <p:clrMap accent1="accent1" accent2="accent2" accent3="accent3" accent4="accent4" accent5="accent5" accent6="accent6" bg1="lt1" bg2="dk2" tx1="dk1" tx2="lt2" folHlink="folHlink" hlink="hlink"/>
+  <p:clrMap bg1="lt1" tx1="dk1" bg2="dk2" tx2="lt2" accent1="accent1" accent2="accent2" accent3="accent3" accent4="accent4" accent5="accent5" accent6="accent6" hlink="hlink" folHlink="folHlink"/>
   <p:sldLayoutIdLst>
     <p:sldLayoutId id="2147483649" r:id="rId1"/>
     <p:sldLayoutId id="2147483650" r:id="rId2"/>
@@ -9647,10 +9669,10 @@
     <p:sldLayoutId id="2147483659" r:id="rId11"/>
     <p:sldLayoutId id="2147483660" r:id="rId12"/>
   </p:sldLayoutIdLst>
-  <p:hf dt="0" ftr="0" hdr="0" sldNum="0"/>
+  <p:hf sldNum="0" hdr="0" ftr="0" dt="0"/>
   <p:txStyles>
     <p:titleStyle>
-      <a:defPPr lvl="0" marR="0" rtl="0" algn="l">
+      <a:defPPr marR="0" lvl="0" algn="l" rtl="0">
         <a:lnSpc>
           <a:spcPct val="100000"/>
         </a:lnSpc>
@@ -9661,7 +9683,7 @@
           <a:spcPts val="0"/>
         </a:spcAft>
       </a:defPPr>
-      <a:lvl1pPr lvl="0" marR="0" rtl="0" algn="l">
+      <a:lvl1pPr marR="0" lvl="0" algn="l" rtl="0">
         <a:lnSpc>
           <a:spcPct val="100000"/>
         </a:lnSpc>
@@ -9675,7 +9697,7 @@
           <a:srgbClr val="000000"/>
         </a:buClr>
         <a:buFont typeface="Arial"/>
-        <a:defRPr b="0" i="0" sz="1400" u="none" cap="none" strike="noStrike">
+        <a:defRPr sz="1400" b="0" i="0" u="none" strike="noStrike" cap="none">
           <a:solidFill>
             <a:srgbClr val="000000"/>
           </a:solidFill>
@@ -9685,7 +9707,7 @@
           <a:sym typeface="Arial"/>
         </a:defRPr>
       </a:lvl1pPr>
-      <a:lvl2pPr lvl="1" marR="0" rtl="0" algn="l">
+      <a:lvl2pPr marR="0" lvl="1" algn="l" rtl="0">
         <a:lnSpc>
           <a:spcPct val="100000"/>
         </a:lnSpc>
@@ -9699,7 +9721,7 @@
           <a:srgbClr val="000000"/>
         </a:buClr>
         <a:buFont typeface="Arial"/>
-        <a:defRPr b="0" i="0" sz="1400" u="none" cap="none" strike="noStrike">
+        <a:defRPr sz="1400" b="0" i="0" u="none" strike="noStrike" cap="none">
           <a:solidFill>
             <a:srgbClr val="000000"/>
           </a:solidFill>
@@ -9709,7 +9731,7 @@
           <a:sym typeface="Arial"/>
         </a:defRPr>
       </a:lvl2pPr>
-      <a:lvl3pPr lvl="2" marR="0" rtl="0" algn="l">
+      <a:lvl3pPr marR="0" lvl="2" algn="l" rtl="0">
         <a:lnSpc>
           <a:spcPct val="100000"/>
         </a:lnSpc>
@@ -9723,7 +9745,7 @@
           <a:srgbClr val="000000"/>
         </a:buClr>
         <a:buFont typeface="Arial"/>
-        <a:defRPr b="0" i="0" sz="1400" u="none" cap="none" strike="noStrike">
+        <a:defRPr sz="1400" b="0" i="0" u="none" strike="noStrike" cap="none">
           <a:solidFill>
             <a:srgbClr val="000000"/>
           </a:solidFill>
@@ -9733,7 +9755,7 @@
           <a:sym typeface="Arial"/>
         </a:defRPr>
       </a:lvl3pPr>
-      <a:lvl4pPr lvl="3" marR="0" rtl="0" algn="l">
+      <a:lvl4pPr marR="0" lvl="3" algn="l" rtl="0">
         <a:lnSpc>
           <a:spcPct val="100000"/>
         </a:lnSpc>
@@ -9747,7 +9769,7 @@
           <a:srgbClr val="000000"/>
         </a:buClr>
         <a:buFont typeface="Arial"/>
-        <a:defRPr b="0" i="0" sz="1400" u="none" cap="none" strike="noStrike">
+        <a:defRPr sz="1400" b="0" i="0" u="none" strike="noStrike" cap="none">
           <a:solidFill>
             <a:srgbClr val="000000"/>
           </a:solidFill>
@@ -9757,7 +9779,7 @@
           <a:sym typeface="Arial"/>
         </a:defRPr>
       </a:lvl4pPr>
-      <a:lvl5pPr lvl="4" marR="0" rtl="0" algn="l">
+      <a:lvl5pPr marR="0" lvl="4" algn="l" rtl="0">
         <a:lnSpc>
           <a:spcPct val="100000"/>
         </a:lnSpc>
@@ -9771,7 +9793,7 @@
           <a:srgbClr val="000000"/>
         </a:buClr>
         <a:buFont typeface="Arial"/>
-        <a:defRPr b="0" i="0" sz="1400" u="none" cap="none" strike="noStrike">
+        <a:defRPr sz="1400" b="0" i="0" u="none" strike="noStrike" cap="none">
           <a:solidFill>
             <a:srgbClr val="000000"/>
           </a:solidFill>
@@ -9781,7 +9803,7 @@
           <a:sym typeface="Arial"/>
         </a:defRPr>
       </a:lvl5pPr>
-      <a:lvl6pPr lvl="5" marR="0" rtl="0" algn="l">
+      <a:lvl6pPr marR="0" lvl="5" algn="l" rtl="0">
         <a:lnSpc>
           <a:spcPct val="100000"/>
         </a:lnSpc>
@@ -9795,7 +9817,7 @@
           <a:srgbClr val="000000"/>
         </a:buClr>
         <a:buFont typeface="Arial"/>
-        <a:defRPr b="0" i="0" sz="1400" u="none" cap="none" strike="noStrike">
+        <a:defRPr sz="1400" b="0" i="0" u="none" strike="noStrike" cap="none">
           <a:solidFill>
             <a:srgbClr val="000000"/>
           </a:solidFill>
@@ -9805,7 +9827,7 @@
           <a:sym typeface="Arial"/>
         </a:defRPr>
       </a:lvl6pPr>
-      <a:lvl7pPr lvl="6" marR="0" rtl="0" algn="l">
+      <a:lvl7pPr marR="0" lvl="6" algn="l" rtl="0">
         <a:lnSpc>
           <a:spcPct val="100000"/>
         </a:lnSpc>
@@ -9819,7 +9841,7 @@
           <a:srgbClr val="000000"/>
         </a:buClr>
         <a:buFont typeface="Arial"/>
-        <a:defRPr b="0" i="0" sz="1400" u="none" cap="none" strike="noStrike">
+        <a:defRPr sz="1400" b="0" i="0" u="none" strike="noStrike" cap="none">
           <a:solidFill>
             <a:srgbClr val="000000"/>
           </a:solidFill>
@@ -9829,7 +9851,7 @@
           <a:sym typeface="Arial"/>
         </a:defRPr>
       </a:lvl7pPr>
-      <a:lvl8pPr lvl="7" marR="0" rtl="0" algn="l">
+      <a:lvl8pPr marR="0" lvl="7" algn="l" rtl="0">
         <a:lnSpc>
           <a:spcPct val="100000"/>
         </a:lnSpc>
@@ -9843,7 +9865,7 @@
           <a:srgbClr val="000000"/>
         </a:buClr>
         <a:buFont typeface="Arial"/>
-        <a:defRPr b="0" i="0" sz="1400" u="none" cap="none" strike="noStrike">
+        <a:defRPr sz="1400" b="0" i="0" u="none" strike="noStrike" cap="none">
           <a:solidFill>
             <a:srgbClr val="000000"/>
           </a:solidFill>
@@ -9853,7 +9875,7 @@
           <a:sym typeface="Arial"/>
         </a:defRPr>
       </a:lvl8pPr>
-      <a:lvl9pPr lvl="8" marR="0" rtl="0" algn="l">
+      <a:lvl9pPr marR="0" lvl="8" algn="l" rtl="0">
         <a:lnSpc>
           <a:spcPct val="100000"/>
         </a:lnSpc>
@@ -9867,7 +9889,7 @@
           <a:srgbClr val="000000"/>
         </a:buClr>
         <a:buFont typeface="Arial"/>
-        <a:defRPr b="0" i="0" sz="1400" u="none" cap="none" strike="noStrike">
+        <a:defRPr sz="1400" b="0" i="0" u="none" strike="noStrike" cap="none">
           <a:solidFill>
             <a:srgbClr val="000000"/>
           </a:solidFill>
@@ -9879,7 +9901,7 @@
       </a:lvl9pPr>
     </p:titleStyle>
     <p:bodyStyle>
-      <a:defPPr lvl="0" marR="0" rtl="0" algn="l">
+      <a:defPPr marR="0" lvl="0" algn="l" rtl="0">
         <a:lnSpc>
           <a:spcPct val="100000"/>
         </a:lnSpc>
@@ -9890,7 +9912,7 @@
           <a:spcPts val="0"/>
         </a:spcAft>
       </a:defPPr>
-      <a:lvl1pPr lvl="0" marR="0" rtl="0" algn="l">
+      <a:lvl1pPr marR="0" lvl="0" algn="l" rtl="0">
         <a:lnSpc>
           <a:spcPct val="100000"/>
         </a:lnSpc>
@@ -9904,7 +9926,7 @@
           <a:srgbClr val="000000"/>
         </a:buClr>
         <a:buFont typeface="Arial"/>
-        <a:defRPr b="0" i="0" sz="1400" u="none" cap="none" strike="noStrike">
+        <a:defRPr sz="1400" b="0" i="0" u="none" strike="noStrike" cap="none">
           <a:solidFill>
             <a:srgbClr val="000000"/>
           </a:solidFill>
@@ -9914,7 +9936,7 @@
           <a:sym typeface="Arial"/>
         </a:defRPr>
       </a:lvl1pPr>
-      <a:lvl2pPr lvl="1" marR="0" rtl="0" algn="l">
+      <a:lvl2pPr marR="0" lvl="1" algn="l" rtl="0">
         <a:lnSpc>
           <a:spcPct val="100000"/>
         </a:lnSpc>
@@ -9928,7 +9950,7 @@
           <a:srgbClr val="000000"/>
         </a:buClr>
         <a:buFont typeface="Arial"/>
-        <a:defRPr b="0" i="0" sz="1400" u="none" cap="none" strike="noStrike">
+        <a:defRPr sz="1400" b="0" i="0" u="none" strike="noStrike" cap="none">
           <a:solidFill>
             <a:srgbClr val="000000"/>
           </a:solidFill>
@@ -9938,7 +9960,7 @@
           <a:sym typeface="Arial"/>
         </a:defRPr>
       </a:lvl2pPr>
-      <a:lvl3pPr lvl="2" marR="0" rtl="0" algn="l">
+      <a:lvl3pPr marR="0" lvl="2" algn="l" rtl="0">
         <a:lnSpc>
           <a:spcPct val="100000"/>
         </a:lnSpc>
@@ -9952,7 +9974,7 @@
           <a:srgbClr val="000000"/>
         </a:buClr>
         <a:buFont typeface="Arial"/>
-        <a:defRPr b="0" i="0" sz="1400" u="none" cap="none" strike="noStrike">
+        <a:defRPr sz="1400" b="0" i="0" u="none" strike="noStrike" cap="none">
           <a:solidFill>
             <a:srgbClr val="000000"/>
           </a:solidFill>
@@ -9962,7 +9984,7 @@
           <a:sym typeface="Arial"/>
         </a:defRPr>
       </a:lvl3pPr>
-      <a:lvl4pPr lvl="3" marR="0" rtl="0" algn="l">
+      <a:lvl4pPr marR="0" lvl="3" algn="l" rtl="0">
         <a:lnSpc>
           <a:spcPct val="100000"/>
         </a:lnSpc>
@@ -9976,7 +9998,7 @@
           <a:srgbClr val="000000"/>
         </a:buClr>
         <a:buFont typeface="Arial"/>
-        <a:defRPr b="0" i="0" sz="1400" u="none" cap="none" strike="noStrike">
+        <a:defRPr sz="1400" b="0" i="0" u="none" strike="noStrike" cap="none">
           <a:solidFill>
             <a:srgbClr val="000000"/>
           </a:solidFill>
@@ -9986,7 +10008,7 @@
           <a:sym typeface="Arial"/>
         </a:defRPr>
       </a:lvl4pPr>
-      <a:lvl5pPr lvl="4" marR="0" rtl="0" algn="l">
+      <a:lvl5pPr marR="0" lvl="4" algn="l" rtl="0">
         <a:lnSpc>
           <a:spcPct val="100000"/>
         </a:lnSpc>
@@ -10000,7 +10022,7 @@
           <a:srgbClr val="000000"/>
         </a:buClr>
         <a:buFont typeface="Arial"/>
-        <a:defRPr b="0" i="0" sz="1400" u="none" cap="none" strike="noStrike">
+        <a:defRPr sz="1400" b="0" i="0" u="none" strike="noStrike" cap="none">
           <a:solidFill>
             <a:srgbClr val="000000"/>
           </a:solidFill>
@@ -10010,7 +10032,7 @@
           <a:sym typeface="Arial"/>
         </a:defRPr>
       </a:lvl5pPr>
-      <a:lvl6pPr lvl="5" marR="0" rtl="0" algn="l">
+      <a:lvl6pPr marR="0" lvl="5" algn="l" rtl="0">
         <a:lnSpc>
           <a:spcPct val="100000"/>
         </a:lnSpc>
@@ -10024,7 +10046,7 @@
           <a:srgbClr val="000000"/>
         </a:buClr>
         <a:buFont typeface="Arial"/>
-        <a:defRPr b="0" i="0" sz="1400" u="none" cap="none" strike="noStrike">
+        <a:defRPr sz="1400" b="0" i="0" u="none" strike="noStrike" cap="none">
           <a:solidFill>
             <a:srgbClr val="000000"/>
           </a:solidFill>
@@ -10034,7 +10056,7 @@
           <a:sym typeface="Arial"/>
         </a:defRPr>
       </a:lvl6pPr>
-      <a:lvl7pPr lvl="6" marR="0" rtl="0" algn="l">
+      <a:lvl7pPr marR="0" lvl="6" algn="l" rtl="0">
         <a:lnSpc>
           <a:spcPct val="100000"/>
         </a:lnSpc>
@@ -10048,7 +10070,7 @@
           <a:srgbClr val="000000"/>
         </a:buClr>
         <a:buFont typeface="Arial"/>
-        <a:defRPr b="0" i="0" sz="1400" u="none" cap="none" strike="noStrike">
+        <a:defRPr sz="1400" b="0" i="0" u="none" strike="noStrike" cap="none">
           <a:solidFill>
             <a:srgbClr val="000000"/>
           </a:solidFill>
@@ -10058,7 +10080,7 @@
           <a:sym typeface="Arial"/>
         </a:defRPr>
       </a:lvl7pPr>
-      <a:lvl8pPr lvl="7" marR="0" rtl="0" algn="l">
+      <a:lvl8pPr marR="0" lvl="7" algn="l" rtl="0">
         <a:lnSpc>
           <a:spcPct val="100000"/>
         </a:lnSpc>
@@ -10072,7 +10094,7 @@
           <a:srgbClr val="000000"/>
         </a:buClr>
         <a:buFont typeface="Arial"/>
-        <a:defRPr b="0" i="0" sz="1400" u="none" cap="none" strike="noStrike">
+        <a:defRPr sz="1400" b="0" i="0" u="none" strike="noStrike" cap="none">
           <a:solidFill>
             <a:srgbClr val="000000"/>
           </a:solidFill>
@@ -10082,7 +10104,7 @@
           <a:sym typeface="Arial"/>
         </a:defRPr>
       </a:lvl8pPr>
-      <a:lvl9pPr lvl="8" marR="0" rtl="0" algn="l">
+      <a:lvl9pPr marR="0" lvl="8" algn="l" rtl="0">
         <a:lnSpc>
           <a:spcPct val="100000"/>
         </a:lnSpc>
@@ -10096,7 +10118,7 @@
           <a:srgbClr val="000000"/>
         </a:buClr>
         <a:buFont typeface="Arial"/>
-        <a:defRPr b="0" i="0" sz="1400" u="none" cap="none" strike="noStrike">
+        <a:defRPr sz="1400" b="0" i="0" u="none" strike="noStrike" cap="none">
           <a:solidFill>
             <a:srgbClr val="000000"/>
           </a:solidFill>
@@ -10108,7 +10130,7 @@
       </a:lvl9pPr>
     </p:bodyStyle>
     <p:otherStyle>
-      <a:defPPr lvl="0" marR="0" rtl="0" algn="l">
+      <a:defPPr marR="0" lvl="0" algn="l" rtl="0">
         <a:lnSpc>
           <a:spcPct val="100000"/>
         </a:lnSpc>
@@ -10119,7 +10141,7 @@
           <a:spcPts val="0"/>
         </a:spcAft>
       </a:defPPr>
-      <a:lvl1pPr lvl="0" marR="0" rtl="0" algn="l">
+      <a:lvl1pPr marR="0" lvl="0" algn="l" rtl="0">
         <a:lnSpc>
           <a:spcPct val="100000"/>
         </a:lnSpc>
@@ -10133,7 +10155,7 @@
           <a:srgbClr val="000000"/>
         </a:buClr>
         <a:buFont typeface="Arial"/>
-        <a:defRPr b="0" i="0" sz="1400" u="none" cap="none" strike="noStrike">
+        <a:defRPr sz="1400" b="0" i="0" u="none" strike="noStrike" cap="none">
           <a:solidFill>
             <a:srgbClr val="000000"/>
           </a:solidFill>
@@ -10143,7 +10165,7 @@
           <a:sym typeface="Arial"/>
         </a:defRPr>
       </a:lvl1pPr>
-      <a:lvl2pPr lvl="1" marR="0" rtl="0" algn="l">
+      <a:lvl2pPr marR="0" lvl="1" algn="l" rtl="0">
         <a:lnSpc>
           <a:spcPct val="100000"/>
         </a:lnSpc>
@@ -10157,7 +10179,7 @@
           <a:srgbClr val="000000"/>
         </a:buClr>
         <a:buFont typeface="Arial"/>
-        <a:defRPr b="0" i="0" sz="1400" u="none" cap="none" strike="noStrike">
+        <a:defRPr sz="1400" b="0" i="0" u="none" strike="noStrike" cap="none">
           <a:solidFill>
             <a:srgbClr val="000000"/>
           </a:solidFill>
@@ -10167,7 +10189,7 @@
           <a:sym typeface="Arial"/>
         </a:defRPr>
       </a:lvl2pPr>
-      <a:lvl3pPr lvl="2" marR="0" rtl="0" algn="l">
+      <a:lvl3pPr marR="0" lvl="2" algn="l" rtl="0">
         <a:lnSpc>
           <a:spcPct val="100000"/>
         </a:lnSpc>
@@ -10181,7 +10203,7 @@
           <a:srgbClr val="000000"/>
         </a:buClr>
         <a:buFont typeface="Arial"/>
-        <a:defRPr b="0" i="0" sz="1400" u="none" cap="none" strike="noStrike">
+        <a:defRPr sz="1400" b="0" i="0" u="none" strike="noStrike" cap="none">
           <a:solidFill>
             <a:srgbClr val="000000"/>
           </a:solidFill>
@@ -10191,7 +10213,7 @@
           <a:sym typeface="Arial"/>
         </a:defRPr>
       </a:lvl3pPr>
-      <a:lvl4pPr lvl="3" marR="0" rtl="0" algn="l">
+      <a:lvl4pPr marR="0" lvl="3" algn="l" rtl="0">
         <a:lnSpc>
           <a:spcPct val="100000"/>
         </a:lnSpc>
@@ -10205,7 +10227,7 @@
           <a:srgbClr val="000000"/>
         </a:buClr>
         <a:buFont typeface="Arial"/>
-        <a:defRPr b="0" i="0" sz="1400" u="none" cap="none" strike="noStrike">
+        <a:defRPr sz="1400" b="0" i="0" u="none" strike="noStrike" cap="none">
           <a:solidFill>
             <a:srgbClr val="000000"/>
           </a:solidFill>
@@ -10215,7 +10237,7 @@
           <a:sym typeface="Arial"/>
         </a:defRPr>
       </a:lvl4pPr>
-      <a:lvl5pPr lvl="4" marR="0" rtl="0" algn="l">
+      <a:lvl5pPr marR="0" lvl="4" algn="l" rtl="0">
         <a:lnSpc>
           <a:spcPct val="100000"/>
         </a:lnSpc>
@@ -10229,7 +10251,7 @@
           <a:srgbClr val="000000"/>
         </a:buClr>
         <a:buFont typeface="Arial"/>
-        <a:defRPr b="0" i="0" sz="1400" u="none" cap="none" strike="noStrike">
+        <a:defRPr sz="1400" b="0" i="0" u="none" strike="noStrike" cap="none">
           <a:solidFill>
             <a:srgbClr val="000000"/>
           </a:solidFill>
@@ -10239,7 +10261,7 @@
           <a:sym typeface="Arial"/>
         </a:defRPr>
       </a:lvl5pPr>
-      <a:lvl6pPr lvl="5" marR="0" rtl="0" algn="l">
+      <a:lvl6pPr marR="0" lvl="5" algn="l" rtl="0">
         <a:lnSpc>
           <a:spcPct val="100000"/>
         </a:lnSpc>
@@ -10253,7 +10275,7 @@
           <a:srgbClr val="000000"/>
         </a:buClr>
         <a:buFont typeface="Arial"/>
-        <a:defRPr b="0" i="0" sz="1400" u="none" cap="none" strike="noStrike">
+        <a:defRPr sz="1400" b="0" i="0" u="none" strike="noStrike" cap="none">
           <a:solidFill>
             <a:srgbClr val="000000"/>
           </a:solidFill>
@@ -10263,7 +10285,7 @@
           <a:sym typeface="Arial"/>
         </a:defRPr>
       </a:lvl6pPr>
-      <a:lvl7pPr lvl="6" marR="0" rtl="0" algn="l">
+      <a:lvl7pPr marR="0" lvl="6" algn="l" rtl="0">
         <a:lnSpc>
           <a:spcPct val="100000"/>
         </a:lnSpc>
@@ -10277,7 +10299,7 @@
           <a:srgbClr val="000000"/>
         </a:buClr>
         <a:buFont typeface="Arial"/>
-        <a:defRPr b="0" i="0" sz="1400" u="none" cap="none" strike="noStrike">
+        <a:defRPr sz="1400" b="0" i="0" u="none" strike="noStrike" cap="none">
           <a:solidFill>
             <a:srgbClr val="000000"/>
           </a:solidFill>
@@ -10287,7 +10309,7 @@
           <a:sym typeface="Arial"/>
         </a:defRPr>
       </a:lvl7pPr>
-      <a:lvl8pPr lvl="7" marR="0" rtl="0" algn="l">
+      <a:lvl8pPr marR="0" lvl="7" algn="l" rtl="0">
         <a:lnSpc>
           <a:spcPct val="100000"/>
         </a:lnSpc>
@@ -10301,7 +10323,7 @@
           <a:srgbClr val="000000"/>
         </a:buClr>
         <a:buFont typeface="Arial"/>
-        <a:defRPr b="0" i="0" sz="1400" u="none" cap="none" strike="noStrike">
+        <a:defRPr sz="1400" b="0" i="0" u="none" strike="noStrike" cap="none">
           <a:solidFill>
             <a:srgbClr val="000000"/>
           </a:solidFill>
@@ -10311,7 +10333,7 @@
           <a:sym typeface="Arial"/>
         </a:defRPr>
       </a:lvl8pPr>
-      <a:lvl9pPr lvl="8" marR="0" rtl="0" algn="l">
+      <a:lvl9pPr marR="0" lvl="8" algn="l" rtl="0">
         <a:lnSpc>
           <a:spcPct val="100000"/>
         </a:lnSpc>
@@ -10325,7 +10347,7 @@
           <a:srgbClr val="000000"/>
         </a:buClr>
         <a:buFont typeface="Arial"/>
-        <a:defRPr b="0" i="0" sz="1400" u="none" cap="none" strike="noStrike">
+        <a:defRPr sz="1400" b="0" i="0" u="none" strike="noStrike" cap="none">
           <a:solidFill>
             <a:srgbClr val="000000"/>
           </a:solidFill>
@@ -10341,11 +10363,11 @@
 </file>
 
 <file path=ppt/slides/slide1.xml><?xml version="1.0" encoding="utf-8"?>
-<p:sld xmlns:a="http://schemas.openxmlformats.org/drawingml/2006/main" xmlns:r="http://schemas.openxmlformats.org/officeDocument/2006/relationships" xmlns:mc="http://schemas.openxmlformats.org/markup-compatibility/2006" xmlns:mv="urn:schemas-microsoft-com:mac:vml" xmlns:p="http://schemas.openxmlformats.org/presentationml/2006/main" xmlns:c="http://schemas.openxmlformats.org/drawingml/2006/chart" xmlns:dgm="http://schemas.openxmlformats.org/drawingml/2006/diagram" xmlns:o="urn:schemas-microsoft-com:office:office" xmlns:v="urn:schemas-microsoft-com:vml" xmlns:pvml="urn:schemas-microsoft-com:office:powerpoint" xmlns:com="http://schemas.openxmlformats.org/drawingml/2006/compatibility" xmlns:p14="http://schemas.microsoft.com/office/powerpoint/2010/main" xmlns:p15="http://schemas.microsoft.com/office/powerpoint/2012/main" xmlns:ahyp="http://schemas.microsoft.com/office/drawing/2018/hyperlinkcolor">
+<p:sld xmlns:a="http://schemas.openxmlformats.org/drawingml/2006/main" xmlns:r="http://schemas.openxmlformats.org/officeDocument/2006/relationships" xmlns:p="http://schemas.openxmlformats.org/presentationml/2006/main">
   <p:cSld>
     <p:spTree>
       <p:nvGrpSpPr>
-        <p:cNvPr id="139" name="Shape 139"/>
+        <p:cNvPr id="1" name="Shape 139"/>
         <p:cNvGrpSpPr/>
         <p:nvPr/>
       </p:nvGrpSpPr>
@@ -10360,9 +10382,11 @@
       <p:sp>
         <p:nvSpPr>
           <p:cNvPr id="140" name="Google Shape;140;p1"/>
-          <p:cNvSpPr txBox="1"/>
+          <p:cNvSpPr txBox="1">
+            <a:spLocks noGrp="1"/>
+          </p:cNvSpPr>
           <p:nvPr>
-            <p:ph idx="1" type="subTitle"/>
+            <p:ph type="subTitle" idx="1"/>
           </p:nvPr>
         </p:nvSpPr>
         <p:spPr>
@@ -10379,12 +10403,12 @@
           </a:ln>
         </p:spPr>
         <p:txBody>
-          <a:bodyPr anchorCtr="0" anchor="t" bIns="45700" lIns="91425" spcFirstLastPara="1" rIns="91425" wrap="square" tIns="45700">
+          <a:bodyPr spcFirstLastPara="1" wrap="square" lIns="91425" tIns="45700" rIns="91425" bIns="45700" anchor="t" anchorCtr="0">
             <a:normAutofit/>
           </a:bodyPr>
           <a:lstStyle/>
           <a:p>
-            <a:pPr indent="-180340" lvl="0" marL="342900" rtl="0" algn="l">
+            <a:pPr marL="342900" lvl="0" indent="-180340" algn="l" rtl="0">
               <a:spcBef>
                 <a:spcPts val="0"/>
               </a:spcBef>
@@ -10395,9 +10419,6 @@
               <a:buFont typeface="Arial"/>
               <a:buNone/>
             </a:pPr>
-            <a:r>
-              <a:t/>
-            </a:r>
             <a:endParaRPr sz="3200">
               <a:latin typeface="Times New Roman"/>
               <a:ea typeface="Times New Roman"/>
@@ -10406,7 +10427,7 @@
             </a:endParaRPr>
           </a:p>
           <a:p>
-            <a:pPr indent="0" lvl="0" marL="0" rtl="0" algn="just">
+            <a:pPr marL="0" lvl="0" indent="0" algn="just" rtl="0">
               <a:spcBef>
                 <a:spcPts val="1000"/>
               </a:spcBef>
@@ -10425,7 +10446,7 @@
               <a:t>Name: - </a:t>
             </a:r>
             <a:r>
-              <a:rPr b="1" lang="en-GB" sz="2000">
+              <a:rPr lang="en-GB" sz="2000" b="1">
                 <a:latin typeface="Calibri"/>
                 <a:ea typeface="Calibri"/>
                 <a:cs typeface="Calibri"/>
@@ -10433,7 +10454,7 @@
               </a:rPr>
               <a:t>SHEKH SAMIR SHEKH SALIM BAGWAN</a:t>
             </a:r>
-            <a:endParaRPr b="1" sz="2000">
+            <a:endParaRPr sz="2000" b="1">
               <a:latin typeface="Calibri"/>
               <a:ea typeface="Calibri"/>
               <a:cs typeface="Calibri"/>
@@ -10441,7 +10462,7 @@
             </a:endParaRPr>
           </a:p>
           <a:p>
-            <a:pPr indent="0" lvl="0" marL="0" rtl="0" algn="just">
+            <a:pPr marL="0" lvl="0" indent="0" algn="just" rtl="0">
               <a:spcBef>
                 <a:spcPts val="1000"/>
               </a:spcBef>
@@ -10460,7 +10481,7 @@
               <a:t>P.R.N No: - </a:t>
             </a:r>
             <a:r>
-              <a:rPr b="1" lang="en-GB" sz="2000">
+              <a:rPr lang="en-GB" sz="2000" b="1">
                 <a:latin typeface="Calibri"/>
                 <a:ea typeface="Calibri"/>
                 <a:cs typeface="Calibri"/>
@@ -10476,7 +10497,7 @@
             </a:endParaRPr>
           </a:p>
           <a:p>
-            <a:pPr indent="0" lvl="0" marL="0" rtl="0" algn="just">
+            <a:pPr marL="0" lvl="0" indent="0" algn="just" rtl="0">
               <a:spcBef>
                 <a:spcPts val="1000"/>
               </a:spcBef>
@@ -10495,7 +10516,7 @@
               <a:t>Project Topic: - </a:t>
             </a:r>
             <a:r>
-              <a:rPr b="1" lang="en-GB" sz="2000">
+              <a:rPr lang="en-GB" sz="2000" b="1">
                 <a:latin typeface="Calibri"/>
                 <a:ea typeface="Calibri"/>
                 <a:cs typeface="Calibri"/>
@@ -10511,7 +10532,7 @@
             </a:endParaRPr>
           </a:p>
           <a:p>
-            <a:pPr indent="0" lvl="0" marL="0" rtl="0" algn="just">
+            <a:pPr marL="0" lvl="0" indent="0" algn="just" rtl="0">
               <a:spcBef>
                 <a:spcPts val="1000"/>
               </a:spcBef>
@@ -10530,7 +10551,7 @@
               <a:t>Academic Year: - </a:t>
             </a:r>
             <a:r>
-              <a:rPr b="1" lang="en-GB" sz="2000">
+              <a:rPr lang="en-GB" sz="2000" b="1">
                 <a:latin typeface="Calibri"/>
                 <a:ea typeface="Calibri"/>
                 <a:cs typeface="Calibri"/>
@@ -10546,7 +10567,7 @@
             </a:endParaRPr>
           </a:p>
           <a:p>
-            <a:pPr indent="0" lvl="0" marL="0" rtl="0" algn="l">
+            <a:pPr marL="0" lvl="0" indent="0" algn="l" rtl="0">
               <a:spcBef>
                 <a:spcPts val="1000"/>
               </a:spcBef>
@@ -10556,9 +10577,6 @@
               <a:buSzPts val="1440"/>
               <a:buNone/>
             </a:pPr>
-            <a:r>
-              <a:t/>
-            </a:r>
             <a:endParaRPr/>
           </a:p>
         </p:txBody>
@@ -10572,11 +10590,11 @@
 </file>
 
 <file path=ppt/slides/slide2.xml><?xml version="1.0" encoding="utf-8"?>
-<p:sld xmlns:a="http://schemas.openxmlformats.org/drawingml/2006/main" xmlns:r="http://schemas.openxmlformats.org/officeDocument/2006/relationships" xmlns:mc="http://schemas.openxmlformats.org/markup-compatibility/2006" xmlns:mv="urn:schemas-microsoft-com:mac:vml" xmlns:p="http://schemas.openxmlformats.org/presentationml/2006/main" xmlns:c="http://schemas.openxmlformats.org/drawingml/2006/chart" xmlns:dgm="http://schemas.openxmlformats.org/drawingml/2006/diagram" xmlns:o="urn:schemas-microsoft-com:office:office" xmlns:v="urn:schemas-microsoft-com:vml" xmlns:pvml="urn:schemas-microsoft-com:office:powerpoint" xmlns:com="http://schemas.openxmlformats.org/drawingml/2006/compatibility" xmlns:p14="http://schemas.microsoft.com/office/powerpoint/2010/main" xmlns:p15="http://schemas.microsoft.com/office/powerpoint/2012/main" xmlns:ahyp="http://schemas.microsoft.com/office/drawing/2018/hyperlinkcolor">
+<p:sld xmlns:a="http://schemas.openxmlformats.org/drawingml/2006/main" xmlns:r="http://schemas.openxmlformats.org/officeDocument/2006/relationships" xmlns:p="http://schemas.openxmlformats.org/presentationml/2006/main">
   <p:cSld>
     <p:spTree>
       <p:nvGrpSpPr>
-        <p:cNvPr id="144" name="Shape 144"/>
+        <p:cNvPr id="1" name="Shape 144"/>
         <p:cNvGrpSpPr/>
         <p:nvPr/>
       </p:nvGrpSpPr>
@@ -10591,7 +10609,9 @@
       <p:sp>
         <p:nvSpPr>
           <p:cNvPr id="145" name="Google Shape;145;p2"/>
-          <p:cNvSpPr txBox="1"/>
+          <p:cNvSpPr txBox="1">
+            <a:spLocks noGrp="1"/>
+          </p:cNvSpPr>
           <p:nvPr>
             <p:ph type="title"/>
           </p:nvPr>
@@ -10610,12 +10630,12 @@
           </a:ln>
         </p:spPr>
         <p:txBody>
-          <a:bodyPr anchorCtr="0" anchor="t" bIns="45700" lIns="91425" spcFirstLastPara="1" rIns="91425" wrap="square" tIns="45700">
+          <a:bodyPr spcFirstLastPara="1" wrap="square" lIns="91425" tIns="45700" rIns="91425" bIns="45700" anchor="t" anchorCtr="0">
             <a:normAutofit/>
           </a:bodyPr>
           <a:lstStyle/>
           <a:p>
-            <a:pPr indent="0" lvl="0" marL="0" rtl="0" algn="ctr">
+            <a:pPr marL="0" lvl="0" indent="0" algn="ctr" rtl="0">
               <a:spcBef>
                 <a:spcPts val="0"/>
               </a:spcBef>
@@ -10650,9 +10670,11 @@
       <p:sp>
         <p:nvSpPr>
           <p:cNvPr id="146" name="Google Shape;146;p2"/>
-          <p:cNvSpPr txBox="1"/>
+          <p:cNvSpPr txBox="1">
+            <a:spLocks noGrp="1"/>
+          </p:cNvSpPr>
           <p:nvPr>
-            <p:ph idx="1" type="body"/>
+            <p:ph type="body" idx="1"/>
           </p:nvPr>
         </p:nvSpPr>
         <p:spPr>
@@ -10669,12 +10691,12 @@
           </a:ln>
         </p:spPr>
         <p:txBody>
-          <a:bodyPr anchorCtr="0" anchor="t" bIns="45700" lIns="91425" spcFirstLastPara="1" rIns="91425" wrap="square" tIns="45700">
+          <a:bodyPr spcFirstLastPara="1" wrap="square" lIns="91425" tIns="45700" rIns="91425" bIns="45700" anchor="t" anchorCtr="0">
             <a:normAutofit/>
           </a:bodyPr>
           <a:lstStyle/>
           <a:p>
-            <a:pPr indent="-342900" lvl="0" marL="342900" rtl="0" algn="l">
+            <a:pPr marL="342900" lvl="0" indent="-342900" algn="l" rtl="0">
               <a:spcBef>
                 <a:spcPts val="0"/>
               </a:spcBef>
@@ -10702,7 +10724,7 @@
             </a:endParaRPr>
           </a:p>
           <a:p>
-            <a:pPr indent="-342900" lvl="0" marL="342900" rtl="0" algn="l">
+            <a:pPr marL="342900" lvl="0" indent="-342900" algn="l" rtl="0">
               <a:spcBef>
                 <a:spcPts val="1000"/>
               </a:spcBef>
@@ -10730,7 +10752,7 @@
             </a:endParaRPr>
           </a:p>
           <a:p>
-            <a:pPr indent="-342900" lvl="0" marL="342900" rtl="0" algn="l">
+            <a:pPr marL="342900" lvl="0" indent="-342900" algn="l" rtl="0">
               <a:spcBef>
                 <a:spcPts val="1000"/>
               </a:spcBef>
@@ -10758,7 +10780,7 @@
             </a:endParaRPr>
           </a:p>
           <a:p>
-            <a:pPr indent="-342900" lvl="0" marL="342900" rtl="0" algn="l">
+            <a:pPr marL="342900" lvl="0" indent="-342900" algn="l" rtl="0">
               <a:spcBef>
                 <a:spcPts val="1000"/>
               </a:spcBef>
@@ -10795,13 +10817,13 @@
   <p:timing>
     <p:tnLst>
       <p:par>
-        <p:cTn dur="indefinite" nodeType="tmRoot" restart="never">
+        <p:cTn id="1" dur="indefinite" restart="never" nodeType="tmRoot">
           <p:childTnLst>
             <p:seq concurrent="1" nextAc="seek">
-              <p:cTn dur="indefinite" id="2" nodeType="mainSeq">
+              <p:cTn id="2" dur="indefinite" nodeType="mainSeq">
                 <p:childTnLst>
                   <p:par>
-                    <p:cTn fill="hold">
+                    <p:cTn id="3" fill="hold">
                       <p:stCondLst>
                         <p:cond delay="indefinite"/>
                         <p:cond evt="onBegin" delay="0">
@@ -10810,20 +10832,20 @@
                       </p:stCondLst>
                       <p:childTnLst>
                         <p:par>
-                          <p:cTn fill="hold">
+                          <p:cTn id="4" fill="hold">
                             <p:stCondLst>
                               <p:cond delay="0"/>
                             </p:stCondLst>
                             <p:childTnLst>
                               <p:par>
-                                <p:cTn fill="hold" nodeType="withEffect" presetClass="entr" presetID="2" presetSubtype="4">
+                                <p:cTn id="5" presetID="2" presetClass="entr" presetSubtype="4" fill="hold" nodeType="withEffect">
                                   <p:stCondLst>
                                     <p:cond delay="0"/>
                                   </p:stCondLst>
                                   <p:childTnLst>
                                     <p:set>
                                       <p:cBhvr>
-                                        <p:cTn dur="1" fill="hold">
+                                        <p:cTn id="6" dur="1" fill="hold">
                                           <p:stCondLst>
                                             <p:cond delay="0"/>
                                           </p:stCondLst>
@@ -10831,7 +10853,7 @@
                                         <p:tgtEl>
                                           <p:spTgt spid="146">
                                             <p:txEl>
-                                              <p:pRg end="0" st="0"/>
+                                              <p:pRg st="0" end="0"/>
                                             </p:txEl>
                                           </p:spTgt>
                                         </p:tgtEl>
@@ -10845,11 +10867,11 @@
                                     </p:set>
                                     <p:anim calcmode="lin" valueType="num">
                                       <p:cBhvr additive="base">
-                                        <p:cTn dur="500"/>
+                                        <p:cTn id="7" dur="500"/>
                                         <p:tgtEl>
                                           <p:spTgt spid="146">
                                             <p:txEl>
-                                              <p:pRg end="0" st="0"/>
+                                              <p:pRg st="0" end="0"/>
                                             </p:txEl>
                                           </p:spTgt>
                                         </p:tgtEl>
@@ -10858,12 +10880,12 @@
                                         </p:attrNameLst>
                                       </p:cBhvr>
                                       <p:tavLst>
-                                        <p:tav fmla="" tm="0">
+                                        <p:tav tm="0">
                                           <p:val>
                                             <p:strVal val="#ppt_y+1"/>
                                           </p:val>
                                         </p:tav>
-                                        <p:tav fmla="" tm="100000">
+                                        <p:tav tm="100000">
                                           <p:val>
                                             <p:strVal val="#ppt_y"/>
                                           </p:val>
@@ -10874,14 +10896,14 @@
                                 </p:cTn>
                               </p:par>
                               <p:par>
-                                <p:cTn fill="hold" nodeType="withEffect" presetClass="entr" presetID="2" presetSubtype="4">
+                                <p:cTn id="8" presetID="2" presetClass="entr" presetSubtype="4" fill="hold" nodeType="withEffect">
                                   <p:stCondLst>
                                     <p:cond delay="0"/>
                                   </p:stCondLst>
                                   <p:childTnLst>
                                     <p:set>
                                       <p:cBhvr>
-                                        <p:cTn dur="1" fill="hold">
+                                        <p:cTn id="9" dur="1" fill="hold">
                                           <p:stCondLst>
                                             <p:cond delay="0"/>
                                           </p:stCondLst>
@@ -10889,7 +10911,7 @@
                                         <p:tgtEl>
                                           <p:spTgt spid="146">
                                             <p:txEl>
-                                              <p:pRg end="1" st="1"/>
+                                              <p:pRg st="1" end="1"/>
                                             </p:txEl>
                                           </p:spTgt>
                                         </p:tgtEl>
@@ -10903,11 +10925,11 @@
                                     </p:set>
                                     <p:anim calcmode="lin" valueType="num">
                                       <p:cBhvr additive="base">
-                                        <p:cTn dur="500"/>
+                                        <p:cTn id="10" dur="500"/>
                                         <p:tgtEl>
                                           <p:spTgt spid="146">
                                             <p:txEl>
-                                              <p:pRg end="1" st="1"/>
+                                              <p:pRg st="1" end="1"/>
                                             </p:txEl>
                                           </p:spTgt>
                                         </p:tgtEl>
@@ -10916,12 +10938,12 @@
                                         </p:attrNameLst>
                                       </p:cBhvr>
                                       <p:tavLst>
-                                        <p:tav fmla="" tm="0">
+                                        <p:tav tm="0">
                                           <p:val>
                                             <p:strVal val="#ppt_y+1"/>
                                           </p:val>
                                         </p:tav>
-                                        <p:tav fmla="" tm="100000">
+                                        <p:tav tm="100000">
                                           <p:val>
                                             <p:strVal val="#ppt_y"/>
                                           </p:val>
@@ -10932,14 +10954,14 @@
                                 </p:cTn>
                               </p:par>
                               <p:par>
-                                <p:cTn fill="hold" nodeType="withEffect" presetClass="entr" presetID="2" presetSubtype="4">
+                                <p:cTn id="11" presetID="2" presetClass="entr" presetSubtype="4" fill="hold" nodeType="withEffect">
                                   <p:stCondLst>
                                     <p:cond delay="0"/>
                                   </p:stCondLst>
                                   <p:childTnLst>
                                     <p:set>
                                       <p:cBhvr>
-                                        <p:cTn dur="1" fill="hold">
+                                        <p:cTn id="12" dur="1" fill="hold">
                                           <p:stCondLst>
                                             <p:cond delay="0"/>
                                           </p:stCondLst>
@@ -10947,7 +10969,7 @@
                                         <p:tgtEl>
                                           <p:spTgt spid="146">
                                             <p:txEl>
-                                              <p:pRg end="2" st="2"/>
+                                              <p:pRg st="2" end="2"/>
                                             </p:txEl>
                                           </p:spTgt>
                                         </p:tgtEl>
@@ -10961,11 +10983,11 @@
                                     </p:set>
                                     <p:anim calcmode="lin" valueType="num">
                                       <p:cBhvr additive="base">
-                                        <p:cTn dur="500"/>
+                                        <p:cTn id="13" dur="500"/>
                                         <p:tgtEl>
                                           <p:spTgt spid="146">
                                             <p:txEl>
-                                              <p:pRg end="2" st="2"/>
+                                              <p:pRg st="2" end="2"/>
                                             </p:txEl>
                                           </p:spTgt>
                                         </p:tgtEl>
@@ -10974,12 +10996,12 @@
                                         </p:attrNameLst>
                                       </p:cBhvr>
                                       <p:tavLst>
-                                        <p:tav fmla="" tm="0">
+                                        <p:tav tm="0">
                                           <p:val>
                                             <p:strVal val="#ppt_y+1"/>
                                           </p:val>
                                         </p:tav>
-                                        <p:tav fmla="" tm="100000">
+                                        <p:tav tm="100000">
                                           <p:val>
                                             <p:strVal val="#ppt_y"/>
                                           </p:val>
@@ -10990,14 +11012,14 @@
                                 </p:cTn>
                               </p:par>
                               <p:par>
-                                <p:cTn fill="hold" nodeType="withEffect" presetClass="entr" presetID="2" presetSubtype="4">
+                                <p:cTn id="14" presetID="2" presetClass="entr" presetSubtype="4" fill="hold" nodeType="withEffect">
                                   <p:stCondLst>
                                     <p:cond delay="0"/>
                                   </p:stCondLst>
                                   <p:childTnLst>
                                     <p:set>
                                       <p:cBhvr>
-                                        <p:cTn dur="1" fill="hold">
+                                        <p:cTn id="15" dur="1" fill="hold">
                                           <p:stCondLst>
                                             <p:cond delay="0"/>
                                           </p:stCondLst>
@@ -11005,7 +11027,7 @@
                                         <p:tgtEl>
                                           <p:spTgt spid="146">
                                             <p:txEl>
-                                              <p:pRg end="3" st="3"/>
+                                              <p:pRg st="3" end="3"/>
                                             </p:txEl>
                                           </p:spTgt>
                                         </p:tgtEl>
@@ -11019,11 +11041,11 @@
                                     </p:set>
                                     <p:anim calcmode="lin" valueType="num">
                                       <p:cBhvr additive="base">
-                                        <p:cTn dur="500"/>
+                                        <p:cTn id="16" dur="500"/>
                                         <p:tgtEl>
                                           <p:spTgt spid="146">
                                             <p:txEl>
-                                              <p:pRg end="3" st="3"/>
+                                              <p:pRg st="3" end="3"/>
                                             </p:txEl>
                                           </p:spTgt>
                                         </p:tgtEl>
@@ -11032,12 +11054,12 @@
                                         </p:attrNameLst>
                                       </p:cBhvr>
                                       <p:tavLst>
-                                        <p:tav fmla="" tm="0">
+                                        <p:tav tm="0">
                                           <p:val>
                                             <p:strVal val="#ppt_y+1"/>
                                           </p:val>
                                         </p:tav>
-                                        <p:tav fmla="" tm="100000">
+                                        <p:tav tm="100000">
                                           <p:val>
                                             <p:strVal val="#ppt_y"/>
                                           </p:val>
@@ -11048,14 +11070,14 @@
                                 </p:cTn>
                               </p:par>
                               <p:par>
-                                <p:cTn fill="hold" nodeType="withEffect" presetClass="entr" presetID="2" presetSubtype="4">
+                                <p:cTn id="17" presetID="2" presetClass="entr" presetSubtype="4" fill="hold" nodeType="withEffect">
                                   <p:stCondLst>
                                     <p:cond delay="0"/>
                                   </p:stCondLst>
                                   <p:childTnLst>
                                     <p:set>
                                       <p:cBhvr>
-                                        <p:cTn dur="1" fill="hold">
+                                        <p:cTn id="18" dur="1" fill="hold">
                                           <p:stCondLst>
                                             <p:cond delay="0"/>
                                           </p:stCondLst>
@@ -11073,7 +11095,7 @@
                                     </p:set>
                                     <p:anim calcmode="lin" valueType="num">
                                       <p:cBhvr additive="base">
-                                        <p:cTn dur="500"/>
+                                        <p:cTn id="19" dur="500"/>
                                         <p:tgtEl>
                                           <p:spTgt spid="145"/>
                                         </p:tgtEl>
@@ -11082,12 +11104,12 @@
                                         </p:attrNameLst>
                                       </p:cBhvr>
                                       <p:tavLst>
-                                        <p:tav fmla="" tm="0">
+                                        <p:tav tm="0">
                                           <p:val>
                                             <p:strVal val="#ppt_y+1"/>
                                           </p:val>
                                         </p:tav>
-                                        <p:tav fmla="" tm="100000">
+                                        <p:tav tm="100000">
                                           <p:val>
                                             <p:strVal val="#ppt_y"/>
                                           </p:val>
@@ -11106,14 +11128,14 @@
                 </p:childTnLst>
               </p:cTn>
               <p:prevCondLst>
-                <p:cond evt="onPrev">
+                <p:cond evt="onPrev" delay="0">
                   <p:tgtEl>
                     <p:sldTgt/>
                   </p:tgtEl>
                 </p:cond>
               </p:prevCondLst>
               <p:nextCondLst>
-                <p:cond evt="onNext">
+                <p:cond evt="onNext" delay="0">
                   <p:tgtEl>
                     <p:sldTgt/>
                   </p:tgtEl>
@@ -11129,11 +11151,11 @@
 </file>
 
 <file path=ppt/slides/slide3.xml><?xml version="1.0" encoding="utf-8"?>
-<p:sld xmlns:a="http://schemas.openxmlformats.org/drawingml/2006/main" xmlns:r="http://schemas.openxmlformats.org/officeDocument/2006/relationships" xmlns:mc="http://schemas.openxmlformats.org/markup-compatibility/2006" xmlns:mv="urn:schemas-microsoft-com:mac:vml" xmlns:p="http://schemas.openxmlformats.org/presentationml/2006/main" xmlns:c="http://schemas.openxmlformats.org/drawingml/2006/chart" xmlns:dgm="http://schemas.openxmlformats.org/drawingml/2006/diagram" xmlns:o="urn:schemas-microsoft-com:office:office" xmlns:v="urn:schemas-microsoft-com:vml" xmlns:pvml="urn:schemas-microsoft-com:office:powerpoint" xmlns:com="http://schemas.openxmlformats.org/drawingml/2006/compatibility" xmlns:p14="http://schemas.microsoft.com/office/powerpoint/2010/main" xmlns:p15="http://schemas.microsoft.com/office/powerpoint/2012/main" xmlns:ahyp="http://schemas.microsoft.com/office/drawing/2018/hyperlinkcolor">
+<p:sld xmlns:a="http://schemas.openxmlformats.org/drawingml/2006/main" xmlns:r="http://schemas.openxmlformats.org/officeDocument/2006/relationships" xmlns:p="http://schemas.openxmlformats.org/presentationml/2006/main">
   <p:cSld>
     <p:spTree>
       <p:nvGrpSpPr>
-        <p:cNvPr id="150" name="Shape 150"/>
+        <p:cNvPr id="1" name="Shape 150"/>
         <p:cNvGrpSpPr/>
         <p:nvPr/>
       </p:nvGrpSpPr>
@@ -11148,7 +11170,9 @@
       <p:sp>
         <p:nvSpPr>
           <p:cNvPr id="151" name="Google Shape;151;p3"/>
-          <p:cNvSpPr txBox="1"/>
+          <p:cNvSpPr txBox="1">
+            <a:spLocks noGrp="1"/>
+          </p:cNvSpPr>
           <p:nvPr>
             <p:ph type="title"/>
           </p:nvPr>
@@ -11167,12 +11191,12 @@
           </a:ln>
         </p:spPr>
         <p:txBody>
-          <a:bodyPr anchorCtr="0" anchor="t" bIns="45700" lIns="91425" spcFirstLastPara="1" rIns="91425" wrap="square" tIns="45700">
+          <a:bodyPr spcFirstLastPara="1" wrap="square" lIns="91425" tIns="45700" rIns="91425" bIns="45700" anchor="t" anchorCtr="0">
             <a:normAutofit/>
           </a:bodyPr>
           <a:lstStyle/>
           <a:p>
-            <a:pPr indent="0" lvl="0" marL="0" rtl="0" algn="ctr">
+            <a:pPr marL="0" lvl="0" indent="0" algn="ctr" rtl="0">
               <a:spcBef>
                 <a:spcPts val="0"/>
               </a:spcBef>
@@ -11207,9 +11231,11 @@
       <p:sp>
         <p:nvSpPr>
           <p:cNvPr id="152" name="Google Shape;152;p3"/>
-          <p:cNvSpPr txBox="1"/>
+          <p:cNvSpPr txBox="1">
+            <a:spLocks noGrp="1"/>
+          </p:cNvSpPr>
           <p:nvPr>
-            <p:ph idx="1" type="body"/>
+            <p:ph type="body" idx="1"/>
           </p:nvPr>
         </p:nvSpPr>
         <p:spPr>
@@ -11226,12 +11252,12 @@
           </a:ln>
         </p:spPr>
         <p:txBody>
-          <a:bodyPr anchorCtr="0" anchor="t" bIns="45700" lIns="91425" spcFirstLastPara="1" rIns="91425" wrap="square" tIns="45700">
+          <a:bodyPr spcFirstLastPara="1" wrap="square" lIns="91425" tIns="45700" rIns="91425" bIns="45700" anchor="t" anchorCtr="0">
             <a:normAutofit/>
           </a:bodyPr>
           <a:lstStyle/>
           <a:p>
-            <a:pPr indent="-359410" lvl="0" marL="342900" rtl="0" algn="l">
+            <a:pPr marL="342900" lvl="0" indent="-359410" algn="l" rtl="0">
               <a:spcBef>
                 <a:spcPts val="0"/>
               </a:spcBef>
@@ -11259,7 +11285,7 @@
             </a:endParaRPr>
           </a:p>
           <a:p>
-            <a:pPr indent="-359410" lvl="0" marL="342900" rtl="0" algn="l">
+            <a:pPr marL="342900" lvl="0" indent="-359410" algn="l" rtl="0">
               <a:spcBef>
                 <a:spcPts val="1000"/>
               </a:spcBef>
@@ -11287,7 +11313,7 @@
             </a:endParaRPr>
           </a:p>
           <a:p>
-            <a:pPr indent="-359410" lvl="0" marL="342900" rtl="0" algn="l">
+            <a:pPr marL="342900" lvl="0" indent="-359410" algn="l" rtl="0">
               <a:spcBef>
                 <a:spcPts val="1000"/>
               </a:spcBef>
@@ -11315,7 +11341,7 @@
             </a:endParaRPr>
           </a:p>
           <a:p>
-            <a:pPr indent="0" lvl="0" marL="0" rtl="0" algn="l">
+            <a:pPr marL="0" lvl="0" indent="0" algn="l" rtl="0">
               <a:spcBef>
                 <a:spcPts val="1000"/>
               </a:spcBef>
@@ -11325,9 +11351,6 @@
               <a:buSzPts val="1440"/>
               <a:buNone/>
             </a:pPr>
-            <a:r>
-              <a:t/>
-            </a:r>
             <a:endParaRPr>
               <a:latin typeface="Calibri"/>
               <a:ea typeface="Calibri"/>
@@ -11345,13 +11368,13 @@
   <p:timing>
     <p:tnLst>
       <p:par>
-        <p:cTn dur="indefinite" nodeType="tmRoot" restart="never">
+        <p:cTn id="1" dur="indefinite" restart="never" nodeType="tmRoot">
           <p:childTnLst>
             <p:seq concurrent="1" nextAc="seek">
-              <p:cTn dur="indefinite" id="2" nodeType="mainSeq">
+              <p:cTn id="2" dur="indefinite" nodeType="mainSeq">
                 <p:childTnLst>
                   <p:par>
-                    <p:cTn fill="hold">
+                    <p:cTn id="3" fill="hold">
                       <p:stCondLst>
                         <p:cond delay="indefinite"/>
                         <p:cond evt="onBegin" delay="0">
@@ -11360,20 +11383,20 @@
                       </p:stCondLst>
                       <p:childTnLst>
                         <p:par>
-                          <p:cTn fill="hold">
+                          <p:cTn id="4" fill="hold">
                             <p:stCondLst>
                               <p:cond delay="0"/>
                             </p:stCondLst>
                             <p:childTnLst>
                               <p:par>
-                                <p:cTn fill="hold" nodeType="withEffect" presetClass="entr" presetID="2" presetSubtype="4">
+                                <p:cTn id="5" presetID="2" presetClass="entr" presetSubtype="4" fill="hold" nodeType="withEffect">
                                   <p:stCondLst>
                                     <p:cond delay="0"/>
                                   </p:stCondLst>
                                   <p:childTnLst>
                                     <p:set>
                                       <p:cBhvr>
-                                        <p:cTn dur="1" fill="hold">
+                                        <p:cTn id="6" dur="1" fill="hold">
                                           <p:stCondLst>
                                             <p:cond delay="0"/>
                                           </p:stCondLst>
@@ -11381,7 +11404,7 @@
                                         <p:tgtEl>
                                           <p:spTgt spid="152">
                                             <p:txEl>
-                                              <p:pRg end="0" st="0"/>
+                                              <p:pRg st="0" end="0"/>
                                             </p:txEl>
                                           </p:spTgt>
                                         </p:tgtEl>
@@ -11395,11 +11418,11 @@
                                     </p:set>
                                     <p:anim calcmode="lin" valueType="num">
                                       <p:cBhvr additive="base">
-                                        <p:cTn dur="500"/>
+                                        <p:cTn id="7" dur="500"/>
                                         <p:tgtEl>
                                           <p:spTgt spid="152">
                                             <p:txEl>
-                                              <p:pRg end="0" st="0"/>
+                                              <p:pRg st="0" end="0"/>
                                             </p:txEl>
                                           </p:spTgt>
                                         </p:tgtEl>
@@ -11408,12 +11431,12 @@
                                         </p:attrNameLst>
                                       </p:cBhvr>
                                       <p:tavLst>
-                                        <p:tav fmla="" tm="0">
+                                        <p:tav tm="0">
                                           <p:val>
                                             <p:strVal val="#ppt_y+1"/>
                                           </p:val>
                                         </p:tav>
-                                        <p:tav fmla="" tm="100000">
+                                        <p:tav tm="100000">
                                           <p:val>
                                             <p:strVal val="#ppt_y"/>
                                           </p:val>
@@ -11424,14 +11447,14 @@
                                 </p:cTn>
                               </p:par>
                               <p:par>
-                                <p:cTn fill="hold" nodeType="withEffect" presetClass="entr" presetID="2" presetSubtype="4">
+                                <p:cTn id="8" presetID="2" presetClass="entr" presetSubtype="4" fill="hold" nodeType="withEffect">
                                   <p:stCondLst>
                                     <p:cond delay="0"/>
                                   </p:stCondLst>
                                   <p:childTnLst>
                                     <p:set>
                                       <p:cBhvr>
-                                        <p:cTn dur="1" fill="hold">
+                                        <p:cTn id="9" dur="1" fill="hold">
                                           <p:stCondLst>
                                             <p:cond delay="0"/>
                                           </p:stCondLst>
@@ -11439,7 +11462,7 @@
                                         <p:tgtEl>
                                           <p:spTgt spid="152">
                                             <p:txEl>
-                                              <p:pRg end="1" st="1"/>
+                                              <p:pRg st="1" end="1"/>
                                             </p:txEl>
                                           </p:spTgt>
                                         </p:tgtEl>
@@ -11453,11 +11476,11 @@
                                     </p:set>
                                     <p:anim calcmode="lin" valueType="num">
                                       <p:cBhvr additive="base">
-                                        <p:cTn dur="500"/>
+                                        <p:cTn id="10" dur="500"/>
                                         <p:tgtEl>
                                           <p:spTgt spid="152">
                                             <p:txEl>
-                                              <p:pRg end="1" st="1"/>
+                                              <p:pRg st="1" end="1"/>
                                             </p:txEl>
                                           </p:spTgt>
                                         </p:tgtEl>
@@ -11466,12 +11489,12 @@
                                         </p:attrNameLst>
                                       </p:cBhvr>
                                       <p:tavLst>
-                                        <p:tav fmla="" tm="0">
+                                        <p:tav tm="0">
                                           <p:val>
                                             <p:strVal val="#ppt_y+1"/>
                                           </p:val>
                                         </p:tav>
-                                        <p:tav fmla="" tm="100000">
+                                        <p:tav tm="100000">
                                           <p:val>
                                             <p:strVal val="#ppt_y"/>
                                           </p:val>
@@ -11482,14 +11505,14 @@
                                 </p:cTn>
                               </p:par>
                               <p:par>
-                                <p:cTn fill="hold" nodeType="withEffect" presetClass="entr" presetID="2" presetSubtype="4">
+                                <p:cTn id="11" presetID="2" presetClass="entr" presetSubtype="4" fill="hold" nodeType="withEffect">
                                   <p:stCondLst>
                                     <p:cond delay="0"/>
                                   </p:stCondLst>
                                   <p:childTnLst>
                                     <p:set>
                                       <p:cBhvr>
-                                        <p:cTn dur="1" fill="hold">
+                                        <p:cTn id="12" dur="1" fill="hold">
                                           <p:stCondLst>
                                             <p:cond delay="0"/>
                                           </p:stCondLst>
@@ -11497,7 +11520,7 @@
                                         <p:tgtEl>
                                           <p:spTgt spid="152">
                                             <p:txEl>
-                                              <p:pRg end="2" st="2"/>
+                                              <p:pRg st="2" end="2"/>
                                             </p:txEl>
                                           </p:spTgt>
                                         </p:tgtEl>
@@ -11511,11 +11534,11 @@
                                     </p:set>
                                     <p:anim calcmode="lin" valueType="num">
                                       <p:cBhvr additive="base">
-                                        <p:cTn dur="500"/>
+                                        <p:cTn id="13" dur="500"/>
                                         <p:tgtEl>
                                           <p:spTgt spid="152">
                                             <p:txEl>
-                                              <p:pRg end="2" st="2"/>
+                                              <p:pRg st="2" end="2"/>
                                             </p:txEl>
                                           </p:spTgt>
                                         </p:tgtEl>
@@ -11524,12 +11547,12 @@
                                         </p:attrNameLst>
                                       </p:cBhvr>
                                       <p:tavLst>
-                                        <p:tav fmla="" tm="0">
+                                        <p:tav tm="0">
                                           <p:val>
                                             <p:strVal val="#ppt_y+1"/>
                                           </p:val>
                                         </p:tav>
-                                        <p:tav fmla="" tm="100000">
+                                        <p:tav tm="100000">
                                           <p:val>
                                             <p:strVal val="#ppt_y"/>
                                           </p:val>
@@ -11540,14 +11563,14 @@
                                 </p:cTn>
                               </p:par>
                               <p:par>
-                                <p:cTn fill="hold" nodeType="withEffect" presetClass="entr" presetID="2" presetSubtype="4">
+                                <p:cTn id="14" presetID="2" presetClass="entr" presetSubtype="4" fill="hold" nodeType="withEffect">
                                   <p:stCondLst>
                                     <p:cond delay="0"/>
                                   </p:stCondLst>
                                   <p:childTnLst>
                                     <p:set>
                                       <p:cBhvr>
-                                        <p:cTn dur="1" fill="hold">
+                                        <p:cTn id="15" dur="1" fill="hold">
                                           <p:stCondLst>
                                             <p:cond delay="0"/>
                                           </p:stCondLst>
@@ -11555,7 +11578,7 @@
                                         <p:tgtEl>
                                           <p:spTgt spid="152">
                                             <p:txEl>
-                                              <p:pRg end="3" st="3"/>
+                                              <p:pRg st="3" end="3"/>
                                             </p:txEl>
                                           </p:spTgt>
                                         </p:tgtEl>
@@ -11569,11 +11592,11 @@
                                     </p:set>
                                     <p:anim calcmode="lin" valueType="num">
                                       <p:cBhvr additive="base">
-                                        <p:cTn dur="500"/>
+                                        <p:cTn id="16" dur="500"/>
                                         <p:tgtEl>
                                           <p:spTgt spid="152">
                                             <p:txEl>
-                                              <p:pRg end="3" st="3"/>
+                                              <p:pRg st="3" end="3"/>
                                             </p:txEl>
                                           </p:spTgt>
                                         </p:tgtEl>
@@ -11582,12 +11605,12 @@
                                         </p:attrNameLst>
                                       </p:cBhvr>
                                       <p:tavLst>
-                                        <p:tav fmla="" tm="0">
+                                        <p:tav tm="0">
                                           <p:val>
                                             <p:strVal val="#ppt_y+1"/>
                                           </p:val>
                                         </p:tav>
-                                        <p:tav fmla="" tm="100000">
+                                        <p:tav tm="100000">
                                           <p:val>
                                             <p:strVal val="#ppt_y"/>
                                           </p:val>
@@ -11598,14 +11621,14 @@
                                 </p:cTn>
                               </p:par>
                               <p:par>
-                                <p:cTn fill="hold" nodeType="withEffect" presetClass="entr" presetID="2" presetSubtype="4">
+                                <p:cTn id="17" presetID="2" presetClass="entr" presetSubtype="4" fill="hold" nodeType="withEffect">
                                   <p:stCondLst>
                                     <p:cond delay="0"/>
                                   </p:stCondLst>
                                   <p:childTnLst>
                                     <p:set>
                                       <p:cBhvr>
-                                        <p:cTn dur="1" fill="hold">
+                                        <p:cTn id="18" dur="1" fill="hold">
                                           <p:stCondLst>
                                             <p:cond delay="0"/>
                                           </p:stCondLst>
@@ -11623,7 +11646,7 @@
                                     </p:set>
                                     <p:anim calcmode="lin" valueType="num">
                                       <p:cBhvr additive="base">
-                                        <p:cTn dur="500"/>
+                                        <p:cTn id="19" dur="500"/>
                                         <p:tgtEl>
                                           <p:spTgt spid="151"/>
                                         </p:tgtEl>
@@ -11632,12 +11655,12 @@
                                         </p:attrNameLst>
                                       </p:cBhvr>
                                       <p:tavLst>
-                                        <p:tav fmla="" tm="0">
+                                        <p:tav tm="0">
                                           <p:val>
                                             <p:strVal val="#ppt_y+1"/>
                                           </p:val>
                                         </p:tav>
-                                        <p:tav fmla="" tm="100000">
+                                        <p:tav tm="100000">
                                           <p:val>
                                             <p:strVal val="#ppt_y"/>
                                           </p:val>
@@ -11656,14 +11679,14 @@
                 </p:childTnLst>
               </p:cTn>
               <p:prevCondLst>
-                <p:cond evt="onPrev">
+                <p:cond evt="onPrev" delay="0">
                   <p:tgtEl>
                     <p:sldTgt/>
                   </p:tgtEl>
                 </p:cond>
               </p:prevCondLst>
               <p:nextCondLst>
-                <p:cond evt="onNext">
+                <p:cond evt="onNext" delay="0">
                   <p:tgtEl>
                     <p:sldTgt/>
                   </p:tgtEl>
@@ -11679,11 +11702,11 @@
 </file>
 
 <file path=ppt/slides/slide4.xml><?xml version="1.0" encoding="utf-8"?>
-<p:sld xmlns:a="http://schemas.openxmlformats.org/drawingml/2006/main" xmlns:r="http://schemas.openxmlformats.org/officeDocument/2006/relationships" xmlns:mc="http://schemas.openxmlformats.org/markup-compatibility/2006" xmlns:mv="urn:schemas-microsoft-com:mac:vml" xmlns:p="http://schemas.openxmlformats.org/presentationml/2006/main" xmlns:c="http://schemas.openxmlformats.org/drawingml/2006/chart" xmlns:dgm="http://schemas.openxmlformats.org/drawingml/2006/diagram" xmlns:o="urn:schemas-microsoft-com:office:office" xmlns:v="urn:schemas-microsoft-com:vml" xmlns:pvml="urn:schemas-microsoft-com:office:powerpoint" xmlns:com="http://schemas.openxmlformats.org/drawingml/2006/compatibility" xmlns:p14="http://schemas.microsoft.com/office/powerpoint/2010/main" xmlns:p15="http://schemas.microsoft.com/office/powerpoint/2012/main" xmlns:ahyp="http://schemas.microsoft.com/office/drawing/2018/hyperlinkcolor">
+<p:sld xmlns:a="http://schemas.openxmlformats.org/drawingml/2006/main" xmlns:r="http://schemas.openxmlformats.org/officeDocument/2006/relationships" xmlns:p="http://schemas.openxmlformats.org/presentationml/2006/main">
   <p:cSld>
     <p:spTree>
       <p:nvGrpSpPr>
-        <p:cNvPr id="156" name="Shape 156"/>
+        <p:cNvPr id="1" name="Shape 156"/>
         <p:cNvGrpSpPr/>
         <p:nvPr/>
       </p:nvGrpSpPr>
@@ -11698,7 +11721,9 @@
       <p:sp>
         <p:nvSpPr>
           <p:cNvPr id="157" name="Google Shape;157;p5"/>
-          <p:cNvSpPr txBox="1"/>
+          <p:cNvSpPr txBox="1">
+            <a:spLocks noGrp="1"/>
+          </p:cNvSpPr>
           <p:nvPr>
             <p:ph type="title"/>
           </p:nvPr>
@@ -11717,12 +11742,12 @@
           </a:ln>
         </p:spPr>
         <p:txBody>
-          <a:bodyPr anchorCtr="0" anchor="t" bIns="45700" lIns="91425" spcFirstLastPara="1" rIns="91425" wrap="square" tIns="45700">
+          <a:bodyPr spcFirstLastPara="1" wrap="square" lIns="91425" tIns="45700" rIns="91425" bIns="45700" anchor="t" anchorCtr="0">
             <a:normAutofit/>
           </a:bodyPr>
           <a:lstStyle/>
           <a:p>
-            <a:pPr indent="0" lvl="0" marL="0" rtl="0" algn="l">
+            <a:pPr marL="0" lvl="0" indent="0" algn="l" rtl="0">
               <a:spcBef>
                 <a:spcPts val="0"/>
               </a:spcBef>
@@ -11757,9 +11782,11 @@
       <p:sp>
         <p:nvSpPr>
           <p:cNvPr id="158" name="Google Shape;158;p5"/>
-          <p:cNvSpPr txBox="1"/>
+          <p:cNvSpPr txBox="1">
+            <a:spLocks noGrp="1"/>
+          </p:cNvSpPr>
           <p:nvPr>
-            <p:ph idx="1" type="body"/>
+            <p:ph type="body" idx="1"/>
           </p:nvPr>
         </p:nvSpPr>
         <p:spPr>
@@ -11776,12 +11803,12 @@
           </a:ln>
         </p:spPr>
         <p:txBody>
-          <a:bodyPr anchorCtr="0" anchor="t" bIns="45700" lIns="91425" spcFirstLastPara="1" rIns="91425" wrap="square" tIns="45700">
-            <a:normAutofit/>
+          <a:bodyPr spcFirstLastPara="1" wrap="square" lIns="91425" tIns="45700" rIns="91425" bIns="45700" anchor="t" anchorCtr="0">
+            <a:normAutofit lnSpcReduction="10000"/>
           </a:bodyPr>
           <a:lstStyle/>
           <a:p>
-            <a:pPr indent="-342900" lvl="0" marL="342900" rtl="0" algn="l">
+            <a:pPr marL="342900" lvl="0" indent="-342900" algn="l" rtl="0">
               <a:spcBef>
                 <a:spcPts val="0"/>
               </a:spcBef>
@@ -11809,7 +11836,7 @@
             </a:endParaRPr>
           </a:p>
           <a:p>
-            <a:pPr indent="-342900" lvl="0" marL="342900" rtl="0" algn="l">
+            <a:pPr marL="342900" lvl="0" indent="-342900" algn="l" rtl="0">
               <a:spcBef>
                 <a:spcPts val="1000"/>
               </a:spcBef>
@@ -11837,7 +11864,7 @@
             </a:endParaRPr>
           </a:p>
           <a:p>
-            <a:pPr indent="-342900" lvl="0" marL="342900" rtl="0" algn="l">
+            <a:pPr marL="342900" lvl="0" indent="-342900" algn="l" rtl="0">
               <a:spcBef>
                 <a:spcPts val="1000"/>
               </a:spcBef>
@@ -11865,7 +11892,7 @@
             </a:endParaRPr>
           </a:p>
           <a:p>
-            <a:pPr indent="-342900" lvl="0" marL="342900" rtl="0" algn="l">
+            <a:pPr marL="342900" lvl="0" indent="-342900" algn="l" rtl="0">
               <a:spcBef>
                 <a:spcPts val="1000"/>
               </a:spcBef>
@@ -11893,7 +11920,7 @@
             </a:endParaRPr>
           </a:p>
           <a:p>
-            <a:pPr indent="-342900" lvl="0" marL="342900" rtl="0" algn="l">
+            <a:pPr marL="342900" lvl="0" indent="-342900" algn="l" rtl="0">
               <a:spcBef>
                 <a:spcPts val="1000"/>
               </a:spcBef>
@@ -11921,7 +11948,7 @@
             </a:endParaRPr>
           </a:p>
           <a:p>
-            <a:pPr indent="-342900" lvl="0" marL="342900" rtl="0" algn="l">
+            <a:pPr marL="342900" lvl="0" indent="-342900" algn="l" rtl="0">
               <a:spcBef>
                 <a:spcPts val="1000"/>
               </a:spcBef>
@@ -11958,13 +11985,13 @@
   <p:timing>
     <p:tnLst>
       <p:par>
-        <p:cTn dur="indefinite" nodeType="tmRoot" restart="never">
+        <p:cTn id="1" dur="indefinite" restart="never" nodeType="tmRoot">
           <p:childTnLst>
             <p:seq concurrent="1" nextAc="seek">
-              <p:cTn dur="indefinite" id="2" nodeType="mainSeq">
+              <p:cTn id="2" dur="indefinite" nodeType="mainSeq">
                 <p:childTnLst>
                   <p:par>
-                    <p:cTn fill="hold">
+                    <p:cTn id="3" fill="hold">
                       <p:stCondLst>
                         <p:cond delay="indefinite"/>
                         <p:cond evt="onBegin" delay="0">
@@ -11973,20 +12000,20 @@
                       </p:stCondLst>
                       <p:childTnLst>
                         <p:par>
-                          <p:cTn fill="hold">
+                          <p:cTn id="4" fill="hold">
                             <p:stCondLst>
                               <p:cond delay="0"/>
                             </p:stCondLst>
                             <p:childTnLst>
                               <p:par>
-                                <p:cTn fill="hold" nodeType="withEffect" presetClass="entr" presetID="2" presetSubtype="4">
+                                <p:cTn id="5" presetID="2" presetClass="entr" presetSubtype="4" fill="hold" nodeType="withEffect">
                                   <p:stCondLst>
                                     <p:cond delay="0"/>
                                   </p:stCondLst>
                                   <p:childTnLst>
                                     <p:set>
                                       <p:cBhvr>
-                                        <p:cTn dur="1" fill="hold">
+                                        <p:cTn id="6" dur="1" fill="hold">
                                           <p:stCondLst>
                                             <p:cond delay="0"/>
                                           </p:stCondLst>
@@ -12004,7 +12031,7 @@
                                     </p:set>
                                     <p:anim calcmode="lin" valueType="num">
                                       <p:cBhvr additive="base">
-                                        <p:cTn dur="500"/>
+                                        <p:cTn id="7" dur="500"/>
                                         <p:tgtEl>
                                           <p:spTgt spid="157"/>
                                         </p:tgtEl>
@@ -12013,12 +12040,12 @@
                                         </p:attrNameLst>
                                       </p:cBhvr>
                                       <p:tavLst>
-                                        <p:tav fmla="" tm="0">
+                                        <p:tav tm="0">
                                           <p:val>
                                             <p:strVal val="#ppt_y+1"/>
                                           </p:val>
                                         </p:tav>
-                                        <p:tav fmla="" tm="100000">
+                                        <p:tav tm="100000">
                                           <p:val>
                                             <p:strVal val="#ppt_y"/>
                                           </p:val>
@@ -12029,14 +12056,14 @@
                                 </p:cTn>
                               </p:par>
                               <p:par>
-                                <p:cTn fill="hold" nodeType="withEffect" presetClass="entr" presetID="2" presetSubtype="4">
+                                <p:cTn id="8" presetID="2" presetClass="entr" presetSubtype="4" fill="hold" nodeType="withEffect">
                                   <p:stCondLst>
                                     <p:cond delay="0"/>
                                   </p:stCondLst>
                                   <p:childTnLst>
                                     <p:set>
                                       <p:cBhvr>
-                                        <p:cTn dur="1" fill="hold">
+                                        <p:cTn id="9" dur="1" fill="hold">
                                           <p:stCondLst>
                                             <p:cond delay="0"/>
                                           </p:stCondLst>
@@ -12044,7 +12071,7 @@
                                         <p:tgtEl>
                                           <p:spTgt spid="158">
                                             <p:txEl>
-                                              <p:pRg end="0" st="0"/>
+                                              <p:pRg st="0" end="0"/>
                                             </p:txEl>
                                           </p:spTgt>
                                         </p:tgtEl>
@@ -12058,11 +12085,11 @@
                                     </p:set>
                                     <p:anim calcmode="lin" valueType="num">
                                       <p:cBhvr additive="base">
-                                        <p:cTn dur="500"/>
+                                        <p:cTn id="10" dur="500"/>
                                         <p:tgtEl>
                                           <p:spTgt spid="158">
                                             <p:txEl>
-                                              <p:pRg end="0" st="0"/>
+                                              <p:pRg st="0" end="0"/>
                                             </p:txEl>
                                           </p:spTgt>
                                         </p:tgtEl>
@@ -12071,12 +12098,12 @@
                                         </p:attrNameLst>
                                       </p:cBhvr>
                                       <p:tavLst>
-                                        <p:tav fmla="" tm="0">
+                                        <p:tav tm="0">
                                           <p:val>
                                             <p:strVal val="#ppt_y+1"/>
                                           </p:val>
                                         </p:tav>
-                                        <p:tav fmla="" tm="100000">
+                                        <p:tav tm="100000">
                                           <p:val>
                                             <p:strVal val="#ppt_y"/>
                                           </p:val>
@@ -12087,14 +12114,14 @@
                                 </p:cTn>
                               </p:par>
                               <p:par>
-                                <p:cTn fill="hold" nodeType="withEffect" presetClass="entr" presetID="2" presetSubtype="4">
+                                <p:cTn id="11" presetID="2" presetClass="entr" presetSubtype="4" fill="hold" nodeType="withEffect">
                                   <p:stCondLst>
                                     <p:cond delay="0"/>
                                   </p:stCondLst>
                                   <p:childTnLst>
                                     <p:set>
                                       <p:cBhvr>
-                                        <p:cTn dur="1" fill="hold">
+                                        <p:cTn id="12" dur="1" fill="hold">
                                           <p:stCondLst>
                                             <p:cond delay="0"/>
                                           </p:stCondLst>
@@ -12102,7 +12129,7 @@
                                         <p:tgtEl>
                                           <p:spTgt spid="158">
                                             <p:txEl>
-                                              <p:pRg end="1" st="1"/>
+                                              <p:pRg st="1" end="1"/>
                                             </p:txEl>
                                           </p:spTgt>
                                         </p:tgtEl>
@@ -12116,11 +12143,11 @@
                                     </p:set>
                                     <p:anim calcmode="lin" valueType="num">
                                       <p:cBhvr additive="base">
-                                        <p:cTn dur="500"/>
+                                        <p:cTn id="13" dur="500"/>
                                         <p:tgtEl>
                                           <p:spTgt spid="158">
                                             <p:txEl>
-                                              <p:pRg end="1" st="1"/>
+                                              <p:pRg st="1" end="1"/>
                                             </p:txEl>
                                           </p:spTgt>
                                         </p:tgtEl>
@@ -12129,12 +12156,12 @@
                                         </p:attrNameLst>
                                       </p:cBhvr>
                                       <p:tavLst>
-                                        <p:tav fmla="" tm="0">
+                                        <p:tav tm="0">
                                           <p:val>
                                             <p:strVal val="#ppt_y+1"/>
                                           </p:val>
                                         </p:tav>
-                                        <p:tav fmla="" tm="100000">
+                                        <p:tav tm="100000">
                                           <p:val>
                                             <p:strVal val="#ppt_y"/>
                                           </p:val>
@@ -12145,14 +12172,14 @@
                                 </p:cTn>
                               </p:par>
                               <p:par>
-                                <p:cTn fill="hold" nodeType="withEffect" presetClass="entr" presetID="2" presetSubtype="4">
+                                <p:cTn id="14" presetID="2" presetClass="entr" presetSubtype="4" fill="hold" nodeType="withEffect">
                                   <p:stCondLst>
                                     <p:cond delay="0"/>
                                   </p:stCondLst>
                                   <p:childTnLst>
                                     <p:set>
                                       <p:cBhvr>
-                                        <p:cTn dur="1" fill="hold">
+                                        <p:cTn id="15" dur="1" fill="hold">
                                           <p:stCondLst>
                                             <p:cond delay="0"/>
                                           </p:stCondLst>
@@ -12160,7 +12187,7 @@
                                         <p:tgtEl>
                                           <p:spTgt spid="158">
                                             <p:txEl>
-                                              <p:pRg end="2" st="2"/>
+                                              <p:pRg st="2" end="2"/>
                                             </p:txEl>
                                           </p:spTgt>
                                         </p:tgtEl>
@@ -12174,11 +12201,11 @@
                                     </p:set>
                                     <p:anim calcmode="lin" valueType="num">
                                       <p:cBhvr additive="base">
-                                        <p:cTn dur="500"/>
+                                        <p:cTn id="16" dur="500"/>
                                         <p:tgtEl>
                                           <p:spTgt spid="158">
                                             <p:txEl>
-                                              <p:pRg end="2" st="2"/>
+                                              <p:pRg st="2" end="2"/>
                                             </p:txEl>
                                           </p:spTgt>
                                         </p:tgtEl>
@@ -12187,12 +12214,12 @@
                                         </p:attrNameLst>
                                       </p:cBhvr>
                                       <p:tavLst>
-                                        <p:tav fmla="" tm="0">
+                                        <p:tav tm="0">
                                           <p:val>
                                             <p:strVal val="#ppt_y+1"/>
                                           </p:val>
                                         </p:tav>
-                                        <p:tav fmla="" tm="100000">
+                                        <p:tav tm="100000">
                                           <p:val>
                                             <p:strVal val="#ppt_y"/>
                                           </p:val>
@@ -12203,14 +12230,14 @@
                                 </p:cTn>
                               </p:par>
                               <p:par>
-                                <p:cTn fill="hold" nodeType="withEffect" presetClass="entr" presetID="2" presetSubtype="4">
+                                <p:cTn id="17" presetID="2" presetClass="entr" presetSubtype="4" fill="hold" nodeType="withEffect">
                                   <p:stCondLst>
                                     <p:cond delay="0"/>
                                   </p:stCondLst>
                                   <p:childTnLst>
                                     <p:set>
                                       <p:cBhvr>
-                                        <p:cTn dur="1" fill="hold">
+                                        <p:cTn id="18" dur="1" fill="hold">
                                           <p:stCondLst>
                                             <p:cond delay="0"/>
                                           </p:stCondLst>
@@ -12218,7 +12245,7 @@
                                         <p:tgtEl>
                                           <p:spTgt spid="158">
                                             <p:txEl>
-                                              <p:pRg end="3" st="3"/>
+                                              <p:pRg st="3" end="3"/>
                                             </p:txEl>
                                           </p:spTgt>
                                         </p:tgtEl>
@@ -12232,11 +12259,11 @@
                                     </p:set>
                                     <p:anim calcmode="lin" valueType="num">
                                       <p:cBhvr additive="base">
-                                        <p:cTn dur="500"/>
+                                        <p:cTn id="19" dur="500"/>
                                         <p:tgtEl>
                                           <p:spTgt spid="158">
                                             <p:txEl>
-                                              <p:pRg end="3" st="3"/>
+                                              <p:pRg st="3" end="3"/>
                                             </p:txEl>
                                           </p:spTgt>
                                         </p:tgtEl>
@@ -12245,12 +12272,12 @@
                                         </p:attrNameLst>
                                       </p:cBhvr>
                                       <p:tavLst>
-                                        <p:tav fmla="" tm="0">
+                                        <p:tav tm="0">
                                           <p:val>
                                             <p:strVal val="#ppt_y+1"/>
                                           </p:val>
                                         </p:tav>
-                                        <p:tav fmla="" tm="100000">
+                                        <p:tav tm="100000">
                                           <p:val>
                                             <p:strVal val="#ppt_y"/>
                                           </p:val>
@@ -12261,14 +12288,14 @@
                                 </p:cTn>
                               </p:par>
                               <p:par>
-                                <p:cTn fill="hold" nodeType="withEffect" presetClass="entr" presetID="2" presetSubtype="4">
+                                <p:cTn id="20" presetID="2" presetClass="entr" presetSubtype="4" fill="hold" nodeType="withEffect">
                                   <p:stCondLst>
                                     <p:cond delay="0"/>
                                   </p:stCondLst>
                                   <p:childTnLst>
                                     <p:set>
                                       <p:cBhvr>
-                                        <p:cTn dur="1" fill="hold">
+                                        <p:cTn id="21" dur="1" fill="hold">
                                           <p:stCondLst>
                                             <p:cond delay="0"/>
                                           </p:stCondLst>
@@ -12276,7 +12303,7 @@
                                         <p:tgtEl>
                                           <p:spTgt spid="158">
                                             <p:txEl>
-                                              <p:pRg end="4" st="4"/>
+                                              <p:pRg st="4" end="4"/>
                                             </p:txEl>
                                           </p:spTgt>
                                         </p:tgtEl>
@@ -12290,11 +12317,11 @@
                                     </p:set>
                                     <p:anim calcmode="lin" valueType="num">
                                       <p:cBhvr additive="base">
-                                        <p:cTn dur="500"/>
+                                        <p:cTn id="22" dur="500"/>
                                         <p:tgtEl>
                                           <p:spTgt spid="158">
                                             <p:txEl>
-                                              <p:pRg end="4" st="4"/>
+                                              <p:pRg st="4" end="4"/>
                                             </p:txEl>
                                           </p:spTgt>
                                         </p:tgtEl>
@@ -12303,12 +12330,12 @@
                                         </p:attrNameLst>
                                       </p:cBhvr>
                                       <p:tavLst>
-                                        <p:tav fmla="" tm="0">
+                                        <p:tav tm="0">
                                           <p:val>
                                             <p:strVal val="#ppt_y+1"/>
                                           </p:val>
                                         </p:tav>
-                                        <p:tav fmla="" tm="100000">
+                                        <p:tav tm="100000">
                                           <p:val>
                                             <p:strVal val="#ppt_y"/>
                                           </p:val>
@@ -12319,14 +12346,14 @@
                                 </p:cTn>
                               </p:par>
                               <p:par>
-                                <p:cTn fill="hold" nodeType="withEffect" presetClass="entr" presetID="2" presetSubtype="4">
+                                <p:cTn id="23" presetID="2" presetClass="entr" presetSubtype="4" fill="hold" nodeType="withEffect">
                                   <p:stCondLst>
                                     <p:cond delay="0"/>
                                   </p:stCondLst>
                                   <p:childTnLst>
                                     <p:set>
                                       <p:cBhvr>
-                                        <p:cTn dur="1" fill="hold">
+                                        <p:cTn id="24" dur="1" fill="hold">
                                           <p:stCondLst>
                                             <p:cond delay="0"/>
                                           </p:stCondLst>
@@ -12334,7 +12361,7 @@
                                         <p:tgtEl>
                                           <p:spTgt spid="158">
                                             <p:txEl>
-                                              <p:pRg end="5" st="5"/>
+                                              <p:pRg st="5" end="5"/>
                                             </p:txEl>
                                           </p:spTgt>
                                         </p:tgtEl>
@@ -12348,11 +12375,11 @@
                                     </p:set>
                                     <p:anim calcmode="lin" valueType="num">
                                       <p:cBhvr additive="base">
-                                        <p:cTn dur="500"/>
+                                        <p:cTn id="25" dur="500"/>
                                         <p:tgtEl>
                                           <p:spTgt spid="158">
                                             <p:txEl>
-                                              <p:pRg end="5" st="5"/>
+                                              <p:pRg st="5" end="5"/>
                                             </p:txEl>
                                           </p:spTgt>
                                         </p:tgtEl>
@@ -12361,12 +12388,12 @@
                                         </p:attrNameLst>
                                       </p:cBhvr>
                                       <p:tavLst>
-                                        <p:tav fmla="" tm="0">
+                                        <p:tav tm="0">
                                           <p:val>
                                             <p:strVal val="#ppt_y+1"/>
                                           </p:val>
                                         </p:tav>
-                                        <p:tav fmla="" tm="100000">
+                                        <p:tav tm="100000">
                                           <p:val>
                                             <p:strVal val="#ppt_y"/>
                                           </p:val>
@@ -12385,14 +12412,14 @@
                 </p:childTnLst>
               </p:cTn>
               <p:prevCondLst>
-                <p:cond evt="onPrev">
+                <p:cond evt="onPrev" delay="0">
                   <p:tgtEl>
                     <p:sldTgt/>
                   </p:tgtEl>
                 </p:cond>
               </p:prevCondLst>
               <p:nextCondLst>
-                <p:cond evt="onNext">
+                <p:cond evt="onNext" delay="0">
                   <p:tgtEl>
                     <p:sldTgt/>
                   </p:tgtEl>
@@ -12408,11 +12435,11 @@
 </file>
 
 <file path=ppt/slides/slide5.xml><?xml version="1.0" encoding="utf-8"?>
-<p:sld xmlns:a="http://schemas.openxmlformats.org/drawingml/2006/main" xmlns:r="http://schemas.openxmlformats.org/officeDocument/2006/relationships" xmlns:mc="http://schemas.openxmlformats.org/markup-compatibility/2006" xmlns:mv="urn:schemas-microsoft-com:mac:vml" xmlns:p="http://schemas.openxmlformats.org/presentationml/2006/main" xmlns:c="http://schemas.openxmlformats.org/drawingml/2006/chart" xmlns:dgm="http://schemas.openxmlformats.org/drawingml/2006/diagram" xmlns:o="urn:schemas-microsoft-com:office:office" xmlns:v="urn:schemas-microsoft-com:vml" xmlns:pvml="urn:schemas-microsoft-com:office:powerpoint" xmlns:com="http://schemas.openxmlformats.org/drawingml/2006/compatibility" xmlns:p14="http://schemas.microsoft.com/office/powerpoint/2010/main" xmlns:p15="http://schemas.microsoft.com/office/powerpoint/2012/main" xmlns:ahyp="http://schemas.microsoft.com/office/drawing/2018/hyperlinkcolor">
+<p:sld xmlns:a="http://schemas.openxmlformats.org/drawingml/2006/main" xmlns:r="http://schemas.openxmlformats.org/officeDocument/2006/relationships" xmlns:p="http://schemas.openxmlformats.org/presentationml/2006/main">
   <p:cSld>
     <p:spTree>
       <p:nvGrpSpPr>
-        <p:cNvPr id="162" name="Shape 162"/>
+        <p:cNvPr id="1" name="Shape 162"/>
         <p:cNvGrpSpPr/>
         <p:nvPr/>
       </p:nvGrpSpPr>
@@ -12427,7 +12454,9 @@
       <p:sp>
         <p:nvSpPr>
           <p:cNvPr id="163" name="Google Shape;163;p6"/>
-          <p:cNvSpPr txBox="1"/>
+          <p:cNvSpPr txBox="1">
+            <a:spLocks noGrp="1"/>
+          </p:cNvSpPr>
           <p:nvPr>
             <p:ph type="title"/>
           </p:nvPr>
@@ -12446,12 +12475,12 @@
           </a:ln>
         </p:spPr>
         <p:txBody>
-          <a:bodyPr anchorCtr="0" anchor="t" bIns="45700" lIns="91425" spcFirstLastPara="1" rIns="91425" wrap="square" tIns="45700">
+          <a:bodyPr spcFirstLastPara="1" wrap="square" lIns="91425" tIns="45700" rIns="91425" bIns="45700" anchor="t" anchorCtr="0">
             <a:normAutofit/>
           </a:bodyPr>
           <a:lstStyle/>
           <a:p>
-            <a:pPr indent="0" lvl="0" marL="0" rtl="0" algn="l">
+            <a:pPr marL="0" lvl="0" indent="0" algn="l" rtl="0">
               <a:spcBef>
                 <a:spcPts val="0"/>
               </a:spcBef>
@@ -12486,9 +12515,11 @@
       <p:sp>
         <p:nvSpPr>
           <p:cNvPr id="164" name="Google Shape;164;p6"/>
-          <p:cNvSpPr txBox="1"/>
+          <p:cNvSpPr txBox="1">
+            <a:spLocks noGrp="1"/>
+          </p:cNvSpPr>
           <p:nvPr>
-            <p:ph idx="1" type="body"/>
+            <p:ph type="body" idx="1"/>
           </p:nvPr>
         </p:nvSpPr>
         <p:spPr>
@@ -12505,12 +12536,12 @@
           </a:ln>
         </p:spPr>
         <p:txBody>
-          <a:bodyPr anchorCtr="0" anchor="t" bIns="45700" lIns="91425" spcFirstLastPara="1" rIns="91425" wrap="square" tIns="45700">
+          <a:bodyPr spcFirstLastPara="1" wrap="square" lIns="91425" tIns="45700" rIns="91425" bIns="45700" anchor="t" anchorCtr="0">
             <a:noAutofit/>
           </a:bodyPr>
           <a:lstStyle/>
           <a:p>
-            <a:pPr indent="-342900" lvl="0" marL="342900" rtl="0" algn="l">
+            <a:pPr marL="342900" lvl="0" indent="-342900" algn="l" rtl="0">
               <a:spcBef>
                 <a:spcPts val="0"/>
               </a:spcBef>
@@ -12538,7 +12569,7 @@
             </a:endParaRPr>
           </a:p>
           <a:p>
-            <a:pPr indent="0" lvl="0" marL="0" rtl="0" algn="l">
+            <a:pPr marL="0" lvl="0" indent="0" algn="l" rtl="0">
               <a:spcBef>
                 <a:spcPts val="1000"/>
               </a:spcBef>
@@ -12558,7 +12589,7 @@
               <a:t>              </a:t>
             </a:r>
             <a:r>
-              <a:rPr b="1" lang="en-GB">
+              <a:rPr lang="en-GB" b="1">
                 <a:latin typeface="Calibri"/>
                 <a:ea typeface="Calibri"/>
                 <a:cs typeface="Calibri"/>
@@ -12574,7 +12605,7 @@
             </a:endParaRPr>
           </a:p>
           <a:p>
-            <a:pPr indent="0" lvl="0" marL="0" rtl="0" algn="l">
+            <a:pPr marL="0" lvl="0" indent="0" algn="l" rtl="0">
               <a:spcBef>
                 <a:spcPts val="1000"/>
               </a:spcBef>
@@ -12584,9 +12615,6 @@
               <a:buSzPts val="1440"/>
               <a:buNone/>
             </a:pPr>
-            <a:r>
-              <a:t/>
-            </a:r>
             <a:endParaRPr>
               <a:latin typeface="Calibri"/>
               <a:ea typeface="Calibri"/>
@@ -12616,12 +12644,12 @@
           </a:ln>
         </p:spPr>
         <p:txBody>
-          <a:bodyPr anchorCtr="0" anchor="t" bIns="45700" lIns="91425" spcFirstLastPara="1" rIns="91425" wrap="square" tIns="45700">
+          <a:bodyPr spcFirstLastPara="1" wrap="square" lIns="91425" tIns="45700" rIns="91425" bIns="45700" anchor="t" anchorCtr="0">
             <a:noAutofit/>
           </a:bodyPr>
           <a:lstStyle/>
           <a:p>
-            <a:pPr indent="-342900" lvl="0" marL="342900" marR="0" rtl="0" algn="l">
+            <a:pPr marL="342900" marR="0" lvl="0" indent="-342900" algn="l" rtl="0">
               <a:spcBef>
                 <a:spcPts val="0"/>
               </a:spcBef>
@@ -12658,7 +12686,7 @@
             </a:endParaRPr>
           </a:p>
           <a:p>
-            <a:pPr indent="0" lvl="0" marL="0" marR="0" rtl="0" algn="l">
+            <a:pPr marL="0" marR="0" lvl="0" indent="0" algn="l" rtl="0">
               <a:spcBef>
                 <a:spcPts val="1000"/>
               </a:spcBef>
@@ -12685,7 +12713,7 @@
               <a:t>             	</a:t>
             </a:r>
             <a:r>
-              <a:rPr b="1" lang="en-GB" sz="1800">
+              <a:rPr lang="en-GB" sz="1800" b="1">
                 <a:solidFill>
                   <a:schemeClr val="lt1"/>
                 </a:solidFill>
@@ -12696,7 +12724,7 @@
               </a:rPr>
               <a:t>NodeJS, ExpressJS, MongoDB</a:t>
             </a:r>
-            <a:endParaRPr b="1" sz="1800" u="none">
+            <a:endParaRPr sz="1800" b="1" u="none">
               <a:solidFill>
                 <a:schemeClr val="lt1"/>
               </a:solidFill>
@@ -12707,7 +12735,7 @@
             </a:endParaRPr>
           </a:p>
           <a:p>
-            <a:pPr indent="0" lvl="0" marL="0" marR="0" rtl="0" algn="l">
+            <a:pPr marL="0" marR="0" lvl="0" indent="0" algn="l" rtl="0">
               <a:spcBef>
                 <a:spcPts val="1000"/>
               </a:spcBef>
@@ -12721,9 +12749,6 @@
               <a:buFont typeface="Noto Sans Symbols"/>
               <a:buNone/>
             </a:pPr>
-            <a:r>
-              <a:t/>
-            </a:r>
             <a:endParaRPr sz="1800" u="none">
               <a:solidFill>
                 <a:schemeClr val="lt1"/>
@@ -12744,13 +12769,13 @@
   <p:timing>
     <p:tnLst>
       <p:par>
-        <p:cTn dur="indefinite" nodeType="tmRoot" restart="never">
+        <p:cTn id="1" dur="indefinite" restart="never" nodeType="tmRoot">
           <p:childTnLst>
             <p:seq concurrent="1" nextAc="seek">
-              <p:cTn dur="indefinite" id="2" nodeType="mainSeq">
+              <p:cTn id="2" dur="indefinite" nodeType="mainSeq">
                 <p:childTnLst>
                   <p:par>
-                    <p:cTn fill="hold">
+                    <p:cTn id="3" fill="hold">
                       <p:stCondLst>
                         <p:cond delay="indefinite"/>
                         <p:cond evt="onBegin" delay="0">
@@ -12759,20 +12784,20 @@
                       </p:stCondLst>
                       <p:childTnLst>
                         <p:par>
-                          <p:cTn fill="hold">
+                          <p:cTn id="4" fill="hold">
                             <p:stCondLst>
                               <p:cond delay="0"/>
                             </p:stCondLst>
                             <p:childTnLst>
                               <p:par>
-                                <p:cTn fill="hold" nodeType="withEffect" presetClass="entr" presetID="2" presetSubtype="4">
+                                <p:cTn id="5" presetID="2" presetClass="entr" presetSubtype="4" fill="hold" nodeType="withEffect">
                                   <p:stCondLst>
                                     <p:cond delay="0"/>
                                   </p:stCondLst>
                                   <p:childTnLst>
                                     <p:set>
                                       <p:cBhvr>
-                                        <p:cTn dur="1" fill="hold">
+                                        <p:cTn id="6" dur="1" fill="hold">
                                           <p:stCondLst>
                                             <p:cond delay="0"/>
                                           </p:stCondLst>
@@ -12790,7 +12815,7 @@
                                     </p:set>
                                     <p:anim calcmode="lin" valueType="num">
                                       <p:cBhvr additive="base">
-                                        <p:cTn dur="500"/>
+                                        <p:cTn id="7" dur="500"/>
                                         <p:tgtEl>
                                           <p:spTgt spid="163"/>
                                         </p:tgtEl>
@@ -12799,12 +12824,12 @@
                                         </p:attrNameLst>
                                       </p:cBhvr>
                                       <p:tavLst>
-                                        <p:tav fmla="" tm="0">
+                                        <p:tav tm="0">
                                           <p:val>
                                             <p:strVal val="#ppt_y+1"/>
                                           </p:val>
                                         </p:tav>
-                                        <p:tav fmla="" tm="100000">
+                                        <p:tav tm="100000">
                                           <p:val>
                                             <p:strVal val="#ppt_y"/>
                                           </p:val>
@@ -12815,14 +12840,14 @@
                                 </p:cTn>
                               </p:par>
                               <p:par>
-                                <p:cTn fill="hold" nodeType="withEffect" presetClass="entr" presetID="2" presetSubtype="4">
+                                <p:cTn id="8" presetID="2" presetClass="entr" presetSubtype="4" fill="hold" nodeType="withEffect">
                                   <p:stCondLst>
                                     <p:cond delay="0"/>
                                   </p:stCondLst>
                                   <p:childTnLst>
                                     <p:set>
                                       <p:cBhvr>
-                                        <p:cTn dur="1" fill="hold">
+                                        <p:cTn id="9" dur="1" fill="hold">
                                           <p:stCondLst>
                                             <p:cond delay="0"/>
                                           </p:stCondLst>
@@ -12830,7 +12855,7 @@
                                         <p:tgtEl>
                                           <p:spTgt spid="164">
                                             <p:txEl>
-                                              <p:pRg end="0" st="0"/>
+                                              <p:pRg st="0" end="0"/>
                                             </p:txEl>
                                           </p:spTgt>
                                         </p:tgtEl>
@@ -12844,11 +12869,11 @@
                                     </p:set>
                                     <p:anim calcmode="lin" valueType="num">
                                       <p:cBhvr additive="base">
-                                        <p:cTn dur="500"/>
+                                        <p:cTn id="10" dur="500"/>
                                         <p:tgtEl>
                                           <p:spTgt spid="164">
                                             <p:txEl>
-                                              <p:pRg end="0" st="0"/>
+                                              <p:pRg st="0" end="0"/>
                                             </p:txEl>
                                           </p:spTgt>
                                         </p:tgtEl>
@@ -12857,12 +12882,12 @@
                                         </p:attrNameLst>
                                       </p:cBhvr>
                                       <p:tavLst>
-                                        <p:tav fmla="" tm="0">
+                                        <p:tav tm="0">
                                           <p:val>
                                             <p:strVal val="#ppt_y+1"/>
                                           </p:val>
                                         </p:tav>
-                                        <p:tav fmla="" tm="100000">
+                                        <p:tav tm="100000">
                                           <p:val>
                                             <p:strVal val="#ppt_y"/>
                                           </p:val>
@@ -12873,14 +12898,14 @@
                                 </p:cTn>
                               </p:par>
                               <p:par>
-                                <p:cTn fill="hold" nodeType="withEffect" presetClass="entr" presetID="2" presetSubtype="4">
+                                <p:cTn id="11" presetID="2" presetClass="entr" presetSubtype="4" fill="hold" nodeType="withEffect">
                                   <p:stCondLst>
                                     <p:cond delay="0"/>
                                   </p:stCondLst>
                                   <p:childTnLst>
                                     <p:set>
                                       <p:cBhvr>
-                                        <p:cTn dur="1" fill="hold">
+                                        <p:cTn id="12" dur="1" fill="hold">
                                           <p:stCondLst>
                                             <p:cond delay="0"/>
                                           </p:stCondLst>
@@ -12888,7 +12913,7 @@
                                         <p:tgtEl>
                                           <p:spTgt spid="164">
                                             <p:txEl>
-                                              <p:pRg end="1" st="1"/>
+                                              <p:pRg st="1" end="1"/>
                                             </p:txEl>
                                           </p:spTgt>
                                         </p:tgtEl>
@@ -12902,11 +12927,11 @@
                                     </p:set>
                                     <p:anim calcmode="lin" valueType="num">
                                       <p:cBhvr additive="base">
-                                        <p:cTn dur="500"/>
+                                        <p:cTn id="13" dur="500"/>
                                         <p:tgtEl>
                                           <p:spTgt spid="164">
                                             <p:txEl>
-                                              <p:pRg end="1" st="1"/>
+                                              <p:pRg st="1" end="1"/>
                                             </p:txEl>
                                           </p:spTgt>
                                         </p:tgtEl>
@@ -12915,12 +12940,12 @@
                                         </p:attrNameLst>
                                       </p:cBhvr>
                                       <p:tavLst>
-                                        <p:tav fmla="" tm="0">
+                                        <p:tav tm="0">
                                           <p:val>
                                             <p:strVal val="#ppt_y+1"/>
                                           </p:val>
                                         </p:tav>
-                                        <p:tav fmla="" tm="100000">
+                                        <p:tav tm="100000">
                                           <p:val>
                                             <p:strVal val="#ppt_y"/>
                                           </p:val>
@@ -12931,14 +12956,14 @@
                                 </p:cTn>
                               </p:par>
                               <p:par>
-                                <p:cTn fill="hold" nodeType="withEffect" presetClass="entr" presetID="2" presetSubtype="4">
+                                <p:cTn id="14" presetID="2" presetClass="entr" presetSubtype="4" fill="hold" nodeType="withEffect">
                                   <p:stCondLst>
                                     <p:cond delay="0"/>
                                   </p:stCondLst>
                                   <p:childTnLst>
                                     <p:set>
                                       <p:cBhvr>
-                                        <p:cTn dur="1" fill="hold">
+                                        <p:cTn id="15" dur="1" fill="hold">
                                           <p:stCondLst>
                                             <p:cond delay="0"/>
                                           </p:stCondLst>
@@ -12946,7 +12971,7 @@
                                         <p:tgtEl>
                                           <p:spTgt spid="164">
                                             <p:txEl>
-                                              <p:pRg end="2" st="2"/>
+                                              <p:pRg st="2" end="2"/>
                                             </p:txEl>
                                           </p:spTgt>
                                         </p:tgtEl>
@@ -12960,11 +12985,11 @@
                                     </p:set>
                                     <p:anim calcmode="lin" valueType="num">
                                       <p:cBhvr additive="base">
-                                        <p:cTn dur="500"/>
+                                        <p:cTn id="16" dur="500"/>
                                         <p:tgtEl>
                                           <p:spTgt spid="164">
                                             <p:txEl>
-                                              <p:pRg end="2" st="2"/>
+                                              <p:pRg st="2" end="2"/>
                                             </p:txEl>
                                           </p:spTgt>
                                         </p:tgtEl>
@@ -12973,12 +12998,12 @@
                                         </p:attrNameLst>
                                       </p:cBhvr>
                                       <p:tavLst>
-                                        <p:tav fmla="" tm="0">
+                                        <p:tav tm="0">
                                           <p:val>
                                             <p:strVal val="#ppt_y+1"/>
                                           </p:val>
                                         </p:tav>
-                                        <p:tav fmla="" tm="100000">
+                                        <p:tav tm="100000">
                                           <p:val>
                                             <p:strVal val="#ppt_y"/>
                                           </p:val>
@@ -12989,14 +13014,14 @@
                                 </p:cTn>
                               </p:par>
                               <p:par>
-                                <p:cTn fill="hold" nodeType="withEffect" presetClass="entr" presetID="2" presetSubtype="4">
+                                <p:cTn id="17" presetID="2" presetClass="entr" presetSubtype="4" fill="hold" nodeType="withEffect">
                                   <p:stCondLst>
                                     <p:cond delay="0"/>
                                   </p:stCondLst>
                                   <p:childTnLst>
                                     <p:set>
                                       <p:cBhvr>
-                                        <p:cTn dur="1" fill="hold">
+                                        <p:cTn id="18" dur="1" fill="hold">
                                           <p:stCondLst>
                                             <p:cond delay="0"/>
                                           </p:stCondLst>
@@ -13004,7 +13029,7 @@
                                         <p:tgtEl>
                                           <p:spTgt spid="165">
                                             <p:txEl>
-                                              <p:pRg end="0" st="0"/>
+                                              <p:pRg st="0" end="0"/>
                                             </p:txEl>
                                           </p:spTgt>
                                         </p:tgtEl>
@@ -13018,11 +13043,11 @@
                                     </p:set>
                                     <p:anim calcmode="lin" valueType="num">
                                       <p:cBhvr additive="base">
-                                        <p:cTn dur="500"/>
+                                        <p:cTn id="19" dur="500"/>
                                         <p:tgtEl>
                                           <p:spTgt spid="165">
                                             <p:txEl>
-                                              <p:pRg end="0" st="0"/>
+                                              <p:pRg st="0" end="0"/>
                                             </p:txEl>
                                           </p:spTgt>
                                         </p:tgtEl>
@@ -13031,12 +13056,12 @@
                                         </p:attrNameLst>
                                       </p:cBhvr>
                                       <p:tavLst>
-                                        <p:tav fmla="" tm="0">
+                                        <p:tav tm="0">
                                           <p:val>
                                             <p:strVal val="#ppt_y+1"/>
                                           </p:val>
                                         </p:tav>
-                                        <p:tav fmla="" tm="100000">
+                                        <p:tav tm="100000">
                                           <p:val>
                                             <p:strVal val="#ppt_y"/>
                                           </p:val>
@@ -13047,14 +13072,14 @@
                                 </p:cTn>
                               </p:par>
                               <p:par>
-                                <p:cTn fill="hold" nodeType="withEffect" presetClass="entr" presetID="2" presetSubtype="4">
+                                <p:cTn id="20" presetID="2" presetClass="entr" presetSubtype="4" fill="hold" nodeType="withEffect">
                                   <p:stCondLst>
                                     <p:cond delay="0"/>
                                   </p:stCondLst>
                                   <p:childTnLst>
                                     <p:set>
                                       <p:cBhvr>
-                                        <p:cTn dur="1" fill="hold">
+                                        <p:cTn id="21" dur="1" fill="hold">
                                           <p:stCondLst>
                                             <p:cond delay="0"/>
                                           </p:stCondLst>
@@ -13062,7 +13087,7 @@
                                         <p:tgtEl>
                                           <p:spTgt spid="165">
                                             <p:txEl>
-                                              <p:pRg end="1" st="1"/>
+                                              <p:pRg st="1" end="1"/>
                                             </p:txEl>
                                           </p:spTgt>
                                         </p:tgtEl>
@@ -13076,11 +13101,11 @@
                                     </p:set>
                                     <p:anim calcmode="lin" valueType="num">
                                       <p:cBhvr additive="base">
-                                        <p:cTn dur="500"/>
+                                        <p:cTn id="22" dur="500"/>
                                         <p:tgtEl>
                                           <p:spTgt spid="165">
                                             <p:txEl>
-                                              <p:pRg end="1" st="1"/>
+                                              <p:pRg st="1" end="1"/>
                                             </p:txEl>
                                           </p:spTgt>
                                         </p:tgtEl>
@@ -13089,12 +13114,12 @@
                                         </p:attrNameLst>
                                       </p:cBhvr>
                                       <p:tavLst>
-                                        <p:tav fmla="" tm="0">
+                                        <p:tav tm="0">
                                           <p:val>
                                             <p:strVal val="#ppt_y+1"/>
                                           </p:val>
                                         </p:tav>
-                                        <p:tav fmla="" tm="100000">
+                                        <p:tav tm="100000">
                                           <p:val>
                                             <p:strVal val="#ppt_y"/>
                                           </p:val>
@@ -13105,14 +13130,14 @@
                                 </p:cTn>
                               </p:par>
                               <p:par>
-                                <p:cTn fill="hold" nodeType="withEffect" presetClass="entr" presetID="2" presetSubtype="4">
+                                <p:cTn id="23" presetID="2" presetClass="entr" presetSubtype="4" fill="hold" nodeType="withEffect">
                                   <p:stCondLst>
                                     <p:cond delay="0"/>
                                   </p:stCondLst>
                                   <p:childTnLst>
                                     <p:set>
                                       <p:cBhvr>
-                                        <p:cTn dur="1" fill="hold">
+                                        <p:cTn id="24" dur="1" fill="hold">
                                           <p:stCondLst>
                                             <p:cond delay="0"/>
                                           </p:stCondLst>
@@ -13120,7 +13145,7 @@
                                         <p:tgtEl>
                                           <p:spTgt spid="165">
                                             <p:txEl>
-                                              <p:pRg end="2" st="2"/>
+                                              <p:pRg st="2" end="2"/>
                                             </p:txEl>
                                           </p:spTgt>
                                         </p:tgtEl>
@@ -13134,11 +13159,11 @@
                                     </p:set>
                                     <p:anim calcmode="lin" valueType="num">
                                       <p:cBhvr additive="base">
-                                        <p:cTn dur="500"/>
+                                        <p:cTn id="25" dur="500"/>
                                         <p:tgtEl>
                                           <p:spTgt spid="165">
                                             <p:txEl>
-                                              <p:pRg end="2" st="2"/>
+                                              <p:pRg st="2" end="2"/>
                                             </p:txEl>
                                           </p:spTgt>
                                         </p:tgtEl>
@@ -13147,12 +13172,12 @@
                                         </p:attrNameLst>
                                       </p:cBhvr>
                                       <p:tavLst>
-                                        <p:tav fmla="" tm="0">
+                                        <p:tav tm="0">
                                           <p:val>
                                             <p:strVal val="#ppt_y+1"/>
                                           </p:val>
                                         </p:tav>
-                                        <p:tav fmla="" tm="100000">
+                                        <p:tav tm="100000">
                                           <p:val>
                                             <p:strVal val="#ppt_y"/>
                                           </p:val>
@@ -13171,14 +13196,14 @@
                 </p:childTnLst>
               </p:cTn>
               <p:prevCondLst>
-                <p:cond evt="onPrev">
+                <p:cond evt="onPrev" delay="0">
                   <p:tgtEl>
                     <p:sldTgt/>
                   </p:tgtEl>
                 </p:cond>
               </p:prevCondLst>
               <p:nextCondLst>
-                <p:cond evt="onNext">
+                <p:cond evt="onNext" delay="0">
                   <p:tgtEl>
                     <p:sldTgt/>
                   </p:tgtEl>
@@ -13194,11 +13219,11 @@
 </file>
 
 <file path=ppt/slides/slide6.xml><?xml version="1.0" encoding="utf-8"?>
-<p:sld xmlns:a="http://schemas.openxmlformats.org/drawingml/2006/main" xmlns:r="http://schemas.openxmlformats.org/officeDocument/2006/relationships" xmlns:mc="http://schemas.openxmlformats.org/markup-compatibility/2006" xmlns:mv="urn:schemas-microsoft-com:mac:vml" xmlns:p="http://schemas.openxmlformats.org/presentationml/2006/main" xmlns:c="http://schemas.openxmlformats.org/drawingml/2006/chart" xmlns:dgm="http://schemas.openxmlformats.org/drawingml/2006/diagram" xmlns:o="urn:schemas-microsoft-com:office:office" xmlns:v="urn:schemas-microsoft-com:vml" xmlns:pvml="urn:schemas-microsoft-com:office:powerpoint" xmlns:com="http://schemas.openxmlformats.org/drawingml/2006/compatibility" xmlns:p14="http://schemas.microsoft.com/office/powerpoint/2010/main" xmlns:p15="http://schemas.microsoft.com/office/powerpoint/2012/main" xmlns:ahyp="http://schemas.microsoft.com/office/drawing/2018/hyperlinkcolor">
+<p:sld xmlns:a="http://schemas.openxmlformats.org/drawingml/2006/main" xmlns:r="http://schemas.openxmlformats.org/officeDocument/2006/relationships" xmlns:p="http://schemas.openxmlformats.org/presentationml/2006/main">
   <p:cSld>
     <p:spTree>
       <p:nvGrpSpPr>
-        <p:cNvPr id="169" name="Shape 169"/>
+        <p:cNvPr id="1" name="Shape 169"/>
         <p:cNvGrpSpPr/>
         <p:nvPr/>
       </p:nvGrpSpPr>
@@ -13213,7 +13238,9 @@
       <p:sp>
         <p:nvSpPr>
           <p:cNvPr id="170" name="Google Shape;170;p7"/>
-          <p:cNvSpPr txBox="1"/>
+          <p:cNvSpPr txBox="1">
+            <a:spLocks noGrp="1"/>
+          </p:cNvSpPr>
           <p:nvPr>
             <p:ph type="title"/>
           </p:nvPr>
@@ -13232,12 +13259,12 @@
           </a:ln>
         </p:spPr>
         <p:txBody>
-          <a:bodyPr anchorCtr="0" anchor="t" bIns="45700" lIns="91425" spcFirstLastPara="1" rIns="91425" wrap="square" tIns="45700">
+          <a:bodyPr spcFirstLastPara="1" wrap="square" lIns="91425" tIns="45700" rIns="91425" bIns="45700" anchor="t" anchorCtr="0">
             <a:noAutofit/>
           </a:bodyPr>
           <a:lstStyle/>
           <a:p>
-            <a:pPr indent="0" lvl="0" marL="0" rtl="0" algn="l">
+            <a:pPr marL="0" lvl="0" indent="0" algn="l" rtl="0">
               <a:spcBef>
                 <a:spcPts val="0"/>
               </a:spcBef>
@@ -13297,12 +13324,12 @@
           </a:ln>
         </p:spPr>
         <p:txBody>
-          <a:bodyPr anchorCtr="0" anchor="t" bIns="45700" lIns="91425" spcFirstLastPara="1" rIns="91425" wrap="square" tIns="45700">
+          <a:bodyPr spcFirstLastPara="1" wrap="square" lIns="91425" tIns="45700" rIns="91425" bIns="45700" anchor="t" anchorCtr="0">
             <a:spAutoFit/>
           </a:bodyPr>
           <a:lstStyle/>
           <a:p>
-            <a:pPr indent="-342900" lvl="0" marL="342900" marR="0" rtl="0" algn="l">
+            <a:pPr marL="342900" marR="0" lvl="0" indent="-342900" algn="l" rtl="0">
               <a:spcBef>
                 <a:spcPts val="0"/>
               </a:spcBef>
@@ -13317,7 +13344,7 @@
               <a:buChar char="▪"/>
             </a:pPr>
             <a:r>
-              <a:rPr b="1" lang="en-GB" sz="2000">
+              <a:rPr lang="en-GB" sz="2000" b="1">
                 <a:solidFill>
                   <a:schemeClr val="lt1"/>
                 </a:solidFill>
@@ -13360,12 +13387,12 @@
           </a:ln>
         </p:spPr>
         <p:txBody>
-          <a:bodyPr anchorCtr="0" anchor="t" bIns="45700" lIns="91425" spcFirstLastPara="1" rIns="91425" wrap="square" tIns="45700">
+          <a:bodyPr spcFirstLastPara="1" wrap="square" lIns="91425" tIns="45700" rIns="91425" bIns="45700" anchor="t" anchorCtr="0">
             <a:spAutoFit/>
           </a:bodyPr>
           <a:lstStyle/>
           <a:p>
-            <a:pPr indent="0" lvl="0" marL="0" marR="0" rtl="0" algn="l">
+            <a:pPr marL="0" marR="0" lvl="0" indent="0" algn="l" rtl="0">
               <a:spcBef>
                 <a:spcPts val="0"/>
               </a:spcBef>
@@ -13374,9 +13401,6 @@
               </a:spcAft>
               <a:buNone/>
             </a:pPr>
-            <a:r>
-              <a:t/>
-            </a:r>
             <a:endParaRPr sz="1800">
               <a:solidFill>
                 <a:schemeClr val="dk1"/>
@@ -13409,12 +13433,12 @@
           </a:ln>
         </p:spPr>
         <p:txBody>
-          <a:bodyPr anchorCtr="0" anchor="t" bIns="45700" lIns="91425" spcFirstLastPara="1" rIns="91425" wrap="square" tIns="45700">
+          <a:bodyPr spcFirstLastPara="1" wrap="square" lIns="91425" tIns="45700" rIns="91425" bIns="45700" anchor="t" anchorCtr="0">
             <a:spAutoFit/>
           </a:bodyPr>
           <a:lstStyle/>
           <a:p>
-            <a:pPr indent="-342900" lvl="0" marL="342900" marR="0" rtl="0" algn="l">
+            <a:pPr marL="342900" marR="0" lvl="0" indent="-342900" algn="l" rtl="0">
               <a:spcBef>
                 <a:spcPts val="0"/>
               </a:spcBef>
@@ -13429,7 +13453,7 @@
               <a:buChar char="▪"/>
             </a:pPr>
             <a:r>
-              <a:rPr b="1" lang="en-GB" sz="2000">
+              <a:rPr lang="en-GB" sz="2000" b="1">
                 <a:solidFill>
                   <a:schemeClr val="lt1"/>
                 </a:solidFill>
@@ -13516,13 +13540,13 @@
   <p:timing>
     <p:tnLst>
       <p:par>
-        <p:cTn dur="indefinite" nodeType="tmRoot" restart="never">
+        <p:cTn id="1" dur="indefinite" restart="never" nodeType="tmRoot">
           <p:childTnLst>
             <p:seq concurrent="1" nextAc="seek">
-              <p:cTn dur="indefinite" id="2" nodeType="mainSeq">
+              <p:cTn id="2" dur="indefinite" nodeType="mainSeq">
                 <p:childTnLst>
                   <p:par>
-                    <p:cTn fill="hold">
+                    <p:cTn id="3" fill="hold">
                       <p:stCondLst>
                         <p:cond delay="indefinite"/>
                         <p:cond evt="onBegin" delay="0">
@@ -13531,20 +13555,20 @@
                       </p:stCondLst>
                       <p:childTnLst>
                         <p:par>
-                          <p:cTn fill="hold">
+                          <p:cTn id="4" fill="hold">
                             <p:stCondLst>
                               <p:cond delay="0"/>
                             </p:stCondLst>
                             <p:childTnLst>
                               <p:par>
-                                <p:cTn fill="hold" nodeType="withEffect" presetClass="entr" presetID="2" presetSubtype="4">
+                                <p:cTn id="5" presetID="2" presetClass="entr" presetSubtype="4" fill="hold" nodeType="withEffect">
                                   <p:stCondLst>
                                     <p:cond delay="0"/>
                                   </p:stCondLst>
                                   <p:childTnLst>
                                     <p:set>
                                       <p:cBhvr>
-                                        <p:cTn dur="1" fill="hold">
+                                        <p:cTn id="6" dur="1" fill="hold">
                                           <p:stCondLst>
                                             <p:cond delay="0"/>
                                           </p:stCondLst>
@@ -13562,7 +13586,7 @@
                                     </p:set>
                                     <p:anim calcmode="lin" valueType="num">
                                       <p:cBhvr additive="base">
-                                        <p:cTn dur="500"/>
+                                        <p:cTn id="7" dur="500"/>
                                         <p:tgtEl>
                                           <p:spTgt spid="171"/>
                                         </p:tgtEl>
@@ -13571,12 +13595,12 @@
                                         </p:attrNameLst>
                                       </p:cBhvr>
                                       <p:tavLst>
-                                        <p:tav fmla="" tm="0">
+                                        <p:tav tm="0">
                                           <p:val>
                                             <p:strVal val="#ppt_y+1"/>
                                           </p:val>
                                         </p:tav>
-                                        <p:tav fmla="" tm="100000">
+                                        <p:tav tm="100000">
                                           <p:val>
                                             <p:strVal val="#ppt_y"/>
                                           </p:val>
@@ -13587,14 +13611,14 @@
                                 </p:cTn>
                               </p:par>
                               <p:par>
-                                <p:cTn fill="hold" nodeType="withEffect" presetClass="entr" presetID="2" presetSubtype="4">
+                                <p:cTn id="8" presetID="2" presetClass="entr" presetSubtype="4" fill="hold" nodeType="withEffect">
                                   <p:stCondLst>
                                     <p:cond delay="0"/>
                                   </p:stCondLst>
                                   <p:childTnLst>
                                     <p:set>
                                       <p:cBhvr>
-                                        <p:cTn dur="1" fill="hold">
+                                        <p:cTn id="9" dur="1" fill="hold">
                                           <p:stCondLst>
                                             <p:cond delay="0"/>
                                           </p:stCondLst>
@@ -13612,7 +13636,7 @@
                                     </p:set>
                                     <p:anim calcmode="lin" valueType="num">
                                       <p:cBhvr additive="base">
-                                        <p:cTn dur="500"/>
+                                        <p:cTn id="10" dur="500"/>
                                         <p:tgtEl>
                                           <p:spTgt spid="173"/>
                                         </p:tgtEl>
@@ -13621,12 +13645,12 @@
                                         </p:attrNameLst>
                                       </p:cBhvr>
                                       <p:tavLst>
-                                        <p:tav fmla="" tm="0">
+                                        <p:tav tm="0">
                                           <p:val>
                                             <p:strVal val="#ppt_y+1"/>
                                           </p:val>
                                         </p:tav>
-                                        <p:tav fmla="" tm="100000">
+                                        <p:tav tm="100000">
                                           <p:val>
                                             <p:strVal val="#ppt_y"/>
                                           </p:val>
@@ -13637,14 +13661,14 @@
                                 </p:cTn>
                               </p:par>
                               <p:par>
-                                <p:cTn fill="hold" nodeType="withEffect" presetClass="entr" presetID="2" presetSubtype="4">
+                                <p:cTn id="11" presetID="2" presetClass="entr" presetSubtype="4" fill="hold" nodeType="withEffect">
                                   <p:stCondLst>
                                     <p:cond delay="0"/>
                                   </p:stCondLst>
                                   <p:childTnLst>
                                     <p:set>
                                       <p:cBhvr>
-                                        <p:cTn dur="1" fill="hold">
+                                        <p:cTn id="12" dur="1" fill="hold">
                                           <p:stCondLst>
                                             <p:cond delay="0"/>
                                           </p:stCondLst>
@@ -13662,7 +13686,7 @@
                                     </p:set>
                                     <p:anim calcmode="lin" valueType="num">
                                       <p:cBhvr additive="base">
-                                        <p:cTn dur="500"/>
+                                        <p:cTn id="13" dur="500"/>
                                         <p:tgtEl>
                                           <p:spTgt spid="170"/>
                                         </p:tgtEl>
@@ -13671,12 +13695,12 @@
                                         </p:attrNameLst>
                                       </p:cBhvr>
                                       <p:tavLst>
-                                        <p:tav fmla="" tm="0">
+                                        <p:tav tm="0">
                                           <p:val>
                                             <p:strVal val="#ppt_y+1"/>
                                           </p:val>
                                         </p:tav>
-                                        <p:tav fmla="" tm="100000">
+                                        <p:tav tm="100000">
                                           <p:val>
                                             <p:strVal val="#ppt_y"/>
                                           </p:val>
@@ -13695,14 +13719,14 @@
                 </p:childTnLst>
               </p:cTn>
               <p:prevCondLst>
-                <p:cond evt="onPrev">
+                <p:cond evt="onPrev" delay="0">
                   <p:tgtEl>
                     <p:sldTgt/>
                   </p:tgtEl>
                 </p:cond>
               </p:prevCondLst>
               <p:nextCondLst>
-                <p:cond evt="onNext">
+                <p:cond evt="onNext" delay="0">
                   <p:tgtEl>
                     <p:sldTgt/>
                   </p:tgtEl>
@@ -13718,11 +13742,11 @@
 </file>
 
 <file path=ppt/slides/slide7.xml><?xml version="1.0" encoding="utf-8"?>
-<p:sld xmlns:a="http://schemas.openxmlformats.org/drawingml/2006/main" xmlns:r="http://schemas.openxmlformats.org/officeDocument/2006/relationships" xmlns:mc="http://schemas.openxmlformats.org/markup-compatibility/2006" xmlns:mv="urn:schemas-microsoft-com:mac:vml" xmlns:p="http://schemas.openxmlformats.org/presentationml/2006/main" xmlns:c="http://schemas.openxmlformats.org/drawingml/2006/chart" xmlns:dgm="http://schemas.openxmlformats.org/drawingml/2006/diagram" xmlns:o="urn:schemas-microsoft-com:office:office" xmlns:v="urn:schemas-microsoft-com:vml" xmlns:pvml="urn:schemas-microsoft-com:office:powerpoint" xmlns:com="http://schemas.openxmlformats.org/drawingml/2006/compatibility" xmlns:p14="http://schemas.microsoft.com/office/powerpoint/2010/main" xmlns:p15="http://schemas.microsoft.com/office/powerpoint/2012/main" xmlns:ahyp="http://schemas.microsoft.com/office/drawing/2018/hyperlinkcolor">
+<p:sld xmlns:a="http://schemas.openxmlformats.org/drawingml/2006/main" xmlns:r="http://schemas.openxmlformats.org/officeDocument/2006/relationships" xmlns:p="http://schemas.openxmlformats.org/presentationml/2006/main">
   <p:cSld>
     <p:spTree>
       <p:nvGrpSpPr>
-        <p:cNvPr id="179" name="Shape 179"/>
+        <p:cNvPr id="1" name="Shape 179"/>
         <p:cNvGrpSpPr/>
         <p:nvPr/>
       </p:nvGrpSpPr>
@@ -13737,7 +13761,9 @@
       <p:sp>
         <p:nvSpPr>
           <p:cNvPr id="180" name="Google Shape;180;p8"/>
-          <p:cNvSpPr txBox="1"/>
+          <p:cNvSpPr txBox="1">
+            <a:spLocks noGrp="1"/>
+          </p:cNvSpPr>
           <p:nvPr>
             <p:ph type="title"/>
           </p:nvPr>
@@ -13756,12 +13782,12 @@
           </a:ln>
         </p:spPr>
         <p:txBody>
-          <a:bodyPr anchorCtr="0" anchor="t" bIns="45700" lIns="91425" spcFirstLastPara="1" rIns="91425" wrap="square" tIns="45700">
+          <a:bodyPr spcFirstLastPara="1" wrap="square" lIns="91425" tIns="45700" rIns="91425" bIns="45700" anchor="t" anchorCtr="0">
             <a:normAutofit/>
           </a:bodyPr>
           <a:lstStyle/>
           <a:p>
-            <a:pPr indent="0" lvl="0" marL="0" rtl="0" algn="l">
+            <a:pPr marL="0" lvl="0" indent="0" algn="l" rtl="0">
               <a:spcBef>
                 <a:spcPts val="0"/>
               </a:spcBef>
@@ -13795,9 +13821,11 @@
       <p:sp>
         <p:nvSpPr>
           <p:cNvPr id="181" name="Google Shape;181;p8"/>
-          <p:cNvSpPr txBox="1"/>
+          <p:cNvSpPr txBox="1">
+            <a:spLocks noGrp="1"/>
+          </p:cNvSpPr>
           <p:nvPr>
-            <p:ph idx="1" type="body"/>
+            <p:ph type="body" idx="1"/>
           </p:nvPr>
         </p:nvSpPr>
         <p:spPr>
@@ -13814,12 +13842,12 @@
           </a:ln>
         </p:spPr>
         <p:txBody>
-          <a:bodyPr anchorCtr="0" anchor="t" bIns="45700" lIns="91425" spcFirstLastPara="1" rIns="91425" wrap="square" tIns="45700">
+          <a:bodyPr spcFirstLastPara="1" wrap="square" lIns="91425" tIns="45700" rIns="91425" bIns="45700" anchor="t" anchorCtr="0">
             <a:noAutofit/>
           </a:bodyPr>
           <a:lstStyle/>
           <a:p>
-            <a:pPr indent="-342900" lvl="0" marL="342900" rtl="0" algn="l">
+            <a:pPr marL="342900" lvl="0" indent="-342900" algn="l" rtl="0">
               <a:spcBef>
                 <a:spcPts val="0"/>
               </a:spcBef>
@@ -13831,24 +13859,24 @@
               <a:buChar char="⮚"/>
             </a:pPr>
             <a:r>
-              <a:rPr b="1" lang="en-GB" sz="2400">
+              <a:rPr lang="en-GB" b="1" dirty="0" smtClean="0">
                 <a:latin typeface="Calibri"/>
                 <a:ea typeface="Calibri"/>
                 <a:cs typeface="Calibri"/>
                 <a:sym typeface="Calibri"/>
               </a:rPr>
-              <a:t> </a:t>
+              <a:t>Ecommerce </a:t>
             </a:r>
             <a:r>
-              <a:rPr b="1" lang="en-GB">
+              <a:rPr lang="en-GB" b="1" dirty="0">
                 <a:latin typeface="Calibri"/>
                 <a:ea typeface="Calibri"/>
                 <a:cs typeface="Calibri"/>
                 <a:sym typeface="Calibri"/>
               </a:rPr>
-              <a:t>Ecommerce refers to all forms of business activities across the internet.</a:t>
+              <a:t>refers to all forms of business activities across the internet.</a:t>
             </a:r>
-            <a:endParaRPr b="1">
+            <a:endParaRPr b="1" dirty="0">
               <a:latin typeface="Calibri"/>
               <a:ea typeface="Calibri"/>
               <a:cs typeface="Calibri"/>
@@ -13856,7 +13884,7 @@
             </a:endParaRPr>
           </a:p>
           <a:p>
-            <a:pPr indent="-342900" lvl="0" marL="342900" rtl="0" algn="l">
+            <a:pPr marL="342900" lvl="0" indent="-342900" algn="l" rtl="0">
               <a:spcBef>
                 <a:spcPts val="1000"/>
               </a:spcBef>
@@ -13868,24 +13896,24 @@
               <a:buChar char="⮚"/>
             </a:pPr>
             <a:r>
-              <a:rPr b="1" lang="en-GB">
+              <a:rPr lang="en-GB" b="1" smtClean="0">
                 <a:latin typeface="Calibri"/>
                 <a:ea typeface="Calibri"/>
                 <a:cs typeface="Calibri"/>
                 <a:sym typeface="Calibri"/>
               </a:rPr>
-              <a:t> </a:t>
+              <a:t>Economies </a:t>
             </a:r>
             <a:r>
-              <a:rPr b="1" lang="en-GB">
+              <a:rPr lang="en-GB" b="1" dirty="0">
                 <a:latin typeface="Calibri"/>
                 <a:ea typeface="Calibri"/>
                 <a:cs typeface="Calibri"/>
                 <a:sym typeface="Calibri"/>
               </a:rPr>
-              <a:t>Economies around the world have benefitted and new ideas have been implemented to reach out to consumers.</a:t>
+              <a:t>around the world have benefitted and new ideas have been implemented to reach out to consumers.</a:t>
             </a:r>
-            <a:endParaRPr b="1">
+            <a:endParaRPr b="1" dirty="0">
               <a:latin typeface="Calibri"/>
               <a:ea typeface="Calibri"/>
               <a:cs typeface="Calibri"/>
@@ -13893,7 +13921,7 @@
             </a:endParaRPr>
           </a:p>
           <a:p>
-            <a:pPr indent="-342900" lvl="0" marL="342900" rtl="0" algn="l">
+            <a:pPr marL="342900" lvl="0" indent="-342900" algn="l" rtl="0">
               <a:spcBef>
                 <a:spcPts val="1000"/>
               </a:spcBef>
@@ -13905,24 +13933,15 @@
               <a:buChar char="⮚"/>
             </a:pPr>
             <a:r>
-              <a:rPr b="1" lang="en-GB">
+              <a:rPr lang="en-GB" b="1" dirty="0">
                 <a:latin typeface="Calibri"/>
                 <a:ea typeface="Calibri"/>
                 <a:cs typeface="Calibri"/>
                 <a:sym typeface="Calibri"/>
               </a:rPr>
-              <a:t>Ecommerce provides tremendous opportunities in different areas but it requires careful application for consumer protection issues</a:t>
+              <a:t>Ecommerce provides tremendous opportunities in different areas but it requires careful application for consumer protection issues </a:t>
             </a:r>
-            <a:r>
-              <a:rPr b="1" lang="en-GB">
-                <a:latin typeface="Calibri"/>
-                <a:ea typeface="Calibri"/>
-                <a:cs typeface="Calibri"/>
-                <a:sym typeface="Calibri"/>
-              </a:rPr>
-              <a:t> </a:t>
-            </a:r>
-            <a:endParaRPr b="1">
+            <a:endParaRPr b="1" dirty="0">
               <a:latin typeface="Calibri"/>
               <a:ea typeface="Calibri"/>
               <a:cs typeface="Calibri"/>
@@ -13930,7 +13949,7 @@
             </a:endParaRPr>
           </a:p>
           <a:p>
-            <a:pPr indent="-342900" lvl="0" marL="342900" rtl="0" algn="l">
+            <a:pPr marL="342900" lvl="0" indent="-342900" algn="l" rtl="0">
               <a:spcBef>
                 <a:spcPts val="1000"/>
               </a:spcBef>
@@ -13942,7 +13961,7 @@
               <a:buChar char="⮚"/>
             </a:pPr>
             <a:r>
-              <a:rPr b="1" lang="en-GB">
+              <a:rPr lang="en-GB" b="1" dirty="0">
                 <a:latin typeface="Calibri"/>
                 <a:ea typeface="Calibri"/>
                 <a:cs typeface="Calibri"/>
@@ -13950,7 +13969,7 @@
               </a:rPr>
               <a:t>Growth of Ecommerce would also depend to a great extent on effective IT security systems for which necessary technological and legal provisions need to be put in place and strengthened constantly.</a:t>
             </a:r>
-            <a:endParaRPr b="1">
+            <a:endParaRPr b="1" dirty="0">
               <a:latin typeface="Calibri"/>
               <a:ea typeface="Calibri"/>
               <a:cs typeface="Calibri"/>
@@ -13958,7 +13977,7 @@
             </a:endParaRPr>
           </a:p>
           <a:p>
-            <a:pPr indent="-251459" lvl="0" marL="342900" rtl="0" algn="l">
+            <a:pPr marL="342900" lvl="0" indent="-251459" algn="l" rtl="0">
               <a:spcBef>
                 <a:spcPts val="1000"/>
               </a:spcBef>
@@ -13968,10 +13987,7 @@
               <a:buSzPts val="1440"/>
               <a:buNone/>
             </a:pPr>
-            <a:r>
-              <a:t/>
-            </a:r>
-            <a:endParaRPr b="1">
+            <a:endParaRPr b="1" dirty="0">
               <a:latin typeface="Calibri"/>
               <a:ea typeface="Calibri"/>
               <a:cs typeface="Calibri"/>
@@ -13988,13 +14004,13 @@
   <p:timing>
     <p:tnLst>
       <p:par>
-        <p:cTn dur="indefinite" nodeType="tmRoot" restart="never">
+        <p:cTn id="1" dur="indefinite" restart="never" nodeType="tmRoot">
           <p:childTnLst>
             <p:seq concurrent="1" nextAc="seek">
-              <p:cTn dur="indefinite" id="2" nodeType="mainSeq">
+              <p:cTn id="2" dur="indefinite" nodeType="mainSeq">
                 <p:childTnLst>
                   <p:par>
-                    <p:cTn fill="hold">
+                    <p:cTn id="3" fill="hold">
                       <p:stCondLst>
                         <p:cond delay="indefinite"/>
                         <p:cond evt="onBegin" delay="0">
@@ -14003,20 +14019,20 @@
                       </p:stCondLst>
                       <p:childTnLst>
                         <p:par>
-                          <p:cTn fill="hold">
+                          <p:cTn id="4" fill="hold">
                             <p:stCondLst>
                               <p:cond delay="0"/>
                             </p:stCondLst>
                             <p:childTnLst>
                               <p:par>
-                                <p:cTn fill="hold" nodeType="withEffect" presetClass="entr" presetID="2" presetSubtype="4">
+                                <p:cTn id="5" presetID="2" presetClass="entr" presetSubtype="4" fill="hold" nodeType="withEffect">
                                   <p:stCondLst>
                                     <p:cond delay="0"/>
                                   </p:stCondLst>
                                   <p:childTnLst>
                                     <p:set>
                                       <p:cBhvr>
-                                        <p:cTn dur="1" fill="hold">
+                                        <p:cTn id="6" dur="1" fill="hold">
                                           <p:stCondLst>
                                             <p:cond delay="0"/>
                                           </p:stCondLst>
@@ -14024,7 +14040,7 @@
                                         <p:tgtEl>
                                           <p:spTgt spid="181">
                                             <p:txEl>
-                                              <p:pRg end="0" st="0"/>
+                                              <p:pRg st="0" end="0"/>
                                             </p:txEl>
                                           </p:spTgt>
                                         </p:tgtEl>
@@ -14038,11 +14054,11 @@
                                     </p:set>
                                     <p:anim calcmode="lin" valueType="num">
                                       <p:cBhvr additive="base">
-                                        <p:cTn dur="500"/>
+                                        <p:cTn id="7" dur="500"/>
                                         <p:tgtEl>
                                           <p:spTgt spid="181">
                                             <p:txEl>
-                                              <p:pRg end="0" st="0"/>
+                                              <p:pRg st="0" end="0"/>
                                             </p:txEl>
                                           </p:spTgt>
                                         </p:tgtEl>
@@ -14051,12 +14067,12 @@
                                         </p:attrNameLst>
                                       </p:cBhvr>
                                       <p:tavLst>
-                                        <p:tav fmla="" tm="0">
+                                        <p:tav tm="0">
                                           <p:val>
                                             <p:strVal val="#ppt_y+1"/>
                                           </p:val>
                                         </p:tav>
-                                        <p:tav fmla="" tm="100000">
+                                        <p:tav tm="100000">
                                           <p:val>
                                             <p:strVal val="#ppt_y"/>
                                           </p:val>
@@ -14067,14 +14083,14 @@
                                 </p:cTn>
                               </p:par>
                               <p:par>
-                                <p:cTn fill="hold" nodeType="withEffect" presetClass="entr" presetID="2" presetSubtype="4">
+                                <p:cTn id="8" presetID="2" presetClass="entr" presetSubtype="4" fill="hold" nodeType="withEffect">
                                   <p:stCondLst>
                                     <p:cond delay="0"/>
                                   </p:stCondLst>
                                   <p:childTnLst>
                                     <p:set>
                                       <p:cBhvr>
-                                        <p:cTn dur="1" fill="hold">
+                                        <p:cTn id="9" dur="1" fill="hold">
                                           <p:stCondLst>
                                             <p:cond delay="0"/>
                                           </p:stCondLst>
@@ -14082,7 +14098,7 @@
                                         <p:tgtEl>
                                           <p:spTgt spid="181">
                                             <p:txEl>
-                                              <p:pRg end="1" st="1"/>
+                                              <p:pRg st="1" end="1"/>
                                             </p:txEl>
                                           </p:spTgt>
                                         </p:tgtEl>
@@ -14096,11 +14112,11 @@
                                     </p:set>
                                     <p:anim calcmode="lin" valueType="num">
                                       <p:cBhvr additive="base">
-                                        <p:cTn dur="500"/>
+                                        <p:cTn id="10" dur="500"/>
                                         <p:tgtEl>
                                           <p:spTgt spid="181">
                                             <p:txEl>
-                                              <p:pRg end="1" st="1"/>
+                                              <p:pRg st="1" end="1"/>
                                             </p:txEl>
                                           </p:spTgt>
                                         </p:tgtEl>
@@ -14109,12 +14125,12 @@
                                         </p:attrNameLst>
                                       </p:cBhvr>
                                       <p:tavLst>
-                                        <p:tav fmla="" tm="0">
+                                        <p:tav tm="0">
                                           <p:val>
                                             <p:strVal val="#ppt_y+1"/>
                                           </p:val>
                                         </p:tav>
-                                        <p:tav fmla="" tm="100000">
+                                        <p:tav tm="100000">
                                           <p:val>
                                             <p:strVal val="#ppt_y"/>
                                           </p:val>
@@ -14125,14 +14141,14 @@
                                 </p:cTn>
                               </p:par>
                               <p:par>
-                                <p:cTn fill="hold" nodeType="withEffect" presetClass="entr" presetID="2" presetSubtype="4">
+                                <p:cTn id="11" presetID="2" presetClass="entr" presetSubtype="4" fill="hold" nodeType="withEffect">
                                   <p:stCondLst>
                                     <p:cond delay="0"/>
                                   </p:stCondLst>
                                   <p:childTnLst>
                                     <p:set>
                                       <p:cBhvr>
-                                        <p:cTn dur="1" fill="hold">
+                                        <p:cTn id="12" dur="1" fill="hold">
                                           <p:stCondLst>
                                             <p:cond delay="0"/>
                                           </p:stCondLst>
@@ -14140,7 +14156,7 @@
                                         <p:tgtEl>
                                           <p:spTgt spid="181">
                                             <p:txEl>
-                                              <p:pRg end="2" st="2"/>
+                                              <p:pRg st="2" end="2"/>
                                             </p:txEl>
                                           </p:spTgt>
                                         </p:tgtEl>
@@ -14154,11 +14170,11 @@
                                     </p:set>
                                     <p:anim calcmode="lin" valueType="num">
                                       <p:cBhvr additive="base">
-                                        <p:cTn dur="500"/>
+                                        <p:cTn id="13" dur="500"/>
                                         <p:tgtEl>
                                           <p:spTgt spid="181">
                                             <p:txEl>
-                                              <p:pRg end="2" st="2"/>
+                                              <p:pRg st="2" end="2"/>
                                             </p:txEl>
                                           </p:spTgt>
                                         </p:tgtEl>
@@ -14167,12 +14183,12 @@
                                         </p:attrNameLst>
                                       </p:cBhvr>
                                       <p:tavLst>
-                                        <p:tav fmla="" tm="0">
+                                        <p:tav tm="0">
                                           <p:val>
                                             <p:strVal val="#ppt_y+1"/>
                                           </p:val>
                                         </p:tav>
-                                        <p:tav fmla="" tm="100000">
+                                        <p:tav tm="100000">
                                           <p:val>
                                             <p:strVal val="#ppt_y"/>
                                           </p:val>
@@ -14183,14 +14199,14 @@
                                 </p:cTn>
                               </p:par>
                               <p:par>
-                                <p:cTn fill="hold" nodeType="withEffect" presetClass="entr" presetID="2" presetSubtype="4">
+                                <p:cTn id="14" presetID="2" presetClass="entr" presetSubtype="4" fill="hold" nodeType="withEffect">
                                   <p:stCondLst>
                                     <p:cond delay="0"/>
                                   </p:stCondLst>
                                   <p:childTnLst>
                                     <p:set>
                                       <p:cBhvr>
-                                        <p:cTn dur="1" fill="hold">
+                                        <p:cTn id="15" dur="1" fill="hold">
                                           <p:stCondLst>
                                             <p:cond delay="0"/>
                                           </p:stCondLst>
@@ -14198,7 +14214,7 @@
                                         <p:tgtEl>
                                           <p:spTgt spid="181">
                                             <p:txEl>
-                                              <p:pRg end="3" st="3"/>
+                                              <p:pRg st="3" end="3"/>
                                             </p:txEl>
                                           </p:spTgt>
                                         </p:tgtEl>
@@ -14212,11 +14228,11 @@
                                     </p:set>
                                     <p:anim calcmode="lin" valueType="num">
                                       <p:cBhvr additive="base">
-                                        <p:cTn dur="500"/>
+                                        <p:cTn id="16" dur="500"/>
                                         <p:tgtEl>
                                           <p:spTgt spid="181">
                                             <p:txEl>
-                                              <p:pRg end="3" st="3"/>
+                                              <p:pRg st="3" end="3"/>
                                             </p:txEl>
                                           </p:spTgt>
                                         </p:tgtEl>
@@ -14225,12 +14241,12 @@
                                         </p:attrNameLst>
                                       </p:cBhvr>
                                       <p:tavLst>
-                                        <p:tav fmla="" tm="0">
+                                        <p:tav tm="0">
                                           <p:val>
                                             <p:strVal val="#ppt_y+1"/>
                                           </p:val>
                                         </p:tav>
-                                        <p:tav fmla="" tm="100000">
+                                        <p:tav tm="100000">
                                           <p:val>
                                             <p:strVal val="#ppt_y"/>
                                           </p:val>
@@ -14241,72 +14257,14 @@
                                 </p:cTn>
                               </p:par>
                               <p:par>
-                                <p:cTn fill="hold" nodeType="withEffect" presetClass="entr" presetID="2" presetSubtype="4">
+                                <p:cTn id="17" presetID="2" presetClass="entr" presetSubtype="4" fill="hold" nodeType="withEffect">
                                   <p:stCondLst>
                                     <p:cond delay="0"/>
                                   </p:stCondLst>
                                   <p:childTnLst>
                                     <p:set>
                                       <p:cBhvr>
-                                        <p:cTn dur="1" fill="hold">
-                                          <p:stCondLst>
-                                            <p:cond delay="0"/>
-                                          </p:stCondLst>
-                                        </p:cTn>
-                                        <p:tgtEl>
-                                          <p:spTgt spid="181">
-                                            <p:txEl>
-                                              <p:pRg end="4" st="4"/>
-                                            </p:txEl>
-                                          </p:spTgt>
-                                        </p:tgtEl>
-                                        <p:attrNameLst>
-                                          <p:attrName>style.visibility</p:attrName>
-                                        </p:attrNameLst>
-                                      </p:cBhvr>
-                                      <p:to>
-                                        <p:strVal val="visible"/>
-                                      </p:to>
-                                    </p:set>
-                                    <p:anim calcmode="lin" valueType="num">
-                                      <p:cBhvr additive="base">
-                                        <p:cTn dur="500"/>
-                                        <p:tgtEl>
-                                          <p:spTgt spid="181">
-                                            <p:txEl>
-                                              <p:pRg end="4" st="4"/>
-                                            </p:txEl>
-                                          </p:spTgt>
-                                        </p:tgtEl>
-                                        <p:attrNameLst>
-                                          <p:attrName>ppt_y</p:attrName>
-                                        </p:attrNameLst>
-                                      </p:cBhvr>
-                                      <p:tavLst>
-                                        <p:tav fmla="" tm="0">
-                                          <p:val>
-                                            <p:strVal val="#ppt_y+1"/>
-                                          </p:val>
-                                        </p:tav>
-                                        <p:tav fmla="" tm="100000">
-                                          <p:val>
-                                            <p:strVal val="#ppt_y"/>
-                                          </p:val>
-                                        </p:tav>
-                                      </p:tavLst>
-                                    </p:anim>
-                                  </p:childTnLst>
-                                </p:cTn>
-                              </p:par>
-                              <p:par>
-                                <p:cTn fill="hold" nodeType="withEffect" presetClass="entr" presetID="2" presetSubtype="4">
-                                  <p:stCondLst>
-                                    <p:cond delay="0"/>
-                                  </p:stCondLst>
-                                  <p:childTnLst>
-                                    <p:set>
-                                      <p:cBhvr>
-                                        <p:cTn dur="1" fill="hold">
+                                        <p:cTn id="18" dur="1" fill="hold">
                                           <p:stCondLst>
                                             <p:cond delay="0"/>
                                           </p:stCondLst>
@@ -14324,7 +14282,7 @@
                                     </p:set>
                                     <p:anim calcmode="lin" valueType="num">
                                       <p:cBhvr additive="base">
-                                        <p:cTn dur="500"/>
+                                        <p:cTn id="19" dur="500"/>
                                         <p:tgtEl>
                                           <p:spTgt spid="180"/>
                                         </p:tgtEl>
@@ -14333,12 +14291,12 @@
                                         </p:attrNameLst>
                                       </p:cBhvr>
                                       <p:tavLst>
-                                        <p:tav fmla="" tm="0">
+                                        <p:tav tm="0">
                                           <p:val>
                                             <p:strVal val="#ppt_y+1"/>
                                           </p:val>
                                         </p:tav>
-                                        <p:tav fmla="" tm="100000">
+                                        <p:tav tm="100000">
                                           <p:val>
                                             <p:strVal val="#ppt_y"/>
                                           </p:val>
@@ -14357,14 +14315,14 @@
                 </p:childTnLst>
               </p:cTn>
               <p:prevCondLst>
-                <p:cond evt="onPrev">
+                <p:cond evt="onPrev" delay="0">
                   <p:tgtEl>
                     <p:sldTgt/>
                   </p:tgtEl>
                 </p:cond>
               </p:prevCondLst>
               <p:nextCondLst>
-                <p:cond evt="onNext">
+                <p:cond evt="onNext" delay="0">
                   <p:tgtEl>
                     <p:sldTgt/>
                   </p:tgtEl>
@@ -14380,11 +14338,11 @@
 </file>
 
 <file path=ppt/slides/slide8.xml><?xml version="1.0" encoding="utf-8"?>
-<p:sld xmlns:a="http://schemas.openxmlformats.org/drawingml/2006/main" xmlns:r="http://schemas.openxmlformats.org/officeDocument/2006/relationships" xmlns:mc="http://schemas.openxmlformats.org/markup-compatibility/2006" xmlns:mv="urn:schemas-microsoft-com:mac:vml" xmlns:p="http://schemas.openxmlformats.org/presentationml/2006/main" xmlns:c="http://schemas.openxmlformats.org/drawingml/2006/chart" xmlns:dgm="http://schemas.openxmlformats.org/drawingml/2006/diagram" xmlns:o="urn:schemas-microsoft-com:office:office" xmlns:v="urn:schemas-microsoft-com:vml" xmlns:pvml="urn:schemas-microsoft-com:office:powerpoint" xmlns:com="http://schemas.openxmlformats.org/drawingml/2006/compatibility" xmlns:p14="http://schemas.microsoft.com/office/powerpoint/2010/main" xmlns:p15="http://schemas.microsoft.com/office/powerpoint/2012/main" xmlns:ahyp="http://schemas.microsoft.com/office/drawing/2018/hyperlinkcolor">
+<p:sld xmlns:a="http://schemas.openxmlformats.org/drawingml/2006/main" xmlns:r="http://schemas.openxmlformats.org/officeDocument/2006/relationships" xmlns:p="http://schemas.openxmlformats.org/presentationml/2006/main">
   <p:cSld>
     <p:spTree>
       <p:nvGrpSpPr>
-        <p:cNvPr id="185" name="Shape 185"/>
+        <p:cNvPr id="1" name="Shape 185"/>
         <p:cNvGrpSpPr/>
         <p:nvPr/>
       </p:nvGrpSpPr>
@@ -14399,9 +14357,11 @@
       <p:sp>
         <p:nvSpPr>
           <p:cNvPr id="186" name="Google Shape;186;p9"/>
-          <p:cNvSpPr txBox="1"/>
+          <p:cNvSpPr txBox="1">
+            <a:spLocks noGrp="1"/>
+          </p:cNvSpPr>
           <p:nvPr>
-            <p:ph idx="1" type="body"/>
+            <p:ph type="body" idx="1"/>
           </p:nvPr>
         </p:nvSpPr>
         <p:spPr>
@@ -14418,12 +14378,12 @@
           </a:ln>
         </p:spPr>
         <p:txBody>
-          <a:bodyPr anchorCtr="0" anchor="t" bIns="45700" lIns="91425" spcFirstLastPara="1" rIns="91425" wrap="square" tIns="45700">
-            <a:normAutofit fontScale="92500"/>
+          <a:bodyPr spcFirstLastPara="1" wrap="square" lIns="91425" tIns="45700" rIns="91425" bIns="45700" anchor="t" anchorCtr="0">
+            <a:normAutofit fontScale="92500" lnSpcReduction="10000"/>
           </a:bodyPr>
           <a:lstStyle/>
           <a:p>
-            <a:pPr indent="0" lvl="0" marL="0" rtl="0" algn="ctr">
+            <a:pPr marL="0" lvl="0" indent="0" algn="ctr" rtl="0">
               <a:spcBef>
                 <a:spcPts val="0"/>
               </a:spcBef>
@@ -14459,13 +14419,13 @@
   <p:timing>
     <p:tnLst>
       <p:par>
-        <p:cTn dur="indefinite" nodeType="tmRoot" restart="never">
+        <p:cTn id="1" dur="indefinite" restart="never" nodeType="tmRoot">
           <p:childTnLst>
             <p:seq concurrent="1" nextAc="seek">
-              <p:cTn dur="indefinite" id="2" nodeType="mainSeq">
+              <p:cTn id="2" dur="indefinite" nodeType="mainSeq">
                 <p:childTnLst>
                   <p:par>
-                    <p:cTn fill="hold">
+                    <p:cTn id="3" fill="hold">
                       <p:stCondLst>
                         <p:cond delay="indefinite"/>
                         <p:cond evt="onBegin" delay="0">
@@ -14474,20 +14434,20 @@
                       </p:stCondLst>
                       <p:childTnLst>
                         <p:par>
-                          <p:cTn fill="hold">
+                          <p:cTn id="4" fill="hold">
                             <p:stCondLst>
                               <p:cond delay="0"/>
                             </p:stCondLst>
                             <p:childTnLst>
                               <p:par>
-                                <p:cTn fill="hold" nodeType="withEffect" presetClass="entr" presetID="2" presetSubtype="4">
+                                <p:cTn id="5" presetID="2" presetClass="entr" presetSubtype="4" fill="hold" nodeType="withEffect">
                                   <p:stCondLst>
                                     <p:cond delay="0"/>
                                   </p:stCondLst>
                                   <p:childTnLst>
                                     <p:set>
                                       <p:cBhvr>
-                                        <p:cTn dur="1" fill="hold">
+                                        <p:cTn id="6" dur="1" fill="hold">
                                           <p:stCondLst>
                                             <p:cond delay="0"/>
                                           </p:stCondLst>
@@ -14495,7 +14455,7 @@
                                         <p:tgtEl>
                                           <p:spTgt spid="186">
                                             <p:txEl>
-                                              <p:pRg end="0" st="0"/>
+                                              <p:pRg st="0" end="0"/>
                                             </p:txEl>
                                           </p:spTgt>
                                         </p:tgtEl>
@@ -14509,11 +14469,11 @@
                                     </p:set>
                                     <p:anim calcmode="lin" valueType="num">
                                       <p:cBhvr additive="base">
-                                        <p:cTn dur="500"/>
+                                        <p:cTn id="7" dur="500"/>
                                         <p:tgtEl>
                                           <p:spTgt spid="186">
                                             <p:txEl>
-                                              <p:pRg end="0" st="0"/>
+                                              <p:pRg st="0" end="0"/>
                                             </p:txEl>
                                           </p:spTgt>
                                         </p:tgtEl>
@@ -14522,12 +14482,12 @@
                                         </p:attrNameLst>
                                       </p:cBhvr>
                                       <p:tavLst>
-                                        <p:tav fmla="" tm="0">
+                                        <p:tav tm="0">
                                           <p:val>
                                             <p:strVal val="#ppt_y+1"/>
                                           </p:val>
                                         </p:tav>
-                                        <p:tav fmla="" tm="100000">
+                                        <p:tav tm="100000">
                                           <p:val>
                                             <p:strVal val="#ppt_y"/>
                                           </p:val>
@@ -14546,14 +14506,14 @@
                 </p:childTnLst>
               </p:cTn>
               <p:prevCondLst>
-                <p:cond evt="onPrev">
+                <p:cond evt="onPrev" delay="0">
                   <p:tgtEl>
                     <p:sldTgt/>
                   </p:tgtEl>
                 </p:cond>
               </p:prevCondLst>
               <p:nextCondLst>
-                <p:cond evt="onNext">
+                <p:cond evt="onNext" delay="0">
                   <p:tgtEl>
                     <p:sldTgt/>
                   </p:tgtEl>
@@ -14569,7 +14529,7 @@
 </file>
 
 <file path=ppt/theme/theme1.xml><?xml version="1.0" encoding="utf-8"?>
-<a:theme xmlns:a="http://schemas.openxmlformats.org/drawingml/2006/main" xmlns:r="http://schemas.openxmlformats.org/officeDocument/2006/relationships" name="Focus">
+<a:theme xmlns:a="http://schemas.openxmlformats.org/drawingml/2006/main" name="Focus">
   <a:themeElements>
     <a:clrScheme name="Focus">
       <a:dk1>
@@ -14844,11 +14804,13 @@
       </a:bgFillStyleLst>
     </a:fmtScheme>
   </a:themeElements>
+  <a:objectDefaults/>
+  <a:extraClrSchemeLst/>
 </a:theme>
 </file>
 
 <file path=ppt/theme/theme2.xml><?xml version="1.0" encoding="utf-8"?>
-<a:theme xmlns:a="http://schemas.openxmlformats.org/drawingml/2006/main" xmlns:r="http://schemas.openxmlformats.org/officeDocument/2006/relationships">
+<a:theme xmlns:a="http://schemas.openxmlformats.org/drawingml/2006/main">
   <a:themeElements>
     <a:clrScheme name="Default">
       <a:dk1>
@@ -15123,5 +15085,7 @@
       </a:bgFillStyleLst>
     </a:fmtScheme>
   </a:themeElements>
+  <a:objectDefaults/>
+  <a:extraClrSchemeLst/>
 </a:theme>
 </file>